--- a/FireWire.pptx
+++ b/FireWire.pptx
@@ -15,7 +15,14 @@
     <p:sldId id="264" r:id="rId9"/>
     <p:sldId id="266" r:id="rId10"/>
     <p:sldId id="267" r:id="rId11"/>
-    <p:sldId id="259" r:id="rId12"/>
+    <p:sldId id="268" r:id="rId12"/>
+    <p:sldId id="270" r:id="rId13"/>
+    <p:sldId id="271" r:id="rId14"/>
+    <p:sldId id="272" r:id="rId15"/>
+    <p:sldId id="273" r:id="rId16"/>
+    <p:sldId id="274" r:id="rId17"/>
+    <p:sldId id="275" r:id="rId18"/>
+    <p:sldId id="259" r:id="rId19"/>
   </p:sldIdLst>
   <p:sldSz cx="9144000" cy="6858000" type="screen4x3"/>
   <p:notesSz cx="6858000" cy="9144000"/>
@@ -3308,7 +3315,7 @@
                 <a:ea typeface="Tahoma" pitchFamily="34" charset="0"/>
                 <a:cs typeface="Tahoma" pitchFamily="34" charset="0"/>
               </a:rPr>
-              <a:t>Преимущества</a:t>
+              <a:t>Уровни</a:t>
             </a:r>
             <a:endParaRPr lang="ru-RU" dirty="0">
               <a:latin typeface="Tahoma" pitchFamily="34" charset="0"/>
@@ -3346,15 +3353,7 @@
                 <a:ea typeface="Tahoma" pitchFamily="34" charset="0"/>
                 <a:cs typeface="Tahoma" pitchFamily="34" charset="0"/>
               </a:rPr>
-              <a:t>Легкость установки</a:t>
-            </a:r>
-            <a:r>
-              <a:rPr lang="ru-RU" sz="2800" b="1" dirty="0" smtClean="0">
-                <a:latin typeface="Tahoma" pitchFamily="34" charset="0"/>
-                <a:ea typeface="Tahoma" pitchFamily="34" charset="0"/>
-                <a:cs typeface="Tahoma" pitchFamily="34" charset="0"/>
-              </a:rPr>
-              <a:t> </a:t>
+              <a:t>Физический уровень</a:t>
             </a:r>
             <a:r>
               <a:rPr lang="ru-RU" sz="2800" dirty="0" smtClean="0">
@@ -3362,7 +3361,32 @@
                 <a:ea typeface="Tahoma" pitchFamily="34" charset="0"/>
                 <a:cs typeface="Tahoma" pitchFamily="34" charset="0"/>
               </a:rPr>
-              <a:t>(</a:t>
+              <a:t> (сигналы, инициализация, арбитраж)</a:t>
+            </a:r>
+          </a:p>
+          <a:p>
+            <a:endParaRPr lang="ru-RU" sz="2800" dirty="0" smtClean="0">
+              <a:latin typeface="Tahoma" pitchFamily="34" charset="0"/>
+              <a:ea typeface="Tahoma" pitchFamily="34" charset="0"/>
+              <a:cs typeface="Tahoma" pitchFamily="34" charset="0"/>
+            </a:endParaRPr>
+          </a:p>
+          <a:p>
+            <a:r>
+              <a:rPr lang="ru-RU" sz="2800" b="1" u="sng" dirty="0" smtClean="0">
+                <a:latin typeface="Tahoma" pitchFamily="34" charset="0"/>
+                <a:ea typeface="Tahoma" pitchFamily="34" charset="0"/>
+                <a:cs typeface="Tahoma" pitchFamily="34" charset="0"/>
+              </a:rPr>
+              <a:t>Уровень связи</a:t>
+            </a:r>
+            <a:r>
+              <a:rPr lang="ru-RU" sz="2800" dirty="0" smtClean="0">
+                <a:latin typeface="Tahoma" pitchFamily="34" charset="0"/>
+                <a:ea typeface="Tahoma" pitchFamily="34" charset="0"/>
+                <a:cs typeface="Tahoma" pitchFamily="34" charset="0"/>
+              </a:rPr>
+              <a:t> (формирует пакеты из данных физического уровня </a:t>
             </a:r>
             <a:r>
               <a:rPr lang="en-US" sz="2800" dirty="0" smtClean="0">
@@ -3370,7 +3394,7 @@
                 <a:ea typeface="Tahoma" pitchFamily="34" charset="0"/>
                 <a:cs typeface="Tahoma" pitchFamily="34" charset="0"/>
               </a:rPr>
-              <a:t>PnP, </a:t>
+              <a:t>(</a:t>
             </a:r>
             <a:r>
               <a:rPr lang="ru-RU" sz="2800" dirty="0" smtClean="0">
@@ -3378,32 +3402,15 @@
                 <a:ea typeface="Tahoma" pitchFamily="34" charset="0"/>
                 <a:cs typeface="Tahoma" pitchFamily="34" charset="0"/>
               </a:rPr>
-              <a:t>горячее подключение и отключение)</a:t>
+              <a:t>и обратно</a:t>
             </a:r>
-          </a:p>
-          <a:p>
-            <a:endParaRPr lang="ru-RU" sz="2800" dirty="0">
-              <a:latin typeface="Tahoma" pitchFamily="34" charset="0"/>
-              <a:ea typeface="Tahoma" pitchFamily="34" charset="0"/>
-              <a:cs typeface="Tahoma" pitchFamily="34" charset="0"/>
-            </a:endParaRPr>
-          </a:p>
-          <a:p>
             <a:r>
-              <a:rPr lang="ru-RU" sz="2800" b="1" u="sng" dirty="0" smtClean="0">
+              <a:rPr lang="en-US" sz="2800" dirty="0" smtClean="0">
                 <a:latin typeface="Tahoma" pitchFamily="34" charset="0"/>
                 <a:ea typeface="Tahoma" pitchFamily="34" charset="0"/>
                 <a:cs typeface="Tahoma" pitchFamily="34" charset="0"/>
               </a:rPr>
-              <a:t>Гибкая </a:t>
-            </a:r>
-            <a:r>
-              <a:rPr lang="ru-RU" sz="2800" b="1" u="sng" dirty="0" smtClean="0">
-                <a:latin typeface="Tahoma" pitchFamily="34" charset="0"/>
-                <a:ea typeface="Tahoma" pitchFamily="34" charset="0"/>
-                <a:cs typeface="Tahoma" pitchFamily="34" charset="0"/>
-              </a:rPr>
-              <a:t>топология</a:t>
+              <a:t>)</a:t>
             </a:r>
             <a:r>
               <a:rPr lang="ru-RU" sz="2800" dirty="0" smtClean="0">
@@ -3411,45 +3418,15 @@
                 <a:ea typeface="Tahoma" pitchFamily="34" charset="0"/>
                 <a:cs typeface="Tahoma" pitchFamily="34" charset="0"/>
               </a:rPr>
-              <a:t> (равноправие устройств)</a:t>
+              <a:t>, обеспечивает </a:t>
             </a:r>
-            <a:endParaRPr lang="ru-RU" sz="2800" b="1" u="sng" dirty="0" smtClean="0">
-              <a:latin typeface="Tahoma" pitchFamily="34" charset="0"/>
-              <a:ea typeface="Tahoma" pitchFamily="34" charset="0"/>
-              <a:cs typeface="Tahoma" pitchFamily="34" charset="0"/>
-            </a:endParaRPr>
-          </a:p>
-          <a:p>
-            <a:endParaRPr lang="ru-RU" sz="2800" dirty="0">
-              <a:latin typeface="Tahoma" pitchFamily="34" charset="0"/>
-              <a:ea typeface="Tahoma" pitchFamily="34" charset="0"/>
-              <a:cs typeface="Tahoma" pitchFamily="34" charset="0"/>
-            </a:endParaRPr>
-          </a:p>
-          <a:p>
             <a:r>
-              <a:rPr lang="ru-RU" sz="2800" b="1" u="sng" dirty="0" smtClean="0">
+              <a:rPr lang="ru-RU" sz="2800" u="sng" dirty="0" smtClean="0">
                 <a:latin typeface="Tahoma" pitchFamily="34" charset="0"/>
                 <a:ea typeface="Tahoma" pitchFamily="34" charset="0"/>
                 <a:cs typeface="Tahoma" pitchFamily="34" charset="0"/>
               </a:rPr>
-              <a:t>Открытая </a:t>
-            </a:r>
-            <a:r>
-              <a:rPr lang="ru-RU" sz="2800" b="1" u="sng" dirty="0" smtClean="0">
-                <a:latin typeface="Tahoma" pitchFamily="34" charset="0"/>
-                <a:ea typeface="Tahoma" pitchFamily="34" charset="0"/>
-                <a:cs typeface="Tahoma" pitchFamily="34" charset="0"/>
-              </a:rPr>
-              <a:t>архитектура</a:t>
-            </a:r>
-            <a:r>
-              <a:rPr lang="en-US" sz="2800" dirty="0" smtClean="0">
-                <a:latin typeface="Tahoma" pitchFamily="34" charset="0"/>
-                <a:ea typeface="Tahoma" pitchFamily="34" charset="0"/>
-                <a:cs typeface="Tahoma" pitchFamily="34" charset="0"/>
-              </a:rPr>
-              <a:t> (</a:t>
+              <a:t>изохронную</a:t>
             </a:r>
             <a:r>
               <a:rPr lang="ru-RU" sz="2800" dirty="0" smtClean="0">
@@ -3457,16 +3434,11 @@
                 <a:ea typeface="Tahoma" pitchFamily="34" charset="0"/>
                 <a:cs typeface="Tahoma" pitchFamily="34" charset="0"/>
               </a:rPr>
-              <a:t>нет необходимости в специальном ПО)</a:t>
+              <a:t> передачу)</a:t>
             </a:r>
+          </a:p>
+          <a:p>
             <a:endParaRPr lang="ru-RU" sz="2800" b="1" u="sng" dirty="0" smtClean="0">
-              <a:latin typeface="Tahoma" pitchFamily="34" charset="0"/>
-              <a:ea typeface="Tahoma" pitchFamily="34" charset="0"/>
-              <a:cs typeface="Tahoma" pitchFamily="34" charset="0"/>
-            </a:endParaRPr>
-          </a:p>
-          <a:p>
-            <a:endParaRPr lang="ru-RU" sz="2800" dirty="0" smtClean="0">
               <a:latin typeface="Tahoma" pitchFamily="34" charset="0"/>
               <a:ea typeface="Tahoma" pitchFamily="34" charset="0"/>
               <a:cs typeface="Tahoma" pitchFamily="34" charset="0"/>
@@ -3479,7 +3451,7 @@
                 <a:ea typeface="Tahoma" pitchFamily="34" charset="0"/>
                 <a:cs typeface="Tahoma" pitchFamily="34" charset="0"/>
               </a:rPr>
-              <a:t>Питание от шины</a:t>
+              <a:t>Уровень транзакций</a:t>
             </a:r>
             <a:r>
               <a:rPr lang="ru-RU" sz="2800" dirty="0" smtClean="0">
@@ -3487,11 +3459,25 @@
                 <a:ea typeface="Tahoma" pitchFamily="34" charset="0"/>
                 <a:cs typeface="Tahoma" pitchFamily="34" charset="0"/>
               </a:rPr>
-              <a:t> (1.5А)</a:t>
+              <a:t> (извлекает данные из пакета и передает их приложению, обеспечивает </a:t>
             </a:r>
-          </a:p>
-          <a:p>
-            <a:endParaRPr lang="ru-RU" sz="2800" dirty="0">
+            <a:r>
+              <a:rPr lang="ru-RU" sz="2800" u="sng" dirty="0" smtClean="0">
+                <a:latin typeface="Tahoma" pitchFamily="34" charset="0"/>
+                <a:ea typeface="Tahoma" pitchFamily="34" charset="0"/>
+                <a:cs typeface="Tahoma" pitchFamily="34" charset="0"/>
+              </a:rPr>
+              <a:t>асинхронную</a:t>
+            </a:r>
+            <a:r>
+              <a:rPr lang="ru-RU" sz="2800" dirty="0" smtClean="0">
+                <a:latin typeface="Tahoma" pitchFamily="34" charset="0"/>
+                <a:ea typeface="Tahoma" pitchFamily="34" charset="0"/>
+                <a:cs typeface="Tahoma" pitchFamily="34" charset="0"/>
+              </a:rPr>
+              <a:t> передачу)</a:t>
+            </a:r>
+            <a:endParaRPr lang="ru-RU" sz="2800" b="1" u="sng" dirty="0" smtClean="0">
               <a:latin typeface="Tahoma" pitchFamily="34" charset="0"/>
               <a:ea typeface="Tahoma" pitchFamily="34" charset="0"/>
               <a:cs typeface="Tahoma" pitchFamily="34" charset="0"/>
@@ -3504,7 +3490,9 @@
   <p:clrMapOvr>
     <a:masterClrMapping/>
   </p:clrMapOvr>
-  <p:transition/>
+  <p:transition>
+    <p:wipe/>
+  </p:transition>
   <p:timing>
     <p:tnLst>
       <p:par>
@@ -3517,9 +3505,6 @@
                     <p:cTn id="3" fill="hold">
                       <p:stCondLst>
                         <p:cond delay="indefinite"/>
-                        <p:cond evt="onBegin" delay="0">
-                          <p:tn val="2"/>
-                        </p:cond>
                       </p:stCondLst>
                       <p:childTnLst>
                         <p:par>
@@ -3529,7 +3514,7 @@
                             </p:stCondLst>
                             <p:childTnLst>
                               <p:par>
-                                <p:cTn id="5" presetID="2" presetClass="entr" presetSubtype="4" fill="hold" nodeType="withEffect">
+                                <p:cTn id="5" presetID="2" presetClass="entr" presetSubtype="4" fill="hold" nodeType="clickEffect">
                                   <p:stCondLst>
                                     <p:cond delay="0"/>
                                   </p:stCondLst>
@@ -3796,109 +3781,6 @@
                                           <p:spTgt spid="6">
                                             <p:txEl>
                                               <p:pRg st="4" end="4"/>
-                                            </p:txEl>
-                                          </p:spTgt>
-                                        </p:tgtEl>
-                                        <p:attrNameLst>
-                                          <p:attrName>ppt_y</p:attrName>
-                                        </p:attrNameLst>
-                                      </p:cBhvr>
-                                      <p:tavLst>
-                                        <p:tav tm="0">
-                                          <p:val>
-                                            <p:strVal val="1+#ppt_h/2"/>
-                                          </p:val>
-                                        </p:tav>
-                                        <p:tav tm="100000">
-                                          <p:val>
-                                            <p:strVal val="#ppt_y"/>
-                                          </p:val>
-                                        </p:tav>
-                                      </p:tavLst>
-                                    </p:anim>
-                                  </p:childTnLst>
-                                </p:cTn>
-                              </p:par>
-                            </p:childTnLst>
-                          </p:cTn>
-                        </p:par>
-                      </p:childTnLst>
-                    </p:cTn>
-                  </p:par>
-                  <p:par>
-                    <p:cTn id="21" fill="hold">
-                      <p:stCondLst>
-                        <p:cond delay="indefinite"/>
-                      </p:stCondLst>
-                      <p:childTnLst>
-                        <p:par>
-                          <p:cTn id="22" fill="hold">
-                            <p:stCondLst>
-                              <p:cond delay="0"/>
-                            </p:stCondLst>
-                            <p:childTnLst>
-                              <p:par>
-                                <p:cTn id="23" presetID="2" presetClass="entr" presetSubtype="4" fill="hold" nodeType="clickEffect">
-                                  <p:stCondLst>
-                                    <p:cond delay="0"/>
-                                  </p:stCondLst>
-                                  <p:childTnLst>
-                                    <p:set>
-                                      <p:cBhvr>
-                                        <p:cTn id="24" dur="1" fill="hold">
-                                          <p:stCondLst>
-                                            <p:cond delay="0"/>
-                                          </p:stCondLst>
-                                        </p:cTn>
-                                        <p:tgtEl>
-                                          <p:spTgt spid="6">
-                                            <p:txEl>
-                                              <p:pRg st="6" end="6"/>
-                                            </p:txEl>
-                                          </p:spTgt>
-                                        </p:tgtEl>
-                                        <p:attrNameLst>
-                                          <p:attrName>style.visibility</p:attrName>
-                                        </p:attrNameLst>
-                                      </p:cBhvr>
-                                      <p:to>
-                                        <p:strVal val="visible"/>
-                                      </p:to>
-                                    </p:set>
-                                    <p:anim calcmode="lin" valueType="num">
-                                      <p:cBhvr additive="base">
-                                        <p:cTn id="25" dur="500" fill="hold"/>
-                                        <p:tgtEl>
-                                          <p:spTgt spid="6">
-                                            <p:txEl>
-                                              <p:pRg st="6" end="6"/>
-                                            </p:txEl>
-                                          </p:spTgt>
-                                        </p:tgtEl>
-                                        <p:attrNameLst>
-                                          <p:attrName>ppt_x</p:attrName>
-                                        </p:attrNameLst>
-                                      </p:cBhvr>
-                                      <p:tavLst>
-                                        <p:tav tm="0">
-                                          <p:val>
-                                            <p:strVal val="#ppt_x"/>
-                                          </p:val>
-                                        </p:tav>
-                                        <p:tav tm="100000">
-                                          <p:val>
-                                            <p:strVal val="#ppt_x"/>
-                                          </p:val>
-                                        </p:tav>
-                                      </p:tavLst>
-                                    </p:anim>
-                                    <p:anim calcmode="lin" valueType="num">
-                                      <p:cBhvr additive="base">
-                                        <p:cTn id="26" dur="500" fill="hold"/>
-                                        <p:tgtEl>
-                                          <p:spTgt spid="6">
-                                            <p:txEl>
-                                              <p:pRg st="6" end="6"/>
                                             </p:txEl>
                                           </p:spTgt>
                                         </p:tgtEl>
@@ -3982,7 +3864,9 @@
         </p:nvSpPr>
         <p:spPr/>
         <p:txBody>
-          <a:bodyPr/>
+          <a:bodyPr>
+            <a:normAutofit fontScale="90000"/>
+          </a:bodyPr>
           <a:lstStyle/>
           <a:p>
             <a:r>
@@ -3991,7 +3875,7 @@
                 <a:ea typeface="Tahoma" pitchFamily="34" charset="0"/>
                 <a:cs typeface="Tahoma" pitchFamily="34" charset="0"/>
               </a:rPr>
-              <a:t>Источники</a:t>
+              <a:t>Арбитраж на физическом уровне</a:t>
             </a:r>
             <a:endParaRPr lang="ru-RU" dirty="0">
               <a:latin typeface="Tahoma" pitchFamily="34" charset="0"/>
@@ -4024,6 +3908,7576 @@
           <a:lstStyle/>
           <a:p>
             <a:r>
+              <a:rPr lang="en-US" sz="2800" b="1" u="sng" dirty="0" smtClean="0">
+                <a:latin typeface="Tahoma" pitchFamily="34" charset="0"/>
+                <a:ea typeface="Tahoma" pitchFamily="34" charset="0"/>
+                <a:cs typeface="Tahoma" pitchFamily="34" charset="0"/>
+              </a:rPr>
+              <a:t>Bus initialization</a:t>
+            </a:r>
+          </a:p>
+          <a:p>
+            <a:r>
+              <a:rPr lang="ru-RU" sz="2800" dirty="0" smtClean="0">
+                <a:latin typeface="Tahoma" pitchFamily="34" charset="0"/>
+                <a:ea typeface="Tahoma" pitchFamily="34" charset="0"/>
+                <a:cs typeface="Tahoma" pitchFamily="34" charset="0"/>
+              </a:rPr>
+              <a:t>подготовить все устройства, подождать некоторое время</a:t>
+            </a:r>
+            <a:endParaRPr lang="ru-RU" sz="2800" dirty="0" smtClean="0">
+              <a:latin typeface="Tahoma" pitchFamily="34" charset="0"/>
+              <a:ea typeface="Tahoma" pitchFamily="34" charset="0"/>
+              <a:cs typeface="Tahoma" pitchFamily="34" charset="0"/>
+            </a:endParaRPr>
+          </a:p>
+          <a:p>
+            <a:endParaRPr lang="ru-RU" sz="2800" b="1" u="sng" dirty="0" smtClean="0">
+              <a:latin typeface="Tahoma" pitchFamily="34" charset="0"/>
+              <a:ea typeface="Tahoma" pitchFamily="34" charset="0"/>
+              <a:cs typeface="Tahoma" pitchFamily="34" charset="0"/>
+            </a:endParaRPr>
+          </a:p>
+          <a:p>
+            <a:r>
+              <a:rPr lang="en-US" sz="2800" b="1" u="sng" dirty="0" smtClean="0">
+                <a:latin typeface="Tahoma" pitchFamily="34" charset="0"/>
+                <a:ea typeface="Tahoma" pitchFamily="34" charset="0"/>
+                <a:cs typeface="Tahoma" pitchFamily="34" charset="0"/>
+              </a:rPr>
+              <a:t>Tree identification</a:t>
+            </a:r>
+          </a:p>
+        </p:txBody>
+      </p:sp>
+      <p:graphicFrame>
+        <p:nvGraphicFramePr>
+          <p:cNvPr id="4" name="Таблица 3"/>
+          <p:cNvGraphicFramePr>
+            <a:graphicFrameLocks noGrp="1"/>
+          </p:cNvGraphicFramePr>
+          <p:nvPr/>
+        </p:nvGraphicFramePr>
+        <p:xfrm>
+          <a:off x="285720" y="4286256"/>
+          <a:ext cx="8572560" cy="1743085"/>
+        </p:xfrm>
+        <a:graphic>
+          <a:graphicData uri="http://schemas.openxmlformats.org/drawingml/2006/table">
+            <a:tbl>
+              <a:tblPr firstRow="1" bandRow="1"/>
+              <a:tblGrid>
+                <a:gridCol w="6572296"/>
+                <a:gridCol w="2000264"/>
+              </a:tblGrid>
+              <a:tr h="428627">
+                <a:tc>
+                  <a:txBody>
+                    <a:bodyPr/>
+                    <a:lstStyle/>
+                    <a:p>
+                      <a:pPr algn="ctr"/>
+                      <a:r>
+                        <a:rPr lang="ru-RU" sz="2400" dirty="0" smtClean="0">
+                          <a:latin typeface="Tahoma" pitchFamily="34" charset="0"/>
+                          <a:ea typeface="Tahoma" pitchFamily="34" charset="0"/>
+                          <a:cs typeface="Tahoma" pitchFamily="34" charset="0"/>
+                        </a:rPr>
+                        <a:t>Сигнал</a:t>
+                      </a:r>
+                      <a:endParaRPr lang="ru-RU" sz="2400" dirty="0">
+                        <a:latin typeface="Tahoma" pitchFamily="34" charset="0"/>
+                        <a:ea typeface="Tahoma" pitchFamily="34" charset="0"/>
+                        <a:cs typeface="Tahoma" pitchFamily="34" charset="0"/>
+                      </a:endParaRPr>
+                    </a:p>
+                  </a:txBody>
+                  <a:tcPr anchor="ctr"/>
+                </a:tc>
+                <a:tc>
+                  <a:txBody>
+                    <a:bodyPr/>
+                    <a:lstStyle/>
+                    <a:p>
+                      <a:pPr algn="ctr"/>
+                      <a:r>
+                        <a:rPr lang="en-US" sz="2400" dirty="0" smtClean="0">
+                          <a:latin typeface="Tahoma" pitchFamily="34" charset="0"/>
+                          <a:ea typeface="Tahoma" pitchFamily="34" charset="0"/>
+                          <a:cs typeface="Tahoma" pitchFamily="34" charset="0"/>
+                        </a:rPr>
+                        <a:t>TPA</a:t>
+                      </a:r>
+                      <a:endParaRPr lang="ru-RU" sz="2400" dirty="0">
+                        <a:latin typeface="Tahoma" pitchFamily="34" charset="0"/>
+                        <a:ea typeface="Tahoma" pitchFamily="34" charset="0"/>
+                        <a:cs typeface="Tahoma" pitchFamily="34" charset="0"/>
+                      </a:endParaRPr>
+                    </a:p>
+                  </a:txBody>
+                  <a:tcPr anchor="ctr"/>
+                </a:tc>
+              </a:tr>
+              <a:tr h="642942">
+                <a:tc>
+                  <a:txBody>
+                    <a:bodyPr/>
+                    <a:lstStyle/>
+                    <a:p>
+                      <a:pPr marL="0" marR="0" indent="0" algn="ctr" defTabSz="914400" rtl="0" eaLnBrk="1" fontAlgn="auto" latinLnBrk="0" hangingPunct="1">
+                        <a:lnSpc>
+                          <a:spcPct val="100000"/>
+                        </a:lnSpc>
+                        <a:spcBef>
+                          <a:spcPts val="0"/>
+                        </a:spcBef>
+                        <a:spcAft>
+                          <a:spcPts val="0"/>
+                        </a:spcAft>
+                        <a:buClrTx/>
+                        <a:buSzTx/>
+                        <a:buFontTx/>
+                        <a:buNone/>
+                        <a:tabLst/>
+                        <a:defRPr/>
+                      </a:pPr>
+                      <a:r>
+                        <a:rPr lang="en-US" sz="2400" u="sng" dirty="0" smtClean="0">
+                          <a:latin typeface="Tahoma" pitchFamily="34" charset="0"/>
+                          <a:ea typeface="Tahoma" pitchFamily="34" charset="0"/>
+                          <a:cs typeface="Tahoma" pitchFamily="34" charset="0"/>
+                        </a:rPr>
+                        <a:t>PARENT</a:t>
+                      </a:r>
+                      <a:r>
+                        <a:rPr lang="en-US" sz="2400" dirty="0" smtClean="0">
+                          <a:latin typeface="Tahoma" pitchFamily="34" charset="0"/>
+                          <a:ea typeface="Tahoma" pitchFamily="34" charset="0"/>
+                          <a:cs typeface="Tahoma" pitchFamily="34" charset="0"/>
+                        </a:rPr>
+                        <a:t> notify (</a:t>
+                      </a:r>
+                      <a:r>
+                        <a:rPr lang="ru-RU" sz="2400" dirty="0" smtClean="0">
+                          <a:latin typeface="Tahoma" pitchFamily="34" charset="0"/>
+                          <a:ea typeface="Tahoma" pitchFamily="34" charset="0"/>
+                          <a:cs typeface="Tahoma" pitchFamily="34" charset="0"/>
+                        </a:rPr>
+                        <a:t>«будь моим родителем»</a:t>
+                      </a:r>
+                      <a:r>
+                        <a:rPr lang="en-US" sz="2400" dirty="0" smtClean="0">
+                          <a:latin typeface="Tahoma" pitchFamily="34" charset="0"/>
+                          <a:ea typeface="Tahoma" pitchFamily="34" charset="0"/>
+                          <a:cs typeface="Tahoma" pitchFamily="34" charset="0"/>
+                        </a:rPr>
+                        <a:t>)</a:t>
+                      </a:r>
+                      <a:endParaRPr lang="ru-RU" sz="2400" b="1" dirty="0">
+                        <a:latin typeface="Tahoma" pitchFamily="34" charset="0"/>
+                        <a:ea typeface="Tahoma" pitchFamily="34" charset="0"/>
+                        <a:cs typeface="Tahoma" pitchFamily="34" charset="0"/>
+                      </a:endParaRPr>
+                    </a:p>
+                  </a:txBody>
+                  <a:tcPr anchor="ctr"/>
+                </a:tc>
+                <a:tc>
+                  <a:txBody>
+                    <a:bodyPr/>
+                    <a:lstStyle/>
+                    <a:p>
+                      <a:pPr algn="ctr"/>
+                      <a:r>
+                        <a:rPr lang="ru-RU" sz="2400" dirty="0" smtClean="0">
+                          <a:latin typeface="Tahoma" pitchFamily="34" charset="0"/>
+                          <a:ea typeface="Tahoma" pitchFamily="34" charset="0"/>
+                          <a:cs typeface="Tahoma" pitchFamily="34" charset="0"/>
+                        </a:rPr>
+                        <a:t>0</a:t>
+                      </a:r>
+                      <a:endParaRPr lang="ru-RU" sz="2400" dirty="0">
+                        <a:latin typeface="Tahoma" pitchFamily="34" charset="0"/>
+                        <a:ea typeface="Tahoma" pitchFamily="34" charset="0"/>
+                        <a:cs typeface="Tahoma" pitchFamily="34" charset="0"/>
+                      </a:endParaRPr>
+                    </a:p>
+                  </a:txBody>
+                  <a:tcPr anchor="ctr"/>
+                </a:tc>
+              </a:tr>
+              <a:tr h="642943">
+                <a:tc>
+                  <a:txBody>
+                    <a:bodyPr/>
+                    <a:lstStyle/>
+                    <a:p>
+                      <a:pPr algn="ctr"/>
+                      <a:r>
+                        <a:rPr lang="en-US" sz="2400" u="sng" dirty="0" smtClean="0">
+                          <a:latin typeface="Tahoma" pitchFamily="34" charset="0"/>
+                          <a:ea typeface="Tahoma" pitchFamily="34" charset="0"/>
+                          <a:cs typeface="Tahoma" pitchFamily="34" charset="0"/>
+                        </a:rPr>
+                        <a:t>CHILD</a:t>
+                      </a:r>
+                      <a:r>
+                        <a:rPr lang="en-US" sz="2400" baseline="0" dirty="0" smtClean="0">
+                          <a:latin typeface="Tahoma" pitchFamily="34" charset="0"/>
+                          <a:ea typeface="Tahoma" pitchFamily="34" charset="0"/>
+                          <a:cs typeface="Tahoma" pitchFamily="34" charset="0"/>
+                        </a:rPr>
+                        <a:t> notify (</a:t>
+                      </a:r>
+                      <a:r>
+                        <a:rPr lang="ru-RU" sz="2400" baseline="0" dirty="0" smtClean="0">
+                          <a:latin typeface="Tahoma" pitchFamily="34" charset="0"/>
+                          <a:ea typeface="Tahoma" pitchFamily="34" charset="0"/>
+                          <a:cs typeface="Tahoma" pitchFamily="34" charset="0"/>
+                        </a:rPr>
+                        <a:t>«будь моим ребенком»</a:t>
+                      </a:r>
+                      <a:r>
+                        <a:rPr lang="en-US" sz="2400" baseline="0" dirty="0" smtClean="0">
+                          <a:latin typeface="Tahoma" pitchFamily="34" charset="0"/>
+                          <a:ea typeface="Tahoma" pitchFamily="34" charset="0"/>
+                          <a:cs typeface="Tahoma" pitchFamily="34" charset="0"/>
+                        </a:rPr>
+                        <a:t>)</a:t>
+                      </a:r>
+                      <a:endParaRPr lang="ru-RU" sz="2400" dirty="0">
+                        <a:latin typeface="Tahoma" pitchFamily="34" charset="0"/>
+                        <a:ea typeface="Tahoma" pitchFamily="34" charset="0"/>
+                        <a:cs typeface="Tahoma" pitchFamily="34" charset="0"/>
+                      </a:endParaRPr>
+                    </a:p>
+                  </a:txBody>
+                  <a:tcPr anchor="ctr"/>
+                </a:tc>
+                <a:tc>
+                  <a:txBody>
+                    <a:bodyPr/>
+                    <a:lstStyle/>
+                    <a:p>
+                      <a:pPr algn="ctr"/>
+                      <a:r>
+                        <a:rPr lang="en-US" sz="2400" dirty="0" smtClean="0">
+                          <a:latin typeface="Tahoma" pitchFamily="34" charset="0"/>
+                          <a:ea typeface="Tahoma" pitchFamily="34" charset="0"/>
+                          <a:cs typeface="Tahoma" pitchFamily="34" charset="0"/>
+                        </a:rPr>
+                        <a:t>1</a:t>
+                      </a:r>
+                      <a:endParaRPr lang="ru-RU" sz="2400" dirty="0">
+                        <a:latin typeface="Tahoma" pitchFamily="34" charset="0"/>
+                        <a:ea typeface="Tahoma" pitchFamily="34" charset="0"/>
+                        <a:cs typeface="Tahoma" pitchFamily="34" charset="0"/>
+                      </a:endParaRPr>
+                    </a:p>
+                  </a:txBody>
+                  <a:tcPr anchor="ctr"/>
+                </a:tc>
+              </a:tr>
+            </a:tbl>
+          </a:graphicData>
+        </a:graphic>
+      </p:graphicFrame>
+    </p:spTree>
+  </p:cSld>
+  <p:clrMapOvr>
+    <a:masterClrMapping/>
+  </p:clrMapOvr>
+  <p:transition>
+    <p:wipe/>
+  </p:transition>
+  <p:timing>
+    <p:tnLst>
+      <p:par>
+        <p:cTn id="1" dur="indefinite" restart="never" nodeType="tmRoot">
+          <p:childTnLst>
+            <p:seq concurrent="1" nextAc="seek">
+              <p:cTn id="2" dur="indefinite" nodeType="mainSeq">
+                <p:childTnLst>
+                  <p:par>
+                    <p:cTn id="3" fill="hold">
+                      <p:stCondLst>
+                        <p:cond delay="indefinite"/>
+                      </p:stCondLst>
+                      <p:childTnLst>
+                        <p:par>
+                          <p:cTn id="4" fill="hold">
+                            <p:stCondLst>
+                              <p:cond delay="0"/>
+                            </p:stCondLst>
+                            <p:childTnLst>
+                              <p:par>
+                                <p:cTn id="5" presetID="2" presetClass="entr" presetSubtype="4" fill="hold" nodeType="clickEffect">
+                                  <p:stCondLst>
+                                    <p:cond delay="0"/>
+                                  </p:stCondLst>
+                                  <p:childTnLst>
+                                    <p:set>
+                                      <p:cBhvr>
+                                        <p:cTn id="6" dur="1" fill="hold">
+                                          <p:stCondLst>
+                                            <p:cond delay="0"/>
+                                          </p:stCondLst>
+                                        </p:cTn>
+                                        <p:tgtEl>
+                                          <p:spTgt spid="6">
+                                            <p:txEl>
+                                              <p:pRg st="0" end="0"/>
+                                            </p:txEl>
+                                          </p:spTgt>
+                                        </p:tgtEl>
+                                        <p:attrNameLst>
+                                          <p:attrName>style.visibility</p:attrName>
+                                        </p:attrNameLst>
+                                      </p:cBhvr>
+                                      <p:to>
+                                        <p:strVal val="visible"/>
+                                      </p:to>
+                                    </p:set>
+                                    <p:anim calcmode="lin" valueType="num">
+                                      <p:cBhvr additive="base">
+                                        <p:cTn id="7" dur="500" fill="hold"/>
+                                        <p:tgtEl>
+                                          <p:spTgt spid="6">
+                                            <p:txEl>
+                                              <p:pRg st="0" end="0"/>
+                                            </p:txEl>
+                                          </p:spTgt>
+                                        </p:tgtEl>
+                                        <p:attrNameLst>
+                                          <p:attrName>ppt_x</p:attrName>
+                                        </p:attrNameLst>
+                                      </p:cBhvr>
+                                      <p:tavLst>
+                                        <p:tav tm="0">
+                                          <p:val>
+                                            <p:strVal val="#ppt_x"/>
+                                          </p:val>
+                                        </p:tav>
+                                        <p:tav tm="100000">
+                                          <p:val>
+                                            <p:strVal val="#ppt_x"/>
+                                          </p:val>
+                                        </p:tav>
+                                      </p:tavLst>
+                                    </p:anim>
+                                    <p:anim calcmode="lin" valueType="num">
+                                      <p:cBhvr additive="base">
+                                        <p:cTn id="8" dur="500" fill="hold"/>
+                                        <p:tgtEl>
+                                          <p:spTgt spid="6">
+                                            <p:txEl>
+                                              <p:pRg st="0" end="0"/>
+                                            </p:txEl>
+                                          </p:spTgt>
+                                        </p:tgtEl>
+                                        <p:attrNameLst>
+                                          <p:attrName>ppt_y</p:attrName>
+                                        </p:attrNameLst>
+                                      </p:cBhvr>
+                                      <p:tavLst>
+                                        <p:tav tm="0">
+                                          <p:val>
+                                            <p:strVal val="1+#ppt_h/2"/>
+                                          </p:val>
+                                        </p:tav>
+                                        <p:tav tm="100000">
+                                          <p:val>
+                                            <p:strVal val="#ppt_y"/>
+                                          </p:val>
+                                        </p:tav>
+                                      </p:tavLst>
+                                    </p:anim>
+                                  </p:childTnLst>
+                                </p:cTn>
+                              </p:par>
+                              <p:par>
+                                <p:cTn id="9" presetID="2" presetClass="entr" presetSubtype="4" fill="hold" nodeType="withEffect">
+                                  <p:stCondLst>
+                                    <p:cond delay="0"/>
+                                  </p:stCondLst>
+                                  <p:childTnLst>
+                                    <p:set>
+                                      <p:cBhvr>
+                                        <p:cTn id="10" dur="1" fill="hold">
+                                          <p:stCondLst>
+                                            <p:cond delay="0"/>
+                                          </p:stCondLst>
+                                        </p:cTn>
+                                        <p:tgtEl>
+                                          <p:spTgt spid="6">
+                                            <p:txEl>
+                                              <p:pRg st="1" end="1"/>
+                                            </p:txEl>
+                                          </p:spTgt>
+                                        </p:tgtEl>
+                                        <p:attrNameLst>
+                                          <p:attrName>style.visibility</p:attrName>
+                                        </p:attrNameLst>
+                                      </p:cBhvr>
+                                      <p:to>
+                                        <p:strVal val="visible"/>
+                                      </p:to>
+                                    </p:set>
+                                    <p:anim calcmode="lin" valueType="num">
+                                      <p:cBhvr additive="base">
+                                        <p:cTn id="11" dur="500" fill="hold"/>
+                                        <p:tgtEl>
+                                          <p:spTgt spid="6">
+                                            <p:txEl>
+                                              <p:pRg st="1" end="1"/>
+                                            </p:txEl>
+                                          </p:spTgt>
+                                        </p:tgtEl>
+                                        <p:attrNameLst>
+                                          <p:attrName>ppt_x</p:attrName>
+                                        </p:attrNameLst>
+                                      </p:cBhvr>
+                                      <p:tavLst>
+                                        <p:tav tm="0">
+                                          <p:val>
+                                            <p:strVal val="#ppt_x"/>
+                                          </p:val>
+                                        </p:tav>
+                                        <p:tav tm="100000">
+                                          <p:val>
+                                            <p:strVal val="#ppt_x"/>
+                                          </p:val>
+                                        </p:tav>
+                                      </p:tavLst>
+                                    </p:anim>
+                                    <p:anim calcmode="lin" valueType="num">
+                                      <p:cBhvr additive="base">
+                                        <p:cTn id="12" dur="500" fill="hold"/>
+                                        <p:tgtEl>
+                                          <p:spTgt spid="6">
+                                            <p:txEl>
+                                              <p:pRg st="1" end="1"/>
+                                            </p:txEl>
+                                          </p:spTgt>
+                                        </p:tgtEl>
+                                        <p:attrNameLst>
+                                          <p:attrName>ppt_y</p:attrName>
+                                        </p:attrNameLst>
+                                      </p:cBhvr>
+                                      <p:tavLst>
+                                        <p:tav tm="0">
+                                          <p:val>
+                                            <p:strVal val="1+#ppt_h/2"/>
+                                          </p:val>
+                                        </p:tav>
+                                        <p:tav tm="100000">
+                                          <p:val>
+                                            <p:strVal val="#ppt_y"/>
+                                          </p:val>
+                                        </p:tav>
+                                      </p:tavLst>
+                                    </p:anim>
+                                  </p:childTnLst>
+                                </p:cTn>
+                              </p:par>
+                            </p:childTnLst>
+                          </p:cTn>
+                        </p:par>
+                      </p:childTnLst>
+                    </p:cTn>
+                  </p:par>
+                  <p:par>
+                    <p:cTn id="13" fill="hold">
+                      <p:stCondLst>
+                        <p:cond delay="indefinite"/>
+                      </p:stCondLst>
+                      <p:childTnLst>
+                        <p:par>
+                          <p:cTn id="14" fill="hold">
+                            <p:stCondLst>
+                              <p:cond delay="0"/>
+                            </p:stCondLst>
+                            <p:childTnLst>
+                              <p:par>
+                                <p:cTn id="15" presetID="2" presetClass="entr" presetSubtype="4" fill="hold" nodeType="clickEffect">
+                                  <p:stCondLst>
+                                    <p:cond delay="0"/>
+                                  </p:stCondLst>
+                                  <p:childTnLst>
+                                    <p:set>
+                                      <p:cBhvr>
+                                        <p:cTn id="16" dur="1" fill="hold">
+                                          <p:stCondLst>
+                                            <p:cond delay="0"/>
+                                          </p:stCondLst>
+                                        </p:cTn>
+                                        <p:tgtEl>
+                                          <p:spTgt spid="6">
+                                            <p:txEl>
+                                              <p:pRg st="3" end="3"/>
+                                            </p:txEl>
+                                          </p:spTgt>
+                                        </p:tgtEl>
+                                        <p:attrNameLst>
+                                          <p:attrName>style.visibility</p:attrName>
+                                        </p:attrNameLst>
+                                      </p:cBhvr>
+                                      <p:to>
+                                        <p:strVal val="visible"/>
+                                      </p:to>
+                                    </p:set>
+                                    <p:anim calcmode="lin" valueType="num">
+                                      <p:cBhvr additive="base">
+                                        <p:cTn id="17" dur="500" fill="hold"/>
+                                        <p:tgtEl>
+                                          <p:spTgt spid="6">
+                                            <p:txEl>
+                                              <p:pRg st="3" end="3"/>
+                                            </p:txEl>
+                                          </p:spTgt>
+                                        </p:tgtEl>
+                                        <p:attrNameLst>
+                                          <p:attrName>ppt_x</p:attrName>
+                                        </p:attrNameLst>
+                                      </p:cBhvr>
+                                      <p:tavLst>
+                                        <p:tav tm="0">
+                                          <p:val>
+                                            <p:strVal val="#ppt_x"/>
+                                          </p:val>
+                                        </p:tav>
+                                        <p:tav tm="100000">
+                                          <p:val>
+                                            <p:strVal val="#ppt_x"/>
+                                          </p:val>
+                                        </p:tav>
+                                      </p:tavLst>
+                                    </p:anim>
+                                    <p:anim calcmode="lin" valueType="num">
+                                      <p:cBhvr additive="base">
+                                        <p:cTn id="18" dur="500" fill="hold"/>
+                                        <p:tgtEl>
+                                          <p:spTgt spid="6">
+                                            <p:txEl>
+                                              <p:pRg st="3" end="3"/>
+                                            </p:txEl>
+                                          </p:spTgt>
+                                        </p:tgtEl>
+                                        <p:attrNameLst>
+                                          <p:attrName>ppt_y</p:attrName>
+                                        </p:attrNameLst>
+                                      </p:cBhvr>
+                                      <p:tavLst>
+                                        <p:tav tm="0">
+                                          <p:val>
+                                            <p:strVal val="1+#ppt_h/2"/>
+                                          </p:val>
+                                        </p:tav>
+                                        <p:tav tm="100000">
+                                          <p:val>
+                                            <p:strVal val="#ppt_y"/>
+                                          </p:val>
+                                        </p:tav>
+                                      </p:tavLst>
+                                    </p:anim>
+                                  </p:childTnLst>
+                                </p:cTn>
+                              </p:par>
+                              <p:par>
+                                <p:cTn id="19" presetID="42" presetClass="entr" presetSubtype="0" fill="hold" nodeType="withEffect">
+                                  <p:stCondLst>
+                                    <p:cond delay="0"/>
+                                  </p:stCondLst>
+                                  <p:childTnLst>
+                                    <p:set>
+                                      <p:cBhvr>
+                                        <p:cTn id="20" dur="1" fill="hold">
+                                          <p:stCondLst>
+                                            <p:cond delay="0"/>
+                                          </p:stCondLst>
+                                        </p:cTn>
+                                        <p:tgtEl>
+                                          <p:spTgt spid="4"/>
+                                        </p:tgtEl>
+                                        <p:attrNameLst>
+                                          <p:attrName>style.visibility</p:attrName>
+                                        </p:attrNameLst>
+                                      </p:cBhvr>
+                                      <p:to>
+                                        <p:strVal val="visible"/>
+                                      </p:to>
+                                    </p:set>
+                                    <p:animEffect transition="in" filter="fade">
+                                      <p:cBhvr>
+                                        <p:cTn id="21" dur="1000"/>
+                                        <p:tgtEl>
+                                          <p:spTgt spid="4"/>
+                                        </p:tgtEl>
+                                      </p:cBhvr>
+                                    </p:animEffect>
+                                    <p:anim calcmode="lin" valueType="num">
+                                      <p:cBhvr>
+                                        <p:cTn id="22" dur="1000" fill="hold"/>
+                                        <p:tgtEl>
+                                          <p:spTgt spid="4"/>
+                                        </p:tgtEl>
+                                        <p:attrNameLst>
+                                          <p:attrName>ppt_x</p:attrName>
+                                        </p:attrNameLst>
+                                      </p:cBhvr>
+                                      <p:tavLst>
+                                        <p:tav tm="0">
+                                          <p:val>
+                                            <p:strVal val="#ppt_x"/>
+                                          </p:val>
+                                        </p:tav>
+                                        <p:tav tm="100000">
+                                          <p:val>
+                                            <p:strVal val="#ppt_x"/>
+                                          </p:val>
+                                        </p:tav>
+                                      </p:tavLst>
+                                    </p:anim>
+                                    <p:anim calcmode="lin" valueType="num">
+                                      <p:cBhvr>
+                                        <p:cTn id="23" dur="1000" fill="hold"/>
+                                        <p:tgtEl>
+                                          <p:spTgt spid="4"/>
+                                        </p:tgtEl>
+                                        <p:attrNameLst>
+                                          <p:attrName>ppt_y</p:attrName>
+                                        </p:attrNameLst>
+                                      </p:cBhvr>
+                                      <p:tavLst>
+                                        <p:tav tm="0">
+                                          <p:val>
+                                            <p:strVal val="#ppt_y+.1"/>
+                                          </p:val>
+                                        </p:tav>
+                                        <p:tav tm="100000">
+                                          <p:val>
+                                            <p:strVal val="#ppt_y"/>
+                                          </p:val>
+                                        </p:tav>
+                                      </p:tavLst>
+                                    </p:anim>
+                                  </p:childTnLst>
+                                </p:cTn>
+                              </p:par>
+                            </p:childTnLst>
+                          </p:cTn>
+                        </p:par>
+                      </p:childTnLst>
+                    </p:cTn>
+                  </p:par>
+                </p:childTnLst>
+              </p:cTn>
+              <p:prevCondLst>
+                <p:cond evt="onPrev" delay="0">
+                  <p:tgtEl>
+                    <p:sldTgt/>
+                  </p:tgtEl>
+                </p:cond>
+              </p:prevCondLst>
+              <p:nextCondLst>
+                <p:cond evt="onNext" delay="0">
+                  <p:tgtEl>
+                    <p:sldTgt/>
+                  </p:tgtEl>
+                </p:cond>
+              </p:nextCondLst>
+            </p:seq>
+          </p:childTnLst>
+        </p:cTn>
+      </p:par>
+    </p:tnLst>
+  </p:timing>
+</p:sld>
+</file>
+
+<file path=ppt/slides/slide12.xml><?xml version="1.0" encoding="utf-8"?>
+<p:sld xmlns:a="http://schemas.openxmlformats.org/drawingml/2006/main" xmlns:r="http://schemas.openxmlformats.org/officeDocument/2006/relationships" xmlns:p="http://schemas.openxmlformats.org/presentationml/2006/main">
+  <p:cSld>
+    <p:spTree>
+      <p:nvGrpSpPr>
+        <p:cNvPr id="1" name=""/>
+        <p:cNvGrpSpPr/>
+        <p:nvPr/>
+      </p:nvGrpSpPr>
+      <p:grpSpPr>
+        <a:xfrm>
+          <a:off x="0" y="0"/>
+          <a:ext cx="0" cy="0"/>
+          <a:chOff x="0" y="0"/>
+          <a:chExt cx="0" cy="0"/>
+        </a:xfrm>
+      </p:grpSpPr>
+      <p:sp>
+        <p:nvSpPr>
+          <p:cNvPr id="2" name="Заголовок 1"/>
+          <p:cNvSpPr>
+            <a:spLocks noGrp="1"/>
+          </p:cNvSpPr>
+          <p:nvPr>
+            <p:ph type="title"/>
+          </p:nvPr>
+        </p:nvSpPr>
+        <p:spPr/>
+        <p:txBody>
+          <a:bodyPr>
+            <a:normAutofit/>
+          </a:bodyPr>
+          <a:lstStyle/>
+          <a:p>
+            <a:r>
+              <a:rPr lang="en-US" dirty="0" smtClean="0">
+                <a:latin typeface="Tahoma" pitchFamily="34" charset="0"/>
+                <a:ea typeface="Tahoma" pitchFamily="34" charset="0"/>
+                <a:cs typeface="Tahoma" pitchFamily="34" charset="0"/>
+              </a:rPr>
+              <a:t>Tree identification</a:t>
+            </a:r>
+            <a:endParaRPr lang="ru-RU" dirty="0">
+              <a:latin typeface="Tahoma" pitchFamily="34" charset="0"/>
+              <a:ea typeface="Tahoma" pitchFamily="34" charset="0"/>
+              <a:cs typeface="Tahoma" pitchFamily="34" charset="0"/>
+            </a:endParaRPr>
+          </a:p>
+        </p:txBody>
+      </p:sp>
+      <p:sp>
+        <p:nvSpPr>
+          <p:cNvPr id="5" name="Овал 4"/>
+          <p:cNvSpPr/>
+          <p:nvPr/>
+        </p:nvSpPr>
+        <p:spPr>
+          <a:xfrm>
+            <a:off x="4643438" y="2000240"/>
+            <a:ext cx="714380" cy="714380"/>
+          </a:xfrm>
+          <a:prstGeom prst="ellipse">
+            <a:avLst/>
+          </a:prstGeom>
+        </p:spPr>
+        <p:style>
+          <a:lnRef idx="2">
+            <a:schemeClr val="accent1">
+              <a:shade val="50000"/>
+            </a:schemeClr>
+          </a:lnRef>
+          <a:fillRef idx="1">
+            <a:schemeClr val="accent1"/>
+          </a:fillRef>
+          <a:effectRef idx="0">
+            <a:schemeClr val="accent1"/>
+          </a:effectRef>
+          <a:fontRef idx="minor">
+            <a:schemeClr val="lt1"/>
+          </a:fontRef>
+        </p:style>
+        <p:txBody>
+          <a:bodyPr rtlCol="0" anchor="ctr"/>
+          <a:lstStyle/>
+          <a:p>
+            <a:pPr algn="ctr"/>
+            <a:endParaRPr lang="ru-RU"/>
+          </a:p>
+        </p:txBody>
+      </p:sp>
+      <p:cxnSp>
+        <p:nvCxnSpPr>
+          <p:cNvPr id="13" name="Прямая соединительная линия 12"/>
+          <p:cNvCxnSpPr>
+            <a:stCxn id="5" idx="3"/>
+            <a:endCxn id="15" idx="7"/>
+          </p:cNvCxnSpPr>
+          <p:nvPr/>
+        </p:nvCxnSpPr>
+        <p:spPr>
+          <a:xfrm rot="5400000">
+            <a:off x="3288655" y="2431406"/>
+            <a:ext cx="1280806" cy="1637998"/>
+          </a:xfrm>
+          <a:prstGeom prst="line">
+            <a:avLst/>
+          </a:prstGeom>
+        </p:spPr>
+        <p:style>
+          <a:lnRef idx="1">
+            <a:schemeClr val="accent1"/>
+          </a:lnRef>
+          <a:fillRef idx="0">
+            <a:schemeClr val="accent1"/>
+          </a:fillRef>
+          <a:effectRef idx="0">
+            <a:schemeClr val="accent1"/>
+          </a:effectRef>
+          <a:fontRef idx="minor">
+            <a:schemeClr val="tx1"/>
+          </a:fontRef>
+        </p:style>
+      </p:cxnSp>
+      <p:sp>
+        <p:nvSpPr>
+          <p:cNvPr id="15" name="Овал 14"/>
+          <p:cNvSpPr/>
+          <p:nvPr/>
+        </p:nvSpPr>
+        <p:spPr>
+          <a:xfrm>
+            <a:off x="2500298" y="3786190"/>
+            <a:ext cx="714380" cy="714380"/>
+          </a:xfrm>
+          <a:prstGeom prst="ellipse">
+            <a:avLst/>
+          </a:prstGeom>
+        </p:spPr>
+        <p:style>
+          <a:lnRef idx="2">
+            <a:schemeClr val="accent1">
+              <a:shade val="50000"/>
+            </a:schemeClr>
+          </a:lnRef>
+          <a:fillRef idx="1">
+            <a:schemeClr val="accent1"/>
+          </a:fillRef>
+          <a:effectRef idx="0">
+            <a:schemeClr val="accent1"/>
+          </a:effectRef>
+          <a:fontRef idx="minor">
+            <a:schemeClr val="lt1"/>
+          </a:fontRef>
+        </p:style>
+        <p:txBody>
+          <a:bodyPr rtlCol="0" anchor="ctr"/>
+          <a:lstStyle/>
+          <a:p>
+            <a:pPr algn="ctr"/>
+            <a:endParaRPr lang="ru-RU"/>
+          </a:p>
+        </p:txBody>
+      </p:sp>
+      <p:sp>
+        <p:nvSpPr>
+          <p:cNvPr id="21" name="Овал 20"/>
+          <p:cNvSpPr/>
+          <p:nvPr/>
+        </p:nvSpPr>
+        <p:spPr>
+          <a:xfrm>
+            <a:off x="7643834" y="5715016"/>
+            <a:ext cx="714380" cy="714380"/>
+          </a:xfrm>
+          <a:prstGeom prst="ellipse">
+            <a:avLst/>
+          </a:prstGeom>
+        </p:spPr>
+        <p:style>
+          <a:lnRef idx="2">
+            <a:schemeClr val="accent1">
+              <a:shade val="50000"/>
+            </a:schemeClr>
+          </a:lnRef>
+          <a:fillRef idx="1">
+            <a:schemeClr val="accent1"/>
+          </a:fillRef>
+          <a:effectRef idx="0">
+            <a:schemeClr val="accent1"/>
+          </a:effectRef>
+          <a:fontRef idx="minor">
+            <a:schemeClr val="lt1"/>
+          </a:fontRef>
+        </p:style>
+        <p:txBody>
+          <a:bodyPr rtlCol="0" anchor="ctr"/>
+          <a:lstStyle/>
+          <a:p>
+            <a:pPr algn="ctr"/>
+            <a:endParaRPr lang="ru-RU"/>
+          </a:p>
+        </p:txBody>
+      </p:sp>
+      <p:cxnSp>
+        <p:nvCxnSpPr>
+          <p:cNvPr id="23" name="Прямая соединительная линия 22"/>
+          <p:cNvCxnSpPr>
+            <a:stCxn id="5" idx="5"/>
+            <a:endCxn id="21" idx="1"/>
+          </p:cNvCxnSpPr>
+          <p:nvPr/>
+        </p:nvCxnSpPr>
+        <p:spPr>
+          <a:xfrm rot="16200000" flipH="1">
+            <a:off x="4896010" y="2967191"/>
+            <a:ext cx="3209632" cy="2495254"/>
+          </a:xfrm>
+          <a:prstGeom prst="line">
+            <a:avLst/>
+          </a:prstGeom>
+        </p:spPr>
+        <p:style>
+          <a:lnRef idx="1">
+            <a:schemeClr val="accent1"/>
+          </a:lnRef>
+          <a:fillRef idx="0">
+            <a:schemeClr val="accent1"/>
+          </a:fillRef>
+          <a:effectRef idx="0">
+            <a:schemeClr val="accent1"/>
+          </a:effectRef>
+          <a:fontRef idx="minor">
+            <a:schemeClr val="tx1"/>
+          </a:fontRef>
+        </p:style>
+      </p:cxnSp>
+      <p:sp>
+        <p:nvSpPr>
+          <p:cNvPr id="25" name="Овал 24"/>
+          <p:cNvSpPr/>
+          <p:nvPr/>
+        </p:nvSpPr>
+        <p:spPr>
+          <a:xfrm>
+            <a:off x="785786" y="5715016"/>
+            <a:ext cx="714380" cy="714380"/>
+          </a:xfrm>
+          <a:prstGeom prst="ellipse">
+            <a:avLst/>
+          </a:prstGeom>
+        </p:spPr>
+        <p:style>
+          <a:lnRef idx="2">
+            <a:schemeClr val="accent1">
+              <a:shade val="50000"/>
+            </a:schemeClr>
+          </a:lnRef>
+          <a:fillRef idx="1">
+            <a:schemeClr val="accent1"/>
+          </a:fillRef>
+          <a:effectRef idx="0">
+            <a:schemeClr val="accent1"/>
+          </a:effectRef>
+          <a:fontRef idx="minor">
+            <a:schemeClr val="lt1"/>
+          </a:fontRef>
+        </p:style>
+        <p:txBody>
+          <a:bodyPr rtlCol="0" anchor="ctr"/>
+          <a:lstStyle/>
+          <a:p>
+            <a:pPr algn="ctr"/>
+            <a:endParaRPr lang="ru-RU"/>
+          </a:p>
+        </p:txBody>
+      </p:sp>
+      <p:cxnSp>
+        <p:nvCxnSpPr>
+          <p:cNvPr id="27" name="Прямая соединительная линия 26"/>
+          <p:cNvCxnSpPr>
+            <a:stCxn id="15" idx="3"/>
+            <a:endCxn id="25" idx="7"/>
+          </p:cNvCxnSpPr>
+          <p:nvPr/>
+        </p:nvCxnSpPr>
+        <p:spPr>
+          <a:xfrm rot="5400000">
+            <a:off x="1288391" y="4503108"/>
+            <a:ext cx="1423682" cy="1209370"/>
+          </a:xfrm>
+          <a:prstGeom prst="line">
+            <a:avLst/>
+          </a:prstGeom>
+        </p:spPr>
+        <p:style>
+          <a:lnRef idx="1">
+            <a:schemeClr val="accent1"/>
+          </a:lnRef>
+          <a:fillRef idx="0">
+            <a:schemeClr val="accent1"/>
+          </a:fillRef>
+          <a:effectRef idx="0">
+            <a:schemeClr val="accent1"/>
+          </a:effectRef>
+          <a:fontRef idx="minor">
+            <a:schemeClr val="tx1"/>
+          </a:fontRef>
+        </p:style>
+      </p:cxnSp>
+      <p:sp>
+        <p:nvSpPr>
+          <p:cNvPr id="28" name="Овал 27"/>
+          <p:cNvSpPr/>
+          <p:nvPr/>
+        </p:nvSpPr>
+        <p:spPr>
+          <a:xfrm>
+            <a:off x="4214810" y="5715016"/>
+            <a:ext cx="714380" cy="714380"/>
+          </a:xfrm>
+          <a:prstGeom prst="ellipse">
+            <a:avLst/>
+          </a:prstGeom>
+        </p:spPr>
+        <p:style>
+          <a:lnRef idx="2">
+            <a:schemeClr val="accent1">
+              <a:shade val="50000"/>
+            </a:schemeClr>
+          </a:lnRef>
+          <a:fillRef idx="1">
+            <a:schemeClr val="accent1"/>
+          </a:fillRef>
+          <a:effectRef idx="0">
+            <a:schemeClr val="accent1"/>
+          </a:effectRef>
+          <a:fontRef idx="minor">
+            <a:schemeClr val="lt1"/>
+          </a:fontRef>
+        </p:style>
+        <p:txBody>
+          <a:bodyPr rtlCol="0" anchor="ctr"/>
+          <a:lstStyle/>
+          <a:p>
+            <a:pPr algn="ctr"/>
+            <a:endParaRPr lang="ru-RU"/>
+          </a:p>
+        </p:txBody>
+      </p:sp>
+      <p:cxnSp>
+        <p:nvCxnSpPr>
+          <p:cNvPr id="30" name="Прямая соединительная линия 29"/>
+          <p:cNvCxnSpPr>
+            <a:stCxn id="15" idx="5"/>
+            <a:endCxn id="28" idx="1"/>
+          </p:cNvCxnSpPr>
+          <p:nvPr/>
+        </p:nvCxnSpPr>
+        <p:spPr>
+          <a:xfrm rot="16200000" flipH="1">
+            <a:off x="3002903" y="4503108"/>
+            <a:ext cx="1423682" cy="1209370"/>
+          </a:xfrm>
+          <a:prstGeom prst="line">
+            <a:avLst/>
+          </a:prstGeom>
+        </p:spPr>
+        <p:style>
+          <a:lnRef idx="1">
+            <a:schemeClr val="accent1"/>
+          </a:lnRef>
+          <a:fillRef idx="0">
+            <a:schemeClr val="accent1"/>
+          </a:fillRef>
+          <a:effectRef idx="0">
+            <a:schemeClr val="accent1"/>
+          </a:effectRef>
+          <a:fontRef idx="minor">
+            <a:schemeClr val="tx1"/>
+          </a:fontRef>
+        </p:style>
+      </p:cxnSp>
+      <p:cxnSp>
+        <p:nvCxnSpPr>
+          <p:cNvPr id="59" name="Прямая со стрелкой 58"/>
+          <p:cNvCxnSpPr>
+            <a:stCxn id="25" idx="7"/>
+            <a:endCxn id="15" idx="3"/>
+          </p:cNvCxnSpPr>
+          <p:nvPr/>
+        </p:nvCxnSpPr>
+        <p:spPr>
+          <a:xfrm rot="5400000" flipH="1" flipV="1">
+            <a:off x="1288391" y="4503108"/>
+            <a:ext cx="1423682" cy="1209370"/>
+          </a:xfrm>
+          <a:prstGeom prst="straightConnector1">
+            <a:avLst/>
+          </a:prstGeom>
+          <a:ln w="50800">
+            <a:solidFill>
+              <a:srgbClr val="FFC000"/>
+            </a:solidFill>
+            <a:tailEnd type="arrow"/>
+          </a:ln>
+        </p:spPr>
+        <p:style>
+          <a:lnRef idx="1">
+            <a:schemeClr val="accent1"/>
+          </a:lnRef>
+          <a:fillRef idx="0">
+            <a:schemeClr val="accent1"/>
+          </a:fillRef>
+          <a:effectRef idx="0">
+            <a:schemeClr val="accent1"/>
+          </a:effectRef>
+          <a:fontRef idx="minor">
+            <a:schemeClr val="tx1"/>
+          </a:fontRef>
+        </p:style>
+      </p:cxnSp>
+      <p:cxnSp>
+        <p:nvCxnSpPr>
+          <p:cNvPr id="62" name="Прямая со стрелкой 61"/>
+          <p:cNvCxnSpPr>
+            <a:stCxn id="28" idx="1"/>
+            <a:endCxn id="15" idx="5"/>
+          </p:cNvCxnSpPr>
+          <p:nvPr/>
+        </p:nvCxnSpPr>
+        <p:spPr>
+          <a:xfrm rot="16200000" flipV="1">
+            <a:off x="3002903" y="4503108"/>
+            <a:ext cx="1423682" cy="1209370"/>
+          </a:xfrm>
+          <a:prstGeom prst="straightConnector1">
+            <a:avLst/>
+          </a:prstGeom>
+          <a:ln w="50800">
+            <a:solidFill>
+              <a:srgbClr val="FFC000"/>
+            </a:solidFill>
+            <a:tailEnd type="arrow"/>
+          </a:ln>
+        </p:spPr>
+        <p:style>
+          <a:lnRef idx="1">
+            <a:schemeClr val="accent1"/>
+          </a:lnRef>
+          <a:fillRef idx="0">
+            <a:schemeClr val="accent1"/>
+          </a:fillRef>
+          <a:effectRef idx="0">
+            <a:schemeClr val="accent1"/>
+          </a:effectRef>
+          <a:fontRef idx="minor">
+            <a:schemeClr val="tx1"/>
+          </a:fontRef>
+        </p:style>
+      </p:cxnSp>
+      <p:cxnSp>
+        <p:nvCxnSpPr>
+          <p:cNvPr id="65" name="Прямая со стрелкой 64"/>
+          <p:cNvCxnSpPr>
+            <a:stCxn id="21" idx="1"/>
+            <a:endCxn id="5" idx="5"/>
+          </p:cNvCxnSpPr>
+          <p:nvPr/>
+        </p:nvCxnSpPr>
+        <p:spPr>
+          <a:xfrm rot="16200000" flipV="1">
+            <a:off x="4896010" y="2967191"/>
+            <a:ext cx="3209632" cy="2495254"/>
+          </a:xfrm>
+          <a:prstGeom prst="straightConnector1">
+            <a:avLst/>
+          </a:prstGeom>
+          <a:ln w="50800">
+            <a:solidFill>
+              <a:srgbClr val="FFC000"/>
+            </a:solidFill>
+            <a:tailEnd type="arrow"/>
+          </a:ln>
+        </p:spPr>
+        <p:style>
+          <a:lnRef idx="1">
+            <a:schemeClr val="accent1"/>
+          </a:lnRef>
+          <a:fillRef idx="0">
+            <a:schemeClr val="accent1"/>
+          </a:fillRef>
+          <a:effectRef idx="0">
+            <a:schemeClr val="accent1"/>
+          </a:effectRef>
+          <a:fontRef idx="minor">
+            <a:schemeClr val="tx1"/>
+          </a:fontRef>
+        </p:style>
+      </p:cxnSp>
+      <p:cxnSp>
+        <p:nvCxnSpPr>
+          <p:cNvPr id="68" name="Прямая со стрелкой 67"/>
+          <p:cNvCxnSpPr>
+            <a:stCxn id="15" idx="7"/>
+            <a:endCxn id="5" idx="3"/>
+          </p:cNvCxnSpPr>
+          <p:nvPr/>
+        </p:nvCxnSpPr>
+        <p:spPr>
+          <a:xfrm rot="5400000" flipH="1" flipV="1">
+            <a:off x="3288655" y="2431406"/>
+            <a:ext cx="1280806" cy="1637998"/>
+          </a:xfrm>
+          <a:prstGeom prst="straightConnector1">
+            <a:avLst/>
+          </a:prstGeom>
+          <a:ln w="50800">
+            <a:solidFill>
+              <a:srgbClr val="FFC000"/>
+            </a:solidFill>
+            <a:headEnd type="arrow"/>
+            <a:tailEnd type="arrow"/>
+          </a:ln>
+        </p:spPr>
+        <p:style>
+          <a:lnRef idx="1">
+            <a:schemeClr val="accent1"/>
+          </a:lnRef>
+          <a:fillRef idx="0">
+            <a:schemeClr val="accent1"/>
+          </a:fillRef>
+          <a:effectRef idx="0">
+            <a:schemeClr val="accent1"/>
+          </a:effectRef>
+          <a:fontRef idx="minor">
+            <a:schemeClr val="tx1"/>
+          </a:fontRef>
+        </p:style>
+      </p:cxnSp>
+      <p:cxnSp>
+        <p:nvCxnSpPr>
+          <p:cNvPr id="71" name="Прямая со стрелкой 70"/>
+          <p:cNvCxnSpPr>
+            <a:stCxn id="15" idx="3"/>
+            <a:endCxn id="25" idx="7"/>
+          </p:cNvCxnSpPr>
+          <p:nvPr/>
+        </p:nvCxnSpPr>
+        <p:spPr>
+          <a:xfrm rot="5400000">
+            <a:off x="1288391" y="4503108"/>
+            <a:ext cx="1423682" cy="1209370"/>
+          </a:xfrm>
+          <a:prstGeom prst="straightConnector1">
+            <a:avLst/>
+          </a:prstGeom>
+          <a:ln w="50800">
+            <a:solidFill>
+              <a:srgbClr val="00B050"/>
+            </a:solidFill>
+            <a:tailEnd type="arrow"/>
+          </a:ln>
+        </p:spPr>
+        <p:style>
+          <a:lnRef idx="1">
+            <a:schemeClr val="accent1"/>
+          </a:lnRef>
+          <a:fillRef idx="0">
+            <a:schemeClr val="accent1"/>
+          </a:fillRef>
+          <a:effectRef idx="0">
+            <a:schemeClr val="accent1"/>
+          </a:effectRef>
+          <a:fontRef idx="minor">
+            <a:schemeClr val="tx1"/>
+          </a:fontRef>
+        </p:style>
+      </p:cxnSp>
+      <p:cxnSp>
+        <p:nvCxnSpPr>
+          <p:cNvPr id="74" name="Прямая со стрелкой 73"/>
+          <p:cNvCxnSpPr>
+            <a:stCxn id="15" idx="5"/>
+            <a:endCxn id="28" idx="1"/>
+          </p:cNvCxnSpPr>
+          <p:nvPr/>
+        </p:nvCxnSpPr>
+        <p:spPr>
+          <a:xfrm rot="16200000" flipH="1">
+            <a:off x="3002903" y="4503108"/>
+            <a:ext cx="1423682" cy="1209370"/>
+          </a:xfrm>
+          <a:prstGeom prst="straightConnector1">
+            <a:avLst/>
+          </a:prstGeom>
+          <a:ln w="50800">
+            <a:solidFill>
+              <a:srgbClr val="00B050"/>
+            </a:solidFill>
+            <a:tailEnd type="arrow"/>
+          </a:ln>
+        </p:spPr>
+        <p:style>
+          <a:lnRef idx="1">
+            <a:schemeClr val="accent1"/>
+          </a:lnRef>
+          <a:fillRef idx="0">
+            <a:schemeClr val="accent1"/>
+          </a:fillRef>
+          <a:effectRef idx="0">
+            <a:schemeClr val="accent1"/>
+          </a:effectRef>
+          <a:fontRef idx="minor">
+            <a:schemeClr val="tx1"/>
+          </a:fontRef>
+        </p:style>
+      </p:cxnSp>
+      <p:cxnSp>
+        <p:nvCxnSpPr>
+          <p:cNvPr id="77" name="Прямая со стрелкой 76"/>
+          <p:cNvCxnSpPr>
+            <a:stCxn id="5" idx="5"/>
+            <a:endCxn id="21" idx="1"/>
+          </p:cNvCxnSpPr>
+          <p:nvPr/>
+        </p:nvCxnSpPr>
+        <p:spPr>
+          <a:xfrm rot="16200000" flipH="1">
+            <a:off x="4896010" y="2967191"/>
+            <a:ext cx="3209632" cy="2495254"/>
+          </a:xfrm>
+          <a:prstGeom prst="straightConnector1">
+            <a:avLst/>
+          </a:prstGeom>
+          <a:ln w="50800">
+            <a:solidFill>
+              <a:srgbClr val="00B050"/>
+            </a:solidFill>
+            <a:tailEnd type="arrow"/>
+          </a:ln>
+        </p:spPr>
+        <p:style>
+          <a:lnRef idx="1">
+            <a:schemeClr val="accent1"/>
+          </a:lnRef>
+          <a:fillRef idx="0">
+            <a:schemeClr val="accent1"/>
+          </a:fillRef>
+          <a:effectRef idx="0">
+            <a:schemeClr val="accent1"/>
+          </a:effectRef>
+          <a:fontRef idx="minor">
+            <a:schemeClr val="tx1"/>
+          </a:fontRef>
+        </p:style>
+      </p:cxnSp>
+      <p:cxnSp>
+        <p:nvCxnSpPr>
+          <p:cNvPr id="80" name="Прямая со стрелкой 79"/>
+          <p:cNvCxnSpPr>
+            <a:stCxn id="15" idx="7"/>
+            <a:endCxn id="5" idx="3"/>
+          </p:cNvCxnSpPr>
+          <p:nvPr/>
+        </p:nvCxnSpPr>
+        <p:spPr>
+          <a:xfrm rot="5400000" flipH="1" flipV="1">
+            <a:off x="3288655" y="2431406"/>
+            <a:ext cx="1280806" cy="1637998"/>
+          </a:xfrm>
+          <a:prstGeom prst="straightConnector1">
+            <a:avLst/>
+          </a:prstGeom>
+          <a:ln w="50800">
+            <a:solidFill>
+              <a:srgbClr val="00B050"/>
+            </a:solidFill>
+            <a:tailEnd type="arrow"/>
+          </a:ln>
+        </p:spPr>
+        <p:style>
+          <a:lnRef idx="1">
+            <a:schemeClr val="accent1"/>
+          </a:lnRef>
+          <a:fillRef idx="0">
+            <a:schemeClr val="accent1"/>
+          </a:fillRef>
+          <a:effectRef idx="0">
+            <a:schemeClr val="accent1"/>
+          </a:effectRef>
+          <a:fontRef idx="minor">
+            <a:schemeClr val="tx1"/>
+          </a:fontRef>
+        </p:style>
+      </p:cxnSp>
+      <p:sp>
+        <p:nvSpPr>
+          <p:cNvPr id="26" name="TextBox 25"/>
+          <p:cNvSpPr txBox="1"/>
+          <p:nvPr/>
+        </p:nvSpPr>
+        <p:spPr>
+          <a:xfrm>
+            <a:off x="3286116" y="3929066"/>
+            <a:ext cx="2696572" cy="461665"/>
+          </a:xfrm>
+          <a:prstGeom prst="rect">
+            <a:avLst/>
+          </a:prstGeom>
+          <a:noFill/>
+        </p:spPr>
+        <p:txBody>
+          <a:bodyPr wrap="none" rtlCol="0">
+            <a:spAutoFit/>
+          </a:bodyPr>
+          <a:lstStyle/>
+          <a:p>
+            <a:r>
+              <a:rPr lang="en-US" sz="2400" dirty="0" smtClean="0">
+                <a:latin typeface="Tahoma" pitchFamily="34" charset="0"/>
+                <a:ea typeface="Tahoma" pitchFamily="34" charset="0"/>
+                <a:cs typeface="Tahoma" pitchFamily="34" charset="0"/>
+              </a:rPr>
+              <a:t>0.25</a:t>
+            </a:r>
+            <a:r>
+              <a:rPr lang="ru-RU" sz="2400" dirty="0" smtClean="0">
+                <a:latin typeface="Tahoma" pitchFamily="34" charset="0"/>
+                <a:ea typeface="Tahoma" pitchFamily="34" charset="0"/>
+                <a:cs typeface="Tahoma" pitchFamily="34" charset="0"/>
+              </a:rPr>
+              <a:t> микросекунд</a:t>
+            </a:r>
+            <a:endParaRPr lang="ru-RU" sz="2400" dirty="0">
+              <a:latin typeface="Tahoma" pitchFamily="34" charset="0"/>
+              <a:ea typeface="Tahoma" pitchFamily="34" charset="0"/>
+              <a:cs typeface="Tahoma" pitchFamily="34" charset="0"/>
+            </a:endParaRPr>
+          </a:p>
+        </p:txBody>
+      </p:sp>
+      <p:sp>
+        <p:nvSpPr>
+          <p:cNvPr id="29" name="TextBox 28"/>
+          <p:cNvSpPr txBox="1"/>
+          <p:nvPr/>
+        </p:nvSpPr>
+        <p:spPr>
+          <a:xfrm>
+            <a:off x="5429256" y="2071678"/>
+            <a:ext cx="2528256" cy="461665"/>
+          </a:xfrm>
+          <a:prstGeom prst="rect">
+            <a:avLst/>
+          </a:prstGeom>
+          <a:noFill/>
+        </p:spPr>
+        <p:txBody>
+          <a:bodyPr wrap="none" rtlCol="0">
+            <a:spAutoFit/>
+          </a:bodyPr>
+          <a:lstStyle/>
+          <a:p>
+            <a:r>
+              <a:rPr lang="en-US" sz="2400" dirty="0" smtClean="0">
+                <a:latin typeface="Tahoma" pitchFamily="34" charset="0"/>
+                <a:ea typeface="Tahoma" pitchFamily="34" charset="0"/>
+                <a:cs typeface="Tahoma" pitchFamily="34" charset="0"/>
+              </a:rPr>
+              <a:t>0.6 </a:t>
+            </a:r>
+            <a:r>
+              <a:rPr lang="ru-RU" sz="2400" dirty="0" smtClean="0">
+                <a:latin typeface="Tahoma" pitchFamily="34" charset="0"/>
+                <a:ea typeface="Tahoma" pitchFamily="34" charset="0"/>
+                <a:cs typeface="Tahoma" pitchFamily="34" charset="0"/>
+              </a:rPr>
+              <a:t>микросекунд</a:t>
+            </a:r>
+            <a:endParaRPr lang="ru-RU" sz="2400" dirty="0">
+              <a:latin typeface="Tahoma" pitchFamily="34" charset="0"/>
+              <a:ea typeface="Tahoma" pitchFamily="34" charset="0"/>
+              <a:cs typeface="Tahoma" pitchFamily="34" charset="0"/>
+            </a:endParaRPr>
+          </a:p>
+        </p:txBody>
+      </p:sp>
+    </p:spTree>
+  </p:cSld>
+  <p:clrMapOvr>
+    <a:masterClrMapping/>
+  </p:clrMapOvr>
+  <p:transition>
+    <p:wipe/>
+  </p:transition>
+  <p:timing>
+    <p:tnLst>
+      <p:par>
+        <p:cTn id="1" dur="indefinite" restart="never" nodeType="tmRoot">
+          <p:childTnLst>
+            <p:seq concurrent="1" nextAc="seek">
+              <p:cTn id="2" dur="indefinite" nodeType="mainSeq">
+                <p:childTnLst>
+                  <p:par>
+                    <p:cTn id="3" fill="hold">
+                      <p:stCondLst>
+                        <p:cond delay="indefinite"/>
+                      </p:stCondLst>
+                      <p:childTnLst>
+                        <p:par>
+                          <p:cTn id="4" fill="hold">
+                            <p:stCondLst>
+                              <p:cond delay="0"/>
+                            </p:stCondLst>
+                            <p:childTnLst>
+                              <p:par>
+                                <p:cTn id="5" presetID="23" presetClass="entr" presetSubtype="16" fill="hold" nodeType="clickEffect">
+                                  <p:stCondLst>
+                                    <p:cond delay="0"/>
+                                  </p:stCondLst>
+                                  <p:childTnLst>
+                                    <p:set>
+                                      <p:cBhvr>
+                                        <p:cTn id="6" dur="1" fill="hold">
+                                          <p:stCondLst>
+                                            <p:cond delay="0"/>
+                                          </p:stCondLst>
+                                        </p:cTn>
+                                        <p:tgtEl>
+                                          <p:spTgt spid="59"/>
+                                        </p:tgtEl>
+                                        <p:attrNameLst>
+                                          <p:attrName>style.visibility</p:attrName>
+                                        </p:attrNameLst>
+                                      </p:cBhvr>
+                                      <p:to>
+                                        <p:strVal val="visible"/>
+                                      </p:to>
+                                    </p:set>
+                                    <p:anim calcmode="lin" valueType="num">
+                                      <p:cBhvr>
+                                        <p:cTn id="7" dur="500" fill="hold"/>
+                                        <p:tgtEl>
+                                          <p:spTgt spid="59"/>
+                                        </p:tgtEl>
+                                        <p:attrNameLst>
+                                          <p:attrName>ppt_w</p:attrName>
+                                        </p:attrNameLst>
+                                      </p:cBhvr>
+                                      <p:tavLst>
+                                        <p:tav tm="0">
+                                          <p:val>
+                                            <p:fltVal val="0"/>
+                                          </p:val>
+                                        </p:tav>
+                                        <p:tav tm="100000">
+                                          <p:val>
+                                            <p:strVal val="#ppt_w"/>
+                                          </p:val>
+                                        </p:tav>
+                                      </p:tavLst>
+                                    </p:anim>
+                                    <p:anim calcmode="lin" valueType="num">
+                                      <p:cBhvr>
+                                        <p:cTn id="8" dur="500" fill="hold"/>
+                                        <p:tgtEl>
+                                          <p:spTgt spid="59"/>
+                                        </p:tgtEl>
+                                        <p:attrNameLst>
+                                          <p:attrName>ppt_h</p:attrName>
+                                        </p:attrNameLst>
+                                      </p:cBhvr>
+                                      <p:tavLst>
+                                        <p:tav tm="0">
+                                          <p:val>
+                                            <p:fltVal val="0"/>
+                                          </p:val>
+                                        </p:tav>
+                                        <p:tav tm="100000">
+                                          <p:val>
+                                            <p:strVal val="#ppt_h"/>
+                                          </p:val>
+                                        </p:tav>
+                                      </p:tavLst>
+                                    </p:anim>
+                                  </p:childTnLst>
+                                </p:cTn>
+                              </p:par>
+                              <p:par>
+                                <p:cTn id="9" presetID="23" presetClass="entr" presetSubtype="16" fill="hold" nodeType="withEffect">
+                                  <p:stCondLst>
+                                    <p:cond delay="0"/>
+                                  </p:stCondLst>
+                                  <p:childTnLst>
+                                    <p:set>
+                                      <p:cBhvr>
+                                        <p:cTn id="10" dur="1" fill="hold">
+                                          <p:stCondLst>
+                                            <p:cond delay="0"/>
+                                          </p:stCondLst>
+                                        </p:cTn>
+                                        <p:tgtEl>
+                                          <p:spTgt spid="62"/>
+                                        </p:tgtEl>
+                                        <p:attrNameLst>
+                                          <p:attrName>style.visibility</p:attrName>
+                                        </p:attrNameLst>
+                                      </p:cBhvr>
+                                      <p:to>
+                                        <p:strVal val="visible"/>
+                                      </p:to>
+                                    </p:set>
+                                    <p:anim calcmode="lin" valueType="num">
+                                      <p:cBhvr>
+                                        <p:cTn id="11" dur="500" fill="hold"/>
+                                        <p:tgtEl>
+                                          <p:spTgt spid="62"/>
+                                        </p:tgtEl>
+                                        <p:attrNameLst>
+                                          <p:attrName>ppt_w</p:attrName>
+                                        </p:attrNameLst>
+                                      </p:cBhvr>
+                                      <p:tavLst>
+                                        <p:tav tm="0">
+                                          <p:val>
+                                            <p:fltVal val="0"/>
+                                          </p:val>
+                                        </p:tav>
+                                        <p:tav tm="100000">
+                                          <p:val>
+                                            <p:strVal val="#ppt_w"/>
+                                          </p:val>
+                                        </p:tav>
+                                      </p:tavLst>
+                                    </p:anim>
+                                    <p:anim calcmode="lin" valueType="num">
+                                      <p:cBhvr>
+                                        <p:cTn id="12" dur="500" fill="hold"/>
+                                        <p:tgtEl>
+                                          <p:spTgt spid="62"/>
+                                        </p:tgtEl>
+                                        <p:attrNameLst>
+                                          <p:attrName>ppt_h</p:attrName>
+                                        </p:attrNameLst>
+                                      </p:cBhvr>
+                                      <p:tavLst>
+                                        <p:tav tm="0">
+                                          <p:val>
+                                            <p:fltVal val="0"/>
+                                          </p:val>
+                                        </p:tav>
+                                        <p:tav tm="100000">
+                                          <p:val>
+                                            <p:strVal val="#ppt_h"/>
+                                          </p:val>
+                                        </p:tav>
+                                      </p:tavLst>
+                                    </p:anim>
+                                  </p:childTnLst>
+                                </p:cTn>
+                              </p:par>
+                              <p:par>
+                                <p:cTn id="13" presetID="23" presetClass="entr" presetSubtype="16" fill="hold" nodeType="withEffect">
+                                  <p:stCondLst>
+                                    <p:cond delay="0"/>
+                                  </p:stCondLst>
+                                  <p:childTnLst>
+                                    <p:set>
+                                      <p:cBhvr>
+                                        <p:cTn id="14" dur="1" fill="hold">
+                                          <p:stCondLst>
+                                            <p:cond delay="0"/>
+                                          </p:stCondLst>
+                                        </p:cTn>
+                                        <p:tgtEl>
+                                          <p:spTgt spid="65"/>
+                                        </p:tgtEl>
+                                        <p:attrNameLst>
+                                          <p:attrName>style.visibility</p:attrName>
+                                        </p:attrNameLst>
+                                      </p:cBhvr>
+                                      <p:to>
+                                        <p:strVal val="visible"/>
+                                      </p:to>
+                                    </p:set>
+                                    <p:anim calcmode="lin" valueType="num">
+                                      <p:cBhvr>
+                                        <p:cTn id="15" dur="500" fill="hold"/>
+                                        <p:tgtEl>
+                                          <p:spTgt spid="65"/>
+                                        </p:tgtEl>
+                                        <p:attrNameLst>
+                                          <p:attrName>ppt_w</p:attrName>
+                                        </p:attrNameLst>
+                                      </p:cBhvr>
+                                      <p:tavLst>
+                                        <p:tav tm="0">
+                                          <p:val>
+                                            <p:fltVal val="0"/>
+                                          </p:val>
+                                        </p:tav>
+                                        <p:tav tm="100000">
+                                          <p:val>
+                                            <p:strVal val="#ppt_w"/>
+                                          </p:val>
+                                        </p:tav>
+                                      </p:tavLst>
+                                    </p:anim>
+                                    <p:anim calcmode="lin" valueType="num">
+                                      <p:cBhvr>
+                                        <p:cTn id="16" dur="500" fill="hold"/>
+                                        <p:tgtEl>
+                                          <p:spTgt spid="65"/>
+                                        </p:tgtEl>
+                                        <p:attrNameLst>
+                                          <p:attrName>ppt_h</p:attrName>
+                                        </p:attrNameLst>
+                                      </p:cBhvr>
+                                      <p:tavLst>
+                                        <p:tav tm="0">
+                                          <p:val>
+                                            <p:fltVal val="0"/>
+                                          </p:val>
+                                        </p:tav>
+                                        <p:tav tm="100000">
+                                          <p:val>
+                                            <p:strVal val="#ppt_h"/>
+                                          </p:val>
+                                        </p:tav>
+                                      </p:tavLst>
+                                    </p:anim>
+                                  </p:childTnLst>
+                                </p:cTn>
+                              </p:par>
+                            </p:childTnLst>
+                          </p:cTn>
+                        </p:par>
+                      </p:childTnLst>
+                    </p:cTn>
+                  </p:par>
+                  <p:par>
+                    <p:cTn id="17" fill="hold">
+                      <p:stCondLst>
+                        <p:cond delay="indefinite"/>
+                      </p:stCondLst>
+                      <p:childTnLst>
+                        <p:par>
+                          <p:cTn id="18" fill="hold">
+                            <p:stCondLst>
+                              <p:cond delay="0"/>
+                            </p:stCondLst>
+                            <p:childTnLst>
+                              <p:par>
+                                <p:cTn id="19" presetID="23" presetClass="entr" presetSubtype="16" fill="hold" nodeType="clickEffect">
+                                  <p:stCondLst>
+                                    <p:cond delay="0"/>
+                                  </p:stCondLst>
+                                  <p:childTnLst>
+                                    <p:set>
+                                      <p:cBhvr>
+                                        <p:cTn id="20" dur="1" fill="hold">
+                                          <p:stCondLst>
+                                            <p:cond delay="0"/>
+                                          </p:stCondLst>
+                                        </p:cTn>
+                                        <p:tgtEl>
+                                          <p:spTgt spid="68"/>
+                                        </p:tgtEl>
+                                        <p:attrNameLst>
+                                          <p:attrName>style.visibility</p:attrName>
+                                        </p:attrNameLst>
+                                      </p:cBhvr>
+                                      <p:to>
+                                        <p:strVal val="visible"/>
+                                      </p:to>
+                                    </p:set>
+                                    <p:anim calcmode="lin" valueType="num">
+                                      <p:cBhvr>
+                                        <p:cTn id="21" dur="500" fill="hold"/>
+                                        <p:tgtEl>
+                                          <p:spTgt spid="68"/>
+                                        </p:tgtEl>
+                                        <p:attrNameLst>
+                                          <p:attrName>ppt_w</p:attrName>
+                                        </p:attrNameLst>
+                                      </p:cBhvr>
+                                      <p:tavLst>
+                                        <p:tav tm="0">
+                                          <p:val>
+                                            <p:fltVal val="0"/>
+                                          </p:val>
+                                        </p:tav>
+                                        <p:tav tm="100000">
+                                          <p:val>
+                                            <p:strVal val="#ppt_w"/>
+                                          </p:val>
+                                        </p:tav>
+                                      </p:tavLst>
+                                    </p:anim>
+                                    <p:anim calcmode="lin" valueType="num">
+                                      <p:cBhvr>
+                                        <p:cTn id="22" dur="500" fill="hold"/>
+                                        <p:tgtEl>
+                                          <p:spTgt spid="68"/>
+                                        </p:tgtEl>
+                                        <p:attrNameLst>
+                                          <p:attrName>ppt_h</p:attrName>
+                                        </p:attrNameLst>
+                                      </p:cBhvr>
+                                      <p:tavLst>
+                                        <p:tav tm="0">
+                                          <p:val>
+                                            <p:fltVal val="0"/>
+                                          </p:val>
+                                        </p:tav>
+                                        <p:tav tm="100000">
+                                          <p:val>
+                                            <p:strVal val="#ppt_h"/>
+                                          </p:val>
+                                        </p:tav>
+                                      </p:tavLst>
+                                    </p:anim>
+                                  </p:childTnLst>
+                                </p:cTn>
+                              </p:par>
+                              <p:par>
+                                <p:cTn id="23" presetID="4" presetClass="exit" presetSubtype="16" fill="hold" nodeType="withEffect">
+                                  <p:stCondLst>
+                                    <p:cond delay="0"/>
+                                  </p:stCondLst>
+                                  <p:childTnLst>
+                                    <p:animEffect transition="out" filter="box(in)">
+                                      <p:cBhvr>
+                                        <p:cTn id="24" dur="500"/>
+                                        <p:tgtEl>
+                                          <p:spTgt spid="59"/>
+                                        </p:tgtEl>
+                                      </p:cBhvr>
+                                    </p:animEffect>
+                                    <p:set>
+                                      <p:cBhvr>
+                                        <p:cTn id="25" dur="1" fill="hold">
+                                          <p:stCondLst>
+                                            <p:cond delay="499"/>
+                                          </p:stCondLst>
+                                        </p:cTn>
+                                        <p:tgtEl>
+                                          <p:spTgt spid="59"/>
+                                        </p:tgtEl>
+                                        <p:attrNameLst>
+                                          <p:attrName>style.visibility</p:attrName>
+                                        </p:attrNameLst>
+                                      </p:cBhvr>
+                                      <p:to>
+                                        <p:strVal val="hidden"/>
+                                      </p:to>
+                                    </p:set>
+                                  </p:childTnLst>
+                                </p:cTn>
+                              </p:par>
+                              <p:par>
+                                <p:cTn id="26" presetID="4" presetClass="exit" presetSubtype="16" fill="hold" nodeType="withEffect">
+                                  <p:stCondLst>
+                                    <p:cond delay="0"/>
+                                  </p:stCondLst>
+                                  <p:childTnLst>
+                                    <p:animEffect transition="out" filter="box(in)">
+                                      <p:cBhvr>
+                                        <p:cTn id="27" dur="500"/>
+                                        <p:tgtEl>
+                                          <p:spTgt spid="62"/>
+                                        </p:tgtEl>
+                                      </p:cBhvr>
+                                    </p:animEffect>
+                                    <p:set>
+                                      <p:cBhvr>
+                                        <p:cTn id="28" dur="1" fill="hold">
+                                          <p:stCondLst>
+                                            <p:cond delay="499"/>
+                                          </p:stCondLst>
+                                        </p:cTn>
+                                        <p:tgtEl>
+                                          <p:spTgt spid="62"/>
+                                        </p:tgtEl>
+                                        <p:attrNameLst>
+                                          <p:attrName>style.visibility</p:attrName>
+                                        </p:attrNameLst>
+                                      </p:cBhvr>
+                                      <p:to>
+                                        <p:strVal val="hidden"/>
+                                      </p:to>
+                                    </p:set>
+                                  </p:childTnLst>
+                                </p:cTn>
+                              </p:par>
+                              <p:par>
+                                <p:cTn id="29" presetID="4" presetClass="exit" presetSubtype="16" fill="hold" nodeType="withEffect">
+                                  <p:stCondLst>
+                                    <p:cond delay="0"/>
+                                  </p:stCondLst>
+                                  <p:childTnLst>
+                                    <p:animEffect transition="out" filter="box(in)">
+                                      <p:cBhvr>
+                                        <p:cTn id="30" dur="500"/>
+                                        <p:tgtEl>
+                                          <p:spTgt spid="65"/>
+                                        </p:tgtEl>
+                                      </p:cBhvr>
+                                    </p:animEffect>
+                                    <p:set>
+                                      <p:cBhvr>
+                                        <p:cTn id="31" dur="1" fill="hold">
+                                          <p:stCondLst>
+                                            <p:cond delay="499"/>
+                                          </p:stCondLst>
+                                        </p:cTn>
+                                        <p:tgtEl>
+                                          <p:spTgt spid="65"/>
+                                        </p:tgtEl>
+                                        <p:attrNameLst>
+                                          <p:attrName>style.visibility</p:attrName>
+                                        </p:attrNameLst>
+                                      </p:cBhvr>
+                                      <p:to>
+                                        <p:strVal val="hidden"/>
+                                      </p:to>
+                                    </p:set>
+                                  </p:childTnLst>
+                                </p:cTn>
+                              </p:par>
+                              <p:par>
+                                <p:cTn id="32" presetID="23" presetClass="entr" presetSubtype="16" fill="hold" nodeType="withEffect">
+                                  <p:stCondLst>
+                                    <p:cond delay="0"/>
+                                  </p:stCondLst>
+                                  <p:childTnLst>
+                                    <p:set>
+                                      <p:cBhvr>
+                                        <p:cTn id="33" dur="1" fill="hold">
+                                          <p:stCondLst>
+                                            <p:cond delay="0"/>
+                                          </p:stCondLst>
+                                        </p:cTn>
+                                        <p:tgtEl>
+                                          <p:spTgt spid="74"/>
+                                        </p:tgtEl>
+                                        <p:attrNameLst>
+                                          <p:attrName>style.visibility</p:attrName>
+                                        </p:attrNameLst>
+                                      </p:cBhvr>
+                                      <p:to>
+                                        <p:strVal val="visible"/>
+                                      </p:to>
+                                    </p:set>
+                                    <p:anim calcmode="lin" valueType="num">
+                                      <p:cBhvr>
+                                        <p:cTn id="34" dur="500" fill="hold"/>
+                                        <p:tgtEl>
+                                          <p:spTgt spid="74"/>
+                                        </p:tgtEl>
+                                        <p:attrNameLst>
+                                          <p:attrName>ppt_w</p:attrName>
+                                        </p:attrNameLst>
+                                      </p:cBhvr>
+                                      <p:tavLst>
+                                        <p:tav tm="0">
+                                          <p:val>
+                                            <p:fltVal val="0"/>
+                                          </p:val>
+                                        </p:tav>
+                                        <p:tav tm="100000">
+                                          <p:val>
+                                            <p:strVal val="#ppt_w"/>
+                                          </p:val>
+                                        </p:tav>
+                                      </p:tavLst>
+                                    </p:anim>
+                                    <p:anim calcmode="lin" valueType="num">
+                                      <p:cBhvr>
+                                        <p:cTn id="35" dur="500" fill="hold"/>
+                                        <p:tgtEl>
+                                          <p:spTgt spid="74"/>
+                                        </p:tgtEl>
+                                        <p:attrNameLst>
+                                          <p:attrName>ppt_h</p:attrName>
+                                        </p:attrNameLst>
+                                      </p:cBhvr>
+                                      <p:tavLst>
+                                        <p:tav tm="0">
+                                          <p:val>
+                                            <p:fltVal val="0"/>
+                                          </p:val>
+                                        </p:tav>
+                                        <p:tav tm="100000">
+                                          <p:val>
+                                            <p:strVal val="#ppt_h"/>
+                                          </p:val>
+                                        </p:tav>
+                                      </p:tavLst>
+                                    </p:anim>
+                                  </p:childTnLst>
+                                </p:cTn>
+                              </p:par>
+                              <p:par>
+                                <p:cTn id="36" presetID="23" presetClass="entr" presetSubtype="16" fill="hold" nodeType="withEffect">
+                                  <p:stCondLst>
+                                    <p:cond delay="0"/>
+                                  </p:stCondLst>
+                                  <p:childTnLst>
+                                    <p:set>
+                                      <p:cBhvr>
+                                        <p:cTn id="37" dur="1" fill="hold">
+                                          <p:stCondLst>
+                                            <p:cond delay="0"/>
+                                          </p:stCondLst>
+                                        </p:cTn>
+                                        <p:tgtEl>
+                                          <p:spTgt spid="77"/>
+                                        </p:tgtEl>
+                                        <p:attrNameLst>
+                                          <p:attrName>style.visibility</p:attrName>
+                                        </p:attrNameLst>
+                                      </p:cBhvr>
+                                      <p:to>
+                                        <p:strVal val="visible"/>
+                                      </p:to>
+                                    </p:set>
+                                    <p:anim calcmode="lin" valueType="num">
+                                      <p:cBhvr>
+                                        <p:cTn id="38" dur="500" fill="hold"/>
+                                        <p:tgtEl>
+                                          <p:spTgt spid="77"/>
+                                        </p:tgtEl>
+                                        <p:attrNameLst>
+                                          <p:attrName>ppt_w</p:attrName>
+                                        </p:attrNameLst>
+                                      </p:cBhvr>
+                                      <p:tavLst>
+                                        <p:tav tm="0">
+                                          <p:val>
+                                            <p:fltVal val="0"/>
+                                          </p:val>
+                                        </p:tav>
+                                        <p:tav tm="100000">
+                                          <p:val>
+                                            <p:strVal val="#ppt_w"/>
+                                          </p:val>
+                                        </p:tav>
+                                      </p:tavLst>
+                                    </p:anim>
+                                    <p:anim calcmode="lin" valueType="num">
+                                      <p:cBhvr>
+                                        <p:cTn id="39" dur="500" fill="hold"/>
+                                        <p:tgtEl>
+                                          <p:spTgt spid="77"/>
+                                        </p:tgtEl>
+                                        <p:attrNameLst>
+                                          <p:attrName>ppt_h</p:attrName>
+                                        </p:attrNameLst>
+                                      </p:cBhvr>
+                                      <p:tavLst>
+                                        <p:tav tm="0">
+                                          <p:val>
+                                            <p:fltVal val="0"/>
+                                          </p:val>
+                                        </p:tav>
+                                        <p:tav tm="100000">
+                                          <p:val>
+                                            <p:strVal val="#ppt_h"/>
+                                          </p:val>
+                                        </p:tav>
+                                      </p:tavLst>
+                                    </p:anim>
+                                  </p:childTnLst>
+                                </p:cTn>
+                              </p:par>
+                              <p:par>
+                                <p:cTn id="40" presetID="23" presetClass="entr" presetSubtype="16" fill="hold" nodeType="withEffect">
+                                  <p:stCondLst>
+                                    <p:cond delay="0"/>
+                                  </p:stCondLst>
+                                  <p:childTnLst>
+                                    <p:set>
+                                      <p:cBhvr>
+                                        <p:cTn id="41" dur="1" fill="hold">
+                                          <p:stCondLst>
+                                            <p:cond delay="0"/>
+                                          </p:stCondLst>
+                                        </p:cTn>
+                                        <p:tgtEl>
+                                          <p:spTgt spid="71"/>
+                                        </p:tgtEl>
+                                        <p:attrNameLst>
+                                          <p:attrName>style.visibility</p:attrName>
+                                        </p:attrNameLst>
+                                      </p:cBhvr>
+                                      <p:to>
+                                        <p:strVal val="visible"/>
+                                      </p:to>
+                                    </p:set>
+                                    <p:anim calcmode="lin" valueType="num">
+                                      <p:cBhvr>
+                                        <p:cTn id="42" dur="500" fill="hold"/>
+                                        <p:tgtEl>
+                                          <p:spTgt spid="71"/>
+                                        </p:tgtEl>
+                                        <p:attrNameLst>
+                                          <p:attrName>ppt_w</p:attrName>
+                                        </p:attrNameLst>
+                                      </p:cBhvr>
+                                      <p:tavLst>
+                                        <p:tav tm="0">
+                                          <p:val>
+                                            <p:fltVal val="0"/>
+                                          </p:val>
+                                        </p:tav>
+                                        <p:tav tm="100000">
+                                          <p:val>
+                                            <p:strVal val="#ppt_w"/>
+                                          </p:val>
+                                        </p:tav>
+                                      </p:tavLst>
+                                    </p:anim>
+                                    <p:anim calcmode="lin" valueType="num">
+                                      <p:cBhvr>
+                                        <p:cTn id="43" dur="500" fill="hold"/>
+                                        <p:tgtEl>
+                                          <p:spTgt spid="71"/>
+                                        </p:tgtEl>
+                                        <p:attrNameLst>
+                                          <p:attrName>ppt_h</p:attrName>
+                                        </p:attrNameLst>
+                                      </p:cBhvr>
+                                      <p:tavLst>
+                                        <p:tav tm="0">
+                                          <p:val>
+                                            <p:fltVal val="0"/>
+                                          </p:val>
+                                        </p:tav>
+                                        <p:tav tm="100000">
+                                          <p:val>
+                                            <p:strVal val="#ppt_h"/>
+                                          </p:val>
+                                        </p:tav>
+                                      </p:tavLst>
+                                    </p:anim>
+                                  </p:childTnLst>
+                                </p:cTn>
+                              </p:par>
+                            </p:childTnLst>
+                          </p:cTn>
+                        </p:par>
+                      </p:childTnLst>
+                    </p:cTn>
+                  </p:par>
+                  <p:par>
+                    <p:cTn id="44" fill="hold">
+                      <p:stCondLst>
+                        <p:cond delay="indefinite"/>
+                      </p:stCondLst>
+                      <p:childTnLst>
+                        <p:par>
+                          <p:cTn id="45" fill="hold">
+                            <p:stCondLst>
+                              <p:cond delay="0"/>
+                            </p:stCondLst>
+                            <p:childTnLst>
+                              <p:par>
+                                <p:cTn id="46" presetID="29" presetClass="entr" presetSubtype="0" fill="hold" grpId="0" nodeType="clickEffect">
+                                  <p:stCondLst>
+                                    <p:cond delay="0"/>
+                                  </p:stCondLst>
+                                  <p:childTnLst>
+                                    <p:set>
+                                      <p:cBhvr>
+                                        <p:cTn id="47" dur="1" fill="hold">
+                                          <p:stCondLst>
+                                            <p:cond delay="0"/>
+                                          </p:stCondLst>
+                                        </p:cTn>
+                                        <p:tgtEl>
+                                          <p:spTgt spid="29"/>
+                                        </p:tgtEl>
+                                        <p:attrNameLst>
+                                          <p:attrName>style.visibility</p:attrName>
+                                        </p:attrNameLst>
+                                      </p:cBhvr>
+                                      <p:to>
+                                        <p:strVal val="visible"/>
+                                      </p:to>
+                                    </p:set>
+                                    <p:anim calcmode="lin" valueType="num">
+                                      <p:cBhvr>
+                                        <p:cTn id="48" dur="1000" fill="hold"/>
+                                        <p:tgtEl>
+                                          <p:spTgt spid="29"/>
+                                        </p:tgtEl>
+                                        <p:attrNameLst>
+                                          <p:attrName>ppt_x</p:attrName>
+                                        </p:attrNameLst>
+                                      </p:cBhvr>
+                                      <p:tavLst>
+                                        <p:tav tm="0">
+                                          <p:val>
+                                            <p:strVal val="#ppt_x-.2"/>
+                                          </p:val>
+                                        </p:tav>
+                                        <p:tav tm="100000">
+                                          <p:val>
+                                            <p:strVal val="#ppt_x"/>
+                                          </p:val>
+                                        </p:tav>
+                                      </p:tavLst>
+                                    </p:anim>
+                                    <p:anim calcmode="lin" valueType="num">
+                                      <p:cBhvr>
+                                        <p:cTn id="49" dur="1000" fill="hold"/>
+                                        <p:tgtEl>
+                                          <p:spTgt spid="29"/>
+                                        </p:tgtEl>
+                                        <p:attrNameLst>
+                                          <p:attrName>ppt_y</p:attrName>
+                                        </p:attrNameLst>
+                                      </p:cBhvr>
+                                      <p:tavLst>
+                                        <p:tav tm="0">
+                                          <p:val>
+                                            <p:strVal val="#ppt_y"/>
+                                          </p:val>
+                                        </p:tav>
+                                        <p:tav tm="100000">
+                                          <p:val>
+                                            <p:strVal val="#ppt_y"/>
+                                          </p:val>
+                                        </p:tav>
+                                      </p:tavLst>
+                                    </p:anim>
+                                    <p:animEffect transition="in" filter="wipe(right)" prLst="gradientSize: 0.1">
+                                      <p:cBhvr>
+                                        <p:cTn id="50" dur="1000"/>
+                                        <p:tgtEl>
+                                          <p:spTgt spid="29"/>
+                                        </p:tgtEl>
+                                      </p:cBhvr>
+                                    </p:animEffect>
+                                  </p:childTnLst>
+                                </p:cTn>
+                              </p:par>
+                              <p:par>
+                                <p:cTn id="51" presetID="29" presetClass="entr" presetSubtype="0" fill="hold" grpId="0" nodeType="withEffect">
+                                  <p:stCondLst>
+                                    <p:cond delay="0"/>
+                                  </p:stCondLst>
+                                  <p:childTnLst>
+                                    <p:set>
+                                      <p:cBhvr>
+                                        <p:cTn id="52" dur="1" fill="hold">
+                                          <p:stCondLst>
+                                            <p:cond delay="0"/>
+                                          </p:stCondLst>
+                                        </p:cTn>
+                                        <p:tgtEl>
+                                          <p:spTgt spid="26"/>
+                                        </p:tgtEl>
+                                        <p:attrNameLst>
+                                          <p:attrName>style.visibility</p:attrName>
+                                        </p:attrNameLst>
+                                      </p:cBhvr>
+                                      <p:to>
+                                        <p:strVal val="visible"/>
+                                      </p:to>
+                                    </p:set>
+                                    <p:anim calcmode="lin" valueType="num">
+                                      <p:cBhvr>
+                                        <p:cTn id="53" dur="1000" fill="hold"/>
+                                        <p:tgtEl>
+                                          <p:spTgt spid="26"/>
+                                        </p:tgtEl>
+                                        <p:attrNameLst>
+                                          <p:attrName>ppt_x</p:attrName>
+                                        </p:attrNameLst>
+                                      </p:cBhvr>
+                                      <p:tavLst>
+                                        <p:tav tm="0">
+                                          <p:val>
+                                            <p:strVal val="#ppt_x-.2"/>
+                                          </p:val>
+                                        </p:tav>
+                                        <p:tav tm="100000">
+                                          <p:val>
+                                            <p:strVal val="#ppt_x"/>
+                                          </p:val>
+                                        </p:tav>
+                                      </p:tavLst>
+                                    </p:anim>
+                                    <p:anim calcmode="lin" valueType="num">
+                                      <p:cBhvr>
+                                        <p:cTn id="54" dur="1000" fill="hold"/>
+                                        <p:tgtEl>
+                                          <p:spTgt spid="26"/>
+                                        </p:tgtEl>
+                                        <p:attrNameLst>
+                                          <p:attrName>ppt_y</p:attrName>
+                                        </p:attrNameLst>
+                                      </p:cBhvr>
+                                      <p:tavLst>
+                                        <p:tav tm="0">
+                                          <p:val>
+                                            <p:strVal val="#ppt_y"/>
+                                          </p:val>
+                                        </p:tav>
+                                        <p:tav tm="100000">
+                                          <p:val>
+                                            <p:strVal val="#ppt_y"/>
+                                          </p:val>
+                                        </p:tav>
+                                      </p:tavLst>
+                                    </p:anim>
+                                    <p:animEffect transition="in" filter="wipe(right)" prLst="gradientSize: 0.1">
+                                      <p:cBhvr>
+                                        <p:cTn id="55" dur="1000"/>
+                                        <p:tgtEl>
+                                          <p:spTgt spid="26"/>
+                                        </p:tgtEl>
+                                      </p:cBhvr>
+                                    </p:animEffect>
+                                  </p:childTnLst>
+                                </p:cTn>
+                              </p:par>
+                            </p:childTnLst>
+                          </p:cTn>
+                        </p:par>
+                      </p:childTnLst>
+                    </p:cTn>
+                  </p:par>
+                  <p:par>
+                    <p:cTn id="56" fill="hold">
+                      <p:stCondLst>
+                        <p:cond delay="indefinite"/>
+                      </p:stCondLst>
+                      <p:childTnLst>
+                        <p:par>
+                          <p:cTn id="57" fill="hold">
+                            <p:stCondLst>
+                              <p:cond delay="0"/>
+                            </p:stCondLst>
+                            <p:childTnLst>
+                              <p:par>
+                                <p:cTn id="58" presetID="23" presetClass="entr" presetSubtype="16" fill="hold" nodeType="clickEffect">
+                                  <p:stCondLst>
+                                    <p:cond delay="0"/>
+                                  </p:stCondLst>
+                                  <p:childTnLst>
+                                    <p:set>
+                                      <p:cBhvr>
+                                        <p:cTn id="59" dur="1" fill="hold">
+                                          <p:stCondLst>
+                                            <p:cond delay="0"/>
+                                          </p:stCondLst>
+                                        </p:cTn>
+                                        <p:tgtEl>
+                                          <p:spTgt spid="80"/>
+                                        </p:tgtEl>
+                                        <p:attrNameLst>
+                                          <p:attrName>style.visibility</p:attrName>
+                                        </p:attrNameLst>
+                                      </p:cBhvr>
+                                      <p:to>
+                                        <p:strVal val="visible"/>
+                                      </p:to>
+                                    </p:set>
+                                    <p:anim calcmode="lin" valueType="num">
+                                      <p:cBhvr>
+                                        <p:cTn id="60" dur="500" fill="hold"/>
+                                        <p:tgtEl>
+                                          <p:spTgt spid="80"/>
+                                        </p:tgtEl>
+                                        <p:attrNameLst>
+                                          <p:attrName>ppt_w</p:attrName>
+                                        </p:attrNameLst>
+                                      </p:cBhvr>
+                                      <p:tavLst>
+                                        <p:tav tm="0">
+                                          <p:val>
+                                            <p:fltVal val="0"/>
+                                          </p:val>
+                                        </p:tav>
+                                        <p:tav tm="100000">
+                                          <p:val>
+                                            <p:strVal val="#ppt_w"/>
+                                          </p:val>
+                                        </p:tav>
+                                      </p:tavLst>
+                                    </p:anim>
+                                    <p:anim calcmode="lin" valueType="num">
+                                      <p:cBhvr>
+                                        <p:cTn id="61" dur="500" fill="hold"/>
+                                        <p:tgtEl>
+                                          <p:spTgt spid="80"/>
+                                        </p:tgtEl>
+                                        <p:attrNameLst>
+                                          <p:attrName>ppt_h</p:attrName>
+                                        </p:attrNameLst>
+                                      </p:cBhvr>
+                                      <p:tavLst>
+                                        <p:tav tm="0">
+                                          <p:val>
+                                            <p:fltVal val="0"/>
+                                          </p:val>
+                                        </p:tav>
+                                        <p:tav tm="100000">
+                                          <p:val>
+                                            <p:strVal val="#ppt_h"/>
+                                          </p:val>
+                                        </p:tav>
+                                      </p:tavLst>
+                                    </p:anim>
+                                  </p:childTnLst>
+                                </p:cTn>
+                              </p:par>
+                              <p:par>
+                                <p:cTn id="62" presetID="4" presetClass="exit" presetSubtype="16" fill="hold" nodeType="withEffect">
+                                  <p:stCondLst>
+                                    <p:cond delay="0"/>
+                                  </p:stCondLst>
+                                  <p:childTnLst>
+                                    <p:animEffect transition="out" filter="box(in)">
+                                      <p:cBhvr>
+                                        <p:cTn id="63" dur="500"/>
+                                        <p:tgtEl>
+                                          <p:spTgt spid="68"/>
+                                        </p:tgtEl>
+                                      </p:cBhvr>
+                                    </p:animEffect>
+                                    <p:set>
+                                      <p:cBhvr>
+                                        <p:cTn id="64" dur="1" fill="hold">
+                                          <p:stCondLst>
+                                            <p:cond delay="499"/>
+                                          </p:stCondLst>
+                                        </p:cTn>
+                                        <p:tgtEl>
+                                          <p:spTgt spid="68"/>
+                                        </p:tgtEl>
+                                        <p:attrNameLst>
+                                          <p:attrName>style.visibility</p:attrName>
+                                        </p:attrNameLst>
+                                      </p:cBhvr>
+                                      <p:to>
+                                        <p:strVal val="hidden"/>
+                                      </p:to>
+                                    </p:set>
+                                  </p:childTnLst>
+                                </p:cTn>
+                              </p:par>
+                            </p:childTnLst>
+                          </p:cTn>
+                        </p:par>
+                      </p:childTnLst>
+                    </p:cTn>
+                  </p:par>
+                </p:childTnLst>
+              </p:cTn>
+              <p:prevCondLst>
+                <p:cond evt="onPrev" delay="0">
+                  <p:tgtEl>
+                    <p:sldTgt/>
+                  </p:tgtEl>
+                </p:cond>
+              </p:prevCondLst>
+              <p:nextCondLst>
+                <p:cond evt="onNext" delay="0">
+                  <p:tgtEl>
+                    <p:sldTgt/>
+                  </p:tgtEl>
+                </p:cond>
+              </p:nextCondLst>
+            </p:seq>
+          </p:childTnLst>
+        </p:cTn>
+      </p:par>
+    </p:tnLst>
+    <p:bldLst>
+      <p:bldP spid="26" grpId="0"/>
+      <p:bldP spid="29" grpId="0"/>
+    </p:bldLst>
+  </p:timing>
+</p:sld>
+</file>
+
+<file path=ppt/slides/slide13.xml><?xml version="1.0" encoding="utf-8"?>
+<p:sld xmlns:a="http://schemas.openxmlformats.org/drawingml/2006/main" xmlns:r="http://schemas.openxmlformats.org/officeDocument/2006/relationships" xmlns:p="http://schemas.openxmlformats.org/presentationml/2006/main">
+  <p:cSld>
+    <p:spTree>
+      <p:nvGrpSpPr>
+        <p:cNvPr id="1" name=""/>
+        <p:cNvGrpSpPr/>
+        <p:nvPr/>
+      </p:nvGrpSpPr>
+      <p:grpSpPr>
+        <a:xfrm>
+          <a:off x="0" y="0"/>
+          <a:ext cx="0" cy="0"/>
+          <a:chOff x="0" y="0"/>
+          <a:chExt cx="0" cy="0"/>
+        </a:xfrm>
+      </p:grpSpPr>
+      <p:sp>
+        <p:nvSpPr>
+          <p:cNvPr id="2" name="Заголовок 1"/>
+          <p:cNvSpPr>
+            <a:spLocks noGrp="1"/>
+          </p:cNvSpPr>
+          <p:nvPr>
+            <p:ph type="title"/>
+          </p:nvPr>
+        </p:nvSpPr>
+        <p:spPr/>
+        <p:txBody>
+          <a:bodyPr>
+            <a:normAutofit/>
+          </a:bodyPr>
+          <a:lstStyle/>
+          <a:p>
+            <a:r>
+              <a:rPr lang="en-US" dirty="0" smtClean="0">
+                <a:latin typeface="Tahoma" pitchFamily="34" charset="0"/>
+                <a:ea typeface="Tahoma" pitchFamily="34" charset="0"/>
+                <a:cs typeface="Tahoma" pitchFamily="34" charset="0"/>
+              </a:rPr>
+              <a:t>Tree identification</a:t>
+            </a:r>
+            <a:endParaRPr lang="ru-RU" dirty="0">
+              <a:latin typeface="Tahoma" pitchFamily="34" charset="0"/>
+              <a:ea typeface="Tahoma" pitchFamily="34" charset="0"/>
+              <a:cs typeface="Tahoma" pitchFamily="34" charset="0"/>
+            </a:endParaRPr>
+          </a:p>
+        </p:txBody>
+      </p:sp>
+      <p:sp>
+        <p:nvSpPr>
+          <p:cNvPr id="5" name="Овал 4"/>
+          <p:cNvSpPr/>
+          <p:nvPr/>
+        </p:nvSpPr>
+        <p:spPr>
+          <a:xfrm>
+            <a:off x="4643438" y="2000240"/>
+            <a:ext cx="714380" cy="714380"/>
+          </a:xfrm>
+          <a:prstGeom prst="ellipse">
+            <a:avLst/>
+          </a:prstGeom>
+        </p:spPr>
+        <p:style>
+          <a:lnRef idx="2">
+            <a:schemeClr val="accent1">
+              <a:shade val="50000"/>
+            </a:schemeClr>
+          </a:lnRef>
+          <a:fillRef idx="1">
+            <a:schemeClr val="accent1"/>
+          </a:fillRef>
+          <a:effectRef idx="0">
+            <a:schemeClr val="accent1"/>
+          </a:effectRef>
+          <a:fontRef idx="minor">
+            <a:schemeClr val="lt1"/>
+          </a:fontRef>
+        </p:style>
+        <p:txBody>
+          <a:bodyPr rtlCol="0" anchor="ctr"/>
+          <a:lstStyle/>
+          <a:p>
+            <a:pPr algn="ctr"/>
+            <a:endParaRPr lang="ru-RU"/>
+          </a:p>
+        </p:txBody>
+      </p:sp>
+      <p:cxnSp>
+        <p:nvCxnSpPr>
+          <p:cNvPr id="13" name="Прямая соединительная линия 12"/>
+          <p:cNvCxnSpPr>
+            <a:stCxn id="5" idx="3"/>
+            <a:endCxn id="15" idx="7"/>
+          </p:cNvCxnSpPr>
+          <p:nvPr/>
+        </p:nvCxnSpPr>
+        <p:spPr>
+          <a:xfrm rot="5400000">
+            <a:off x="3288655" y="2431406"/>
+            <a:ext cx="1280806" cy="1637998"/>
+          </a:xfrm>
+          <a:prstGeom prst="line">
+            <a:avLst/>
+          </a:prstGeom>
+        </p:spPr>
+        <p:style>
+          <a:lnRef idx="1">
+            <a:schemeClr val="accent1"/>
+          </a:lnRef>
+          <a:fillRef idx="0">
+            <a:schemeClr val="accent1"/>
+          </a:fillRef>
+          <a:effectRef idx="0">
+            <a:schemeClr val="accent1"/>
+          </a:effectRef>
+          <a:fontRef idx="minor">
+            <a:schemeClr val="tx1"/>
+          </a:fontRef>
+        </p:style>
+      </p:cxnSp>
+      <p:sp>
+        <p:nvSpPr>
+          <p:cNvPr id="15" name="Овал 14"/>
+          <p:cNvSpPr/>
+          <p:nvPr/>
+        </p:nvSpPr>
+        <p:spPr>
+          <a:xfrm>
+            <a:off x="2500298" y="3786190"/>
+            <a:ext cx="714380" cy="714380"/>
+          </a:xfrm>
+          <a:prstGeom prst="ellipse">
+            <a:avLst/>
+          </a:prstGeom>
+        </p:spPr>
+        <p:style>
+          <a:lnRef idx="2">
+            <a:schemeClr val="accent1">
+              <a:shade val="50000"/>
+            </a:schemeClr>
+          </a:lnRef>
+          <a:fillRef idx="1">
+            <a:schemeClr val="accent1"/>
+          </a:fillRef>
+          <a:effectRef idx="0">
+            <a:schemeClr val="accent1"/>
+          </a:effectRef>
+          <a:fontRef idx="minor">
+            <a:schemeClr val="lt1"/>
+          </a:fontRef>
+        </p:style>
+        <p:txBody>
+          <a:bodyPr rtlCol="0" anchor="ctr"/>
+          <a:lstStyle/>
+          <a:p>
+            <a:pPr algn="ctr"/>
+            <a:endParaRPr lang="ru-RU"/>
+          </a:p>
+        </p:txBody>
+      </p:sp>
+      <p:sp>
+        <p:nvSpPr>
+          <p:cNvPr id="21" name="Овал 20"/>
+          <p:cNvSpPr/>
+          <p:nvPr/>
+        </p:nvSpPr>
+        <p:spPr>
+          <a:xfrm>
+            <a:off x="7643834" y="5715016"/>
+            <a:ext cx="714380" cy="714380"/>
+          </a:xfrm>
+          <a:prstGeom prst="ellipse">
+            <a:avLst/>
+          </a:prstGeom>
+        </p:spPr>
+        <p:style>
+          <a:lnRef idx="2">
+            <a:schemeClr val="accent1">
+              <a:shade val="50000"/>
+            </a:schemeClr>
+          </a:lnRef>
+          <a:fillRef idx="1">
+            <a:schemeClr val="accent1"/>
+          </a:fillRef>
+          <a:effectRef idx="0">
+            <a:schemeClr val="accent1"/>
+          </a:effectRef>
+          <a:fontRef idx="minor">
+            <a:schemeClr val="lt1"/>
+          </a:fontRef>
+        </p:style>
+        <p:txBody>
+          <a:bodyPr rtlCol="0" anchor="ctr"/>
+          <a:lstStyle/>
+          <a:p>
+            <a:pPr algn="ctr"/>
+            <a:endParaRPr lang="ru-RU"/>
+          </a:p>
+        </p:txBody>
+      </p:sp>
+      <p:cxnSp>
+        <p:nvCxnSpPr>
+          <p:cNvPr id="23" name="Прямая соединительная линия 22"/>
+          <p:cNvCxnSpPr>
+            <a:stCxn id="5" idx="5"/>
+            <a:endCxn id="21" idx="1"/>
+          </p:cNvCxnSpPr>
+          <p:nvPr/>
+        </p:nvCxnSpPr>
+        <p:spPr>
+          <a:xfrm rot="16200000" flipH="1">
+            <a:off x="4896010" y="2967191"/>
+            <a:ext cx="3209632" cy="2495254"/>
+          </a:xfrm>
+          <a:prstGeom prst="line">
+            <a:avLst/>
+          </a:prstGeom>
+        </p:spPr>
+        <p:style>
+          <a:lnRef idx="1">
+            <a:schemeClr val="accent1"/>
+          </a:lnRef>
+          <a:fillRef idx="0">
+            <a:schemeClr val="accent1"/>
+          </a:fillRef>
+          <a:effectRef idx="0">
+            <a:schemeClr val="accent1"/>
+          </a:effectRef>
+          <a:fontRef idx="minor">
+            <a:schemeClr val="tx1"/>
+          </a:fontRef>
+        </p:style>
+      </p:cxnSp>
+      <p:sp>
+        <p:nvSpPr>
+          <p:cNvPr id="25" name="Овал 24"/>
+          <p:cNvSpPr/>
+          <p:nvPr/>
+        </p:nvSpPr>
+        <p:spPr>
+          <a:xfrm>
+            <a:off x="785786" y="5715016"/>
+            <a:ext cx="714380" cy="714380"/>
+          </a:xfrm>
+          <a:prstGeom prst="ellipse">
+            <a:avLst/>
+          </a:prstGeom>
+        </p:spPr>
+        <p:style>
+          <a:lnRef idx="2">
+            <a:schemeClr val="accent1">
+              <a:shade val="50000"/>
+            </a:schemeClr>
+          </a:lnRef>
+          <a:fillRef idx="1">
+            <a:schemeClr val="accent1"/>
+          </a:fillRef>
+          <a:effectRef idx="0">
+            <a:schemeClr val="accent1"/>
+          </a:effectRef>
+          <a:fontRef idx="minor">
+            <a:schemeClr val="lt1"/>
+          </a:fontRef>
+        </p:style>
+        <p:txBody>
+          <a:bodyPr rtlCol="0" anchor="ctr"/>
+          <a:lstStyle/>
+          <a:p>
+            <a:pPr algn="ctr"/>
+            <a:endParaRPr lang="ru-RU"/>
+          </a:p>
+        </p:txBody>
+      </p:sp>
+      <p:cxnSp>
+        <p:nvCxnSpPr>
+          <p:cNvPr id="27" name="Прямая соединительная линия 26"/>
+          <p:cNvCxnSpPr>
+            <a:stCxn id="15" idx="3"/>
+            <a:endCxn id="25" idx="7"/>
+          </p:cNvCxnSpPr>
+          <p:nvPr/>
+        </p:nvCxnSpPr>
+        <p:spPr>
+          <a:xfrm rot="5400000">
+            <a:off x="1288391" y="4503108"/>
+            <a:ext cx="1423682" cy="1209370"/>
+          </a:xfrm>
+          <a:prstGeom prst="line">
+            <a:avLst/>
+          </a:prstGeom>
+          <a:ln w="50800">
+            <a:solidFill>
+              <a:srgbClr val="FF0000"/>
+            </a:solidFill>
+          </a:ln>
+        </p:spPr>
+        <p:style>
+          <a:lnRef idx="1">
+            <a:schemeClr val="accent1"/>
+          </a:lnRef>
+          <a:fillRef idx="0">
+            <a:schemeClr val="accent1"/>
+          </a:fillRef>
+          <a:effectRef idx="0">
+            <a:schemeClr val="accent1"/>
+          </a:effectRef>
+          <a:fontRef idx="minor">
+            <a:schemeClr val="tx1"/>
+          </a:fontRef>
+        </p:style>
+      </p:cxnSp>
+      <p:sp>
+        <p:nvSpPr>
+          <p:cNvPr id="28" name="Овал 27"/>
+          <p:cNvSpPr/>
+          <p:nvPr/>
+        </p:nvSpPr>
+        <p:spPr>
+          <a:xfrm>
+            <a:off x="4214810" y="5715016"/>
+            <a:ext cx="714380" cy="714380"/>
+          </a:xfrm>
+          <a:prstGeom prst="ellipse">
+            <a:avLst/>
+          </a:prstGeom>
+        </p:spPr>
+        <p:style>
+          <a:lnRef idx="2">
+            <a:schemeClr val="accent1">
+              <a:shade val="50000"/>
+            </a:schemeClr>
+          </a:lnRef>
+          <a:fillRef idx="1">
+            <a:schemeClr val="accent1"/>
+          </a:fillRef>
+          <a:effectRef idx="0">
+            <a:schemeClr val="accent1"/>
+          </a:effectRef>
+          <a:fontRef idx="minor">
+            <a:schemeClr val="lt1"/>
+          </a:fontRef>
+        </p:style>
+        <p:txBody>
+          <a:bodyPr rtlCol="0" anchor="ctr"/>
+          <a:lstStyle/>
+          <a:p>
+            <a:pPr algn="ctr"/>
+            <a:endParaRPr lang="ru-RU"/>
+          </a:p>
+        </p:txBody>
+      </p:sp>
+      <p:cxnSp>
+        <p:nvCxnSpPr>
+          <p:cNvPr id="30" name="Прямая соединительная линия 29"/>
+          <p:cNvCxnSpPr>
+            <a:stCxn id="15" idx="5"/>
+            <a:endCxn id="28" idx="1"/>
+          </p:cNvCxnSpPr>
+          <p:nvPr/>
+        </p:nvCxnSpPr>
+        <p:spPr>
+          <a:xfrm rot="16200000" flipH="1">
+            <a:off x="3002903" y="4503108"/>
+            <a:ext cx="1423682" cy="1209370"/>
+          </a:xfrm>
+          <a:prstGeom prst="line">
+            <a:avLst/>
+          </a:prstGeom>
+          <a:ln w="50800">
+            <a:solidFill>
+              <a:srgbClr val="FF0000"/>
+            </a:solidFill>
+          </a:ln>
+        </p:spPr>
+        <p:style>
+          <a:lnRef idx="1">
+            <a:schemeClr val="accent1"/>
+          </a:lnRef>
+          <a:fillRef idx="0">
+            <a:schemeClr val="accent1"/>
+          </a:fillRef>
+          <a:effectRef idx="0">
+            <a:schemeClr val="accent1"/>
+          </a:effectRef>
+          <a:fontRef idx="minor">
+            <a:schemeClr val="tx1"/>
+          </a:fontRef>
+        </p:style>
+      </p:cxnSp>
+      <p:cxnSp>
+        <p:nvCxnSpPr>
+          <p:cNvPr id="65" name="Прямая со стрелкой 64"/>
+          <p:cNvCxnSpPr>
+            <a:stCxn id="21" idx="1"/>
+            <a:endCxn id="5" idx="5"/>
+          </p:cNvCxnSpPr>
+          <p:nvPr/>
+        </p:nvCxnSpPr>
+        <p:spPr>
+          <a:xfrm rot="16200000" flipV="1">
+            <a:off x="4896010" y="2967191"/>
+            <a:ext cx="3209632" cy="2495254"/>
+          </a:xfrm>
+          <a:prstGeom prst="straightConnector1">
+            <a:avLst/>
+          </a:prstGeom>
+          <a:ln w="50800">
+            <a:solidFill>
+              <a:srgbClr val="FFC000"/>
+            </a:solidFill>
+            <a:tailEnd type="arrow"/>
+          </a:ln>
+        </p:spPr>
+        <p:style>
+          <a:lnRef idx="1">
+            <a:schemeClr val="accent1"/>
+          </a:lnRef>
+          <a:fillRef idx="0">
+            <a:schemeClr val="accent1"/>
+          </a:fillRef>
+          <a:effectRef idx="0">
+            <a:schemeClr val="accent1"/>
+          </a:effectRef>
+          <a:fontRef idx="minor">
+            <a:schemeClr val="tx1"/>
+          </a:fontRef>
+        </p:style>
+      </p:cxnSp>
+      <p:cxnSp>
+        <p:nvCxnSpPr>
+          <p:cNvPr id="68" name="Прямая со стрелкой 67"/>
+          <p:cNvCxnSpPr>
+            <a:stCxn id="15" idx="7"/>
+            <a:endCxn id="5" idx="3"/>
+          </p:cNvCxnSpPr>
+          <p:nvPr/>
+        </p:nvCxnSpPr>
+        <p:spPr>
+          <a:xfrm rot="5400000" flipH="1" flipV="1">
+            <a:off x="3288655" y="2431406"/>
+            <a:ext cx="1280806" cy="1637998"/>
+          </a:xfrm>
+          <a:prstGeom prst="straightConnector1">
+            <a:avLst/>
+          </a:prstGeom>
+          <a:ln w="50800">
+            <a:solidFill>
+              <a:srgbClr val="FFC000"/>
+            </a:solidFill>
+            <a:headEnd type="arrow"/>
+            <a:tailEnd type="none"/>
+          </a:ln>
+        </p:spPr>
+        <p:style>
+          <a:lnRef idx="1">
+            <a:schemeClr val="accent1"/>
+          </a:lnRef>
+          <a:fillRef idx="0">
+            <a:schemeClr val="accent1"/>
+          </a:fillRef>
+          <a:effectRef idx="0">
+            <a:schemeClr val="accent1"/>
+          </a:effectRef>
+          <a:fontRef idx="minor">
+            <a:schemeClr val="tx1"/>
+          </a:fontRef>
+        </p:style>
+      </p:cxnSp>
+      <p:cxnSp>
+        <p:nvCxnSpPr>
+          <p:cNvPr id="77" name="Прямая со стрелкой 76"/>
+          <p:cNvCxnSpPr>
+            <a:stCxn id="5" idx="5"/>
+            <a:endCxn id="21" idx="1"/>
+          </p:cNvCxnSpPr>
+          <p:nvPr/>
+        </p:nvCxnSpPr>
+        <p:spPr>
+          <a:xfrm rot="16200000" flipH="1">
+            <a:off x="4896010" y="2967191"/>
+            <a:ext cx="3209632" cy="2495254"/>
+          </a:xfrm>
+          <a:prstGeom prst="straightConnector1">
+            <a:avLst/>
+          </a:prstGeom>
+          <a:ln w="50800">
+            <a:solidFill>
+              <a:srgbClr val="00B050"/>
+            </a:solidFill>
+            <a:tailEnd type="arrow"/>
+          </a:ln>
+        </p:spPr>
+        <p:style>
+          <a:lnRef idx="1">
+            <a:schemeClr val="accent1"/>
+          </a:lnRef>
+          <a:fillRef idx="0">
+            <a:schemeClr val="accent1"/>
+          </a:fillRef>
+          <a:effectRef idx="0">
+            <a:schemeClr val="accent1"/>
+          </a:effectRef>
+          <a:fontRef idx="minor">
+            <a:schemeClr val="tx1"/>
+          </a:fontRef>
+        </p:style>
+      </p:cxnSp>
+      <p:cxnSp>
+        <p:nvCxnSpPr>
+          <p:cNvPr id="80" name="Прямая со стрелкой 79"/>
+          <p:cNvCxnSpPr>
+            <a:stCxn id="15" idx="7"/>
+            <a:endCxn id="5" idx="3"/>
+          </p:cNvCxnSpPr>
+          <p:nvPr/>
+        </p:nvCxnSpPr>
+        <p:spPr>
+          <a:xfrm rot="5400000" flipH="1" flipV="1">
+            <a:off x="3288655" y="2431406"/>
+            <a:ext cx="1280806" cy="1637998"/>
+          </a:xfrm>
+          <a:prstGeom prst="straightConnector1">
+            <a:avLst/>
+          </a:prstGeom>
+          <a:ln w="50800">
+            <a:solidFill>
+              <a:srgbClr val="00B050"/>
+            </a:solidFill>
+            <a:tailEnd type="arrow"/>
+          </a:ln>
+        </p:spPr>
+        <p:style>
+          <a:lnRef idx="1">
+            <a:schemeClr val="accent1"/>
+          </a:lnRef>
+          <a:fillRef idx="0">
+            <a:schemeClr val="accent1"/>
+          </a:fillRef>
+          <a:effectRef idx="0">
+            <a:schemeClr val="accent1"/>
+          </a:effectRef>
+          <a:fontRef idx="minor">
+            <a:schemeClr val="tx1"/>
+          </a:fontRef>
+        </p:style>
+      </p:cxnSp>
+      <p:cxnSp>
+        <p:nvCxnSpPr>
+          <p:cNvPr id="22" name="Прямая соединительная линия 21"/>
+          <p:cNvCxnSpPr>
+            <a:stCxn id="25" idx="6"/>
+            <a:endCxn id="28" idx="2"/>
+          </p:cNvCxnSpPr>
+          <p:nvPr/>
+        </p:nvCxnSpPr>
+        <p:spPr>
+          <a:xfrm>
+            <a:off x="1500166" y="6072206"/>
+            <a:ext cx="2714644" cy="1588"/>
+          </a:xfrm>
+          <a:prstGeom prst="line">
+            <a:avLst/>
+          </a:prstGeom>
+          <a:ln w="50800">
+            <a:solidFill>
+              <a:srgbClr val="FF0000"/>
+            </a:solidFill>
+          </a:ln>
+        </p:spPr>
+        <p:style>
+          <a:lnRef idx="1">
+            <a:schemeClr val="accent1"/>
+          </a:lnRef>
+          <a:fillRef idx="0">
+            <a:schemeClr val="accent1"/>
+          </a:fillRef>
+          <a:effectRef idx="0">
+            <a:schemeClr val="accent1"/>
+          </a:effectRef>
+          <a:fontRef idx="minor">
+            <a:schemeClr val="tx1"/>
+          </a:fontRef>
+        </p:style>
+      </p:cxnSp>
+      <p:sp>
+        <p:nvSpPr>
+          <p:cNvPr id="34" name="TextBox 33"/>
+          <p:cNvSpPr txBox="1"/>
+          <p:nvPr/>
+        </p:nvSpPr>
+        <p:spPr>
+          <a:xfrm>
+            <a:off x="1695057" y="4975223"/>
+            <a:ext cx="2305439" cy="954107"/>
+          </a:xfrm>
+          <a:prstGeom prst="rect">
+            <a:avLst/>
+          </a:prstGeom>
+          <a:noFill/>
+        </p:spPr>
+        <p:txBody>
+          <a:bodyPr wrap="none" rtlCol="0">
+            <a:spAutoFit/>
+          </a:bodyPr>
+          <a:lstStyle/>
+          <a:p>
+            <a:pPr algn="ctr"/>
+            <a:r>
+              <a:rPr lang="ru-RU" sz="2800" dirty="0" smtClean="0">
+                <a:latin typeface="Tahoma" pitchFamily="34" charset="0"/>
+                <a:ea typeface="Tahoma" pitchFamily="34" charset="0"/>
+                <a:cs typeface="Tahoma" pitchFamily="34" charset="0"/>
+              </a:rPr>
+              <a:t>167</a:t>
+            </a:r>
+          </a:p>
+          <a:p>
+            <a:pPr algn="ctr"/>
+            <a:r>
+              <a:rPr lang="ru-RU" sz="2800" dirty="0" smtClean="0">
+                <a:latin typeface="Tahoma" pitchFamily="34" charset="0"/>
+                <a:ea typeface="Tahoma" pitchFamily="34" charset="0"/>
+                <a:cs typeface="Tahoma" pitchFamily="34" charset="0"/>
+              </a:rPr>
+              <a:t>микросекунд</a:t>
+            </a:r>
+            <a:endParaRPr lang="ru-RU" sz="2800" dirty="0">
+              <a:latin typeface="Tahoma" pitchFamily="34" charset="0"/>
+              <a:ea typeface="Tahoma" pitchFamily="34" charset="0"/>
+              <a:cs typeface="Tahoma" pitchFamily="34" charset="0"/>
+            </a:endParaRPr>
+          </a:p>
+        </p:txBody>
+      </p:sp>
+    </p:spTree>
+  </p:cSld>
+  <p:clrMapOvr>
+    <a:masterClrMapping/>
+  </p:clrMapOvr>
+  <p:transition>
+    <p:wipe/>
+  </p:transition>
+  <p:timing>
+    <p:tnLst>
+      <p:par>
+        <p:cTn id="1" dur="indefinite" restart="never" nodeType="tmRoot">
+          <p:childTnLst>
+            <p:seq concurrent="1" nextAc="seek">
+              <p:cTn id="2" dur="indefinite" nodeType="mainSeq">
+                <p:childTnLst>
+                  <p:par>
+                    <p:cTn id="3" fill="hold">
+                      <p:stCondLst>
+                        <p:cond delay="indefinite"/>
+                      </p:stCondLst>
+                      <p:childTnLst>
+                        <p:par>
+                          <p:cTn id="4" fill="hold">
+                            <p:stCondLst>
+                              <p:cond delay="0"/>
+                            </p:stCondLst>
+                            <p:childTnLst>
+                              <p:par>
+                                <p:cTn id="5" presetID="23" presetClass="entr" presetSubtype="16" fill="hold" nodeType="clickEffect">
+                                  <p:stCondLst>
+                                    <p:cond delay="0"/>
+                                  </p:stCondLst>
+                                  <p:childTnLst>
+                                    <p:set>
+                                      <p:cBhvr>
+                                        <p:cTn id="6" dur="1" fill="hold">
+                                          <p:stCondLst>
+                                            <p:cond delay="0"/>
+                                          </p:stCondLst>
+                                        </p:cTn>
+                                        <p:tgtEl>
+                                          <p:spTgt spid="65"/>
+                                        </p:tgtEl>
+                                        <p:attrNameLst>
+                                          <p:attrName>style.visibility</p:attrName>
+                                        </p:attrNameLst>
+                                      </p:cBhvr>
+                                      <p:to>
+                                        <p:strVal val="visible"/>
+                                      </p:to>
+                                    </p:set>
+                                    <p:anim calcmode="lin" valueType="num">
+                                      <p:cBhvr>
+                                        <p:cTn id="7" dur="500" fill="hold"/>
+                                        <p:tgtEl>
+                                          <p:spTgt spid="65"/>
+                                        </p:tgtEl>
+                                        <p:attrNameLst>
+                                          <p:attrName>ppt_w</p:attrName>
+                                        </p:attrNameLst>
+                                      </p:cBhvr>
+                                      <p:tavLst>
+                                        <p:tav tm="0">
+                                          <p:val>
+                                            <p:fltVal val="0"/>
+                                          </p:val>
+                                        </p:tav>
+                                        <p:tav tm="100000">
+                                          <p:val>
+                                            <p:strVal val="#ppt_w"/>
+                                          </p:val>
+                                        </p:tav>
+                                      </p:tavLst>
+                                    </p:anim>
+                                    <p:anim calcmode="lin" valueType="num">
+                                      <p:cBhvr>
+                                        <p:cTn id="8" dur="500" fill="hold"/>
+                                        <p:tgtEl>
+                                          <p:spTgt spid="65"/>
+                                        </p:tgtEl>
+                                        <p:attrNameLst>
+                                          <p:attrName>ppt_h</p:attrName>
+                                        </p:attrNameLst>
+                                      </p:cBhvr>
+                                      <p:tavLst>
+                                        <p:tav tm="0">
+                                          <p:val>
+                                            <p:fltVal val="0"/>
+                                          </p:val>
+                                        </p:tav>
+                                        <p:tav tm="100000">
+                                          <p:val>
+                                            <p:strVal val="#ppt_h"/>
+                                          </p:val>
+                                        </p:tav>
+                                      </p:tavLst>
+                                    </p:anim>
+                                  </p:childTnLst>
+                                </p:cTn>
+                              </p:par>
+                            </p:childTnLst>
+                          </p:cTn>
+                        </p:par>
+                      </p:childTnLst>
+                    </p:cTn>
+                  </p:par>
+                  <p:par>
+                    <p:cTn id="9" fill="hold">
+                      <p:stCondLst>
+                        <p:cond delay="indefinite"/>
+                      </p:stCondLst>
+                      <p:childTnLst>
+                        <p:par>
+                          <p:cTn id="10" fill="hold">
+                            <p:stCondLst>
+                              <p:cond delay="0"/>
+                            </p:stCondLst>
+                            <p:childTnLst>
+                              <p:par>
+                                <p:cTn id="11" presetID="23" presetClass="entr" presetSubtype="16" fill="hold" nodeType="clickEffect">
+                                  <p:stCondLst>
+                                    <p:cond delay="0"/>
+                                  </p:stCondLst>
+                                  <p:childTnLst>
+                                    <p:set>
+                                      <p:cBhvr>
+                                        <p:cTn id="12" dur="1" fill="hold">
+                                          <p:stCondLst>
+                                            <p:cond delay="0"/>
+                                          </p:stCondLst>
+                                        </p:cTn>
+                                        <p:tgtEl>
+                                          <p:spTgt spid="68"/>
+                                        </p:tgtEl>
+                                        <p:attrNameLst>
+                                          <p:attrName>style.visibility</p:attrName>
+                                        </p:attrNameLst>
+                                      </p:cBhvr>
+                                      <p:to>
+                                        <p:strVal val="visible"/>
+                                      </p:to>
+                                    </p:set>
+                                    <p:anim calcmode="lin" valueType="num">
+                                      <p:cBhvr>
+                                        <p:cTn id="13" dur="500" fill="hold"/>
+                                        <p:tgtEl>
+                                          <p:spTgt spid="68"/>
+                                        </p:tgtEl>
+                                        <p:attrNameLst>
+                                          <p:attrName>ppt_w</p:attrName>
+                                        </p:attrNameLst>
+                                      </p:cBhvr>
+                                      <p:tavLst>
+                                        <p:tav tm="0">
+                                          <p:val>
+                                            <p:fltVal val="0"/>
+                                          </p:val>
+                                        </p:tav>
+                                        <p:tav tm="100000">
+                                          <p:val>
+                                            <p:strVal val="#ppt_w"/>
+                                          </p:val>
+                                        </p:tav>
+                                      </p:tavLst>
+                                    </p:anim>
+                                    <p:anim calcmode="lin" valueType="num">
+                                      <p:cBhvr>
+                                        <p:cTn id="14" dur="500" fill="hold"/>
+                                        <p:tgtEl>
+                                          <p:spTgt spid="68"/>
+                                        </p:tgtEl>
+                                        <p:attrNameLst>
+                                          <p:attrName>ppt_h</p:attrName>
+                                        </p:attrNameLst>
+                                      </p:cBhvr>
+                                      <p:tavLst>
+                                        <p:tav tm="0">
+                                          <p:val>
+                                            <p:fltVal val="0"/>
+                                          </p:val>
+                                        </p:tav>
+                                        <p:tav tm="100000">
+                                          <p:val>
+                                            <p:strVal val="#ppt_h"/>
+                                          </p:val>
+                                        </p:tav>
+                                      </p:tavLst>
+                                    </p:anim>
+                                  </p:childTnLst>
+                                </p:cTn>
+                              </p:par>
+                              <p:par>
+                                <p:cTn id="15" presetID="4" presetClass="exit" presetSubtype="16" fill="hold" nodeType="withEffect">
+                                  <p:stCondLst>
+                                    <p:cond delay="0"/>
+                                  </p:stCondLst>
+                                  <p:childTnLst>
+                                    <p:animEffect transition="out" filter="box(in)">
+                                      <p:cBhvr>
+                                        <p:cTn id="16" dur="500"/>
+                                        <p:tgtEl>
+                                          <p:spTgt spid="65"/>
+                                        </p:tgtEl>
+                                      </p:cBhvr>
+                                    </p:animEffect>
+                                    <p:set>
+                                      <p:cBhvr>
+                                        <p:cTn id="17" dur="1" fill="hold">
+                                          <p:stCondLst>
+                                            <p:cond delay="499"/>
+                                          </p:stCondLst>
+                                        </p:cTn>
+                                        <p:tgtEl>
+                                          <p:spTgt spid="65"/>
+                                        </p:tgtEl>
+                                        <p:attrNameLst>
+                                          <p:attrName>style.visibility</p:attrName>
+                                        </p:attrNameLst>
+                                      </p:cBhvr>
+                                      <p:to>
+                                        <p:strVal val="hidden"/>
+                                      </p:to>
+                                    </p:set>
+                                  </p:childTnLst>
+                                </p:cTn>
+                              </p:par>
+                              <p:par>
+                                <p:cTn id="18" presetID="23" presetClass="entr" presetSubtype="16" fill="hold" nodeType="withEffect">
+                                  <p:stCondLst>
+                                    <p:cond delay="0"/>
+                                  </p:stCondLst>
+                                  <p:childTnLst>
+                                    <p:set>
+                                      <p:cBhvr>
+                                        <p:cTn id="19" dur="1" fill="hold">
+                                          <p:stCondLst>
+                                            <p:cond delay="0"/>
+                                          </p:stCondLst>
+                                        </p:cTn>
+                                        <p:tgtEl>
+                                          <p:spTgt spid="77"/>
+                                        </p:tgtEl>
+                                        <p:attrNameLst>
+                                          <p:attrName>style.visibility</p:attrName>
+                                        </p:attrNameLst>
+                                      </p:cBhvr>
+                                      <p:to>
+                                        <p:strVal val="visible"/>
+                                      </p:to>
+                                    </p:set>
+                                    <p:anim calcmode="lin" valueType="num">
+                                      <p:cBhvr>
+                                        <p:cTn id="20" dur="500" fill="hold"/>
+                                        <p:tgtEl>
+                                          <p:spTgt spid="77"/>
+                                        </p:tgtEl>
+                                        <p:attrNameLst>
+                                          <p:attrName>ppt_w</p:attrName>
+                                        </p:attrNameLst>
+                                      </p:cBhvr>
+                                      <p:tavLst>
+                                        <p:tav tm="0">
+                                          <p:val>
+                                            <p:fltVal val="0"/>
+                                          </p:val>
+                                        </p:tav>
+                                        <p:tav tm="100000">
+                                          <p:val>
+                                            <p:strVal val="#ppt_w"/>
+                                          </p:val>
+                                        </p:tav>
+                                      </p:tavLst>
+                                    </p:anim>
+                                    <p:anim calcmode="lin" valueType="num">
+                                      <p:cBhvr>
+                                        <p:cTn id="21" dur="500" fill="hold"/>
+                                        <p:tgtEl>
+                                          <p:spTgt spid="77"/>
+                                        </p:tgtEl>
+                                        <p:attrNameLst>
+                                          <p:attrName>ppt_h</p:attrName>
+                                        </p:attrNameLst>
+                                      </p:cBhvr>
+                                      <p:tavLst>
+                                        <p:tav tm="0">
+                                          <p:val>
+                                            <p:fltVal val="0"/>
+                                          </p:val>
+                                        </p:tav>
+                                        <p:tav tm="100000">
+                                          <p:val>
+                                            <p:strVal val="#ppt_h"/>
+                                          </p:val>
+                                        </p:tav>
+                                      </p:tavLst>
+                                    </p:anim>
+                                  </p:childTnLst>
+                                </p:cTn>
+                              </p:par>
+                            </p:childTnLst>
+                          </p:cTn>
+                        </p:par>
+                      </p:childTnLst>
+                    </p:cTn>
+                  </p:par>
+                  <p:par>
+                    <p:cTn id="22" fill="hold">
+                      <p:stCondLst>
+                        <p:cond delay="indefinite"/>
+                      </p:stCondLst>
+                      <p:childTnLst>
+                        <p:par>
+                          <p:cTn id="23" fill="hold">
+                            <p:stCondLst>
+                              <p:cond delay="0"/>
+                            </p:stCondLst>
+                            <p:childTnLst>
+                              <p:par>
+                                <p:cTn id="24" presetID="23" presetClass="entr" presetSubtype="16" fill="hold" nodeType="clickEffect">
+                                  <p:stCondLst>
+                                    <p:cond delay="0"/>
+                                  </p:stCondLst>
+                                  <p:childTnLst>
+                                    <p:set>
+                                      <p:cBhvr>
+                                        <p:cTn id="25" dur="1" fill="hold">
+                                          <p:stCondLst>
+                                            <p:cond delay="0"/>
+                                          </p:stCondLst>
+                                        </p:cTn>
+                                        <p:tgtEl>
+                                          <p:spTgt spid="80"/>
+                                        </p:tgtEl>
+                                        <p:attrNameLst>
+                                          <p:attrName>style.visibility</p:attrName>
+                                        </p:attrNameLst>
+                                      </p:cBhvr>
+                                      <p:to>
+                                        <p:strVal val="visible"/>
+                                      </p:to>
+                                    </p:set>
+                                    <p:anim calcmode="lin" valueType="num">
+                                      <p:cBhvr>
+                                        <p:cTn id="26" dur="500" fill="hold"/>
+                                        <p:tgtEl>
+                                          <p:spTgt spid="80"/>
+                                        </p:tgtEl>
+                                        <p:attrNameLst>
+                                          <p:attrName>ppt_w</p:attrName>
+                                        </p:attrNameLst>
+                                      </p:cBhvr>
+                                      <p:tavLst>
+                                        <p:tav tm="0">
+                                          <p:val>
+                                            <p:fltVal val="0"/>
+                                          </p:val>
+                                        </p:tav>
+                                        <p:tav tm="100000">
+                                          <p:val>
+                                            <p:strVal val="#ppt_w"/>
+                                          </p:val>
+                                        </p:tav>
+                                      </p:tavLst>
+                                    </p:anim>
+                                    <p:anim calcmode="lin" valueType="num">
+                                      <p:cBhvr>
+                                        <p:cTn id="27" dur="500" fill="hold"/>
+                                        <p:tgtEl>
+                                          <p:spTgt spid="80"/>
+                                        </p:tgtEl>
+                                        <p:attrNameLst>
+                                          <p:attrName>ppt_h</p:attrName>
+                                        </p:attrNameLst>
+                                      </p:cBhvr>
+                                      <p:tavLst>
+                                        <p:tav tm="0">
+                                          <p:val>
+                                            <p:fltVal val="0"/>
+                                          </p:val>
+                                        </p:tav>
+                                        <p:tav tm="100000">
+                                          <p:val>
+                                            <p:strVal val="#ppt_h"/>
+                                          </p:val>
+                                        </p:tav>
+                                      </p:tavLst>
+                                    </p:anim>
+                                  </p:childTnLst>
+                                </p:cTn>
+                              </p:par>
+                              <p:par>
+                                <p:cTn id="28" presetID="4" presetClass="exit" presetSubtype="16" fill="hold" nodeType="withEffect">
+                                  <p:stCondLst>
+                                    <p:cond delay="0"/>
+                                  </p:stCondLst>
+                                  <p:childTnLst>
+                                    <p:animEffect transition="out" filter="box(in)">
+                                      <p:cBhvr>
+                                        <p:cTn id="29" dur="500"/>
+                                        <p:tgtEl>
+                                          <p:spTgt spid="68"/>
+                                        </p:tgtEl>
+                                      </p:cBhvr>
+                                    </p:animEffect>
+                                    <p:set>
+                                      <p:cBhvr>
+                                        <p:cTn id="30" dur="1" fill="hold">
+                                          <p:stCondLst>
+                                            <p:cond delay="499"/>
+                                          </p:stCondLst>
+                                        </p:cTn>
+                                        <p:tgtEl>
+                                          <p:spTgt spid="68"/>
+                                        </p:tgtEl>
+                                        <p:attrNameLst>
+                                          <p:attrName>style.visibility</p:attrName>
+                                        </p:attrNameLst>
+                                      </p:cBhvr>
+                                      <p:to>
+                                        <p:strVal val="hidden"/>
+                                      </p:to>
+                                    </p:set>
+                                  </p:childTnLst>
+                                </p:cTn>
+                              </p:par>
+                            </p:childTnLst>
+                          </p:cTn>
+                        </p:par>
+                      </p:childTnLst>
+                    </p:cTn>
+                  </p:par>
+                  <p:par>
+                    <p:cTn id="31" fill="hold">
+                      <p:stCondLst>
+                        <p:cond delay="indefinite"/>
+                      </p:stCondLst>
+                      <p:childTnLst>
+                        <p:par>
+                          <p:cTn id="32" fill="hold">
+                            <p:stCondLst>
+                              <p:cond delay="0"/>
+                            </p:stCondLst>
+                            <p:childTnLst>
+                              <p:par>
+                                <p:cTn id="33" presetID="2" presetClass="entr" presetSubtype="4" fill="hold" grpId="0" nodeType="clickEffect">
+                                  <p:stCondLst>
+                                    <p:cond delay="0"/>
+                                  </p:stCondLst>
+                                  <p:childTnLst>
+                                    <p:set>
+                                      <p:cBhvr>
+                                        <p:cTn id="34" dur="1" fill="hold">
+                                          <p:stCondLst>
+                                            <p:cond delay="0"/>
+                                          </p:stCondLst>
+                                        </p:cTn>
+                                        <p:tgtEl>
+                                          <p:spTgt spid="34"/>
+                                        </p:tgtEl>
+                                        <p:attrNameLst>
+                                          <p:attrName>style.visibility</p:attrName>
+                                        </p:attrNameLst>
+                                      </p:cBhvr>
+                                      <p:to>
+                                        <p:strVal val="visible"/>
+                                      </p:to>
+                                    </p:set>
+                                    <p:anim calcmode="lin" valueType="num">
+                                      <p:cBhvr additive="base">
+                                        <p:cTn id="35" dur="500" fill="hold"/>
+                                        <p:tgtEl>
+                                          <p:spTgt spid="34"/>
+                                        </p:tgtEl>
+                                        <p:attrNameLst>
+                                          <p:attrName>ppt_x</p:attrName>
+                                        </p:attrNameLst>
+                                      </p:cBhvr>
+                                      <p:tavLst>
+                                        <p:tav tm="0">
+                                          <p:val>
+                                            <p:strVal val="#ppt_x"/>
+                                          </p:val>
+                                        </p:tav>
+                                        <p:tav tm="100000">
+                                          <p:val>
+                                            <p:strVal val="#ppt_x"/>
+                                          </p:val>
+                                        </p:tav>
+                                      </p:tavLst>
+                                    </p:anim>
+                                    <p:anim calcmode="lin" valueType="num">
+                                      <p:cBhvr additive="base">
+                                        <p:cTn id="36" dur="500" fill="hold"/>
+                                        <p:tgtEl>
+                                          <p:spTgt spid="34"/>
+                                        </p:tgtEl>
+                                        <p:attrNameLst>
+                                          <p:attrName>ppt_y</p:attrName>
+                                        </p:attrNameLst>
+                                      </p:cBhvr>
+                                      <p:tavLst>
+                                        <p:tav tm="0">
+                                          <p:val>
+                                            <p:strVal val="1+#ppt_h/2"/>
+                                          </p:val>
+                                        </p:tav>
+                                        <p:tav tm="100000">
+                                          <p:val>
+                                            <p:strVal val="#ppt_y"/>
+                                          </p:val>
+                                        </p:tav>
+                                      </p:tavLst>
+                                    </p:anim>
+                                  </p:childTnLst>
+                                </p:cTn>
+                              </p:par>
+                            </p:childTnLst>
+                          </p:cTn>
+                        </p:par>
+                      </p:childTnLst>
+                    </p:cTn>
+                  </p:par>
+                </p:childTnLst>
+              </p:cTn>
+              <p:prevCondLst>
+                <p:cond evt="onPrev" delay="0">
+                  <p:tgtEl>
+                    <p:sldTgt/>
+                  </p:tgtEl>
+                </p:cond>
+              </p:prevCondLst>
+              <p:nextCondLst>
+                <p:cond evt="onNext" delay="0">
+                  <p:tgtEl>
+                    <p:sldTgt/>
+                  </p:tgtEl>
+                </p:cond>
+              </p:nextCondLst>
+            </p:seq>
+          </p:childTnLst>
+        </p:cTn>
+      </p:par>
+    </p:tnLst>
+    <p:bldLst>
+      <p:bldP spid="34" grpId="0"/>
+    </p:bldLst>
+  </p:timing>
+</p:sld>
+</file>
+
+<file path=ppt/slides/slide14.xml><?xml version="1.0" encoding="utf-8"?>
+<p:sld xmlns:a="http://schemas.openxmlformats.org/drawingml/2006/main" xmlns:r="http://schemas.openxmlformats.org/officeDocument/2006/relationships" xmlns:p="http://schemas.openxmlformats.org/presentationml/2006/main">
+  <p:cSld>
+    <p:spTree>
+      <p:nvGrpSpPr>
+        <p:cNvPr id="1" name=""/>
+        <p:cNvGrpSpPr/>
+        <p:nvPr/>
+      </p:nvGrpSpPr>
+      <p:grpSpPr>
+        <a:xfrm>
+          <a:off x="0" y="0"/>
+          <a:ext cx="0" cy="0"/>
+          <a:chOff x="0" y="0"/>
+          <a:chExt cx="0" cy="0"/>
+        </a:xfrm>
+      </p:grpSpPr>
+      <p:sp>
+        <p:nvSpPr>
+          <p:cNvPr id="2" name="Заголовок 1"/>
+          <p:cNvSpPr>
+            <a:spLocks noGrp="1"/>
+          </p:cNvSpPr>
+          <p:nvPr>
+            <p:ph type="title"/>
+          </p:nvPr>
+        </p:nvSpPr>
+        <p:spPr/>
+        <p:txBody>
+          <a:bodyPr>
+            <a:normAutofit fontScale="90000"/>
+          </a:bodyPr>
+          <a:lstStyle/>
+          <a:p>
+            <a:r>
+              <a:rPr lang="ru-RU" dirty="0" smtClean="0">
+                <a:latin typeface="Tahoma" pitchFamily="34" charset="0"/>
+                <a:ea typeface="Tahoma" pitchFamily="34" charset="0"/>
+                <a:cs typeface="Tahoma" pitchFamily="34" charset="0"/>
+              </a:rPr>
+              <a:t>Арбитраж на физическом уровне</a:t>
+            </a:r>
+            <a:endParaRPr lang="ru-RU" dirty="0">
+              <a:latin typeface="Tahoma" pitchFamily="34" charset="0"/>
+              <a:ea typeface="Tahoma" pitchFamily="34" charset="0"/>
+              <a:cs typeface="Tahoma" pitchFamily="34" charset="0"/>
+            </a:endParaRPr>
+          </a:p>
+        </p:txBody>
+      </p:sp>
+      <p:sp>
+        <p:nvSpPr>
+          <p:cNvPr id="6" name="TextBox 5"/>
+          <p:cNvSpPr txBox="1"/>
+          <p:nvPr/>
+        </p:nvSpPr>
+        <p:spPr>
+          <a:xfrm>
+            <a:off x="357158" y="1785926"/>
+            <a:ext cx="8429684" cy="2677656"/>
+          </a:xfrm>
+          <a:prstGeom prst="rect">
+            <a:avLst/>
+          </a:prstGeom>
+          <a:noFill/>
+        </p:spPr>
+        <p:txBody>
+          <a:bodyPr wrap="square" rtlCol="0">
+            <a:spAutoFit/>
+          </a:bodyPr>
+          <a:lstStyle/>
+          <a:p>
+            <a:r>
+              <a:rPr lang="en-US" sz="2800" b="1" u="sng" dirty="0" smtClean="0">
+                <a:latin typeface="Tahoma" pitchFamily="34" charset="0"/>
+                <a:ea typeface="Tahoma" pitchFamily="34" charset="0"/>
+                <a:cs typeface="Tahoma" pitchFamily="34" charset="0"/>
+              </a:rPr>
+              <a:t>Bus initialization</a:t>
+            </a:r>
+            <a:endParaRPr lang="ru-RU" sz="2800" b="1" u="sng" dirty="0" smtClean="0">
+              <a:latin typeface="Tahoma" pitchFamily="34" charset="0"/>
+              <a:ea typeface="Tahoma" pitchFamily="34" charset="0"/>
+              <a:cs typeface="Tahoma" pitchFamily="34" charset="0"/>
+            </a:endParaRPr>
+          </a:p>
+          <a:p>
+            <a:endParaRPr lang="ru-RU" sz="2800" b="1" u="sng" dirty="0" smtClean="0">
+              <a:latin typeface="Tahoma" pitchFamily="34" charset="0"/>
+              <a:ea typeface="Tahoma" pitchFamily="34" charset="0"/>
+              <a:cs typeface="Tahoma" pitchFamily="34" charset="0"/>
+            </a:endParaRPr>
+          </a:p>
+          <a:p>
+            <a:r>
+              <a:rPr lang="en-US" sz="2800" b="1" u="sng" dirty="0" smtClean="0">
+                <a:latin typeface="Tahoma" pitchFamily="34" charset="0"/>
+                <a:ea typeface="Tahoma" pitchFamily="34" charset="0"/>
+                <a:cs typeface="Tahoma" pitchFamily="34" charset="0"/>
+              </a:rPr>
+              <a:t>Tree identification</a:t>
+            </a:r>
+            <a:endParaRPr lang="ru-RU" sz="2800" b="1" u="sng" dirty="0" smtClean="0">
+              <a:latin typeface="Tahoma" pitchFamily="34" charset="0"/>
+              <a:ea typeface="Tahoma" pitchFamily="34" charset="0"/>
+              <a:cs typeface="Tahoma" pitchFamily="34" charset="0"/>
+            </a:endParaRPr>
+          </a:p>
+          <a:p>
+            <a:endParaRPr lang="ru-RU" sz="2800" b="1" u="sng" dirty="0" smtClean="0">
+              <a:latin typeface="Tahoma" pitchFamily="34" charset="0"/>
+              <a:ea typeface="Tahoma" pitchFamily="34" charset="0"/>
+              <a:cs typeface="Tahoma" pitchFamily="34" charset="0"/>
+            </a:endParaRPr>
+          </a:p>
+          <a:p>
+            <a:r>
+              <a:rPr lang="en-US" sz="2800" b="1" u="sng" dirty="0" smtClean="0">
+                <a:latin typeface="Tahoma" pitchFamily="34" charset="0"/>
+                <a:ea typeface="Tahoma" pitchFamily="34" charset="0"/>
+                <a:cs typeface="Tahoma" pitchFamily="34" charset="0"/>
+              </a:rPr>
+              <a:t>Self identification</a:t>
+            </a:r>
+          </a:p>
+          <a:p>
+            <a:endParaRPr lang="en-US" sz="2800" b="1" u="sng" dirty="0" smtClean="0">
+              <a:latin typeface="Tahoma" pitchFamily="34" charset="0"/>
+              <a:ea typeface="Tahoma" pitchFamily="34" charset="0"/>
+              <a:cs typeface="Tahoma" pitchFamily="34" charset="0"/>
+            </a:endParaRPr>
+          </a:p>
+        </p:txBody>
+      </p:sp>
+      <p:graphicFrame>
+        <p:nvGraphicFramePr>
+          <p:cNvPr id="5" name="Таблица 4"/>
+          <p:cNvGraphicFramePr>
+            <a:graphicFrameLocks noGrp="1"/>
+          </p:cNvGraphicFramePr>
+          <p:nvPr/>
+        </p:nvGraphicFramePr>
+        <p:xfrm>
+          <a:off x="285720" y="4286256"/>
+          <a:ext cx="8572560" cy="1743085"/>
+        </p:xfrm>
+        <a:graphic>
+          <a:graphicData uri="http://schemas.openxmlformats.org/drawingml/2006/table">
+            <a:tbl>
+              <a:tblPr firstRow="1" bandRow="1"/>
+              <a:tblGrid>
+                <a:gridCol w="6572296"/>
+                <a:gridCol w="2000264"/>
+              </a:tblGrid>
+              <a:tr h="428627">
+                <a:tc>
+                  <a:txBody>
+                    <a:bodyPr/>
+                    <a:lstStyle/>
+                    <a:p>
+                      <a:pPr algn="ctr"/>
+                      <a:r>
+                        <a:rPr lang="ru-RU" sz="2400" dirty="0" smtClean="0">
+                          <a:latin typeface="Tahoma" pitchFamily="34" charset="0"/>
+                          <a:ea typeface="Tahoma" pitchFamily="34" charset="0"/>
+                          <a:cs typeface="Tahoma" pitchFamily="34" charset="0"/>
+                        </a:rPr>
+                        <a:t>Сигнал</a:t>
+                      </a:r>
+                      <a:endParaRPr lang="ru-RU" sz="2400" dirty="0">
+                        <a:latin typeface="Tahoma" pitchFamily="34" charset="0"/>
+                        <a:ea typeface="Tahoma" pitchFamily="34" charset="0"/>
+                        <a:cs typeface="Tahoma" pitchFamily="34" charset="0"/>
+                      </a:endParaRPr>
+                    </a:p>
+                  </a:txBody>
+                  <a:tcPr anchor="ctr"/>
+                </a:tc>
+                <a:tc>
+                  <a:txBody>
+                    <a:bodyPr/>
+                    <a:lstStyle/>
+                    <a:p>
+                      <a:pPr algn="ctr"/>
+                      <a:r>
+                        <a:rPr lang="en-US" sz="2400" dirty="0" smtClean="0">
+                          <a:solidFill>
+                            <a:srgbClr val="FF0000"/>
+                          </a:solidFill>
+                          <a:latin typeface="Tahoma" pitchFamily="34" charset="0"/>
+                          <a:ea typeface="Tahoma" pitchFamily="34" charset="0"/>
+                          <a:cs typeface="Tahoma" pitchFamily="34" charset="0"/>
+                        </a:rPr>
+                        <a:t>TPB</a:t>
+                      </a:r>
+                      <a:endParaRPr lang="ru-RU" sz="2400" dirty="0">
+                        <a:solidFill>
+                          <a:srgbClr val="FF0000"/>
+                        </a:solidFill>
+                        <a:latin typeface="Tahoma" pitchFamily="34" charset="0"/>
+                        <a:ea typeface="Tahoma" pitchFamily="34" charset="0"/>
+                        <a:cs typeface="Tahoma" pitchFamily="34" charset="0"/>
+                      </a:endParaRPr>
+                    </a:p>
+                  </a:txBody>
+                  <a:tcPr anchor="ctr"/>
+                </a:tc>
+              </a:tr>
+              <a:tr h="642942">
+                <a:tc>
+                  <a:txBody>
+                    <a:bodyPr/>
+                    <a:lstStyle/>
+                    <a:p>
+                      <a:pPr marL="0" marR="0" indent="0" algn="ctr" defTabSz="914400" rtl="0" eaLnBrk="1" fontAlgn="auto" latinLnBrk="0" hangingPunct="1">
+                        <a:lnSpc>
+                          <a:spcPct val="100000"/>
+                        </a:lnSpc>
+                        <a:spcBef>
+                          <a:spcPts val="0"/>
+                        </a:spcBef>
+                        <a:spcAft>
+                          <a:spcPts val="0"/>
+                        </a:spcAft>
+                        <a:buClrTx/>
+                        <a:buSzTx/>
+                        <a:buFontTx/>
+                        <a:buNone/>
+                        <a:tabLst/>
+                        <a:defRPr/>
+                      </a:pPr>
+                      <a:r>
+                        <a:rPr lang="ru-RU" sz="2400" u="none" dirty="0" smtClean="0">
+                          <a:latin typeface="Tahoma" pitchFamily="34" charset="0"/>
+                          <a:ea typeface="Tahoma" pitchFamily="34" charset="0"/>
+                          <a:cs typeface="Tahoma" pitchFamily="34" charset="0"/>
+                        </a:rPr>
+                        <a:t>Арбитражный сигнал</a:t>
+                      </a:r>
+                      <a:endParaRPr lang="ru-RU" sz="2400" b="1" u="none" dirty="0">
+                        <a:latin typeface="Tahoma" pitchFamily="34" charset="0"/>
+                        <a:ea typeface="Tahoma" pitchFamily="34" charset="0"/>
+                        <a:cs typeface="Tahoma" pitchFamily="34" charset="0"/>
+                      </a:endParaRPr>
+                    </a:p>
+                  </a:txBody>
+                  <a:tcPr anchor="ctr"/>
+                </a:tc>
+                <a:tc>
+                  <a:txBody>
+                    <a:bodyPr/>
+                    <a:lstStyle/>
+                    <a:p>
+                      <a:pPr algn="ctr"/>
+                      <a:r>
+                        <a:rPr lang="ru-RU" sz="2400" dirty="0" smtClean="0">
+                          <a:latin typeface="Tahoma" pitchFamily="34" charset="0"/>
+                          <a:ea typeface="Tahoma" pitchFamily="34" charset="0"/>
+                          <a:cs typeface="Tahoma" pitchFamily="34" charset="0"/>
+                        </a:rPr>
+                        <a:t>0</a:t>
+                      </a:r>
+                      <a:endParaRPr lang="ru-RU" sz="2400" dirty="0">
+                        <a:latin typeface="Tahoma" pitchFamily="34" charset="0"/>
+                        <a:ea typeface="Tahoma" pitchFamily="34" charset="0"/>
+                        <a:cs typeface="Tahoma" pitchFamily="34" charset="0"/>
+                      </a:endParaRPr>
+                    </a:p>
+                  </a:txBody>
+                  <a:tcPr anchor="ctr"/>
+                </a:tc>
+              </a:tr>
+              <a:tr h="642943">
+                <a:tc>
+                  <a:txBody>
+                    <a:bodyPr/>
+                    <a:lstStyle/>
+                    <a:p>
+                      <a:pPr algn="ctr"/>
+                      <a:r>
+                        <a:rPr lang="en-US" sz="2400" u="none" dirty="0" smtClean="0">
+                          <a:latin typeface="Tahoma" pitchFamily="34" charset="0"/>
+                          <a:ea typeface="Tahoma" pitchFamily="34" charset="0"/>
+                          <a:cs typeface="Tahoma" pitchFamily="34" charset="0"/>
+                        </a:rPr>
+                        <a:t>Identification </a:t>
+                      </a:r>
+                      <a:r>
+                        <a:rPr lang="en-US" sz="2400" u="sng" dirty="0" smtClean="0">
+                          <a:latin typeface="Tahoma" pitchFamily="34" charset="0"/>
+                          <a:ea typeface="Tahoma" pitchFamily="34" charset="0"/>
+                          <a:cs typeface="Tahoma" pitchFamily="34" charset="0"/>
+                        </a:rPr>
+                        <a:t>DONE</a:t>
+                      </a:r>
+                      <a:endParaRPr lang="ru-RU" sz="2400" u="sng" dirty="0">
+                        <a:latin typeface="Tahoma" pitchFamily="34" charset="0"/>
+                        <a:ea typeface="Tahoma" pitchFamily="34" charset="0"/>
+                        <a:cs typeface="Tahoma" pitchFamily="34" charset="0"/>
+                      </a:endParaRPr>
+                    </a:p>
+                  </a:txBody>
+                  <a:tcPr anchor="ctr"/>
+                </a:tc>
+                <a:tc>
+                  <a:txBody>
+                    <a:bodyPr/>
+                    <a:lstStyle/>
+                    <a:p>
+                      <a:pPr algn="ctr"/>
+                      <a:r>
+                        <a:rPr lang="en-US" sz="2400" dirty="0" smtClean="0">
+                          <a:latin typeface="Tahoma" pitchFamily="34" charset="0"/>
+                          <a:ea typeface="Tahoma" pitchFamily="34" charset="0"/>
+                          <a:cs typeface="Tahoma" pitchFamily="34" charset="0"/>
+                        </a:rPr>
+                        <a:t>1</a:t>
+                      </a:r>
+                      <a:endParaRPr lang="ru-RU" sz="2400" dirty="0">
+                        <a:latin typeface="Tahoma" pitchFamily="34" charset="0"/>
+                        <a:ea typeface="Tahoma" pitchFamily="34" charset="0"/>
+                        <a:cs typeface="Tahoma" pitchFamily="34" charset="0"/>
+                      </a:endParaRPr>
+                    </a:p>
+                  </a:txBody>
+                  <a:tcPr anchor="ctr"/>
+                </a:tc>
+              </a:tr>
+            </a:tbl>
+          </a:graphicData>
+        </a:graphic>
+      </p:graphicFrame>
+    </p:spTree>
+  </p:cSld>
+  <p:clrMapOvr>
+    <a:masterClrMapping/>
+  </p:clrMapOvr>
+  <p:transition>
+    <p:wipe/>
+  </p:transition>
+  <p:timing>
+    <p:tnLst>
+      <p:par>
+        <p:cTn id="1" dur="indefinite" restart="never" nodeType="tmRoot">
+          <p:childTnLst>
+            <p:seq concurrent="1" nextAc="seek">
+              <p:cTn id="2" dur="indefinite" nodeType="mainSeq">
+                <p:childTnLst>
+                  <p:par>
+                    <p:cTn id="3" fill="hold">
+                      <p:stCondLst>
+                        <p:cond delay="indefinite"/>
+                      </p:stCondLst>
+                      <p:childTnLst>
+                        <p:par>
+                          <p:cTn id="4" fill="hold">
+                            <p:stCondLst>
+                              <p:cond delay="0"/>
+                            </p:stCondLst>
+                            <p:childTnLst>
+                              <p:par>
+                                <p:cTn id="5" presetID="42" presetClass="entr" presetSubtype="0" fill="hold" nodeType="clickEffect">
+                                  <p:stCondLst>
+                                    <p:cond delay="0"/>
+                                  </p:stCondLst>
+                                  <p:childTnLst>
+                                    <p:set>
+                                      <p:cBhvr>
+                                        <p:cTn id="6" dur="1" fill="hold">
+                                          <p:stCondLst>
+                                            <p:cond delay="0"/>
+                                          </p:stCondLst>
+                                        </p:cTn>
+                                        <p:tgtEl>
+                                          <p:spTgt spid="6">
+                                            <p:txEl>
+                                              <p:pRg st="4" end="4"/>
+                                            </p:txEl>
+                                          </p:spTgt>
+                                        </p:tgtEl>
+                                        <p:attrNameLst>
+                                          <p:attrName>style.visibility</p:attrName>
+                                        </p:attrNameLst>
+                                      </p:cBhvr>
+                                      <p:to>
+                                        <p:strVal val="visible"/>
+                                      </p:to>
+                                    </p:set>
+                                    <p:animEffect transition="in" filter="fade">
+                                      <p:cBhvr>
+                                        <p:cTn id="7" dur="1000"/>
+                                        <p:tgtEl>
+                                          <p:spTgt spid="6">
+                                            <p:txEl>
+                                              <p:pRg st="4" end="4"/>
+                                            </p:txEl>
+                                          </p:spTgt>
+                                        </p:tgtEl>
+                                      </p:cBhvr>
+                                    </p:animEffect>
+                                    <p:anim calcmode="lin" valueType="num">
+                                      <p:cBhvr>
+                                        <p:cTn id="8" dur="1000" fill="hold"/>
+                                        <p:tgtEl>
+                                          <p:spTgt spid="6">
+                                            <p:txEl>
+                                              <p:pRg st="4" end="4"/>
+                                            </p:txEl>
+                                          </p:spTgt>
+                                        </p:tgtEl>
+                                        <p:attrNameLst>
+                                          <p:attrName>ppt_x</p:attrName>
+                                        </p:attrNameLst>
+                                      </p:cBhvr>
+                                      <p:tavLst>
+                                        <p:tav tm="0">
+                                          <p:val>
+                                            <p:strVal val="#ppt_x"/>
+                                          </p:val>
+                                        </p:tav>
+                                        <p:tav tm="100000">
+                                          <p:val>
+                                            <p:strVal val="#ppt_x"/>
+                                          </p:val>
+                                        </p:tav>
+                                      </p:tavLst>
+                                    </p:anim>
+                                    <p:anim calcmode="lin" valueType="num">
+                                      <p:cBhvr>
+                                        <p:cTn id="9" dur="1000" fill="hold"/>
+                                        <p:tgtEl>
+                                          <p:spTgt spid="6">
+                                            <p:txEl>
+                                              <p:pRg st="4" end="4"/>
+                                            </p:txEl>
+                                          </p:spTgt>
+                                        </p:tgtEl>
+                                        <p:attrNameLst>
+                                          <p:attrName>ppt_y</p:attrName>
+                                        </p:attrNameLst>
+                                      </p:cBhvr>
+                                      <p:tavLst>
+                                        <p:tav tm="0">
+                                          <p:val>
+                                            <p:strVal val="#ppt_y+.1"/>
+                                          </p:val>
+                                        </p:tav>
+                                        <p:tav tm="100000">
+                                          <p:val>
+                                            <p:strVal val="#ppt_y"/>
+                                          </p:val>
+                                        </p:tav>
+                                      </p:tavLst>
+                                    </p:anim>
+                                  </p:childTnLst>
+                                </p:cTn>
+                              </p:par>
+                              <p:par>
+                                <p:cTn id="10" presetID="42" presetClass="entr" presetSubtype="0" fill="hold" nodeType="withEffect">
+                                  <p:stCondLst>
+                                    <p:cond delay="0"/>
+                                  </p:stCondLst>
+                                  <p:childTnLst>
+                                    <p:set>
+                                      <p:cBhvr>
+                                        <p:cTn id="11" dur="1" fill="hold">
+                                          <p:stCondLst>
+                                            <p:cond delay="0"/>
+                                          </p:stCondLst>
+                                        </p:cTn>
+                                        <p:tgtEl>
+                                          <p:spTgt spid="5"/>
+                                        </p:tgtEl>
+                                        <p:attrNameLst>
+                                          <p:attrName>style.visibility</p:attrName>
+                                        </p:attrNameLst>
+                                      </p:cBhvr>
+                                      <p:to>
+                                        <p:strVal val="visible"/>
+                                      </p:to>
+                                    </p:set>
+                                    <p:animEffect transition="in" filter="fade">
+                                      <p:cBhvr>
+                                        <p:cTn id="12" dur="1000"/>
+                                        <p:tgtEl>
+                                          <p:spTgt spid="5"/>
+                                        </p:tgtEl>
+                                      </p:cBhvr>
+                                    </p:animEffect>
+                                    <p:anim calcmode="lin" valueType="num">
+                                      <p:cBhvr>
+                                        <p:cTn id="13" dur="1000" fill="hold"/>
+                                        <p:tgtEl>
+                                          <p:spTgt spid="5"/>
+                                        </p:tgtEl>
+                                        <p:attrNameLst>
+                                          <p:attrName>ppt_x</p:attrName>
+                                        </p:attrNameLst>
+                                      </p:cBhvr>
+                                      <p:tavLst>
+                                        <p:tav tm="0">
+                                          <p:val>
+                                            <p:strVal val="#ppt_x"/>
+                                          </p:val>
+                                        </p:tav>
+                                        <p:tav tm="100000">
+                                          <p:val>
+                                            <p:strVal val="#ppt_x"/>
+                                          </p:val>
+                                        </p:tav>
+                                      </p:tavLst>
+                                    </p:anim>
+                                    <p:anim calcmode="lin" valueType="num">
+                                      <p:cBhvr>
+                                        <p:cTn id="14" dur="1000" fill="hold"/>
+                                        <p:tgtEl>
+                                          <p:spTgt spid="5"/>
+                                        </p:tgtEl>
+                                        <p:attrNameLst>
+                                          <p:attrName>ppt_y</p:attrName>
+                                        </p:attrNameLst>
+                                      </p:cBhvr>
+                                      <p:tavLst>
+                                        <p:tav tm="0">
+                                          <p:val>
+                                            <p:strVal val="#ppt_y+.1"/>
+                                          </p:val>
+                                        </p:tav>
+                                        <p:tav tm="100000">
+                                          <p:val>
+                                            <p:strVal val="#ppt_y"/>
+                                          </p:val>
+                                        </p:tav>
+                                      </p:tavLst>
+                                    </p:anim>
+                                  </p:childTnLst>
+                                </p:cTn>
+                              </p:par>
+                            </p:childTnLst>
+                          </p:cTn>
+                        </p:par>
+                      </p:childTnLst>
+                    </p:cTn>
+                  </p:par>
+                </p:childTnLst>
+              </p:cTn>
+              <p:prevCondLst>
+                <p:cond evt="onPrev" delay="0">
+                  <p:tgtEl>
+                    <p:sldTgt/>
+                  </p:tgtEl>
+                </p:cond>
+              </p:prevCondLst>
+              <p:nextCondLst>
+                <p:cond evt="onNext" delay="0">
+                  <p:tgtEl>
+                    <p:sldTgt/>
+                  </p:tgtEl>
+                </p:cond>
+              </p:nextCondLst>
+            </p:seq>
+          </p:childTnLst>
+        </p:cTn>
+      </p:par>
+    </p:tnLst>
+  </p:timing>
+</p:sld>
+</file>
+
+<file path=ppt/slides/slide15.xml><?xml version="1.0" encoding="utf-8"?>
+<p:sld xmlns:a="http://schemas.openxmlformats.org/drawingml/2006/main" xmlns:r="http://schemas.openxmlformats.org/officeDocument/2006/relationships" xmlns:p="http://schemas.openxmlformats.org/presentationml/2006/main">
+  <p:cSld>
+    <p:spTree>
+      <p:nvGrpSpPr>
+        <p:cNvPr id="1" name=""/>
+        <p:cNvGrpSpPr/>
+        <p:nvPr/>
+      </p:nvGrpSpPr>
+      <p:grpSpPr>
+        <a:xfrm>
+          <a:off x="0" y="0"/>
+          <a:ext cx="0" cy="0"/>
+          <a:chOff x="0" y="0"/>
+          <a:chExt cx="0" cy="0"/>
+        </a:xfrm>
+      </p:grpSpPr>
+      <p:sp>
+        <p:nvSpPr>
+          <p:cNvPr id="2" name="Заголовок 1"/>
+          <p:cNvSpPr>
+            <a:spLocks noGrp="1"/>
+          </p:cNvSpPr>
+          <p:nvPr>
+            <p:ph type="title"/>
+          </p:nvPr>
+        </p:nvSpPr>
+        <p:spPr/>
+        <p:txBody>
+          <a:bodyPr>
+            <a:normAutofit/>
+          </a:bodyPr>
+          <a:lstStyle/>
+          <a:p>
+            <a:r>
+              <a:rPr lang="en-US" dirty="0" smtClean="0">
+                <a:latin typeface="Tahoma" pitchFamily="34" charset="0"/>
+                <a:ea typeface="Tahoma" pitchFamily="34" charset="0"/>
+                <a:cs typeface="Tahoma" pitchFamily="34" charset="0"/>
+              </a:rPr>
+              <a:t>Self identification</a:t>
+            </a:r>
+            <a:endParaRPr lang="ru-RU" dirty="0">
+              <a:latin typeface="Tahoma" pitchFamily="34" charset="0"/>
+              <a:ea typeface="Tahoma" pitchFamily="34" charset="0"/>
+              <a:cs typeface="Tahoma" pitchFamily="34" charset="0"/>
+            </a:endParaRPr>
+          </a:p>
+        </p:txBody>
+      </p:sp>
+      <p:sp>
+        <p:nvSpPr>
+          <p:cNvPr id="5" name="Овал 4"/>
+          <p:cNvSpPr/>
+          <p:nvPr/>
+        </p:nvSpPr>
+        <p:spPr>
+          <a:xfrm>
+            <a:off x="4643438" y="2000240"/>
+            <a:ext cx="714380" cy="714380"/>
+          </a:xfrm>
+          <a:prstGeom prst="ellipse">
+            <a:avLst/>
+          </a:prstGeom>
+        </p:spPr>
+        <p:style>
+          <a:lnRef idx="2">
+            <a:schemeClr val="accent1">
+              <a:shade val="50000"/>
+            </a:schemeClr>
+          </a:lnRef>
+          <a:fillRef idx="1">
+            <a:schemeClr val="accent1"/>
+          </a:fillRef>
+          <a:effectRef idx="0">
+            <a:schemeClr val="accent1"/>
+          </a:effectRef>
+          <a:fontRef idx="minor">
+            <a:schemeClr val="lt1"/>
+          </a:fontRef>
+        </p:style>
+        <p:txBody>
+          <a:bodyPr rtlCol="0" anchor="ctr"/>
+          <a:lstStyle/>
+          <a:p>
+            <a:pPr algn="ctr"/>
+            <a:endParaRPr lang="ru-RU"/>
+          </a:p>
+        </p:txBody>
+      </p:sp>
+      <p:cxnSp>
+        <p:nvCxnSpPr>
+          <p:cNvPr id="13" name="Прямая соединительная линия 12"/>
+          <p:cNvCxnSpPr>
+            <a:stCxn id="5" idx="3"/>
+            <a:endCxn id="15" idx="7"/>
+          </p:cNvCxnSpPr>
+          <p:nvPr/>
+        </p:nvCxnSpPr>
+        <p:spPr>
+          <a:xfrm rot="5400000">
+            <a:off x="3288655" y="2431406"/>
+            <a:ext cx="1280806" cy="1637998"/>
+          </a:xfrm>
+          <a:prstGeom prst="line">
+            <a:avLst/>
+          </a:prstGeom>
+        </p:spPr>
+        <p:style>
+          <a:lnRef idx="1">
+            <a:schemeClr val="accent1"/>
+          </a:lnRef>
+          <a:fillRef idx="0">
+            <a:schemeClr val="accent1"/>
+          </a:fillRef>
+          <a:effectRef idx="0">
+            <a:schemeClr val="accent1"/>
+          </a:effectRef>
+          <a:fontRef idx="minor">
+            <a:schemeClr val="tx1"/>
+          </a:fontRef>
+        </p:style>
+      </p:cxnSp>
+      <p:sp>
+        <p:nvSpPr>
+          <p:cNvPr id="15" name="Овал 14"/>
+          <p:cNvSpPr/>
+          <p:nvPr/>
+        </p:nvSpPr>
+        <p:spPr>
+          <a:xfrm>
+            <a:off x="2500298" y="3786190"/>
+            <a:ext cx="714380" cy="714380"/>
+          </a:xfrm>
+          <a:prstGeom prst="ellipse">
+            <a:avLst/>
+          </a:prstGeom>
+          <a:solidFill>
+            <a:schemeClr val="accent2">
+              <a:lumMod val="60000"/>
+              <a:lumOff val="40000"/>
+            </a:schemeClr>
+          </a:solidFill>
+          <a:ln>
+            <a:solidFill>
+              <a:schemeClr val="accent2">
+                <a:lumMod val="75000"/>
+              </a:schemeClr>
+            </a:solidFill>
+          </a:ln>
+        </p:spPr>
+        <p:style>
+          <a:lnRef idx="2">
+            <a:schemeClr val="accent1">
+              <a:shade val="50000"/>
+            </a:schemeClr>
+          </a:lnRef>
+          <a:fillRef idx="1">
+            <a:schemeClr val="accent1"/>
+          </a:fillRef>
+          <a:effectRef idx="0">
+            <a:schemeClr val="accent1"/>
+          </a:effectRef>
+          <a:fontRef idx="minor">
+            <a:schemeClr val="lt1"/>
+          </a:fontRef>
+        </p:style>
+        <p:txBody>
+          <a:bodyPr rtlCol="0" anchor="ctr"/>
+          <a:lstStyle/>
+          <a:p>
+            <a:pPr algn="ctr"/>
+            <a:endParaRPr lang="ru-RU"/>
+          </a:p>
+        </p:txBody>
+      </p:sp>
+      <p:sp>
+        <p:nvSpPr>
+          <p:cNvPr id="21" name="Овал 20"/>
+          <p:cNvSpPr/>
+          <p:nvPr/>
+        </p:nvSpPr>
+        <p:spPr>
+          <a:xfrm>
+            <a:off x="7629766" y="5715016"/>
+            <a:ext cx="714380" cy="714380"/>
+          </a:xfrm>
+          <a:prstGeom prst="ellipse">
+            <a:avLst/>
+          </a:prstGeom>
+        </p:spPr>
+        <p:style>
+          <a:lnRef idx="2">
+            <a:schemeClr val="accent1">
+              <a:shade val="50000"/>
+            </a:schemeClr>
+          </a:lnRef>
+          <a:fillRef idx="1">
+            <a:schemeClr val="accent1"/>
+          </a:fillRef>
+          <a:effectRef idx="0">
+            <a:schemeClr val="accent1"/>
+          </a:effectRef>
+          <a:fontRef idx="minor">
+            <a:schemeClr val="lt1"/>
+          </a:fontRef>
+        </p:style>
+        <p:txBody>
+          <a:bodyPr rtlCol="0" anchor="ctr"/>
+          <a:lstStyle/>
+          <a:p>
+            <a:pPr algn="ctr"/>
+            <a:endParaRPr lang="ru-RU"/>
+          </a:p>
+        </p:txBody>
+      </p:sp>
+      <p:cxnSp>
+        <p:nvCxnSpPr>
+          <p:cNvPr id="23" name="Прямая соединительная линия 22"/>
+          <p:cNvCxnSpPr>
+            <a:stCxn id="5" idx="5"/>
+            <a:endCxn id="21" idx="1"/>
+          </p:cNvCxnSpPr>
+          <p:nvPr/>
+        </p:nvCxnSpPr>
+        <p:spPr>
+          <a:xfrm rot="16200000" flipH="1">
+            <a:off x="4888976" y="2974225"/>
+            <a:ext cx="3209632" cy="2481186"/>
+          </a:xfrm>
+          <a:prstGeom prst="line">
+            <a:avLst/>
+          </a:prstGeom>
+        </p:spPr>
+        <p:style>
+          <a:lnRef idx="1">
+            <a:schemeClr val="accent1"/>
+          </a:lnRef>
+          <a:fillRef idx="0">
+            <a:schemeClr val="accent1"/>
+          </a:fillRef>
+          <a:effectRef idx="0">
+            <a:schemeClr val="accent1"/>
+          </a:effectRef>
+          <a:fontRef idx="minor">
+            <a:schemeClr val="tx1"/>
+          </a:fontRef>
+        </p:style>
+      </p:cxnSp>
+      <p:sp>
+        <p:nvSpPr>
+          <p:cNvPr id="25" name="Овал 24"/>
+          <p:cNvSpPr/>
+          <p:nvPr/>
+        </p:nvSpPr>
+        <p:spPr>
+          <a:xfrm>
+            <a:off x="785786" y="5715016"/>
+            <a:ext cx="714380" cy="714380"/>
+          </a:xfrm>
+          <a:prstGeom prst="ellipse">
+            <a:avLst/>
+          </a:prstGeom>
+        </p:spPr>
+        <p:style>
+          <a:lnRef idx="2">
+            <a:schemeClr val="accent1">
+              <a:shade val="50000"/>
+            </a:schemeClr>
+          </a:lnRef>
+          <a:fillRef idx="1">
+            <a:schemeClr val="accent1"/>
+          </a:fillRef>
+          <a:effectRef idx="0">
+            <a:schemeClr val="accent1"/>
+          </a:effectRef>
+          <a:fontRef idx="minor">
+            <a:schemeClr val="lt1"/>
+          </a:fontRef>
+        </p:style>
+        <p:txBody>
+          <a:bodyPr rtlCol="0" anchor="ctr"/>
+          <a:lstStyle/>
+          <a:p>
+            <a:pPr algn="ctr"/>
+            <a:endParaRPr lang="ru-RU"/>
+          </a:p>
+        </p:txBody>
+      </p:sp>
+      <p:cxnSp>
+        <p:nvCxnSpPr>
+          <p:cNvPr id="27" name="Прямая соединительная линия 26"/>
+          <p:cNvCxnSpPr>
+            <a:stCxn id="15" idx="3"/>
+            <a:endCxn id="25" idx="7"/>
+          </p:cNvCxnSpPr>
+          <p:nvPr/>
+        </p:nvCxnSpPr>
+        <p:spPr>
+          <a:xfrm rot="5400000">
+            <a:off x="1288391" y="4503108"/>
+            <a:ext cx="1423682" cy="1209370"/>
+          </a:xfrm>
+          <a:prstGeom prst="line">
+            <a:avLst/>
+          </a:prstGeom>
+        </p:spPr>
+        <p:style>
+          <a:lnRef idx="1">
+            <a:schemeClr val="accent1"/>
+          </a:lnRef>
+          <a:fillRef idx="0">
+            <a:schemeClr val="accent1"/>
+          </a:fillRef>
+          <a:effectRef idx="0">
+            <a:schemeClr val="accent1"/>
+          </a:effectRef>
+          <a:fontRef idx="minor">
+            <a:schemeClr val="tx1"/>
+          </a:fontRef>
+        </p:style>
+      </p:cxnSp>
+      <p:sp>
+        <p:nvSpPr>
+          <p:cNvPr id="28" name="Овал 27"/>
+          <p:cNvSpPr/>
+          <p:nvPr/>
+        </p:nvSpPr>
+        <p:spPr>
+          <a:xfrm>
+            <a:off x="4214810" y="5715016"/>
+            <a:ext cx="714380" cy="714380"/>
+          </a:xfrm>
+          <a:prstGeom prst="ellipse">
+            <a:avLst/>
+          </a:prstGeom>
+        </p:spPr>
+        <p:style>
+          <a:lnRef idx="2">
+            <a:schemeClr val="accent1">
+              <a:shade val="50000"/>
+            </a:schemeClr>
+          </a:lnRef>
+          <a:fillRef idx="1">
+            <a:schemeClr val="accent1"/>
+          </a:fillRef>
+          <a:effectRef idx="0">
+            <a:schemeClr val="accent1"/>
+          </a:effectRef>
+          <a:fontRef idx="minor">
+            <a:schemeClr val="lt1"/>
+          </a:fontRef>
+        </p:style>
+        <p:txBody>
+          <a:bodyPr rtlCol="0" anchor="ctr"/>
+          <a:lstStyle/>
+          <a:p>
+            <a:pPr algn="ctr"/>
+            <a:endParaRPr lang="ru-RU"/>
+          </a:p>
+        </p:txBody>
+      </p:sp>
+      <p:cxnSp>
+        <p:nvCxnSpPr>
+          <p:cNvPr id="30" name="Прямая соединительная линия 29"/>
+          <p:cNvCxnSpPr>
+            <a:stCxn id="15" idx="5"/>
+            <a:endCxn id="28" idx="1"/>
+          </p:cNvCxnSpPr>
+          <p:nvPr/>
+        </p:nvCxnSpPr>
+        <p:spPr>
+          <a:xfrm rot="16200000" flipH="1">
+            <a:off x="3002903" y="4503108"/>
+            <a:ext cx="1423682" cy="1209370"/>
+          </a:xfrm>
+          <a:prstGeom prst="line">
+            <a:avLst/>
+          </a:prstGeom>
+        </p:spPr>
+        <p:style>
+          <a:lnRef idx="1">
+            <a:schemeClr val="accent1"/>
+          </a:lnRef>
+          <a:fillRef idx="0">
+            <a:schemeClr val="accent1"/>
+          </a:fillRef>
+          <a:effectRef idx="0">
+            <a:schemeClr val="accent1"/>
+          </a:effectRef>
+          <a:fontRef idx="minor">
+            <a:schemeClr val="tx1"/>
+          </a:fontRef>
+        </p:style>
+      </p:cxnSp>
+      <p:cxnSp>
+        <p:nvCxnSpPr>
+          <p:cNvPr id="59" name="Прямая со стрелкой 58"/>
+          <p:cNvCxnSpPr>
+            <a:stCxn id="25" idx="7"/>
+            <a:endCxn id="15" idx="3"/>
+          </p:cNvCxnSpPr>
+          <p:nvPr/>
+        </p:nvCxnSpPr>
+        <p:spPr>
+          <a:xfrm rot="5400000" flipH="1" flipV="1">
+            <a:off x="1288391" y="4503108"/>
+            <a:ext cx="1423682" cy="1209370"/>
+          </a:xfrm>
+          <a:prstGeom prst="straightConnector1">
+            <a:avLst/>
+          </a:prstGeom>
+          <a:ln w="50800">
+            <a:solidFill>
+              <a:srgbClr val="00B050"/>
+            </a:solidFill>
+            <a:tailEnd type="arrow"/>
+          </a:ln>
+        </p:spPr>
+        <p:style>
+          <a:lnRef idx="1">
+            <a:schemeClr val="accent1"/>
+          </a:lnRef>
+          <a:fillRef idx="0">
+            <a:schemeClr val="accent1"/>
+          </a:fillRef>
+          <a:effectRef idx="0">
+            <a:schemeClr val="accent1"/>
+          </a:effectRef>
+          <a:fontRef idx="minor">
+            <a:schemeClr val="tx1"/>
+          </a:fontRef>
+        </p:style>
+      </p:cxnSp>
+      <p:cxnSp>
+        <p:nvCxnSpPr>
+          <p:cNvPr id="62" name="Прямая со стрелкой 61"/>
+          <p:cNvCxnSpPr>
+            <a:stCxn id="28" idx="1"/>
+            <a:endCxn id="15" idx="5"/>
+          </p:cNvCxnSpPr>
+          <p:nvPr/>
+        </p:nvCxnSpPr>
+        <p:spPr>
+          <a:xfrm rot="16200000" flipV="1">
+            <a:off x="3002903" y="4503108"/>
+            <a:ext cx="1423682" cy="1209370"/>
+          </a:xfrm>
+          <a:prstGeom prst="straightConnector1">
+            <a:avLst/>
+          </a:prstGeom>
+          <a:ln w="50800">
+            <a:solidFill>
+              <a:srgbClr val="00B050"/>
+            </a:solidFill>
+            <a:tailEnd type="arrow"/>
+          </a:ln>
+        </p:spPr>
+        <p:style>
+          <a:lnRef idx="1">
+            <a:schemeClr val="accent1"/>
+          </a:lnRef>
+          <a:fillRef idx="0">
+            <a:schemeClr val="accent1"/>
+          </a:fillRef>
+          <a:effectRef idx="0">
+            <a:schemeClr val="accent1"/>
+          </a:effectRef>
+          <a:fontRef idx="minor">
+            <a:schemeClr val="tx1"/>
+          </a:fontRef>
+        </p:style>
+      </p:cxnSp>
+      <p:cxnSp>
+        <p:nvCxnSpPr>
+          <p:cNvPr id="65" name="Прямая со стрелкой 64"/>
+          <p:cNvCxnSpPr>
+            <a:stCxn id="21" idx="1"/>
+            <a:endCxn id="5" idx="5"/>
+          </p:cNvCxnSpPr>
+          <p:nvPr/>
+        </p:nvCxnSpPr>
+        <p:spPr>
+          <a:xfrm rot="16200000" flipV="1">
+            <a:off x="4888976" y="2974225"/>
+            <a:ext cx="3209632" cy="2481186"/>
+          </a:xfrm>
+          <a:prstGeom prst="straightConnector1">
+            <a:avLst/>
+          </a:prstGeom>
+          <a:ln w="50800">
+            <a:solidFill>
+              <a:srgbClr val="00B050"/>
+            </a:solidFill>
+            <a:tailEnd type="arrow"/>
+          </a:ln>
+        </p:spPr>
+        <p:style>
+          <a:lnRef idx="1">
+            <a:schemeClr val="accent1"/>
+          </a:lnRef>
+          <a:fillRef idx="0">
+            <a:schemeClr val="accent1"/>
+          </a:fillRef>
+          <a:effectRef idx="0">
+            <a:schemeClr val="accent1"/>
+          </a:effectRef>
+          <a:fontRef idx="minor">
+            <a:schemeClr val="tx1"/>
+          </a:fontRef>
+        </p:style>
+      </p:cxnSp>
+      <p:cxnSp>
+        <p:nvCxnSpPr>
+          <p:cNvPr id="68" name="Прямая со стрелкой 67"/>
+          <p:cNvCxnSpPr>
+            <a:stCxn id="15" idx="7"/>
+            <a:endCxn id="5" idx="3"/>
+          </p:cNvCxnSpPr>
+          <p:nvPr/>
+        </p:nvCxnSpPr>
+        <p:spPr>
+          <a:xfrm rot="5400000" flipH="1" flipV="1">
+            <a:off x="3288655" y="2431406"/>
+            <a:ext cx="1280806" cy="1637998"/>
+          </a:xfrm>
+          <a:prstGeom prst="straightConnector1">
+            <a:avLst/>
+          </a:prstGeom>
+          <a:ln w="50800">
+            <a:solidFill>
+              <a:srgbClr val="00B050"/>
+            </a:solidFill>
+            <a:headEnd type="arrow"/>
+            <a:tailEnd type="none"/>
+          </a:ln>
+        </p:spPr>
+        <p:style>
+          <a:lnRef idx="1">
+            <a:schemeClr val="accent1"/>
+          </a:lnRef>
+          <a:fillRef idx="0">
+            <a:schemeClr val="accent1"/>
+          </a:fillRef>
+          <a:effectRef idx="0">
+            <a:schemeClr val="accent1"/>
+          </a:effectRef>
+          <a:fontRef idx="minor">
+            <a:schemeClr val="tx1"/>
+          </a:fontRef>
+        </p:style>
+      </p:cxnSp>
+      <p:cxnSp>
+        <p:nvCxnSpPr>
+          <p:cNvPr id="71" name="Прямая со стрелкой 70"/>
+          <p:cNvCxnSpPr>
+            <a:stCxn id="15" idx="3"/>
+            <a:endCxn id="25" idx="7"/>
+          </p:cNvCxnSpPr>
+          <p:nvPr/>
+        </p:nvCxnSpPr>
+        <p:spPr>
+          <a:xfrm rot="5400000">
+            <a:off x="1288391" y="4503108"/>
+            <a:ext cx="1423682" cy="1209370"/>
+          </a:xfrm>
+          <a:prstGeom prst="straightConnector1">
+            <a:avLst/>
+          </a:prstGeom>
+          <a:ln w="50800">
+            <a:solidFill>
+              <a:srgbClr val="FFC000"/>
+            </a:solidFill>
+            <a:tailEnd type="arrow"/>
+          </a:ln>
+        </p:spPr>
+        <p:style>
+          <a:lnRef idx="1">
+            <a:schemeClr val="accent1"/>
+          </a:lnRef>
+          <a:fillRef idx="0">
+            <a:schemeClr val="accent1"/>
+          </a:fillRef>
+          <a:effectRef idx="0">
+            <a:schemeClr val="accent1"/>
+          </a:effectRef>
+          <a:fontRef idx="minor">
+            <a:schemeClr val="tx1"/>
+          </a:fontRef>
+        </p:style>
+      </p:cxnSp>
+      <p:cxnSp>
+        <p:nvCxnSpPr>
+          <p:cNvPr id="74" name="Прямая со стрелкой 73"/>
+          <p:cNvCxnSpPr>
+            <a:stCxn id="15" idx="5"/>
+            <a:endCxn id="28" idx="1"/>
+          </p:cNvCxnSpPr>
+          <p:nvPr/>
+        </p:nvCxnSpPr>
+        <p:spPr>
+          <a:xfrm rot="16200000" flipH="1">
+            <a:off x="3002903" y="4503108"/>
+            <a:ext cx="1423682" cy="1209370"/>
+          </a:xfrm>
+          <a:prstGeom prst="straightConnector1">
+            <a:avLst/>
+          </a:prstGeom>
+          <a:ln w="50800">
+            <a:solidFill>
+              <a:srgbClr val="FFC000"/>
+            </a:solidFill>
+            <a:tailEnd type="arrow"/>
+          </a:ln>
+        </p:spPr>
+        <p:style>
+          <a:lnRef idx="1">
+            <a:schemeClr val="accent1"/>
+          </a:lnRef>
+          <a:fillRef idx="0">
+            <a:schemeClr val="accent1"/>
+          </a:fillRef>
+          <a:effectRef idx="0">
+            <a:schemeClr val="accent1"/>
+          </a:effectRef>
+          <a:fontRef idx="minor">
+            <a:schemeClr val="tx1"/>
+          </a:fontRef>
+        </p:style>
+      </p:cxnSp>
+      <p:cxnSp>
+        <p:nvCxnSpPr>
+          <p:cNvPr id="77" name="Прямая со стрелкой 76"/>
+          <p:cNvCxnSpPr>
+            <a:stCxn id="5" idx="5"/>
+            <a:endCxn id="21" idx="1"/>
+          </p:cNvCxnSpPr>
+          <p:nvPr/>
+        </p:nvCxnSpPr>
+        <p:spPr>
+          <a:xfrm rot="16200000" flipH="1">
+            <a:off x="4888976" y="2974225"/>
+            <a:ext cx="3209632" cy="2481186"/>
+          </a:xfrm>
+          <a:prstGeom prst="straightConnector1">
+            <a:avLst/>
+          </a:prstGeom>
+          <a:ln w="50800">
+            <a:solidFill>
+              <a:srgbClr val="FFC000"/>
+            </a:solidFill>
+            <a:tailEnd type="arrow"/>
+          </a:ln>
+        </p:spPr>
+        <p:style>
+          <a:lnRef idx="1">
+            <a:schemeClr val="accent1"/>
+          </a:lnRef>
+          <a:fillRef idx="0">
+            <a:schemeClr val="accent1"/>
+          </a:fillRef>
+          <a:effectRef idx="0">
+            <a:schemeClr val="accent1"/>
+          </a:effectRef>
+          <a:fontRef idx="minor">
+            <a:schemeClr val="tx1"/>
+          </a:fontRef>
+        </p:style>
+      </p:cxnSp>
+      <p:cxnSp>
+        <p:nvCxnSpPr>
+          <p:cNvPr id="80" name="Прямая со стрелкой 79"/>
+          <p:cNvCxnSpPr>
+            <a:stCxn id="15" idx="7"/>
+            <a:endCxn id="5" idx="3"/>
+          </p:cNvCxnSpPr>
+          <p:nvPr/>
+        </p:nvCxnSpPr>
+        <p:spPr>
+          <a:xfrm rot="5400000" flipH="1" flipV="1">
+            <a:off x="3288655" y="2431406"/>
+            <a:ext cx="1280806" cy="1637998"/>
+          </a:xfrm>
+          <a:prstGeom prst="straightConnector1">
+            <a:avLst/>
+          </a:prstGeom>
+          <a:ln w="50800">
+            <a:solidFill>
+              <a:srgbClr val="FFC000"/>
+            </a:solidFill>
+            <a:tailEnd type="arrow"/>
+          </a:ln>
+        </p:spPr>
+        <p:style>
+          <a:lnRef idx="1">
+            <a:schemeClr val="accent1"/>
+          </a:lnRef>
+          <a:fillRef idx="0">
+            <a:schemeClr val="accent1"/>
+          </a:fillRef>
+          <a:effectRef idx="0">
+            <a:schemeClr val="accent1"/>
+          </a:effectRef>
+          <a:fontRef idx="minor">
+            <a:schemeClr val="tx1"/>
+          </a:fontRef>
+        </p:style>
+      </p:cxnSp>
+      <p:sp>
+        <p:nvSpPr>
+          <p:cNvPr id="34" name="TextBox 33"/>
+          <p:cNvSpPr txBox="1"/>
+          <p:nvPr/>
+        </p:nvSpPr>
+        <p:spPr>
+          <a:xfrm>
+            <a:off x="962104" y="5843824"/>
+            <a:ext cx="352982" cy="461665"/>
+          </a:xfrm>
+          <a:prstGeom prst="rect">
+            <a:avLst/>
+          </a:prstGeom>
+          <a:noFill/>
+        </p:spPr>
+        <p:txBody>
+          <a:bodyPr wrap="none" rtlCol="0">
+            <a:spAutoFit/>
+          </a:bodyPr>
+          <a:lstStyle/>
+          <a:p>
+            <a:r>
+              <a:rPr lang="en-US" sz="2400" dirty="0" smtClean="0">
+                <a:latin typeface="Tahoma" pitchFamily="34" charset="0"/>
+                <a:ea typeface="Tahoma" pitchFamily="34" charset="0"/>
+                <a:cs typeface="Tahoma" pitchFamily="34" charset="0"/>
+              </a:rPr>
+              <a:t>1</a:t>
+            </a:r>
+            <a:endParaRPr lang="ru-RU" sz="2400" dirty="0">
+              <a:latin typeface="Tahoma" pitchFamily="34" charset="0"/>
+              <a:ea typeface="Tahoma" pitchFamily="34" charset="0"/>
+              <a:cs typeface="Tahoma" pitchFamily="34" charset="0"/>
+            </a:endParaRPr>
+          </a:p>
+        </p:txBody>
+      </p:sp>
+      <p:sp>
+        <p:nvSpPr>
+          <p:cNvPr id="35" name="TextBox 34"/>
+          <p:cNvSpPr txBox="1"/>
+          <p:nvPr/>
+        </p:nvSpPr>
+        <p:spPr>
+          <a:xfrm>
+            <a:off x="4400988" y="5843824"/>
+            <a:ext cx="352982" cy="461665"/>
+          </a:xfrm>
+          <a:prstGeom prst="rect">
+            <a:avLst/>
+          </a:prstGeom>
+          <a:noFill/>
+        </p:spPr>
+        <p:txBody>
+          <a:bodyPr wrap="none" rtlCol="0">
+            <a:spAutoFit/>
+          </a:bodyPr>
+          <a:lstStyle/>
+          <a:p>
+            <a:r>
+              <a:rPr lang="en-US" sz="2400" dirty="0" smtClean="0">
+                <a:latin typeface="Tahoma" pitchFamily="34" charset="0"/>
+                <a:ea typeface="Tahoma" pitchFamily="34" charset="0"/>
+                <a:cs typeface="Tahoma" pitchFamily="34" charset="0"/>
+              </a:rPr>
+              <a:t>2</a:t>
+            </a:r>
+            <a:endParaRPr lang="ru-RU" sz="2400" dirty="0">
+              <a:latin typeface="Tahoma" pitchFamily="34" charset="0"/>
+              <a:ea typeface="Tahoma" pitchFamily="34" charset="0"/>
+              <a:cs typeface="Tahoma" pitchFamily="34" charset="0"/>
+            </a:endParaRPr>
+          </a:p>
+        </p:txBody>
+      </p:sp>
+      <p:sp>
+        <p:nvSpPr>
+          <p:cNvPr id="36" name="TextBox 35"/>
+          <p:cNvSpPr txBox="1"/>
+          <p:nvPr/>
+        </p:nvSpPr>
+        <p:spPr>
+          <a:xfrm>
+            <a:off x="4829616" y="2129048"/>
+            <a:ext cx="352982" cy="461665"/>
+          </a:xfrm>
+          <a:prstGeom prst="rect">
+            <a:avLst/>
+          </a:prstGeom>
+          <a:noFill/>
+        </p:spPr>
+        <p:txBody>
+          <a:bodyPr wrap="none" rtlCol="0">
+            <a:spAutoFit/>
+          </a:bodyPr>
+          <a:lstStyle/>
+          <a:p>
+            <a:r>
+              <a:rPr lang="en-US" sz="2400" dirty="0" smtClean="0">
+                <a:latin typeface="Tahoma" pitchFamily="34" charset="0"/>
+                <a:ea typeface="Tahoma" pitchFamily="34" charset="0"/>
+                <a:cs typeface="Tahoma" pitchFamily="34" charset="0"/>
+              </a:rPr>
+              <a:t>4</a:t>
+            </a:r>
+            <a:endParaRPr lang="ru-RU" sz="2400" dirty="0">
+              <a:latin typeface="Tahoma" pitchFamily="34" charset="0"/>
+              <a:ea typeface="Tahoma" pitchFamily="34" charset="0"/>
+              <a:cs typeface="Tahoma" pitchFamily="34" charset="0"/>
+            </a:endParaRPr>
+          </a:p>
+        </p:txBody>
+      </p:sp>
+      <p:sp>
+        <p:nvSpPr>
+          <p:cNvPr id="37" name="TextBox 36"/>
+          <p:cNvSpPr txBox="1"/>
+          <p:nvPr/>
+        </p:nvSpPr>
+        <p:spPr>
+          <a:xfrm>
+            <a:off x="7814846" y="5843824"/>
+            <a:ext cx="352982" cy="461665"/>
+          </a:xfrm>
+          <a:prstGeom prst="rect">
+            <a:avLst/>
+          </a:prstGeom>
+          <a:noFill/>
+        </p:spPr>
+        <p:txBody>
+          <a:bodyPr wrap="none" rtlCol="0">
+            <a:spAutoFit/>
+          </a:bodyPr>
+          <a:lstStyle/>
+          <a:p>
+            <a:r>
+              <a:rPr lang="en-US" sz="2400" dirty="0" smtClean="0">
+                <a:latin typeface="Tahoma" pitchFamily="34" charset="0"/>
+                <a:ea typeface="Tahoma" pitchFamily="34" charset="0"/>
+                <a:cs typeface="Tahoma" pitchFamily="34" charset="0"/>
+              </a:rPr>
+              <a:t>3</a:t>
+            </a:r>
+            <a:endParaRPr lang="ru-RU" sz="2400" dirty="0">
+              <a:latin typeface="Tahoma" pitchFamily="34" charset="0"/>
+              <a:ea typeface="Tahoma" pitchFamily="34" charset="0"/>
+              <a:cs typeface="Tahoma" pitchFamily="34" charset="0"/>
+            </a:endParaRPr>
+          </a:p>
+        </p:txBody>
+      </p:sp>
+      <p:sp>
+        <p:nvSpPr>
+          <p:cNvPr id="48" name="TextBox 47"/>
+          <p:cNvSpPr txBox="1"/>
+          <p:nvPr/>
+        </p:nvSpPr>
+        <p:spPr>
+          <a:xfrm>
+            <a:off x="2699446" y="3914998"/>
+            <a:ext cx="352982" cy="461665"/>
+          </a:xfrm>
+          <a:prstGeom prst="rect">
+            <a:avLst/>
+          </a:prstGeom>
+          <a:noFill/>
+        </p:spPr>
+        <p:txBody>
+          <a:bodyPr wrap="none" rtlCol="0">
+            <a:spAutoFit/>
+          </a:bodyPr>
+          <a:lstStyle/>
+          <a:p>
+            <a:r>
+              <a:rPr lang="en-US" sz="2400" dirty="0" smtClean="0">
+                <a:latin typeface="Tahoma" pitchFamily="34" charset="0"/>
+                <a:ea typeface="Tahoma" pitchFamily="34" charset="0"/>
+                <a:cs typeface="Tahoma" pitchFamily="34" charset="0"/>
+              </a:rPr>
+              <a:t>5</a:t>
+            </a:r>
+            <a:endParaRPr lang="ru-RU" sz="2400" dirty="0">
+              <a:latin typeface="Tahoma" pitchFamily="34" charset="0"/>
+              <a:ea typeface="Tahoma" pitchFamily="34" charset="0"/>
+              <a:cs typeface="Tahoma" pitchFamily="34" charset="0"/>
+            </a:endParaRPr>
+          </a:p>
+        </p:txBody>
+      </p:sp>
+      <p:sp>
+        <p:nvSpPr>
+          <p:cNvPr id="49" name="TextBox 48"/>
+          <p:cNvSpPr txBox="1"/>
+          <p:nvPr/>
+        </p:nvSpPr>
+        <p:spPr>
+          <a:xfrm>
+            <a:off x="7215206" y="2071678"/>
+            <a:ext cx="1116011" cy="830997"/>
+          </a:xfrm>
+          <a:prstGeom prst="rect">
+            <a:avLst/>
+          </a:prstGeom>
+          <a:noFill/>
+        </p:spPr>
+        <p:txBody>
+          <a:bodyPr wrap="none" rtlCol="0">
+            <a:spAutoFit/>
+          </a:bodyPr>
+          <a:lstStyle/>
+          <a:p>
+            <a:r>
+              <a:rPr lang="en-US" sz="2400" dirty="0" smtClean="0">
+                <a:latin typeface="Tahoma" pitchFamily="34" charset="0"/>
+                <a:ea typeface="Tahoma" pitchFamily="34" charset="0"/>
+                <a:cs typeface="Tahoma" pitchFamily="34" charset="0"/>
+              </a:rPr>
+              <a:t>Self ID</a:t>
+            </a:r>
+          </a:p>
+          <a:p>
+            <a:r>
+              <a:rPr lang="en-US" sz="2400" dirty="0" smtClean="0">
+                <a:latin typeface="Tahoma" pitchFamily="34" charset="0"/>
+                <a:ea typeface="Tahoma" pitchFamily="34" charset="0"/>
+                <a:cs typeface="Tahoma" pitchFamily="34" charset="0"/>
+              </a:rPr>
+              <a:t>packet</a:t>
+            </a:r>
+            <a:endParaRPr lang="ru-RU" sz="2400" dirty="0">
+              <a:latin typeface="Tahoma" pitchFamily="34" charset="0"/>
+              <a:ea typeface="Tahoma" pitchFamily="34" charset="0"/>
+              <a:cs typeface="Tahoma" pitchFamily="34" charset="0"/>
+            </a:endParaRPr>
+          </a:p>
+        </p:txBody>
+      </p:sp>
+    </p:spTree>
+  </p:cSld>
+  <p:clrMapOvr>
+    <a:masterClrMapping/>
+  </p:clrMapOvr>
+  <p:transition>
+    <p:wipe/>
+  </p:transition>
+  <p:timing>
+    <p:tnLst>
+      <p:par>
+        <p:cTn id="1" dur="indefinite" restart="never" nodeType="tmRoot">
+          <p:childTnLst>
+            <p:seq concurrent="1" nextAc="seek">
+              <p:cTn id="2" dur="indefinite" nodeType="mainSeq">
+                <p:childTnLst>
+                  <p:par>
+                    <p:cTn id="3" fill="hold">
+                      <p:stCondLst>
+                        <p:cond delay="indefinite"/>
+                      </p:stCondLst>
+                      <p:childTnLst>
+                        <p:par>
+                          <p:cTn id="4" fill="hold">
+                            <p:stCondLst>
+                              <p:cond delay="0"/>
+                            </p:stCondLst>
+                            <p:childTnLst>
+                              <p:par>
+                                <p:cTn id="5" presetID="18" presetClass="entr" presetSubtype="12" fill="hold" grpId="0" nodeType="clickEffect">
+                                  <p:stCondLst>
+                                    <p:cond delay="0"/>
+                                  </p:stCondLst>
+                                  <p:childTnLst>
+                                    <p:set>
+                                      <p:cBhvr>
+                                        <p:cTn id="6" dur="1" fill="hold">
+                                          <p:stCondLst>
+                                            <p:cond delay="0"/>
+                                          </p:stCondLst>
+                                        </p:cTn>
+                                        <p:tgtEl>
+                                          <p:spTgt spid="49"/>
+                                        </p:tgtEl>
+                                        <p:attrNameLst>
+                                          <p:attrName>style.visibility</p:attrName>
+                                        </p:attrNameLst>
+                                      </p:cBhvr>
+                                      <p:to>
+                                        <p:strVal val="visible"/>
+                                      </p:to>
+                                    </p:set>
+                                    <p:animEffect transition="in" filter="strips(downLeft)">
+                                      <p:cBhvr>
+                                        <p:cTn id="7" dur="500"/>
+                                        <p:tgtEl>
+                                          <p:spTgt spid="49"/>
+                                        </p:tgtEl>
+                                      </p:cBhvr>
+                                    </p:animEffect>
+                                  </p:childTnLst>
+                                </p:cTn>
+                              </p:par>
+                            </p:childTnLst>
+                          </p:cTn>
+                        </p:par>
+                      </p:childTnLst>
+                    </p:cTn>
+                  </p:par>
+                  <p:par>
+                    <p:cTn id="8" fill="hold">
+                      <p:stCondLst>
+                        <p:cond delay="indefinite"/>
+                      </p:stCondLst>
+                      <p:childTnLst>
+                        <p:par>
+                          <p:cTn id="9" fill="hold">
+                            <p:stCondLst>
+                              <p:cond delay="0"/>
+                            </p:stCondLst>
+                            <p:childTnLst>
+                              <p:par>
+                                <p:cTn id="10" presetID="23" presetClass="entr" presetSubtype="16" fill="hold" nodeType="clickEffect">
+                                  <p:stCondLst>
+                                    <p:cond delay="0"/>
+                                  </p:stCondLst>
+                                  <p:childTnLst>
+                                    <p:set>
+                                      <p:cBhvr>
+                                        <p:cTn id="11" dur="1" fill="hold">
+                                          <p:stCondLst>
+                                            <p:cond delay="0"/>
+                                          </p:stCondLst>
+                                        </p:cTn>
+                                        <p:tgtEl>
+                                          <p:spTgt spid="71"/>
+                                        </p:tgtEl>
+                                        <p:attrNameLst>
+                                          <p:attrName>style.visibility</p:attrName>
+                                        </p:attrNameLst>
+                                      </p:cBhvr>
+                                      <p:to>
+                                        <p:strVal val="visible"/>
+                                      </p:to>
+                                    </p:set>
+                                    <p:anim calcmode="lin" valueType="num">
+                                      <p:cBhvr>
+                                        <p:cTn id="12" dur="500" fill="hold"/>
+                                        <p:tgtEl>
+                                          <p:spTgt spid="71"/>
+                                        </p:tgtEl>
+                                        <p:attrNameLst>
+                                          <p:attrName>ppt_w</p:attrName>
+                                        </p:attrNameLst>
+                                      </p:cBhvr>
+                                      <p:tavLst>
+                                        <p:tav tm="0">
+                                          <p:val>
+                                            <p:fltVal val="0"/>
+                                          </p:val>
+                                        </p:tav>
+                                        <p:tav tm="100000">
+                                          <p:val>
+                                            <p:strVal val="#ppt_w"/>
+                                          </p:val>
+                                        </p:tav>
+                                      </p:tavLst>
+                                    </p:anim>
+                                    <p:anim calcmode="lin" valueType="num">
+                                      <p:cBhvr>
+                                        <p:cTn id="13" dur="500" fill="hold"/>
+                                        <p:tgtEl>
+                                          <p:spTgt spid="71"/>
+                                        </p:tgtEl>
+                                        <p:attrNameLst>
+                                          <p:attrName>ppt_h</p:attrName>
+                                        </p:attrNameLst>
+                                      </p:cBhvr>
+                                      <p:tavLst>
+                                        <p:tav tm="0">
+                                          <p:val>
+                                            <p:fltVal val="0"/>
+                                          </p:val>
+                                        </p:tav>
+                                        <p:tav tm="100000">
+                                          <p:val>
+                                            <p:strVal val="#ppt_h"/>
+                                          </p:val>
+                                        </p:tav>
+                                      </p:tavLst>
+                                    </p:anim>
+                                  </p:childTnLst>
+                                </p:cTn>
+                              </p:par>
+                            </p:childTnLst>
+                          </p:cTn>
+                        </p:par>
+                      </p:childTnLst>
+                    </p:cTn>
+                  </p:par>
+                  <p:par>
+                    <p:cTn id="14" fill="hold">
+                      <p:stCondLst>
+                        <p:cond delay="indefinite"/>
+                      </p:stCondLst>
+                      <p:childTnLst>
+                        <p:par>
+                          <p:cTn id="15" fill="hold">
+                            <p:stCondLst>
+                              <p:cond delay="0"/>
+                            </p:stCondLst>
+                            <p:childTnLst>
+                              <p:par>
+                                <p:cTn id="16" presetID="4" presetClass="exit" presetSubtype="16" fill="hold" nodeType="clickEffect">
+                                  <p:stCondLst>
+                                    <p:cond delay="0"/>
+                                  </p:stCondLst>
+                                  <p:childTnLst>
+                                    <p:animEffect transition="out" filter="box(in)">
+                                      <p:cBhvr>
+                                        <p:cTn id="17" dur="500"/>
+                                        <p:tgtEl>
+                                          <p:spTgt spid="71"/>
+                                        </p:tgtEl>
+                                      </p:cBhvr>
+                                    </p:animEffect>
+                                    <p:set>
+                                      <p:cBhvr>
+                                        <p:cTn id="18" dur="1" fill="hold">
+                                          <p:stCondLst>
+                                            <p:cond delay="499"/>
+                                          </p:stCondLst>
+                                        </p:cTn>
+                                        <p:tgtEl>
+                                          <p:spTgt spid="71"/>
+                                        </p:tgtEl>
+                                        <p:attrNameLst>
+                                          <p:attrName>style.visibility</p:attrName>
+                                        </p:attrNameLst>
+                                      </p:cBhvr>
+                                      <p:to>
+                                        <p:strVal val="hidden"/>
+                                      </p:to>
+                                    </p:set>
+                                  </p:childTnLst>
+                                </p:cTn>
+                              </p:par>
+                              <p:par>
+                                <p:cTn id="19" presetID="23" presetClass="entr" presetSubtype="16" fill="hold" nodeType="withEffect">
+                                  <p:stCondLst>
+                                    <p:cond delay="0"/>
+                                  </p:stCondLst>
+                                  <p:childTnLst>
+                                    <p:set>
+                                      <p:cBhvr>
+                                        <p:cTn id="20" dur="1" fill="hold">
+                                          <p:stCondLst>
+                                            <p:cond delay="0"/>
+                                          </p:stCondLst>
+                                        </p:cTn>
+                                        <p:tgtEl>
+                                          <p:spTgt spid="59"/>
+                                        </p:tgtEl>
+                                        <p:attrNameLst>
+                                          <p:attrName>style.visibility</p:attrName>
+                                        </p:attrNameLst>
+                                      </p:cBhvr>
+                                      <p:to>
+                                        <p:strVal val="visible"/>
+                                      </p:to>
+                                    </p:set>
+                                    <p:anim calcmode="lin" valueType="num">
+                                      <p:cBhvr>
+                                        <p:cTn id="21" dur="500" fill="hold"/>
+                                        <p:tgtEl>
+                                          <p:spTgt spid="59"/>
+                                        </p:tgtEl>
+                                        <p:attrNameLst>
+                                          <p:attrName>ppt_w</p:attrName>
+                                        </p:attrNameLst>
+                                      </p:cBhvr>
+                                      <p:tavLst>
+                                        <p:tav tm="0">
+                                          <p:val>
+                                            <p:fltVal val="0"/>
+                                          </p:val>
+                                        </p:tav>
+                                        <p:tav tm="100000">
+                                          <p:val>
+                                            <p:strVal val="#ppt_w"/>
+                                          </p:val>
+                                        </p:tav>
+                                      </p:tavLst>
+                                    </p:anim>
+                                    <p:anim calcmode="lin" valueType="num">
+                                      <p:cBhvr>
+                                        <p:cTn id="22" dur="500" fill="hold"/>
+                                        <p:tgtEl>
+                                          <p:spTgt spid="59"/>
+                                        </p:tgtEl>
+                                        <p:attrNameLst>
+                                          <p:attrName>ppt_h</p:attrName>
+                                        </p:attrNameLst>
+                                      </p:cBhvr>
+                                      <p:tavLst>
+                                        <p:tav tm="0">
+                                          <p:val>
+                                            <p:fltVal val="0"/>
+                                          </p:val>
+                                        </p:tav>
+                                        <p:tav tm="100000">
+                                          <p:val>
+                                            <p:strVal val="#ppt_h"/>
+                                          </p:val>
+                                        </p:tav>
+                                      </p:tavLst>
+                                    </p:anim>
+                                  </p:childTnLst>
+                                </p:cTn>
+                              </p:par>
+                              <p:par>
+                                <p:cTn id="23" presetID="18" presetClass="entr" presetSubtype="12" fill="hold" grpId="0" nodeType="withEffect">
+                                  <p:stCondLst>
+                                    <p:cond delay="0"/>
+                                  </p:stCondLst>
+                                  <p:childTnLst>
+                                    <p:set>
+                                      <p:cBhvr>
+                                        <p:cTn id="24" dur="1" fill="hold">
+                                          <p:stCondLst>
+                                            <p:cond delay="0"/>
+                                          </p:stCondLst>
+                                        </p:cTn>
+                                        <p:tgtEl>
+                                          <p:spTgt spid="34"/>
+                                        </p:tgtEl>
+                                        <p:attrNameLst>
+                                          <p:attrName>style.visibility</p:attrName>
+                                        </p:attrNameLst>
+                                      </p:cBhvr>
+                                      <p:to>
+                                        <p:strVal val="visible"/>
+                                      </p:to>
+                                    </p:set>
+                                    <p:animEffect transition="in" filter="strips(downLeft)">
+                                      <p:cBhvr>
+                                        <p:cTn id="25" dur="500"/>
+                                        <p:tgtEl>
+                                          <p:spTgt spid="34"/>
+                                        </p:tgtEl>
+                                      </p:cBhvr>
+                                    </p:animEffect>
+                                  </p:childTnLst>
+                                </p:cTn>
+                              </p:par>
+                            </p:childTnLst>
+                          </p:cTn>
+                        </p:par>
+                      </p:childTnLst>
+                    </p:cTn>
+                  </p:par>
+                  <p:par>
+                    <p:cTn id="26" fill="hold">
+                      <p:stCondLst>
+                        <p:cond delay="indefinite"/>
+                      </p:stCondLst>
+                      <p:childTnLst>
+                        <p:par>
+                          <p:cTn id="27" fill="hold">
+                            <p:stCondLst>
+                              <p:cond delay="0"/>
+                            </p:stCondLst>
+                            <p:childTnLst>
+                              <p:par>
+                                <p:cTn id="28" presetID="23" presetClass="entr" presetSubtype="16" fill="hold" nodeType="clickEffect">
+                                  <p:stCondLst>
+                                    <p:cond delay="0"/>
+                                  </p:stCondLst>
+                                  <p:childTnLst>
+                                    <p:set>
+                                      <p:cBhvr>
+                                        <p:cTn id="29" dur="1" fill="hold">
+                                          <p:stCondLst>
+                                            <p:cond delay="0"/>
+                                          </p:stCondLst>
+                                        </p:cTn>
+                                        <p:tgtEl>
+                                          <p:spTgt spid="74"/>
+                                        </p:tgtEl>
+                                        <p:attrNameLst>
+                                          <p:attrName>style.visibility</p:attrName>
+                                        </p:attrNameLst>
+                                      </p:cBhvr>
+                                      <p:to>
+                                        <p:strVal val="visible"/>
+                                      </p:to>
+                                    </p:set>
+                                    <p:anim calcmode="lin" valueType="num">
+                                      <p:cBhvr>
+                                        <p:cTn id="30" dur="500" fill="hold"/>
+                                        <p:tgtEl>
+                                          <p:spTgt spid="74"/>
+                                        </p:tgtEl>
+                                        <p:attrNameLst>
+                                          <p:attrName>ppt_w</p:attrName>
+                                        </p:attrNameLst>
+                                      </p:cBhvr>
+                                      <p:tavLst>
+                                        <p:tav tm="0">
+                                          <p:val>
+                                            <p:fltVal val="0"/>
+                                          </p:val>
+                                        </p:tav>
+                                        <p:tav tm="100000">
+                                          <p:val>
+                                            <p:strVal val="#ppt_w"/>
+                                          </p:val>
+                                        </p:tav>
+                                      </p:tavLst>
+                                    </p:anim>
+                                    <p:anim calcmode="lin" valueType="num">
+                                      <p:cBhvr>
+                                        <p:cTn id="31" dur="500" fill="hold"/>
+                                        <p:tgtEl>
+                                          <p:spTgt spid="74"/>
+                                        </p:tgtEl>
+                                        <p:attrNameLst>
+                                          <p:attrName>ppt_h</p:attrName>
+                                        </p:attrNameLst>
+                                      </p:cBhvr>
+                                      <p:tavLst>
+                                        <p:tav tm="0">
+                                          <p:val>
+                                            <p:fltVal val="0"/>
+                                          </p:val>
+                                        </p:tav>
+                                        <p:tav tm="100000">
+                                          <p:val>
+                                            <p:strVal val="#ppt_h"/>
+                                          </p:val>
+                                        </p:tav>
+                                      </p:tavLst>
+                                    </p:anim>
+                                  </p:childTnLst>
+                                </p:cTn>
+                              </p:par>
+                            </p:childTnLst>
+                          </p:cTn>
+                        </p:par>
+                      </p:childTnLst>
+                    </p:cTn>
+                  </p:par>
+                  <p:par>
+                    <p:cTn id="32" fill="hold">
+                      <p:stCondLst>
+                        <p:cond delay="indefinite"/>
+                      </p:stCondLst>
+                      <p:childTnLst>
+                        <p:par>
+                          <p:cTn id="33" fill="hold">
+                            <p:stCondLst>
+                              <p:cond delay="0"/>
+                            </p:stCondLst>
+                            <p:childTnLst>
+                              <p:par>
+                                <p:cTn id="34" presetID="4" presetClass="exit" presetSubtype="16" fill="hold" nodeType="clickEffect">
+                                  <p:stCondLst>
+                                    <p:cond delay="0"/>
+                                  </p:stCondLst>
+                                  <p:childTnLst>
+                                    <p:animEffect transition="out" filter="box(in)">
+                                      <p:cBhvr>
+                                        <p:cTn id="35" dur="500"/>
+                                        <p:tgtEl>
+                                          <p:spTgt spid="74"/>
+                                        </p:tgtEl>
+                                      </p:cBhvr>
+                                    </p:animEffect>
+                                    <p:set>
+                                      <p:cBhvr>
+                                        <p:cTn id="36" dur="1" fill="hold">
+                                          <p:stCondLst>
+                                            <p:cond delay="499"/>
+                                          </p:stCondLst>
+                                        </p:cTn>
+                                        <p:tgtEl>
+                                          <p:spTgt spid="74"/>
+                                        </p:tgtEl>
+                                        <p:attrNameLst>
+                                          <p:attrName>style.visibility</p:attrName>
+                                        </p:attrNameLst>
+                                      </p:cBhvr>
+                                      <p:to>
+                                        <p:strVal val="hidden"/>
+                                      </p:to>
+                                    </p:set>
+                                  </p:childTnLst>
+                                </p:cTn>
+                              </p:par>
+                              <p:par>
+                                <p:cTn id="37" presetID="23" presetClass="entr" presetSubtype="16" fill="hold" nodeType="withEffect">
+                                  <p:stCondLst>
+                                    <p:cond delay="0"/>
+                                  </p:stCondLst>
+                                  <p:childTnLst>
+                                    <p:set>
+                                      <p:cBhvr>
+                                        <p:cTn id="38" dur="1" fill="hold">
+                                          <p:stCondLst>
+                                            <p:cond delay="0"/>
+                                          </p:stCondLst>
+                                        </p:cTn>
+                                        <p:tgtEl>
+                                          <p:spTgt spid="62"/>
+                                        </p:tgtEl>
+                                        <p:attrNameLst>
+                                          <p:attrName>style.visibility</p:attrName>
+                                        </p:attrNameLst>
+                                      </p:cBhvr>
+                                      <p:to>
+                                        <p:strVal val="visible"/>
+                                      </p:to>
+                                    </p:set>
+                                    <p:anim calcmode="lin" valueType="num">
+                                      <p:cBhvr>
+                                        <p:cTn id="39" dur="500" fill="hold"/>
+                                        <p:tgtEl>
+                                          <p:spTgt spid="62"/>
+                                        </p:tgtEl>
+                                        <p:attrNameLst>
+                                          <p:attrName>ppt_w</p:attrName>
+                                        </p:attrNameLst>
+                                      </p:cBhvr>
+                                      <p:tavLst>
+                                        <p:tav tm="0">
+                                          <p:val>
+                                            <p:fltVal val="0"/>
+                                          </p:val>
+                                        </p:tav>
+                                        <p:tav tm="100000">
+                                          <p:val>
+                                            <p:strVal val="#ppt_w"/>
+                                          </p:val>
+                                        </p:tav>
+                                      </p:tavLst>
+                                    </p:anim>
+                                    <p:anim calcmode="lin" valueType="num">
+                                      <p:cBhvr>
+                                        <p:cTn id="40" dur="500" fill="hold"/>
+                                        <p:tgtEl>
+                                          <p:spTgt spid="62"/>
+                                        </p:tgtEl>
+                                        <p:attrNameLst>
+                                          <p:attrName>ppt_h</p:attrName>
+                                        </p:attrNameLst>
+                                      </p:cBhvr>
+                                      <p:tavLst>
+                                        <p:tav tm="0">
+                                          <p:val>
+                                            <p:fltVal val="0"/>
+                                          </p:val>
+                                        </p:tav>
+                                        <p:tav tm="100000">
+                                          <p:val>
+                                            <p:strVal val="#ppt_h"/>
+                                          </p:val>
+                                        </p:tav>
+                                      </p:tavLst>
+                                    </p:anim>
+                                  </p:childTnLst>
+                                </p:cTn>
+                              </p:par>
+                              <p:par>
+                                <p:cTn id="41" presetID="18" presetClass="entr" presetSubtype="12" fill="hold" grpId="0" nodeType="withEffect">
+                                  <p:stCondLst>
+                                    <p:cond delay="0"/>
+                                  </p:stCondLst>
+                                  <p:childTnLst>
+                                    <p:set>
+                                      <p:cBhvr>
+                                        <p:cTn id="42" dur="1" fill="hold">
+                                          <p:stCondLst>
+                                            <p:cond delay="0"/>
+                                          </p:stCondLst>
+                                        </p:cTn>
+                                        <p:tgtEl>
+                                          <p:spTgt spid="35"/>
+                                        </p:tgtEl>
+                                        <p:attrNameLst>
+                                          <p:attrName>style.visibility</p:attrName>
+                                        </p:attrNameLst>
+                                      </p:cBhvr>
+                                      <p:to>
+                                        <p:strVal val="visible"/>
+                                      </p:to>
+                                    </p:set>
+                                    <p:animEffect transition="in" filter="strips(downLeft)">
+                                      <p:cBhvr>
+                                        <p:cTn id="43" dur="500"/>
+                                        <p:tgtEl>
+                                          <p:spTgt spid="35"/>
+                                        </p:tgtEl>
+                                      </p:cBhvr>
+                                    </p:animEffect>
+                                  </p:childTnLst>
+                                </p:cTn>
+                              </p:par>
+                            </p:childTnLst>
+                          </p:cTn>
+                        </p:par>
+                      </p:childTnLst>
+                    </p:cTn>
+                  </p:par>
+                  <p:par>
+                    <p:cTn id="44" fill="hold">
+                      <p:stCondLst>
+                        <p:cond delay="indefinite"/>
+                      </p:stCondLst>
+                      <p:childTnLst>
+                        <p:par>
+                          <p:cTn id="45" fill="hold">
+                            <p:stCondLst>
+                              <p:cond delay="0"/>
+                            </p:stCondLst>
+                            <p:childTnLst>
+                              <p:par>
+                                <p:cTn id="46" presetID="23" presetClass="entr" presetSubtype="16" fill="hold" nodeType="clickEffect">
+                                  <p:stCondLst>
+                                    <p:cond delay="0"/>
+                                  </p:stCondLst>
+                                  <p:childTnLst>
+                                    <p:set>
+                                      <p:cBhvr>
+                                        <p:cTn id="47" dur="1" fill="hold">
+                                          <p:stCondLst>
+                                            <p:cond delay="0"/>
+                                          </p:stCondLst>
+                                        </p:cTn>
+                                        <p:tgtEl>
+                                          <p:spTgt spid="80"/>
+                                        </p:tgtEl>
+                                        <p:attrNameLst>
+                                          <p:attrName>style.visibility</p:attrName>
+                                        </p:attrNameLst>
+                                      </p:cBhvr>
+                                      <p:to>
+                                        <p:strVal val="visible"/>
+                                      </p:to>
+                                    </p:set>
+                                    <p:anim calcmode="lin" valueType="num">
+                                      <p:cBhvr>
+                                        <p:cTn id="48" dur="500" fill="hold"/>
+                                        <p:tgtEl>
+                                          <p:spTgt spid="80"/>
+                                        </p:tgtEl>
+                                        <p:attrNameLst>
+                                          <p:attrName>ppt_w</p:attrName>
+                                        </p:attrNameLst>
+                                      </p:cBhvr>
+                                      <p:tavLst>
+                                        <p:tav tm="0">
+                                          <p:val>
+                                            <p:fltVal val="0"/>
+                                          </p:val>
+                                        </p:tav>
+                                        <p:tav tm="100000">
+                                          <p:val>
+                                            <p:strVal val="#ppt_w"/>
+                                          </p:val>
+                                        </p:tav>
+                                      </p:tavLst>
+                                    </p:anim>
+                                    <p:anim calcmode="lin" valueType="num">
+                                      <p:cBhvr>
+                                        <p:cTn id="49" dur="500" fill="hold"/>
+                                        <p:tgtEl>
+                                          <p:spTgt spid="80"/>
+                                        </p:tgtEl>
+                                        <p:attrNameLst>
+                                          <p:attrName>ppt_h</p:attrName>
+                                        </p:attrNameLst>
+                                      </p:cBhvr>
+                                      <p:tavLst>
+                                        <p:tav tm="0">
+                                          <p:val>
+                                            <p:fltVal val="0"/>
+                                          </p:val>
+                                        </p:tav>
+                                        <p:tav tm="100000">
+                                          <p:val>
+                                            <p:strVal val="#ppt_h"/>
+                                          </p:val>
+                                        </p:tav>
+                                      </p:tavLst>
+                                    </p:anim>
+                                  </p:childTnLst>
+                                </p:cTn>
+                              </p:par>
+                            </p:childTnLst>
+                          </p:cTn>
+                        </p:par>
+                      </p:childTnLst>
+                    </p:cTn>
+                  </p:par>
+                  <p:par>
+                    <p:cTn id="50" fill="hold">
+                      <p:stCondLst>
+                        <p:cond delay="indefinite"/>
+                      </p:stCondLst>
+                      <p:childTnLst>
+                        <p:par>
+                          <p:cTn id="51" fill="hold">
+                            <p:stCondLst>
+                              <p:cond delay="0"/>
+                            </p:stCondLst>
+                            <p:childTnLst>
+                              <p:par>
+                                <p:cTn id="52" presetID="23" presetClass="entr" presetSubtype="16" fill="hold" nodeType="clickEffect">
+                                  <p:stCondLst>
+                                    <p:cond delay="0"/>
+                                  </p:stCondLst>
+                                  <p:childTnLst>
+                                    <p:set>
+                                      <p:cBhvr>
+                                        <p:cTn id="53" dur="1" fill="hold">
+                                          <p:stCondLst>
+                                            <p:cond delay="0"/>
+                                          </p:stCondLst>
+                                        </p:cTn>
+                                        <p:tgtEl>
+                                          <p:spTgt spid="77"/>
+                                        </p:tgtEl>
+                                        <p:attrNameLst>
+                                          <p:attrName>style.visibility</p:attrName>
+                                        </p:attrNameLst>
+                                      </p:cBhvr>
+                                      <p:to>
+                                        <p:strVal val="visible"/>
+                                      </p:to>
+                                    </p:set>
+                                    <p:anim calcmode="lin" valueType="num">
+                                      <p:cBhvr>
+                                        <p:cTn id="54" dur="500" fill="hold"/>
+                                        <p:tgtEl>
+                                          <p:spTgt spid="77"/>
+                                        </p:tgtEl>
+                                        <p:attrNameLst>
+                                          <p:attrName>ppt_w</p:attrName>
+                                        </p:attrNameLst>
+                                      </p:cBhvr>
+                                      <p:tavLst>
+                                        <p:tav tm="0">
+                                          <p:val>
+                                            <p:fltVal val="0"/>
+                                          </p:val>
+                                        </p:tav>
+                                        <p:tav tm="100000">
+                                          <p:val>
+                                            <p:strVal val="#ppt_w"/>
+                                          </p:val>
+                                        </p:tav>
+                                      </p:tavLst>
+                                    </p:anim>
+                                    <p:anim calcmode="lin" valueType="num">
+                                      <p:cBhvr>
+                                        <p:cTn id="55" dur="500" fill="hold"/>
+                                        <p:tgtEl>
+                                          <p:spTgt spid="77"/>
+                                        </p:tgtEl>
+                                        <p:attrNameLst>
+                                          <p:attrName>ppt_h</p:attrName>
+                                        </p:attrNameLst>
+                                      </p:cBhvr>
+                                      <p:tavLst>
+                                        <p:tav tm="0">
+                                          <p:val>
+                                            <p:fltVal val="0"/>
+                                          </p:val>
+                                        </p:tav>
+                                        <p:tav tm="100000">
+                                          <p:val>
+                                            <p:strVal val="#ppt_h"/>
+                                          </p:val>
+                                        </p:tav>
+                                      </p:tavLst>
+                                    </p:anim>
+                                  </p:childTnLst>
+                                </p:cTn>
+                              </p:par>
+                            </p:childTnLst>
+                          </p:cTn>
+                        </p:par>
+                      </p:childTnLst>
+                    </p:cTn>
+                  </p:par>
+                  <p:par>
+                    <p:cTn id="56" fill="hold">
+                      <p:stCondLst>
+                        <p:cond delay="indefinite"/>
+                      </p:stCondLst>
+                      <p:childTnLst>
+                        <p:par>
+                          <p:cTn id="57" fill="hold">
+                            <p:stCondLst>
+                              <p:cond delay="0"/>
+                            </p:stCondLst>
+                            <p:childTnLst>
+                              <p:par>
+                                <p:cTn id="58" presetID="4" presetClass="exit" presetSubtype="16" fill="hold" nodeType="clickEffect">
+                                  <p:stCondLst>
+                                    <p:cond delay="0"/>
+                                  </p:stCondLst>
+                                  <p:childTnLst>
+                                    <p:animEffect transition="out" filter="box(in)">
+                                      <p:cBhvr>
+                                        <p:cTn id="59" dur="500"/>
+                                        <p:tgtEl>
+                                          <p:spTgt spid="77"/>
+                                        </p:tgtEl>
+                                      </p:cBhvr>
+                                    </p:animEffect>
+                                    <p:set>
+                                      <p:cBhvr>
+                                        <p:cTn id="60" dur="1" fill="hold">
+                                          <p:stCondLst>
+                                            <p:cond delay="499"/>
+                                          </p:stCondLst>
+                                        </p:cTn>
+                                        <p:tgtEl>
+                                          <p:spTgt spid="77"/>
+                                        </p:tgtEl>
+                                        <p:attrNameLst>
+                                          <p:attrName>style.visibility</p:attrName>
+                                        </p:attrNameLst>
+                                      </p:cBhvr>
+                                      <p:to>
+                                        <p:strVal val="hidden"/>
+                                      </p:to>
+                                    </p:set>
+                                  </p:childTnLst>
+                                </p:cTn>
+                              </p:par>
+                              <p:par>
+                                <p:cTn id="61" presetID="18" presetClass="entr" presetSubtype="12" fill="hold" grpId="0" nodeType="withEffect">
+                                  <p:stCondLst>
+                                    <p:cond delay="0"/>
+                                  </p:stCondLst>
+                                  <p:childTnLst>
+                                    <p:set>
+                                      <p:cBhvr>
+                                        <p:cTn id="62" dur="1" fill="hold">
+                                          <p:stCondLst>
+                                            <p:cond delay="0"/>
+                                          </p:stCondLst>
+                                        </p:cTn>
+                                        <p:tgtEl>
+                                          <p:spTgt spid="37"/>
+                                        </p:tgtEl>
+                                        <p:attrNameLst>
+                                          <p:attrName>style.visibility</p:attrName>
+                                        </p:attrNameLst>
+                                      </p:cBhvr>
+                                      <p:to>
+                                        <p:strVal val="visible"/>
+                                      </p:to>
+                                    </p:set>
+                                    <p:animEffect transition="in" filter="strips(downLeft)">
+                                      <p:cBhvr>
+                                        <p:cTn id="63" dur="500"/>
+                                        <p:tgtEl>
+                                          <p:spTgt spid="37"/>
+                                        </p:tgtEl>
+                                      </p:cBhvr>
+                                    </p:animEffect>
+                                  </p:childTnLst>
+                                </p:cTn>
+                              </p:par>
+                              <p:par>
+                                <p:cTn id="64" presetID="23" presetClass="entr" presetSubtype="16" fill="hold" nodeType="withEffect">
+                                  <p:stCondLst>
+                                    <p:cond delay="0"/>
+                                  </p:stCondLst>
+                                  <p:childTnLst>
+                                    <p:set>
+                                      <p:cBhvr>
+                                        <p:cTn id="65" dur="1" fill="hold">
+                                          <p:stCondLst>
+                                            <p:cond delay="0"/>
+                                          </p:stCondLst>
+                                        </p:cTn>
+                                        <p:tgtEl>
+                                          <p:spTgt spid="65"/>
+                                        </p:tgtEl>
+                                        <p:attrNameLst>
+                                          <p:attrName>style.visibility</p:attrName>
+                                        </p:attrNameLst>
+                                      </p:cBhvr>
+                                      <p:to>
+                                        <p:strVal val="visible"/>
+                                      </p:to>
+                                    </p:set>
+                                    <p:anim calcmode="lin" valueType="num">
+                                      <p:cBhvr>
+                                        <p:cTn id="66" dur="500" fill="hold"/>
+                                        <p:tgtEl>
+                                          <p:spTgt spid="65"/>
+                                        </p:tgtEl>
+                                        <p:attrNameLst>
+                                          <p:attrName>ppt_w</p:attrName>
+                                        </p:attrNameLst>
+                                      </p:cBhvr>
+                                      <p:tavLst>
+                                        <p:tav tm="0">
+                                          <p:val>
+                                            <p:fltVal val="0"/>
+                                          </p:val>
+                                        </p:tav>
+                                        <p:tav tm="100000">
+                                          <p:val>
+                                            <p:strVal val="#ppt_w"/>
+                                          </p:val>
+                                        </p:tav>
+                                      </p:tavLst>
+                                    </p:anim>
+                                    <p:anim calcmode="lin" valueType="num">
+                                      <p:cBhvr>
+                                        <p:cTn id="67" dur="500" fill="hold"/>
+                                        <p:tgtEl>
+                                          <p:spTgt spid="65"/>
+                                        </p:tgtEl>
+                                        <p:attrNameLst>
+                                          <p:attrName>ppt_h</p:attrName>
+                                        </p:attrNameLst>
+                                      </p:cBhvr>
+                                      <p:tavLst>
+                                        <p:tav tm="0">
+                                          <p:val>
+                                            <p:fltVal val="0"/>
+                                          </p:val>
+                                        </p:tav>
+                                        <p:tav tm="100000">
+                                          <p:val>
+                                            <p:strVal val="#ppt_h"/>
+                                          </p:val>
+                                        </p:tav>
+                                      </p:tavLst>
+                                    </p:anim>
+                                  </p:childTnLst>
+                                </p:cTn>
+                              </p:par>
+                            </p:childTnLst>
+                          </p:cTn>
+                        </p:par>
+                      </p:childTnLst>
+                    </p:cTn>
+                  </p:par>
+                  <p:par>
+                    <p:cTn id="68" fill="hold">
+                      <p:stCondLst>
+                        <p:cond delay="indefinite"/>
+                      </p:stCondLst>
+                      <p:childTnLst>
+                        <p:par>
+                          <p:cTn id="69" fill="hold">
+                            <p:stCondLst>
+                              <p:cond delay="0"/>
+                            </p:stCondLst>
+                            <p:childTnLst>
+                              <p:par>
+                                <p:cTn id="70" presetID="4" presetClass="exit" presetSubtype="16" fill="hold" nodeType="clickEffect">
+                                  <p:stCondLst>
+                                    <p:cond delay="0"/>
+                                  </p:stCondLst>
+                                  <p:childTnLst>
+                                    <p:animEffect transition="out" filter="box(in)">
+                                      <p:cBhvr>
+                                        <p:cTn id="71" dur="500"/>
+                                        <p:tgtEl>
+                                          <p:spTgt spid="80"/>
+                                        </p:tgtEl>
+                                      </p:cBhvr>
+                                    </p:animEffect>
+                                    <p:set>
+                                      <p:cBhvr>
+                                        <p:cTn id="72" dur="1" fill="hold">
+                                          <p:stCondLst>
+                                            <p:cond delay="499"/>
+                                          </p:stCondLst>
+                                        </p:cTn>
+                                        <p:tgtEl>
+                                          <p:spTgt spid="80"/>
+                                        </p:tgtEl>
+                                        <p:attrNameLst>
+                                          <p:attrName>style.visibility</p:attrName>
+                                        </p:attrNameLst>
+                                      </p:cBhvr>
+                                      <p:to>
+                                        <p:strVal val="hidden"/>
+                                      </p:to>
+                                    </p:set>
+                                  </p:childTnLst>
+                                </p:cTn>
+                              </p:par>
+                              <p:par>
+                                <p:cTn id="73" presetID="23" presetClass="entr" presetSubtype="16" fill="hold" nodeType="withEffect">
+                                  <p:stCondLst>
+                                    <p:cond delay="0"/>
+                                  </p:stCondLst>
+                                  <p:childTnLst>
+                                    <p:set>
+                                      <p:cBhvr>
+                                        <p:cTn id="74" dur="1" fill="hold">
+                                          <p:stCondLst>
+                                            <p:cond delay="0"/>
+                                          </p:stCondLst>
+                                        </p:cTn>
+                                        <p:tgtEl>
+                                          <p:spTgt spid="68"/>
+                                        </p:tgtEl>
+                                        <p:attrNameLst>
+                                          <p:attrName>style.visibility</p:attrName>
+                                        </p:attrNameLst>
+                                      </p:cBhvr>
+                                      <p:to>
+                                        <p:strVal val="visible"/>
+                                      </p:to>
+                                    </p:set>
+                                    <p:anim calcmode="lin" valueType="num">
+                                      <p:cBhvr>
+                                        <p:cTn id="75" dur="500" fill="hold"/>
+                                        <p:tgtEl>
+                                          <p:spTgt spid="68"/>
+                                        </p:tgtEl>
+                                        <p:attrNameLst>
+                                          <p:attrName>ppt_w</p:attrName>
+                                        </p:attrNameLst>
+                                      </p:cBhvr>
+                                      <p:tavLst>
+                                        <p:tav tm="0">
+                                          <p:val>
+                                            <p:fltVal val="0"/>
+                                          </p:val>
+                                        </p:tav>
+                                        <p:tav tm="100000">
+                                          <p:val>
+                                            <p:strVal val="#ppt_w"/>
+                                          </p:val>
+                                        </p:tav>
+                                      </p:tavLst>
+                                    </p:anim>
+                                    <p:anim calcmode="lin" valueType="num">
+                                      <p:cBhvr>
+                                        <p:cTn id="76" dur="500" fill="hold"/>
+                                        <p:tgtEl>
+                                          <p:spTgt spid="68"/>
+                                        </p:tgtEl>
+                                        <p:attrNameLst>
+                                          <p:attrName>ppt_h</p:attrName>
+                                        </p:attrNameLst>
+                                      </p:cBhvr>
+                                      <p:tavLst>
+                                        <p:tav tm="0">
+                                          <p:val>
+                                            <p:fltVal val="0"/>
+                                          </p:val>
+                                        </p:tav>
+                                        <p:tav tm="100000">
+                                          <p:val>
+                                            <p:strVal val="#ppt_h"/>
+                                          </p:val>
+                                        </p:tav>
+                                      </p:tavLst>
+                                    </p:anim>
+                                  </p:childTnLst>
+                                </p:cTn>
+                              </p:par>
+                              <p:par>
+                                <p:cTn id="77" presetID="18" presetClass="entr" presetSubtype="12" fill="hold" grpId="0" nodeType="withEffect">
+                                  <p:stCondLst>
+                                    <p:cond delay="0"/>
+                                  </p:stCondLst>
+                                  <p:childTnLst>
+                                    <p:set>
+                                      <p:cBhvr>
+                                        <p:cTn id="78" dur="1" fill="hold">
+                                          <p:stCondLst>
+                                            <p:cond delay="0"/>
+                                          </p:stCondLst>
+                                        </p:cTn>
+                                        <p:tgtEl>
+                                          <p:spTgt spid="36"/>
+                                        </p:tgtEl>
+                                        <p:attrNameLst>
+                                          <p:attrName>style.visibility</p:attrName>
+                                        </p:attrNameLst>
+                                      </p:cBhvr>
+                                      <p:to>
+                                        <p:strVal val="visible"/>
+                                      </p:to>
+                                    </p:set>
+                                    <p:animEffect transition="in" filter="strips(downLeft)">
+                                      <p:cBhvr>
+                                        <p:cTn id="79" dur="500"/>
+                                        <p:tgtEl>
+                                          <p:spTgt spid="36"/>
+                                        </p:tgtEl>
+                                      </p:cBhvr>
+                                    </p:animEffect>
+                                  </p:childTnLst>
+                                </p:cTn>
+                              </p:par>
+                            </p:childTnLst>
+                          </p:cTn>
+                        </p:par>
+                      </p:childTnLst>
+                    </p:cTn>
+                  </p:par>
+                  <p:par>
+                    <p:cTn id="80" fill="hold">
+                      <p:stCondLst>
+                        <p:cond delay="indefinite"/>
+                      </p:stCondLst>
+                      <p:childTnLst>
+                        <p:par>
+                          <p:cTn id="81" fill="hold">
+                            <p:stCondLst>
+                              <p:cond delay="0"/>
+                            </p:stCondLst>
+                            <p:childTnLst>
+                              <p:par>
+                                <p:cTn id="82" presetID="18" presetClass="entr" presetSubtype="12" fill="hold" grpId="1" nodeType="clickEffect">
+                                  <p:stCondLst>
+                                    <p:cond delay="0"/>
+                                  </p:stCondLst>
+                                  <p:childTnLst>
+                                    <p:set>
+                                      <p:cBhvr>
+                                        <p:cTn id="83" dur="1" fill="hold">
+                                          <p:stCondLst>
+                                            <p:cond delay="0"/>
+                                          </p:stCondLst>
+                                        </p:cTn>
+                                        <p:tgtEl>
+                                          <p:spTgt spid="48"/>
+                                        </p:tgtEl>
+                                        <p:attrNameLst>
+                                          <p:attrName>style.visibility</p:attrName>
+                                        </p:attrNameLst>
+                                      </p:cBhvr>
+                                      <p:to>
+                                        <p:strVal val="visible"/>
+                                      </p:to>
+                                    </p:set>
+                                    <p:animEffect transition="in" filter="strips(downLeft)">
+                                      <p:cBhvr>
+                                        <p:cTn id="84" dur="500"/>
+                                        <p:tgtEl>
+                                          <p:spTgt spid="48"/>
+                                        </p:tgtEl>
+                                      </p:cBhvr>
+                                    </p:animEffect>
+                                  </p:childTnLst>
+                                </p:cTn>
+                              </p:par>
+                            </p:childTnLst>
+                          </p:cTn>
+                        </p:par>
+                      </p:childTnLst>
+                    </p:cTn>
+                  </p:par>
+                </p:childTnLst>
+              </p:cTn>
+              <p:prevCondLst>
+                <p:cond evt="onPrev" delay="0">
+                  <p:tgtEl>
+                    <p:sldTgt/>
+                  </p:tgtEl>
+                </p:cond>
+              </p:prevCondLst>
+              <p:nextCondLst>
+                <p:cond evt="onNext" delay="0">
+                  <p:tgtEl>
+                    <p:sldTgt/>
+                  </p:tgtEl>
+                </p:cond>
+              </p:nextCondLst>
+            </p:seq>
+          </p:childTnLst>
+        </p:cTn>
+      </p:par>
+    </p:tnLst>
+    <p:bldLst>
+      <p:bldP spid="34" grpId="0"/>
+      <p:bldP spid="35" grpId="0"/>
+      <p:bldP spid="36" grpId="0"/>
+      <p:bldP spid="37" grpId="0"/>
+      <p:bldP spid="48" grpId="1"/>
+      <p:bldP spid="49" grpId="0"/>
+    </p:bldLst>
+  </p:timing>
+</p:sld>
+</file>
+
+<file path=ppt/slides/slide16.xml><?xml version="1.0" encoding="utf-8"?>
+<p:sld xmlns:a="http://schemas.openxmlformats.org/drawingml/2006/main" xmlns:r="http://schemas.openxmlformats.org/officeDocument/2006/relationships" xmlns:p="http://schemas.openxmlformats.org/presentationml/2006/main">
+  <p:cSld>
+    <p:spTree>
+      <p:nvGrpSpPr>
+        <p:cNvPr id="1" name=""/>
+        <p:cNvGrpSpPr/>
+        <p:nvPr/>
+      </p:nvGrpSpPr>
+      <p:grpSpPr>
+        <a:xfrm>
+          <a:off x="0" y="0"/>
+          <a:ext cx="0" cy="0"/>
+          <a:chOff x="0" y="0"/>
+          <a:chExt cx="0" cy="0"/>
+        </a:xfrm>
+      </p:grpSpPr>
+      <p:sp>
+        <p:nvSpPr>
+          <p:cNvPr id="2" name="Заголовок 1"/>
+          <p:cNvSpPr>
+            <a:spLocks noGrp="1"/>
+          </p:cNvSpPr>
+          <p:nvPr>
+            <p:ph type="title"/>
+          </p:nvPr>
+        </p:nvSpPr>
+        <p:spPr/>
+        <p:txBody>
+          <a:bodyPr>
+            <a:normAutofit/>
+          </a:bodyPr>
+          <a:lstStyle/>
+          <a:p>
+            <a:r>
+              <a:rPr lang="ru-RU" dirty="0" smtClean="0">
+                <a:latin typeface="Tahoma" pitchFamily="34" charset="0"/>
+                <a:ea typeface="Tahoma" pitchFamily="34" charset="0"/>
+                <a:cs typeface="Tahoma" pitchFamily="34" charset="0"/>
+              </a:rPr>
+              <a:t>Ограничения на топологию</a:t>
+            </a:r>
+            <a:endParaRPr lang="ru-RU" dirty="0">
+              <a:latin typeface="Tahoma" pitchFamily="34" charset="0"/>
+              <a:ea typeface="Tahoma" pitchFamily="34" charset="0"/>
+              <a:cs typeface="Tahoma" pitchFamily="34" charset="0"/>
+            </a:endParaRPr>
+          </a:p>
+        </p:txBody>
+      </p:sp>
+      <p:sp>
+        <p:nvSpPr>
+          <p:cNvPr id="6" name="TextBox 5"/>
+          <p:cNvSpPr txBox="1"/>
+          <p:nvPr/>
+        </p:nvSpPr>
+        <p:spPr>
+          <a:xfrm>
+            <a:off x="357158" y="1785926"/>
+            <a:ext cx="8429684" cy="4832092"/>
+          </a:xfrm>
+          <a:prstGeom prst="rect">
+            <a:avLst/>
+          </a:prstGeom>
+          <a:noFill/>
+        </p:spPr>
+        <p:txBody>
+          <a:bodyPr wrap="square" rtlCol="0">
+            <a:spAutoFit/>
+          </a:bodyPr>
+          <a:lstStyle/>
+          <a:p>
+            <a:r>
+              <a:rPr lang="ru-RU" sz="2800" dirty="0" smtClean="0">
+                <a:latin typeface="Tahoma" pitchFamily="34" charset="0"/>
+                <a:ea typeface="Tahoma" pitchFamily="34" charset="0"/>
+                <a:cs typeface="Tahoma" pitchFamily="34" charset="0"/>
+              </a:rPr>
+              <a:t>До 27 разъемов на одном устройстве</a:t>
+            </a:r>
+            <a:endParaRPr lang="ru-RU" sz="2800" dirty="0" smtClean="0">
+              <a:latin typeface="Tahoma" pitchFamily="34" charset="0"/>
+              <a:ea typeface="Tahoma" pitchFamily="34" charset="0"/>
+              <a:cs typeface="Tahoma" pitchFamily="34" charset="0"/>
+            </a:endParaRPr>
+          </a:p>
+          <a:p>
+            <a:endParaRPr lang="ru-RU" sz="2800" dirty="0" smtClean="0">
+              <a:latin typeface="Tahoma" pitchFamily="34" charset="0"/>
+              <a:ea typeface="Tahoma" pitchFamily="34" charset="0"/>
+              <a:cs typeface="Tahoma" pitchFamily="34" charset="0"/>
+            </a:endParaRPr>
+          </a:p>
+          <a:p>
+            <a:r>
+              <a:rPr lang="ru-RU" sz="2800" dirty="0" smtClean="0">
+                <a:latin typeface="Tahoma" pitchFamily="34" charset="0"/>
+                <a:ea typeface="Tahoma" pitchFamily="34" charset="0"/>
+                <a:cs typeface="Tahoma" pitchFamily="34" charset="0"/>
+              </a:rPr>
+              <a:t>Максимальное расстояние между двумя узлами – 16 кабельных сегментов</a:t>
+            </a:r>
+          </a:p>
+          <a:p>
+            <a:endParaRPr lang="ru-RU" sz="2800" dirty="0" smtClean="0">
+              <a:latin typeface="Tahoma" pitchFamily="34" charset="0"/>
+              <a:ea typeface="Tahoma" pitchFamily="34" charset="0"/>
+              <a:cs typeface="Tahoma" pitchFamily="34" charset="0"/>
+            </a:endParaRPr>
+          </a:p>
+          <a:p>
+            <a:r>
+              <a:rPr lang="ru-RU" sz="2800" dirty="0" smtClean="0">
+                <a:latin typeface="Tahoma" pitchFamily="34" charset="0"/>
+                <a:ea typeface="Tahoma" pitchFamily="34" charset="0"/>
+                <a:cs typeface="Tahoma" pitchFamily="34" charset="0"/>
+              </a:rPr>
+              <a:t>Длина одного сегмента не превышает 4.5 метра</a:t>
+            </a:r>
+          </a:p>
+          <a:p>
+            <a:endParaRPr lang="ru-RU" sz="2800" dirty="0" smtClean="0">
+              <a:latin typeface="Tahoma" pitchFamily="34" charset="0"/>
+              <a:ea typeface="Tahoma" pitchFamily="34" charset="0"/>
+              <a:cs typeface="Tahoma" pitchFamily="34" charset="0"/>
+            </a:endParaRPr>
+          </a:p>
+          <a:p>
+            <a:r>
+              <a:rPr lang="ru-RU" sz="2800" dirty="0" smtClean="0">
+                <a:latin typeface="Tahoma" pitchFamily="34" charset="0"/>
+                <a:ea typeface="Tahoma" pitchFamily="34" charset="0"/>
+                <a:cs typeface="Tahoma" pitchFamily="34" charset="0"/>
+              </a:rPr>
+              <a:t>Суммарная длина кабеля не должна превышать 72 метра</a:t>
+            </a:r>
+          </a:p>
+          <a:p>
+            <a:endParaRPr lang="ru-RU" sz="2800" dirty="0" smtClean="0">
+              <a:latin typeface="Tahoma" pitchFamily="34" charset="0"/>
+              <a:ea typeface="Tahoma" pitchFamily="34" charset="0"/>
+              <a:cs typeface="Tahoma" pitchFamily="34" charset="0"/>
+            </a:endParaRPr>
+          </a:p>
+          <a:p>
+            <a:r>
+              <a:rPr lang="ru-RU" sz="2800" dirty="0" smtClean="0">
+                <a:latin typeface="Tahoma" pitchFamily="34" charset="0"/>
+                <a:ea typeface="Tahoma" pitchFamily="34" charset="0"/>
+                <a:cs typeface="Tahoma" pitchFamily="34" charset="0"/>
+              </a:rPr>
+              <a:t>Отсутствие петель</a:t>
+            </a:r>
+          </a:p>
+        </p:txBody>
+      </p:sp>
+    </p:spTree>
+  </p:cSld>
+  <p:clrMapOvr>
+    <a:masterClrMapping/>
+  </p:clrMapOvr>
+  <p:transition>
+    <p:wipe/>
+  </p:transition>
+  <p:timing>
+    <p:tnLst>
+      <p:par>
+        <p:cTn id="1" dur="indefinite" restart="never" nodeType="tmRoot">
+          <p:childTnLst>
+            <p:seq concurrent="1" nextAc="seek">
+              <p:cTn id="2" dur="indefinite" nodeType="mainSeq">
+                <p:childTnLst>
+                  <p:par>
+                    <p:cTn id="3" fill="hold">
+                      <p:stCondLst>
+                        <p:cond delay="indefinite"/>
+                      </p:stCondLst>
+                      <p:childTnLst>
+                        <p:par>
+                          <p:cTn id="4" fill="hold">
+                            <p:stCondLst>
+                              <p:cond delay="0"/>
+                            </p:stCondLst>
+                            <p:childTnLst>
+                              <p:par>
+                                <p:cTn id="5" presetID="42" presetClass="entr" presetSubtype="0" fill="hold" nodeType="clickEffect">
+                                  <p:stCondLst>
+                                    <p:cond delay="0"/>
+                                  </p:stCondLst>
+                                  <p:childTnLst>
+                                    <p:set>
+                                      <p:cBhvr>
+                                        <p:cTn id="6" dur="1" fill="hold">
+                                          <p:stCondLst>
+                                            <p:cond delay="0"/>
+                                          </p:stCondLst>
+                                        </p:cTn>
+                                        <p:tgtEl>
+                                          <p:spTgt spid="6">
+                                            <p:txEl>
+                                              <p:pRg st="0" end="0"/>
+                                            </p:txEl>
+                                          </p:spTgt>
+                                        </p:tgtEl>
+                                        <p:attrNameLst>
+                                          <p:attrName>style.visibility</p:attrName>
+                                        </p:attrNameLst>
+                                      </p:cBhvr>
+                                      <p:to>
+                                        <p:strVal val="visible"/>
+                                      </p:to>
+                                    </p:set>
+                                    <p:animEffect transition="in" filter="fade">
+                                      <p:cBhvr>
+                                        <p:cTn id="7" dur="1000"/>
+                                        <p:tgtEl>
+                                          <p:spTgt spid="6">
+                                            <p:txEl>
+                                              <p:pRg st="0" end="0"/>
+                                            </p:txEl>
+                                          </p:spTgt>
+                                        </p:tgtEl>
+                                      </p:cBhvr>
+                                    </p:animEffect>
+                                    <p:anim calcmode="lin" valueType="num">
+                                      <p:cBhvr>
+                                        <p:cTn id="8" dur="1000" fill="hold"/>
+                                        <p:tgtEl>
+                                          <p:spTgt spid="6">
+                                            <p:txEl>
+                                              <p:pRg st="0" end="0"/>
+                                            </p:txEl>
+                                          </p:spTgt>
+                                        </p:tgtEl>
+                                        <p:attrNameLst>
+                                          <p:attrName>ppt_x</p:attrName>
+                                        </p:attrNameLst>
+                                      </p:cBhvr>
+                                      <p:tavLst>
+                                        <p:tav tm="0">
+                                          <p:val>
+                                            <p:strVal val="#ppt_x"/>
+                                          </p:val>
+                                        </p:tav>
+                                        <p:tav tm="100000">
+                                          <p:val>
+                                            <p:strVal val="#ppt_x"/>
+                                          </p:val>
+                                        </p:tav>
+                                      </p:tavLst>
+                                    </p:anim>
+                                    <p:anim calcmode="lin" valueType="num">
+                                      <p:cBhvr>
+                                        <p:cTn id="9" dur="1000" fill="hold"/>
+                                        <p:tgtEl>
+                                          <p:spTgt spid="6">
+                                            <p:txEl>
+                                              <p:pRg st="0" end="0"/>
+                                            </p:txEl>
+                                          </p:spTgt>
+                                        </p:tgtEl>
+                                        <p:attrNameLst>
+                                          <p:attrName>ppt_y</p:attrName>
+                                        </p:attrNameLst>
+                                      </p:cBhvr>
+                                      <p:tavLst>
+                                        <p:tav tm="0">
+                                          <p:val>
+                                            <p:strVal val="#ppt_y+.1"/>
+                                          </p:val>
+                                        </p:tav>
+                                        <p:tav tm="100000">
+                                          <p:val>
+                                            <p:strVal val="#ppt_y"/>
+                                          </p:val>
+                                        </p:tav>
+                                      </p:tavLst>
+                                    </p:anim>
+                                  </p:childTnLst>
+                                </p:cTn>
+                              </p:par>
+                            </p:childTnLst>
+                          </p:cTn>
+                        </p:par>
+                      </p:childTnLst>
+                    </p:cTn>
+                  </p:par>
+                  <p:par>
+                    <p:cTn id="10" fill="hold">
+                      <p:stCondLst>
+                        <p:cond delay="indefinite"/>
+                      </p:stCondLst>
+                      <p:childTnLst>
+                        <p:par>
+                          <p:cTn id="11" fill="hold">
+                            <p:stCondLst>
+                              <p:cond delay="0"/>
+                            </p:stCondLst>
+                            <p:childTnLst>
+                              <p:par>
+                                <p:cTn id="12" presetID="42" presetClass="entr" presetSubtype="0" fill="hold" nodeType="clickEffect">
+                                  <p:stCondLst>
+                                    <p:cond delay="0"/>
+                                  </p:stCondLst>
+                                  <p:childTnLst>
+                                    <p:set>
+                                      <p:cBhvr>
+                                        <p:cTn id="13" dur="1" fill="hold">
+                                          <p:stCondLst>
+                                            <p:cond delay="0"/>
+                                          </p:stCondLst>
+                                        </p:cTn>
+                                        <p:tgtEl>
+                                          <p:spTgt spid="6">
+                                            <p:txEl>
+                                              <p:pRg st="2" end="2"/>
+                                            </p:txEl>
+                                          </p:spTgt>
+                                        </p:tgtEl>
+                                        <p:attrNameLst>
+                                          <p:attrName>style.visibility</p:attrName>
+                                        </p:attrNameLst>
+                                      </p:cBhvr>
+                                      <p:to>
+                                        <p:strVal val="visible"/>
+                                      </p:to>
+                                    </p:set>
+                                    <p:animEffect transition="in" filter="fade">
+                                      <p:cBhvr>
+                                        <p:cTn id="14" dur="1000"/>
+                                        <p:tgtEl>
+                                          <p:spTgt spid="6">
+                                            <p:txEl>
+                                              <p:pRg st="2" end="2"/>
+                                            </p:txEl>
+                                          </p:spTgt>
+                                        </p:tgtEl>
+                                      </p:cBhvr>
+                                    </p:animEffect>
+                                    <p:anim calcmode="lin" valueType="num">
+                                      <p:cBhvr>
+                                        <p:cTn id="15" dur="1000" fill="hold"/>
+                                        <p:tgtEl>
+                                          <p:spTgt spid="6">
+                                            <p:txEl>
+                                              <p:pRg st="2" end="2"/>
+                                            </p:txEl>
+                                          </p:spTgt>
+                                        </p:tgtEl>
+                                        <p:attrNameLst>
+                                          <p:attrName>ppt_x</p:attrName>
+                                        </p:attrNameLst>
+                                      </p:cBhvr>
+                                      <p:tavLst>
+                                        <p:tav tm="0">
+                                          <p:val>
+                                            <p:strVal val="#ppt_x"/>
+                                          </p:val>
+                                        </p:tav>
+                                        <p:tav tm="100000">
+                                          <p:val>
+                                            <p:strVal val="#ppt_x"/>
+                                          </p:val>
+                                        </p:tav>
+                                      </p:tavLst>
+                                    </p:anim>
+                                    <p:anim calcmode="lin" valueType="num">
+                                      <p:cBhvr>
+                                        <p:cTn id="16" dur="1000" fill="hold"/>
+                                        <p:tgtEl>
+                                          <p:spTgt spid="6">
+                                            <p:txEl>
+                                              <p:pRg st="2" end="2"/>
+                                            </p:txEl>
+                                          </p:spTgt>
+                                        </p:tgtEl>
+                                        <p:attrNameLst>
+                                          <p:attrName>ppt_y</p:attrName>
+                                        </p:attrNameLst>
+                                      </p:cBhvr>
+                                      <p:tavLst>
+                                        <p:tav tm="0">
+                                          <p:val>
+                                            <p:strVal val="#ppt_y+.1"/>
+                                          </p:val>
+                                        </p:tav>
+                                        <p:tav tm="100000">
+                                          <p:val>
+                                            <p:strVal val="#ppt_y"/>
+                                          </p:val>
+                                        </p:tav>
+                                      </p:tavLst>
+                                    </p:anim>
+                                  </p:childTnLst>
+                                </p:cTn>
+                              </p:par>
+                            </p:childTnLst>
+                          </p:cTn>
+                        </p:par>
+                      </p:childTnLst>
+                    </p:cTn>
+                  </p:par>
+                  <p:par>
+                    <p:cTn id="17" fill="hold">
+                      <p:stCondLst>
+                        <p:cond delay="indefinite"/>
+                      </p:stCondLst>
+                      <p:childTnLst>
+                        <p:par>
+                          <p:cTn id="18" fill="hold">
+                            <p:stCondLst>
+                              <p:cond delay="0"/>
+                            </p:stCondLst>
+                            <p:childTnLst>
+                              <p:par>
+                                <p:cTn id="19" presetID="42" presetClass="entr" presetSubtype="0" fill="hold" nodeType="clickEffect">
+                                  <p:stCondLst>
+                                    <p:cond delay="0"/>
+                                  </p:stCondLst>
+                                  <p:childTnLst>
+                                    <p:set>
+                                      <p:cBhvr>
+                                        <p:cTn id="20" dur="1" fill="hold">
+                                          <p:stCondLst>
+                                            <p:cond delay="0"/>
+                                          </p:stCondLst>
+                                        </p:cTn>
+                                        <p:tgtEl>
+                                          <p:spTgt spid="6">
+                                            <p:txEl>
+                                              <p:pRg st="4" end="4"/>
+                                            </p:txEl>
+                                          </p:spTgt>
+                                        </p:tgtEl>
+                                        <p:attrNameLst>
+                                          <p:attrName>style.visibility</p:attrName>
+                                        </p:attrNameLst>
+                                      </p:cBhvr>
+                                      <p:to>
+                                        <p:strVal val="visible"/>
+                                      </p:to>
+                                    </p:set>
+                                    <p:animEffect transition="in" filter="fade">
+                                      <p:cBhvr>
+                                        <p:cTn id="21" dur="1000"/>
+                                        <p:tgtEl>
+                                          <p:spTgt spid="6">
+                                            <p:txEl>
+                                              <p:pRg st="4" end="4"/>
+                                            </p:txEl>
+                                          </p:spTgt>
+                                        </p:tgtEl>
+                                      </p:cBhvr>
+                                    </p:animEffect>
+                                    <p:anim calcmode="lin" valueType="num">
+                                      <p:cBhvr>
+                                        <p:cTn id="22" dur="1000" fill="hold"/>
+                                        <p:tgtEl>
+                                          <p:spTgt spid="6">
+                                            <p:txEl>
+                                              <p:pRg st="4" end="4"/>
+                                            </p:txEl>
+                                          </p:spTgt>
+                                        </p:tgtEl>
+                                        <p:attrNameLst>
+                                          <p:attrName>ppt_x</p:attrName>
+                                        </p:attrNameLst>
+                                      </p:cBhvr>
+                                      <p:tavLst>
+                                        <p:tav tm="0">
+                                          <p:val>
+                                            <p:strVal val="#ppt_x"/>
+                                          </p:val>
+                                        </p:tav>
+                                        <p:tav tm="100000">
+                                          <p:val>
+                                            <p:strVal val="#ppt_x"/>
+                                          </p:val>
+                                        </p:tav>
+                                      </p:tavLst>
+                                    </p:anim>
+                                    <p:anim calcmode="lin" valueType="num">
+                                      <p:cBhvr>
+                                        <p:cTn id="23" dur="1000" fill="hold"/>
+                                        <p:tgtEl>
+                                          <p:spTgt spid="6">
+                                            <p:txEl>
+                                              <p:pRg st="4" end="4"/>
+                                            </p:txEl>
+                                          </p:spTgt>
+                                        </p:tgtEl>
+                                        <p:attrNameLst>
+                                          <p:attrName>ppt_y</p:attrName>
+                                        </p:attrNameLst>
+                                      </p:cBhvr>
+                                      <p:tavLst>
+                                        <p:tav tm="0">
+                                          <p:val>
+                                            <p:strVal val="#ppt_y+.1"/>
+                                          </p:val>
+                                        </p:tav>
+                                        <p:tav tm="100000">
+                                          <p:val>
+                                            <p:strVal val="#ppt_y"/>
+                                          </p:val>
+                                        </p:tav>
+                                      </p:tavLst>
+                                    </p:anim>
+                                  </p:childTnLst>
+                                </p:cTn>
+                              </p:par>
+                            </p:childTnLst>
+                          </p:cTn>
+                        </p:par>
+                      </p:childTnLst>
+                    </p:cTn>
+                  </p:par>
+                  <p:par>
+                    <p:cTn id="24" fill="hold">
+                      <p:stCondLst>
+                        <p:cond delay="indefinite"/>
+                      </p:stCondLst>
+                      <p:childTnLst>
+                        <p:par>
+                          <p:cTn id="25" fill="hold">
+                            <p:stCondLst>
+                              <p:cond delay="0"/>
+                            </p:stCondLst>
+                            <p:childTnLst>
+                              <p:par>
+                                <p:cTn id="26" presetID="42" presetClass="entr" presetSubtype="0" fill="hold" nodeType="clickEffect">
+                                  <p:stCondLst>
+                                    <p:cond delay="0"/>
+                                  </p:stCondLst>
+                                  <p:childTnLst>
+                                    <p:set>
+                                      <p:cBhvr>
+                                        <p:cTn id="27" dur="1" fill="hold">
+                                          <p:stCondLst>
+                                            <p:cond delay="0"/>
+                                          </p:stCondLst>
+                                        </p:cTn>
+                                        <p:tgtEl>
+                                          <p:spTgt spid="6">
+                                            <p:txEl>
+                                              <p:pRg st="6" end="6"/>
+                                            </p:txEl>
+                                          </p:spTgt>
+                                        </p:tgtEl>
+                                        <p:attrNameLst>
+                                          <p:attrName>style.visibility</p:attrName>
+                                        </p:attrNameLst>
+                                      </p:cBhvr>
+                                      <p:to>
+                                        <p:strVal val="visible"/>
+                                      </p:to>
+                                    </p:set>
+                                    <p:animEffect transition="in" filter="fade">
+                                      <p:cBhvr>
+                                        <p:cTn id="28" dur="1000"/>
+                                        <p:tgtEl>
+                                          <p:spTgt spid="6">
+                                            <p:txEl>
+                                              <p:pRg st="6" end="6"/>
+                                            </p:txEl>
+                                          </p:spTgt>
+                                        </p:tgtEl>
+                                      </p:cBhvr>
+                                    </p:animEffect>
+                                    <p:anim calcmode="lin" valueType="num">
+                                      <p:cBhvr>
+                                        <p:cTn id="29" dur="1000" fill="hold"/>
+                                        <p:tgtEl>
+                                          <p:spTgt spid="6">
+                                            <p:txEl>
+                                              <p:pRg st="6" end="6"/>
+                                            </p:txEl>
+                                          </p:spTgt>
+                                        </p:tgtEl>
+                                        <p:attrNameLst>
+                                          <p:attrName>ppt_x</p:attrName>
+                                        </p:attrNameLst>
+                                      </p:cBhvr>
+                                      <p:tavLst>
+                                        <p:tav tm="0">
+                                          <p:val>
+                                            <p:strVal val="#ppt_x"/>
+                                          </p:val>
+                                        </p:tav>
+                                        <p:tav tm="100000">
+                                          <p:val>
+                                            <p:strVal val="#ppt_x"/>
+                                          </p:val>
+                                        </p:tav>
+                                      </p:tavLst>
+                                    </p:anim>
+                                    <p:anim calcmode="lin" valueType="num">
+                                      <p:cBhvr>
+                                        <p:cTn id="30" dur="1000" fill="hold"/>
+                                        <p:tgtEl>
+                                          <p:spTgt spid="6">
+                                            <p:txEl>
+                                              <p:pRg st="6" end="6"/>
+                                            </p:txEl>
+                                          </p:spTgt>
+                                        </p:tgtEl>
+                                        <p:attrNameLst>
+                                          <p:attrName>ppt_y</p:attrName>
+                                        </p:attrNameLst>
+                                      </p:cBhvr>
+                                      <p:tavLst>
+                                        <p:tav tm="0">
+                                          <p:val>
+                                            <p:strVal val="#ppt_y+.1"/>
+                                          </p:val>
+                                        </p:tav>
+                                        <p:tav tm="100000">
+                                          <p:val>
+                                            <p:strVal val="#ppt_y"/>
+                                          </p:val>
+                                        </p:tav>
+                                      </p:tavLst>
+                                    </p:anim>
+                                  </p:childTnLst>
+                                </p:cTn>
+                              </p:par>
+                            </p:childTnLst>
+                          </p:cTn>
+                        </p:par>
+                      </p:childTnLst>
+                    </p:cTn>
+                  </p:par>
+                  <p:par>
+                    <p:cTn id="31" fill="hold">
+                      <p:stCondLst>
+                        <p:cond delay="indefinite"/>
+                      </p:stCondLst>
+                      <p:childTnLst>
+                        <p:par>
+                          <p:cTn id="32" fill="hold">
+                            <p:stCondLst>
+                              <p:cond delay="0"/>
+                            </p:stCondLst>
+                            <p:childTnLst>
+                              <p:par>
+                                <p:cTn id="33" presetID="42" presetClass="entr" presetSubtype="0" fill="hold" nodeType="clickEffect">
+                                  <p:stCondLst>
+                                    <p:cond delay="0"/>
+                                  </p:stCondLst>
+                                  <p:childTnLst>
+                                    <p:set>
+                                      <p:cBhvr>
+                                        <p:cTn id="34" dur="1" fill="hold">
+                                          <p:stCondLst>
+                                            <p:cond delay="0"/>
+                                          </p:stCondLst>
+                                        </p:cTn>
+                                        <p:tgtEl>
+                                          <p:spTgt spid="6">
+                                            <p:txEl>
+                                              <p:pRg st="8" end="8"/>
+                                            </p:txEl>
+                                          </p:spTgt>
+                                        </p:tgtEl>
+                                        <p:attrNameLst>
+                                          <p:attrName>style.visibility</p:attrName>
+                                        </p:attrNameLst>
+                                      </p:cBhvr>
+                                      <p:to>
+                                        <p:strVal val="visible"/>
+                                      </p:to>
+                                    </p:set>
+                                    <p:animEffect transition="in" filter="fade">
+                                      <p:cBhvr>
+                                        <p:cTn id="35" dur="1000"/>
+                                        <p:tgtEl>
+                                          <p:spTgt spid="6">
+                                            <p:txEl>
+                                              <p:pRg st="8" end="8"/>
+                                            </p:txEl>
+                                          </p:spTgt>
+                                        </p:tgtEl>
+                                      </p:cBhvr>
+                                    </p:animEffect>
+                                    <p:anim calcmode="lin" valueType="num">
+                                      <p:cBhvr>
+                                        <p:cTn id="36" dur="1000" fill="hold"/>
+                                        <p:tgtEl>
+                                          <p:spTgt spid="6">
+                                            <p:txEl>
+                                              <p:pRg st="8" end="8"/>
+                                            </p:txEl>
+                                          </p:spTgt>
+                                        </p:tgtEl>
+                                        <p:attrNameLst>
+                                          <p:attrName>ppt_x</p:attrName>
+                                        </p:attrNameLst>
+                                      </p:cBhvr>
+                                      <p:tavLst>
+                                        <p:tav tm="0">
+                                          <p:val>
+                                            <p:strVal val="#ppt_x"/>
+                                          </p:val>
+                                        </p:tav>
+                                        <p:tav tm="100000">
+                                          <p:val>
+                                            <p:strVal val="#ppt_x"/>
+                                          </p:val>
+                                        </p:tav>
+                                      </p:tavLst>
+                                    </p:anim>
+                                    <p:anim calcmode="lin" valueType="num">
+                                      <p:cBhvr>
+                                        <p:cTn id="37" dur="1000" fill="hold"/>
+                                        <p:tgtEl>
+                                          <p:spTgt spid="6">
+                                            <p:txEl>
+                                              <p:pRg st="8" end="8"/>
+                                            </p:txEl>
+                                          </p:spTgt>
+                                        </p:tgtEl>
+                                        <p:attrNameLst>
+                                          <p:attrName>ppt_y</p:attrName>
+                                        </p:attrNameLst>
+                                      </p:cBhvr>
+                                      <p:tavLst>
+                                        <p:tav tm="0">
+                                          <p:val>
+                                            <p:strVal val="#ppt_y+.1"/>
+                                          </p:val>
+                                        </p:tav>
+                                        <p:tav tm="100000">
+                                          <p:val>
+                                            <p:strVal val="#ppt_y"/>
+                                          </p:val>
+                                        </p:tav>
+                                      </p:tavLst>
+                                    </p:anim>
+                                  </p:childTnLst>
+                                </p:cTn>
+                              </p:par>
+                            </p:childTnLst>
+                          </p:cTn>
+                        </p:par>
+                      </p:childTnLst>
+                    </p:cTn>
+                  </p:par>
+                </p:childTnLst>
+              </p:cTn>
+              <p:prevCondLst>
+                <p:cond evt="onPrev" delay="0">
+                  <p:tgtEl>
+                    <p:sldTgt/>
+                  </p:tgtEl>
+                </p:cond>
+              </p:prevCondLst>
+              <p:nextCondLst>
+                <p:cond evt="onNext" delay="0">
+                  <p:tgtEl>
+                    <p:sldTgt/>
+                  </p:tgtEl>
+                </p:cond>
+              </p:nextCondLst>
+            </p:seq>
+          </p:childTnLst>
+        </p:cTn>
+      </p:par>
+    </p:tnLst>
+  </p:timing>
+</p:sld>
+</file>
+
+<file path=ppt/slides/slide17.xml><?xml version="1.0" encoding="utf-8"?>
+<p:sld xmlns:a="http://schemas.openxmlformats.org/drawingml/2006/main" xmlns:r="http://schemas.openxmlformats.org/officeDocument/2006/relationships" xmlns:p="http://schemas.openxmlformats.org/presentationml/2006/main">
+  <p:cSld>
+    <p:spTree>
+      <p:nvGrpSpPr>
+        <p:cNvPr id="1" name=""/>
+        <p:cNvGrpSpPr/>
+        <p:nvPr/>
+      </p:nvGrpSpPr>
+      <p:grpSpPr>
+        <a:xfrm>
+          <a:off x="0" y="0"/>
+          <a:ext cx="0" cy="0"/>
+          <a:chOff x="0" y="0"/>
+          <a:chExt cx="0" cy="0"/>
+        </a:xfrm>
+      </p:grpSpPr>
+      <p:sp>
+        <p:nvSpPr>
+          <p:cNvPr id="2" name="Заголовок 1"/>
+          <p:cNvSpPr>
+            <a:spLocks noGrp="1"/>
+          </p:cNvSpPr>
+          <p:nvPr>
+            <p:ph type="title"/>
+          </p:nvPr>
+        </p:nvSpPr>
+        <p:spPr/>
+        <p:txBody>
+          <a:bodyPr>
+            <a:normAutofit/>
+          </a:bodyPr>
+          <a:lstStyle/>
+          <a:p>
+            <a:r>
+              <a:rPr lang="ru-RU" dirty="0" smtClean="0">
+                <a:latin typeface="Tahoma" pitchFamily="34" charset="0"/>
+                <a:ea typeface="Tahoma" pitchFamily="34" charset="0"/>
+                <a:cs typeface="Tahoma" pitchFamily="34" charset="0"/>
+              </a:rPr>
+              <a:t>Ограничения на топологию</a:t>
+            </a:r>
+            <a:endParaRPr lang="ru-RU" dirty="0">
+              <a:latin typeface="Tahoma" pitchFamily="34" charset="0"/>
+              <a:ea typeface="Tahoma" pitchFamily="34" charset="0"/>
+              <a:cs typeface="Tahoma" pitchFamily="34" charset="0"/>
+            </a:endParaRPr>
+          </a:p>
+        </p:txBody>
+      </p:sp>
+      <p:sp>
+        <p:nvSpPr>
+          <p:cNvPr id="6" name="TextBox 5"/>
+          <p:cNvSpPr txBox="1"/>
+          <p:nvPr/>
+        </p:nvSpPr>
+        <p:spPr>
+          <a:xfrm>
+            <a:off x="357158" y="1785926"/>
+            <a:ext cx="8429684" cy="1815882"/>
+          </a:xfrm>
+          <a:prstGeom prst="rect">
+            <a:avLst/>
+          </a:prstGeom>
+          <a:noFill/>
+        </p:spPr>
+        <p:txBody>
+          <a:bodyPr wrap="square" rtlCol="0">
+            <a:spAutoFit/>
+          </a:bodyPr>
+          <a:lstStyle/>
+          <a:p>
+            <a:r>
+              <a:rPr lang="ru-RU" sz="2800" dirty="0" smtClean="0">
+                <a:latin typeface="Tahoma" pitchFamily="34" charset="0"/>
+                <a:ea typeface="Tahoma" pitchFamily="34" charset="0"/>
+                <a:cs typeface="Tahoma" pitchFamily="34" charset="0"/>
+              </a:rPr>
+              <a:t>Отсутствие петель</a:t>
+            </a:r>
+          </a:p>
+          <a:p>
+            <a:endParaRPr lang="ru-RU" sz="2800" dirty="0" smtClean="0">
+              <a:latin typeface="Tahoma" pitchFamily="34" charset="0"/>
+              <a:ea typeface="Tahoma" pitchFamily="34" charset="0"/>
+              <a:cs typeface="Tahoma" pitchFamily="34" charset="0"/>
+            </a:endParaRPr>
+          </a:p>
+          <a:p>
+            <a:r>
+              <a:rPr lang="ru-RU" sz="2800" dirty="0" smtClean="0">
+                <a:latin typeface="Tahoma" pitchFamily="34" charset="0"/>
+                <a:ea typeface="Tahoma" pitchFamily="34" charset="0"/>
+                <a:cs typeface="Tahoma" pitchFamily="34" charset="0"/>
+              </a:rPr>
+              <a:t>Максимальное количество устройств в топологии – 63 (</a:t>
+            </a:r>
+            <a:r>
+              <a:rPr lang="en-US" sz="2800" dirty="0" smtClean="0">
+                <a:latin typeface="Tahoma" pitchFamily="34" charset="0"/>
+                <a:ea typeface="Tahoma" pitchFamily="34" charset="0"/>
+                <a:cs typeface="Tahoma" pitchFamily="34" charset="0"/>
+              </a:rPr>
+              <a:t>Self ID packet : Physical ID – 6bit)</a:t>
+            </a:r>
+            <a:endParaRPr lang="ru-RU" sz="2800" dirty="0" smtClean="0">
+              <a:latin typeface="Tahoma" pitchFamily="34" charset="0"/>
+              <a:ea typeface="Tahoma" pitchFamily="34" charset="0"/>
+              <a:cs typeface="Tahoma" pitchFamily="34" charset="0"/>
+            </a:endParaRPr>
+          </a:p>
+        </p:txBody>
+      </p:sp>
+    </p:spTree>
+  </p:cSld>
+  <p:clrMapOvr>
+    <a:masterClrMapping/>
+  </p:clrMapOvr>
+  <p:transition>
+    <p:wipe/>
+  </p:transition>
+  <p:timing>
+    <p:tnLst>
+      <p:par>
+        <p:cTn id="1" dur="indefinite" restart="never" nodeType="tmRoot">
+          <p:childTnLst>
+            <p:seq concurrent="1" nextAc="seek">
+              <p:cTn id="2" dur="indefinite" nodeType="mainSeq">
+                <p:childTnLst>
+                  <p:par>
+                    <p:cTn id="3" fill="hold">
+                      <p:stCondLst>
+                        <p:cond delay="indefinite"/>
+                      </p:stCondLst>
+                      <p:childTnLst>
+                        <p:par>
+                          <p:cTn id="4" fill="hold">
+                            <p:stCondLst>
+                              <p:cond delay="0"/>
+                            </p:stCondLst>
+                            <p:childTnLst>
+                              <p:par>
+                                <p:cTn id="5" presetID="42" presetClass="entr" presetSubtype="0" fill="hold" nodeType="clickEffect">
+                                  <p:stCondLst>
+                                    <p:cond delay="0"/>
+                                  </p:stCondLst>
+                                  <p:childTnLst>
+                                    <p:set>
+                                      <p:cBhvr>
+                                        <p:cTn id="6" dur="1" fill="hold">
+                                          <p:stCondLst>
+                                            <p:cond delay="0"/>
+                                          </p:stCondLst>
+                                        </p:cTn>
+                                        <p:tgtEl>
+                                          <p:spTgt spid="6">
+                                            <p:txEl>
+                                              <p:pRg st="0" end="0"/>
+                                            </p:txEl>
+                                          </p:spTgt>
+                                        </p:tgtEl>
+                                        <p:attrNameLst>
+                                          <p:attrName>style.visibility</p:attrName>
+                                        </p:attrNameLst>
+                                      </p:cBhvr>
+                                      <p:to>
+                                        <p:strVal val="visible"/>
+                                      </p:to>
+                                    </p:set>
+                                    <p:animEffect transition="in" filter="fade">
+                                      <p:cBhvr>
+                                        <p:cTn id="7" dur="1000"/>
+                                        <p:tgtEl>
+                                          <p:spTgt spid="6">
+                                            <p:txEl>
+                                              <p:pRg st="0" end="0"/>
+                                            </p:txEl>
+                                          </p:spTgt>
+                                        </p:tgtEl>
+                                      </p:cBhvr>
+                                    </p:animEffect>
+                                    <p:anim calcmode="lin" valueType="num">
+                                      <p:cBhvr>
+                                        <p:cTn id="8" dur="1000" fill="hold"/>
+                                        <p:tgtEl>
+                                          <p:spTgt spid="6">
+                                            <p:txEl>
+                                              <p:pRg st="0" end="0"/>
+                                            </p:txEl>
+                                          </p:spTgt>
+                                        </p:tgtEl>
+                                        <p:attrNameLst>
+                                          <p:attrName>ppt_x</p:attrName>
+                                        </p:attrNameLst>
+                                      </p:cBhvr>
+                                      <p:tavLst>
+                                        <p:tav tm="0">
+                                          <p:val>
+                                            <p:strVal val="#ppt_x"/>
+                                          </p:val>
+                                        </p:tav>
+                                        <p:tav tm="100000">
+                                          <p:val>
+                                            <p:strVal val="#ppt_x"/>
+                                          </p:val>
+                                        </p:tav>
+                                      </p:tavLst>
+                                    </p:anim>
+                                    <p:anim calcmode="lin" valueType="num">
+                                      <p:cBhvr>
+                                        <p:cTn id="9" dur="1000" fill="hold"/>
+                                        <p:tgtEl>
+                                          <p:spTgt spid="6">
+                                            <p:txEl>
+                                              <p:pRg st="0" end="0"/>
+                                            </p:txEl>
+                                          </p:spTgt>
+                                        </p:tgtEl>
+                                        <p:attrNameLst>
+                                          <p:attrName>ppt_y</p:attrName>
+                                        </p:attrNameLst>
+                                      </p:cBhvr>
+                                      <p:tavLst>
+                                        <p:tav tm="0">
+                                          <p:val>
+                                            <p:strVal val="#ppt_y+.1"/>
+                                          </p:val>
+                                        </p:tav>
+                                        <p:tav tm="100000">
+                                          <p:val>
+                                            <p:strVal val="#ppt_y"/>
+                                          </p:val>
+                                        </p:tav>
+                                      </p:tavLst>
+                                    </p:anim>
+                                  </p:childTnLst>
+                                </p:cTn>
+                              </p:par>
+                            </p:childTnLst>
+                          </p:cTn>
+                        </p:par>
+                      </p:childTnLst>
+                    </p:cTn>
+                  </p:par>
+                  <p:par>
+                    <p:cTn id="10" fill="hold">
+                      <p:stCondLst>
+                        <p:cond delay="indefinite"/>
+                      </p:stCondLst>
+                      <p:childTnLst>
+                        <p:par>
+                          <p:cTn id="11" fill="hold">
+                            <p:stCondLst>
+                              <p:cond delay="0"/>
+                            </p:stCondLst>
+                            <p:childTnLst>
+                              <p:par>
+                                <p:cTn id="12" presetID="42" presetClass="entr" presetSubtype="0" fill="hold" nodeType="clickEffect">
+                                  <p:stCondLst>
+                                    <p:cond delay="0"/>
+                                  </p:stCondLst>
+                                  <p:childTnLst>
+                                    <p:set>
+                                      <p:cBhvr>
+                                        <p:cTn id="13" dur="1" fill="hold">
+                                          <p:stCondLst>
+                                            <p:cond delay="0"/>
+                                          </p:stCondLst>
+                                        </p:cTn>
+                                        <p:tgtEl>
+                                          <p:spTgt spid="6">
+                                            <p:txEl>
+                                              <p:pRg st="2" end="2"/>
+                                            </p:txEl>
+                                          </p:spTgt>
+                                        </p:tgtEl>
+                                        <p:attrNameLst>
+                                          <p:attrName>style.visibility</p:attrName>
+                                        </p:attrNameLst>
+                                      </p:cBhvr>
+                                      <p:to>
+                                        <p:strVal val="visible"/>
+                                      </p:to>
+                                    </p:set>
+                                    <p:animEffect transition="in" filter="fade">
+                                      <p:cBhvr>
+                                        <p:cTn id="14" dur="1000"/>
+                                        <p:tgtEl>
+                                          <p:spTgt spid="6">
+                                            <p:txEl>
+                                              <p:pRg st="2" end="2"/>
+                                            </p:txEl>
+                                          </p:spTgt>
+                                        </p:tgtEl>
+                                      </p:cBhvr>
+                                    </p:animEffect>
+                                    <p:anim calcmode="lin" valueType="num">
+                                      <p:cBhvr>
+                                        <p:cTn id="15" dur="1000" fill="hold"/>
+                                        <p:tgtEl>
+                                          <p:spTgt spid="6">
+                                            <p:txEl>
+                                              <p:pRg st="2" end="2"/>
+                                            </p:txEl>
+                                          </p:spTgt>
+                                        </p:tgtEl>
+                                        <p:attrNameLst>
+                                          <p:attrName>ppt_x</p:attrName>
+                                        </p:attrNameLst>
+                                      </p:cBhvr>
+                                      <p:tavLst>
+                                        <p:tav tm="0">
+                                          <p:val>
+                                            <p:strVal val="#ppt_x"/>
+                                          </p:val>
+                                        </p:tav>
+                                        <p:tav tm="100000">
+                                          <p:val>
+                                            <p:strVal val="#ppt_x"/>
+                                          </p:val>
+                                        </p:tav>
+                                      </p:tavLst>
+                                    </p:anim>
+                                    <p:anim calcmode="lin" valueType="num">
+                                      <p:cBhvr>
+                                        <p:cTn id="16" dur="1000" fill="hold"/>
+                                        <p:tgtEl>
+                                          <p:spTgt spid="6">
+                                            <p:txEl>
+                                              <p:pRg st="2" end="2"/>
+                                            </p:txEl>
+                                          </p:spTgt>
+                                        </p:tgtEl>
+                                        <p:attrNameLst>
+                                          <p:attrName>ppt_y</p:attrName>
+                                        </p:attrNameLst>
+                                      </p:cBhvr>
+                                      <p:tavLst>
+                                        <p:tav tm="0">
+                                          <p:val>
+                                            <p:strVal val="#ppt_y+.1"/>
+                                          </p:val>
+                                        </p:tav>
+                                        <p:tav tm="100000">
+                                          <p:val>
+                                            <p:strVal val="#ppt_y"/>
+                                          </p:val>
+                                        </p:tav>
+                                      </p:tavLst>
+                                    </p:anim>
+                                  </p:childTnLst>
+                                </p:cTn>
+                              </p:par>
+                            </p:childTnLst>
+                          </p:cTn>
+                        </p:par>
+                      </p:childTnLst>
+                    </p:cTn>
+                  </p:par>
+                </p:childTnLst>
+              </p:cTn>
+              <p:prevCondLst>
+                <p:cond evt="onPrev" delay="0">
+                  <p:tgtEl>
+                    <p:sldTgt/>
+                  </p:tgtEl>
+                </p:cond>
+              </p:prevCondLst>
+              <p:nextCondLst>
+                <p:cond evt="onNext" delay="0">
+                  <p:tgtEl>
+                    <p:sldTgt/>
+                  </p:tgtEl>
+                </p:cond>
+              </p:nextCondLst>
+            </p:seq>
+          </p:childTnLst>
+        </p:cTn>
+      </p:par>
+    </p:tnLst>
+  </p:timing>
+</p:sld>
+</file>
+
+<file path=ppt/slides/slide18.xml><?xml version="1.0" encoding="utf-8"?>
+<p:sld xmlns:a="http://schemas.openxmlformats.org/drawingml/2006/main" xmlns:r="http://schemas.openxmlformats.org/officeDocument/2006/relationships" xmlns:p="http://schemas.openxmlformats.org/presentationml/2006/main">
+  <p:cSld>
+    <p:spTree>
+      <p:nvGrpSpPr>
+        <p:cNvPr id="1" name=""/>
+        <p:cNvGrpSpPr/>
+        <p:nvPr/>
+      </p:nvGrpSpPr>
+      <p:grpSpPr>
+        <a:xfrm>
+          <a:off x="0" y="0"/>
+          <a:ext cx="0" cy="0"/>
+          <a:chOff x="0" y="0"/>
+          <a:chExt cx="0" cy="0"/>
+        </a:xfrm>
+      </p:grpSpPr>
+      <p:sp>
+        <p:nvSpPr>
+          <p:cNvPr id="2" name="Заголовок 1"/>
+          <p:cNvSpPr>
+            <a:spLocks noGrp="1"/>
+          </p:cNvSpPr>
+          <p:nvPr>
+            <p:ph type="title"/>
+          </p:nvPr>
+        </p:nvSpPr>
+        <p:spPr/>
+        <p:txBody>
+          <a:bodyPr/>
+          <a:lstStyle/>
+          <a:p>
+            <a:r>
+              <a:rPr lang="ru-RU" dirty="0" smtClean="0">
+                <a:latin typeface="Tahoma" pitchFamily="34" charset="0"/>
+                <a:ea typeface="Tahoma" pitchFamily="34" charset="0"/>
+                <a:cs typeface="Tahoma" pitchFamily="34" charset="0"/>
+              </a:rPr>
+              <a:t>Источники</a:t>
+            </a:r>
+            <a:endParaRPr lang="ru-RU" dirty="0">
+              <a:latin typeface="Tahoma" pitchFamily="34" charset="0"/>
+              <a:ea typeface="Tahoma" pitchFamily="34" charset="0"/>
+              <a:cs typeface="Tahoma" pitchFamily="34" charset="0"/>
+            </a:endParaRPr>
+          </a:p>
+        </p:txBody>
+      </p:sp>
+      <p:sp>
+        <p:nvSpPr>
+          <p:cNvPr id="6" name="TextBox 5"/>
+          <p:cNvSpPr txBox="1"/>
+          <p:nvPr/>
+        </p:nvSpPr>
+        <p:spPr>
+          <a:xfrm>
+            <a:off x="357158" y="1785926"/>
+            <a:ext cx="8429684" cy="3108543"/>
+          </a:xfrm>
+          <a:prstGeom prst="rect">
+            <a:avLst/>
+          </a:prstGeom>
+          <a:noFill/>
+        </p:spPr>
+        <p:txBody>
+          <a:bodyPr wrap="square" rtlCol="0">
+            <a:spAutoFit/>
+          </a:bodyPr>
+          <a:lstStyle/>
+          <a:p>
+            <a:r>
               <a:rPr lang="en-US" sz="2800" dirty="0" smtClean="0">
                 <a:hlinkClick r:id="rId2"/>
               </a:rPr>
@@ -4053,8 +11507,36 @@
                 <a:ea typeface="Tahoma" pitchFamily="34" charset="0"/>
                 <a:cs typeface="Tahoma" pitchFamily="34" charset="0"/>
               </a:rPr>
-              <a:t>Михаил Гук – «Аппаратные интерфейсы ПК»</a:t>
+              <a:t>Михаил Гук – «Аппаратные интерфейсы ПК</a:t>
             </a:r>
+            <a:r>
+              <a:rPr lang="ru-RU" sz="2800" dirty="0" smtClean="0">
+                <a:latin typeface="Tahoma" pitchFamily="34" charset="0"/>
+                <a:ea typeface="Tahoma" pitchFamily="34" charset="0"/>
+                <a:cs typeface="Tahoma" pitchFamily="34" charset="0"/>
+              </a:rPr>
+              <a:t>»</a:t>
+            </a:r>
+          </a:p>
+          <a:p>
+            <a:endParaRPr lang="ru-RU" sz="2800" dirty="0" smtClean="0">
+              <a:latin typeface="Tahoma" pitchFamily="34" charset="0"/>
+              <a:ea typeface="Tahoma" pitchFamily="34" charset="0"/>
+              <a:cs typeface="Tahoma" pitchFamily="34" charset="0"/>
+            </a:endParaRPr>
+          </a:p>
+          <a:p>
+            <a:r>
+              <a:rPr lang="en-US" sz="2800" dirty="0" smtClean="0">
+                <a:hlinkClick r:id="rId4"/>
+              </a:rPr>
+              <a:t>http://acust.narod.ru/files/books/USB1394.pdf</a:t>
+            </a:r>
+            <a:endParaRPr lang="ru-RU" sz="2800" dirty="0" smtClean="0">
+              <a:latin typeface="Tahoma" pitchFamily="34" charset="0"/>
+              <a:ea typeface="Tahoma" pitchFamily="34" charset="0"/>
+              <a:cs typeface="Tahoma" pitchFamily="34" charset="0"/>
+            </a:endParaRPr>
           </a:p>
         </p:txBody>
       </p:sp>
@@ -10116,8 +17598,13 @@
                 <a:ea typeface="Tahoma" pitchFamily="34" charset="0"/>
                 <a:cs typeface="Tahoma" pitchFamily="34" charset="0"/>
               </a:rPr>
-              <a:t>9pin</a:t>
+              <a:t>9 pin</a:t>
             </a:r>
+            <a:endParaRPr lang="en-US" sz="2800" b="1" u="sng" dirty="0" smtClean="0">
+              <a:latin typeface="Tahoma" pitchFamily="34" charset="0"/>
+              <a:ea typeface="Tahoma" pitchFamily="34" charset="0"/>
+              <a:cs typeface="Tahoma" pitchFamily="34" charset="0"/>
+            </a:endParaRPr>
           </a:p>
           <a:p>
             <a:endParaRPr lang="en-US" sz="2800" b="1" u="sng" dirty="0">
@@ -10359,7 +17846,9 @@
   <p:clrMapOvr>
     <a:masterClrMapping/>
   </p:clrMapOvr>
-  <p:transition/>
+  <p:transition>
+    <p:wipe/>
+  </p:transition>
   <p:timing>
     <p:tnLst>
       <p:par>

--- a/FireWire.pptx
+++ b/FireWire.pptx
@@ -20,9 +20,11 @@
     <p:sldId id="271" r:id="rId14"/>
     <p:sldId id="272" r:id="rId15"/>
     <p:sldId id="273" r:id="rId16"/>
-    <p:sldId id="274" r:id="rId17"/>
-    <p:sldId id="275" r:id="rId18"/>
-    <p:sldId id="259" r:id="rId19"/>
+    <p:sldId id="276" r:id="rId17"/>
+    <p:sldId id="277" r:id="rId18"/>
+    <p:sldId id="274" r:id="rId19"/>
+    <p:sldId id="275" r:id="rId20"/>
+    <p:sldId id="259" r:id="rId21"/>
   </p:sldIdLst>
   <p:sldSz cx="9144000" cy="6858000" type="screen4x3"/>
   <p:notesSz cx="6858000" cy="9144000"/>
@@ -10281,7 +10283,7 @@
         <p:spPr/>
         <p:txBody>
           <a:bodyPr>
-            <a:normAutofit/>
+            <a:normAutofit fontScale="90000"/>
           </a:bodyPr>
           <a:lstStyle/>
           <a:p>
@@ -10291,7 +10293,7 @@
                 <a:ea typeface="Tahoma" pitchFamily="34" charset="0"/>
                 <a:cs typeface="Tahoma" pitchFamily="34" charset="0"/>
               </a:rPr>
-              <a:t>Ограничения на топологию</a:t>
+              <a:t>Арбитраж на физическом уровне</a:t>
             </a:r>
             <a:endParaRPr lang="ru-RU" dirty="0">
               <a:latin typeface="Tahoma" pitchFamily="34" charset="0"/>
@@ -10310,7 +10312,7 @@
         <p:spPr>
           <a:xfrm>
             <a:off x="357158" y="1785926"/>
-            <a:ext cx="8429684" cy="4832092"/>
+            <a:ext cx="8429684" cy="2246769"/>
           </a:xfrm>
           <a:prstGeom prst="rect">
             <a:avLst/>
@@ -10324,21 +10326,29 @@
           <a:lstStyle/>
           <a:p>
             <a:r>
-              <a:rPr lang="ru-RU" sz="2800" dirty="0" smtClean="0">
+              <a:rPr lang="en-US" sz="2800" b="1" u="sng" dirty="0" smtClean="0">
                 <a:latin typeface="Tahoma" pitchFamily="34" charset="0"/>
                 <a:ea typeface="Tahoma" pitchFamily="34" charset="0"/>
                 <a:cs typeface="Tahoma" pitchFamily="34" charset="0"/>
               </a:rPr>
-              <a:t>До 27 разъемов на одном устройстве</a:t>
+              <a:t>Bus initialization</a:t>
             </a:r>
-            <a:endParaRPr lang="ru-RU" sz="2800" dirty="0" smtClean="0">
+            <a:endParaRPr lang="ru-RU" sz="2800" b="1" u="sng" dirty="0" smtClean="0">
               <a:latin typeface="Tahoma" pitchFamily="34" charset="0"/>
               <a:ea typeface="Tahoma" pitchFamily="34" charset="0"/>
               <a:cs typeface="Tahoma" pitchFamily="34" charset="0"/>
             </a:endParaRPr>
           </a:p>
           <a:p>
-            <a:endParaRPr lang="ru-RU" sz="2800" dirty="0" smtClean="0">
+            <a:r>
+              <a:rPr lang="en-US" sz="2800" b="1" u="sng" dirty="0" smtClean="0">
+                <a:latin typeface="Tahoma" pitchFamily="34" charset="0"/>
+                <a:ea typeface="Tahoma" pitchFamily="34" charset="0"/>
+                <a:cs typeface="Tahoma" pitchFamily="34" charset="0"/>
+              </a:rPr>
+              <a:t>Tree identification</a:t>
+            </a:r>
+            <a:endParaRPr lang="ru-RU" sz="2800" b="1" u="sng" dirty="0" smtClean="0">
               <a:latin typeface="Tahoma" pitchFamily="34" charset="0"/>
               <a:ea typeface="Tahoma" pitchFamily="34" charset="0"/>
               <a:cs typeface="Tahoma" pitchFamily="34" charset="0"/>
@@ -10346,16 +10356,16 @@
           </a:p>
           <a:p>
             <a:r>
-              <a:rPr lang="ru-RU" sz="2800" dirty="0" smtClean="0">
+              <a:rPr lang="en-US" sz="2800" b="1" u="sng" dirty="0" smtClean="0">
                 <a:latin typeface="Tahoma" pitchFamily="34" charset="0"/>
                 <a:ea typeface="Tahoma" pitchFamily="34" charset="0"/>
                 <a:cs typeface="Tahoma" pitchFamily="34" charset="0"/>
               </a:rPr>
-              <a:t>Максимальное расстояние между двумя узлами – 16 кабельных сегментов</a:t>
+              <a:t>Self identification</a:t>
             </a:r>
           </a:p>
           <a:p>
-            <a:endParaRPr lang="ru-RU" sz="2800" dirty="0" smtClean="0">
+            <a:endParaRPr lang="en-US" sz="2800" b="1" u="sng" dirty="0" smtClean="0">
               <a:latin typeface="Tahoma" pitchFamily="34" charset="0"/>
               <a:ea typeface="Tahoma" pitchFamily="34" charset="0"/>
               <a:cs typeface="Tahoma" pitchFamily="34" charset="0"/>
@@ -10363,50 +10373,382 @@
           </a:p>
           <a:p>
             <a:r>
-              <a:rPr lang="ru-RU" sz="2800" dirty="0" smtClean="0">
+              <a:rPr lang="ru-RU" sz="2800" b="1" u="sng" dirty="0" smtClean="0">
                 <a:latin typeface="Tahoma" pitchFamily="34" charset="0"/>
                 <a:ea typeface="Tahoma" pitchFamily="34" charset="0"/>
                 <a:cs typeface="Tahoma" pitchFamily="34" charset="0"/>
               </a:rPr>
-              <a:t>Длина одного сегмента не превышает 4.5 метра</a:t>
+              <a:t>Арбитраж</a:t>
             </a:r>
-          </a:p>
-          <a:p>
-            <a:endParaRPr lang="ru-RU" sz="2800" dirty="0" smtClean="0">
+            <a:endParaRPr lang="en-US" sz="2800" b="1" u="sng" dirty="0" smtClean="0">
               <a:latin typeface="Tahoma" pitchFamily="34" charset="0"/>
               <a:ea typeface="Tahoma" pitchFamily="34" charset="0"/>
               <a:cs typeface="Tahoma" pitchFamily="34" charset="0"/>
             </a:endParaRPr>
           </a:p>
-          <a:p>
-            <a:r>
-              <a:rPr lang="ru-RU" sz="2800" dirty="0" smtClean="0">
-                <a:latin typeface="Tahoma" pitchFamily="34" charset="0"/>
-                <a:ea typeface="Tahoma" pitchFamily="34" charset="0"/>
-                <a:cs typeface="Tahoma" pitchFamily="34" charset="0"/>
-              </a:rPr>
-              <a:t>Суммарная длина кабеля не должна превышать 72 метра</a:t>
-            </a:r>
-          </a:p>
-          <a:p>
-            <a:endParaRPr lang="ru-RU" sz="2800" dirty="0" smtClean="0">
-              <a:latin typeface="Tahoma" pitchFamily="34" charset="0"/>
-              <a:ea typeface="Tahoma" pitchFamily="34" charset="0"/>
-              <a:cs typeface="Tahoma" pitchFamily="34" charset="0"/>
-            </a:endParaRPr>
-          </a:p>
-          <a:p>
-            <a:r>
-              <a:rPr lang="ru-RU" sz="2800" dirty="0" smtClean="0">
-                <a:latin typeface="Tahoma" pitchFamily="34" charset="0"/>
-                <a:ea typeface="Tahoma" pitchFamily="34" charset="0"/>
-                <a:cs typeface="Tahoma" pitchFamily="34" charset="0"/>
-              </a:rPr>
-              <a:t>Отсутствие петель</a:t>
-            </a:r>
-          </a:p>
         </p:txBody>
       </p:sp>
+      <p:graphicFrame>
+        <p:nvGraphicFramePr>
+          <p:cNvPr id="5" name="Таблица 4"/>
+          <p:cNvGraphicFramePr>
+            <a:graphicFrameLocks noGrp="1"/>
+          </p:cNvGraphicFramePr>
+          <p:nvPr/>
+        </p:nvGraphicFramePr>
+        <p:xfrm>
+          <a:off x="285720" y="4286256"/>
+          <a:ext cx="8572561" cy="2071702"/>
+        </p:xfrm>
+        <a:graphic>
+          <a:graphicData uri="http://schemas.openxmlformats.org/drawingml/2006/table">
+            <a:tbl>
+              <a:tblPr firstRow="1" bandRow="1"/>
+              <a:tblGrid>
+                <a:gridCol w="5328889"/>
+                <a:gridCol w="1621836"/>
+                <a:gridCol w="1621836"/>
+              </a:tblGrid>
+              <a:tr h="428627">
+                <a:tc>
+                  <a:txBody>
+                    <a:bodyPr/>
+                    <a:lstStyle/>
+                    <a:p>
+                      <a:pPr algn="ctr"/>
+                      <a:r>
+                        <a:rPr lang="ru-RU" sz="2400" dirty="0" smtClean="0">
+                          <a:latin typeface="Tahoma" pitchFamily="34" charset="0"/>
+                          <a:ea typeface="Tahoma" pitchFamily="34" charset="0"/>
+                          <a:cs typeface="Tahoma" pitchFamily="34" charset="0"/>
+                        </a:rPr>
+                        <a:t>Сигнал</a:t>
+                      </a:r>
+                      <a:endParaRPr lang="ru-RU" sz="2400" dirty="0">
+                        <a:latin typeface="Tahoma" pitchFamily="34" charset="0"/>
+                        <a:ea typeface="Tahoma" pitchFamily="34" charset="0"/>
+                        <a:cs typeface="Tahoma" pitchFamily="34" charset="0"/>
+                      </a:endParaRPr>
+                    </a:p>
+                  </a:txBody>
+                  <a:tcPr anchor="ctr"/>
+                </a:tc>
+                <a:tc>
+                  <a:txBody>
+                    <a:bodyPr/>
+                    <a:lstStyle/>
+                    <a:p>
+                      <a:pPr algn="ctr"/>
+                      <a:r>
+                        <a:rPr lang="en-US" sz="2400" dirty="0" smtClean="0">
+                          <a:solidFill>
+                            <a:schemeClr val="tx1"/>
+                          </a:solidFill>
+                          <a:latin typeface="Tahoma" pitchFamily="34" charset="0"/>
+                          <a:ea typeface="Tahoma" pitchFamily="34" charset="0"/>
+                          <a:cs typeface="Tahoma" pitchFamily="34" charset="0"/>
+                        </a:rPr>
+                        <a:t>TPA</a:t>
+                      </a:r>
+                      <a:endParaRPr lang="ru-RU" sz="2400" dirty="0">
+                        <a:solidFill>
+                          <a:schemeClr val="tx1"/>
+                        </a:solidFill>
+                        <a:latin typeface="Tahoma" pitchFamily="34" charset="0"/>
+                        <a:ea typeface="Tahoma" pitchFamily="34" charset="0"/>
+                        <a:cs typeface="Tahoma" pitchFamily="34" charset="0"/>
+                      </a:endParaRPr>
+                    </a:p>
+                  </a:txBody>
+                  <a:tcPr anchor="ctr"/>
+                </a:tc>
+                <a:tc>
+                  <a:txBody>
+                    <a:bodyPr/>
+                    <a:lstStyle/>
+                    <a:p>
+                      <a:pPr algn="ctr"/>
+                      <a:r>
+                        <a:rPr lang="en-US" sz="2400" dirty="0" smtClean="0">
+                          <a:solidFill>
+                            <a:schemeClr val="tx1"/>
+                          </a:solidFill>
+                          <a:latin typeface="Tahoma" pitchFamily="34" charset="0"/>
+                          <a:ea typeface="Tahoma" pitchFamily="34" charset="0"/>
+                          <a:cs typeface="Tahoma" pitchFamily="34" charset="0"/>
+                        </a:rPr>
+                        <a:t>TPB</a:t>
+                      </a:r>
+                      <a:endParaRPr lang="ru-RU" sz="2400" dirty="0">
+                        <a:solidFill>
+                          <a:schemeClr val="tx1"/>
+                        </a:solidFill>
+                        <a:latin typeface="Tahoma" pitchFamily="34" charset="0"/>
+                        <a:ea typeface="Tahoma" pitchFamily="34" charset="0"/>
+                        <a:cs typeface="Tahoma" pitchFamily="34" charset="0"/>
+                      </a:endParaRPr>
+                    </a:p>
+                  </a:txBody>
+                  <a:tcPr anchor="ctr"/>
+                </a:tc>
+              </a:tr>
+              <a:tr h="542932">
+                <a:tc>
+                  <a:txBody>
+                    <a:bodyPr/>
+                    <a:lstStyle/>
+                    <a:p>
+                      <a:pPr marL="0" marR="0" indent="0" algn="ctr" defTabSz="914400" rtl="0" eaLnBrk="1" fontAlgn="auto" latinLnBrk="0" hangingPunct="1">
+                        <a:lnSpc>
+                          <a:spcPct val="100000"/>
+                        </a:lnSpc>
+                        <a:spcBef>
+                          <a:spcPts val="0"/>
+                        </a:spcBef>
+                        <a:spcAft>
+                          <a:spcPts val="0"/>
+                        </a:spcAft>
+                        <a:buClrTx/>
+                        <a:buSzTx/>
+                        <a:buFontTx/>
+                        <a:buNone/>
+                        <a:tabLst/>
+                        <a:defRPr/>
+                      </a:pPr>
+                      <a:r>
+                        <a:rPr lang="ru-RU" sz="2400" u="none" dirty="0" smtClean="0">
+                          <a:latin typeface="Tahoma" pitchFamily="34" charset="0"/>
+                          <a:ea typeface="Tahoma" pitchFamily="34" charset="0"/>
+                          <a:cs typeface="Tahoma" pitchFamily="34" charset="0"/>
+                        </a:rPr>
+                        <a:t>Захват шины (</a:t>
+                      </a:r>
+                      <a:r>
+                        <a:rPr lang="en-US" sz="2400" u="none" dirty="0" smtClean="0">
+                          <a:latin typeface="Tahoma" pitchFamily="34" charset="0"/>
+                          <a:ea typeface="Tahoma" pitchFamily="34" charset="0"/>
+                          <a:cs typeface="Tahoma" pitchFamily="34" charset="0"/>
+                        </a:rPr>
+                        <a:t>TX_REQUEST)</a:t>
+                      </a:r>
+                      <a:endParaRPr lang="ru-RU" sz="2400" b="1" u="none" dirty="0">
+                        <a:latin typeface="Tahoma" pitchFamily="34" charset="0"/>
+                        <a:ea typeface="Tahoma" pitchFamily="34" charset="0"/>
+                        <a:cs typeface="Tahoma" pitchFamily="34" charset="0"/>
+                      </a:endParaRPr>
+                    </a:p>
+                  </a:txBody>
+                  <a:tcPr anchor="ctr"/>
+                </a:tc>
+                <a:tc>
+                  <a:txBody>
+                    <a:bodyPr/>
+                    <a:lstStyle/>
+                    <a:p>
+                      <a:pPr algn="ctr"/>
+                      <a:r>
+                        <a:rPr lang="en-US" sz="2400" dirty="0" smtClean="0">
+                          <a:latin typeface="Tahoma" pitchFamily="34" charset="0"/>
+                          <a:ea typeface="Tahoma" pitchFamily="34" charset="0"/>
+                          <a:cs typeface="Tahoma" pitchFamily="34" charset="0"/>
+                        </a:rPr>
+                        <a:t>*</a:t>
+                      </a:r>
+                      <a:endParaRPr lang="ru-RU" sz="2400" dirty="0">
+                        <a:latin typeface="Tahoma" pitchFamily="34" charset="0"/>
+                        <a:ea typeface="Tahoma" pitchFamily="34" charset="0"/>
+                        <a:cs typeface="Tahoma" pitchFamily="34" charset="0"/>
+                      </a:endParaRPr>
+                    </a:p>
+                  </a:txBody>
+                  <a:tcPr anchor="ctr"/>
+                </a:tc>
+                <a:tc>
+                  <a:txBody>
+                    <a:bodyPr/>
+                    <a:lstStyle/>
+                    <a:p>
+                      <a:pPr algn="ctr"/>
+                      <a:r>
+                        <a:rPr lang="en-US" sz="2400" dirty="0" smtClean="0">
+                          <a:latin typeface="Tahoma" pitchFamily="34" charset="0"/>
+                          <a:ea typeface="Tahoma" pitchFamily="34" charset="0"/>
+                          <a:cs typeface="Tahoma" pitchFamily="34" charset="0"/>
+                        </a:rPr>
+                        <a:t>0</a:t>
+                      </a:r>
+                      <a:endParaRPr lang="ru-RU" sz="2400" dirty="0">
+                        <a:latin typeface="Tahoma" pitchFamily="34" charset="0"/>
+                        <a:ea typeface="Tahoma" pitchFamily="34" charset="0"/>
+                        <a:cs typeface="Tahoma" pitchFamily="34" charset="0"/>
+                      </a:endParaRPr>
+                    </a:p>
+                  </a:txBody>
+                  <a:tcPr anchor="ctr"/>
+                </a:tc>
+              </a:tr>
+              <a:tr h="571504">
+                <a:tc>
+                  <a:txBody>
+                    <a:bodyPr/>
+                    <a:lstStyle/>
+                    <a:p>
+                      <a:pPr algn="ctr"/>
+                      <a:r>
+                        <a:rPr lang="ru-RU" sz="2400" u="none" dirty="0" smtClean="0">
+                          <a:latin typeface="Tahoma" pitchFamily="34" charset="0"/>
+                          <a:ea typeface="Tahoma" pitchFamily="34" charset="0"/>
+                          <a:cs typeface="Tahoma" pitchFamily="34" charset="0"/>
+                        </a:rPr>
+                        <a:t>Подтверждение</a:t>
+                      </a:r>
+                      <a:r>
+                        <a:rPr lang="en-US" sz="2400" u="none" dirty="0" smtClean="0">
+                          <a:latin typeface="Tahoma" pitchFamily="34" charset="0"/>
+                          <a:ea typeface="Tahoma" pitchFamily="34" charset="0"/>
+                          <a:cs typeface="Tahoma" pitchFamily="34" charset="0"/>
+                        </a:rPr>
+                        <a:t> (TX_GRANT)</a:t>
+                      </a:r>
+                      <a:endParaRPr lang="ru-RU" sz="2400" u="sng" dirty="0">
+                        <a:latin typeface="Tahoma" pitchFamily="34" charset="0"/>
+                        <a:ea typeface="Tahoma" pitchFamily="34" charset="0"/>
+                        <a:cs typeface="Tahoma" pitchFamily="34" charset="0"/>
+                      </a:endParaRPr>
+                    </a:p>
+                  </a:txBody>
+                  <a:tcPr anchor="ctr"/>
+                </a:tc>
+                <a:tc>
+                  <a:txBody>
+                    <a:bodyPr/>
+                    <a:lstStyle/>
+                    <a:p>
+                      <a:pPr algn="ctr"/>
+                      <a:r>
+                        <a:rPr lang="en-US" sz="2400" dirty="0" smtClean="0">
+                          <a:latin typeface="Tahoma" pitchFamily="34" charset="0"/>
+                          <a:ea typeface="Tahoma" pitchFamily="34" charset="0"/>
+                          <a:cs typeface="Tahoma" pitchFamily="34" charset="0"/>
+                        </a:rPr>
+                        <a:t>*</a:t>
+                      </a:r>
+                      <a:endParaRPr lang="ru-RU" sz="2400" dirty="0">
+                        <a:latin typeface="Tahoma" pitchFamily="34" charset="0"/>
+                        <a:ea typeface="Tahoma" pitchFamily="34" charset="0"/>
+                        <a:cs typeface="Tahoma" pitchFamily="34" charset="0"/>
+                      </a:endParaRPr>
+                    </a:p>
+                  </a:txBody>
+                  <a:tcPr anchor="ctr"/>
+                </a:tc>
+                <a:tc>
+                  <a:txBody>
+                    <a:bodyPr/>
+                    <a:lstStyle/>
+                    <a:p>
+                      <a:pPr algn="ctr"/>
+                      <a:r>
+                        <a:rPr lang="en-US" sz="2400" dirty="0" smtClean="0">
+                          <a:latin typeface="Tahoma" pitchFamily="34" charset="0"/>
+                          <a:ea typeface="Tahoma" pitchFamily="34" charset="0"/>
+                          <a:cs typeface="Tahoma" pitchFamily="34" charset="0"/>
+                        </a:rPr>
+                        <a:t>0</a:t>
+                      </a:r>
+                      <a:endParaRPr lang="ru-RU" sz="2400" dirty="0">
+                        <a:latin typeface="Tahoma" pitchFamily="34" charset="0"/>
+                        <a:ea typeface="Tahoma" pitchFamily="34" charset="0"/>
+                        <a:cs typeface="Tahoma" pitchFamily="34" charset="0"/>
+                      </a:endParaRPr>
+                    </a:p>
+                  </a:txBody>
+                  <a:tcPr anchor="ctr"/>
+                </a:tc>
+              </a:tr>
+              <a:tr h="500066">
+                <a:tc>
+                  <a:txBody>
+                    <a:bodyPr/>
+                    <a:lstStyle/>
+                    <a:p>
+                      <a:pPr algn="ctr"/>
+                      <a:r>
+                        <a:rPr lang="ru-RU" sz="2400" u="none" dirty="0" smtClean="0">
+                          <a:latin typeface="Tahoma" pitchFamily="34" charset="0"/>
+                          <a:ea typeface="Tahoma" pitchFamily="34" charset="0"/>
+                          <a:cs typeface="Tahoma" pitchFamily="34" charset="0"/>
+                        </a:rPr>
+                        <a:t>Отмена</a:t>
+                      </a:r>
+                      <a:r>
+                        <a:rPr lang="en-US" sz="2400" u="none" dirty="0" smtClean="0">
+                          <a:latin typeface="Tahoma" pitchFamily="34" charset="0"/>
+                          <a:ea typeface="Tahoma" pitchFamily="34" charset="0"/>
+                          <a:cs typeface="Tahoma" pitchFamily="34" charset="0"/>
+                        </a:rPr>
+                        <a:t> (TX_DATA_PREFIX)</a:t>
+                      </a:r>
+                      <a:endParaRPr lang="ru-RU" sz="2400" u="none" dirty="0">
+                        <a:latin typeface="Tahoma" pitchFamily="34" charset="0"/>
+                        <a:ea typeface="Tahoma" pitchFamily="34" charset="0"/>
+                        <a:cs typeface="Tahoma" pitchFamily="34" charset="0"/>
+                      </a:endParaRPr>
+                    </a:p>
+                  </a:txBody>
+                  <a:tcPr anchor="ctr"/>
+                </a:tc>
+                <a:tc>
+                  <a:txBody>
+                    <a:bodyPr/>
+                    <a:lstStyle/>
+                    <a:p>
+                      <a:pPr algn="ctr"/>
+                      <a:r>
+                        <a:rPr lang="ru-RU" sz="2400" dirty="0" smtClean="0">
+                          <a:latin typeface="Tahoma" pitchFamily="34" charset="0"/>
+                          <a:ea typeface="Tahoma" pitchFamily="34" charset="0"/>
+                          <a:cs typeface="Tahoma" pitchFamily="34" charset="0"/>
+                        </a:rPr>
+                        <a:t>0</a:t>
+                      </a:r>
+                      <a:endParaRPr lang="ru-RU" sz="2400" dirty="0">
+                        <a:latin typeface="Tahoma" pitchFamily="34" charset="0"/>
+                        <a:ea typeface="Tahoma" pitchFamily="34" charset="0"/>
+                        <a:cs typeface="Tahoma" pitchFamily="34" charset="0"/>
+                      </a:endParaRPr>
+                    </a:p>
+                  </a:txBody>
+                  <a:tcPr anchor="ctr"/>
+                </a:tc>
+                <a:tc>
+                  <a:txBody>
+                    <a:bodyPr/>
+                    <a:lstStyle/>
+                    <a:p>
+                      <a:pPr algn="ctr"/>
+                      <a:r>
+                        <a:rPr lang="ru-RU" sz="2400" dirty="0" smtClean="0">
+                          <a:latin typeface="Tahoma" pitchFamily="34" charset="0"/>
+                          <a:ea typeface="Tahoma" pitchFamily="34" charset="0"/>
+                          <a:cs typeface="Tahoma" pitchFamily="34" charset="0"/>
+                        </a:rPr>
+                        <a:t>1</a:t>
+                      </a:r>
+                      <a:endParaRPr lang="ru-RU" sz="2400" dirty="0">
+                        <a:latin typeface="Tahoma" pitchFamily="34" charset="0"/>
+                        <a:ea typeface="Tahoma" pitchFamily="34" charset="0"/>
+                        <a:cs typeface="Tahoma" pitchFamily="34" charset="0"/>
+                      </a:endParaRPr>
+                    </a:p>
+                  </a:txBody>
+                  <a:tcPr anchor="ctr"/>
+                </a:tc>
+              </a:tr>
+            </a:tbl>
+          </a:graphicData>
+        </a:graphic>
+      </p:graphicFrame>
     </p:spTree>
   </p:cSld>
   <p:clrMapOvr>
@@ -10451,7 +10793,7 @@
                                         <p:tgtEl>
                                           <p:spTgt spid="6">
                                             <p:txEl>
-                                              <p:pRg st="0" end="0"/>
+                                              <p:pRg st="4" end="4"/>
                                             </p:txEl>
                                           </p:spTgt>
                                         </p:tgtEl>
@@ -10469,7 +10811,7 @@
                                         <p:tgtEl>
                                           <p:spTgt spid="6">
                                             <p:txEl>
-                                              <p:pRg st="0" end="0"/>
+                                              <p:pRg st="4" end="4"/>
                                             </p:txEl>
                                           </p:spTgt>
                                         </p:tgtEl>
@@ -10481,7 +10823,7 @@
                                         <p:tgtEl>
                                           <p:spTgt spid="6">
                                             <p:txEl>
-                                              <p:pRg st="0" end="0"/>
+                                              <p:pRg st="4" end="4"/>
                                             </p:txEl>
                                           </p:spTgt>
                                         </p:tgtEl>
@@ -10508,7 +10850,7 @@
                                         <p:tgtEl>
                                           <p:spTgt spid="6">
                                             <p:txEl>
-                                              <p:pRg st="0" end="0"/>
+                                              <p:pRg st="4" end="4"/>
                                             </p:txEl>
                                           </p:spTgt>
                                         </p:tgtEl>
@@ -10532,43 +10874,21 @@
                                   </p:childTnLst>
                                 </p:cTn>
                               </p:par>
-                            </p:childTnLst>
-                          </p:cTn>
-                        </p:par>
-                      </p:childTnLst>
-                    </p:cTn>
-                  </p:par>
-                  <p:par>
-                    <p:cTn id="10" fill="hold">
-                      <p:stCondLst>
-                        <p:cond delay="indefinite"/>
-                      </p:stCondLst>
-                      <p:childTnLst>
-                        <p:par>
-                          <p:cTn id="11" fill="hold">
-                            <p:stCondLst>
-                              <p:cond delay="0"/>
-                            </p:stCondLst>
-                            <p:childTnLst>
                               <p:par>
-                                <p:cTn id="12" presetID="42" presetClass="entr" presetSubtype="0" fill="hold" nodeType="clickEffect">
+                                <p:cTn id="10" presetID="42" presetClass="entr" presetSubtype="0" fill="hold" nodeType="withEffect">
                                   <p:stCondLst>
                                     <p:cond delay="0"/>
                                   </p:stCondLst>
                                   <p:childTnLst>
                                     <p:set>
                                       <p:cBhvr>
-                                        <p:cTn id="13" dur="1" fill="hold">
+                                        <p:cTn id="11" dur="1" fill="hold">
                                           <p:stCondLst>
                                             <p:cond delay="0"/>
                                           </p:stCondLst>
                                         </p:cTn>
                                         <p:tgtEl>
-                                          <p:spTgt spid="6">
-                                            <p:txEl>
-                                              <p:pRg st="2" end="2"/>
-                                            </p:txEl>
-                                          </p:spTgt>
+                                          <p:spTgt spid="5"/>
                                         </p:tgtEl>
                                         <p:attrNameLst>
                                           <p:attrName>style.visibility</p:attrName>
@@ -10580,25 +10900,17 @@
                                     </p:set>
                                     <p:animEffect transition="in" filter="fade">
                                       <p:cBhvr>
-                                        <p:cTn id="14" dur="1000"/>
-                                        <p:tgtEl>
-                                          <p:spTgt spid="6">
-                                            <p:txEl>
-                                              <p:pRg st="2" end="2"/>
-                                            </p:txEl>
-                                          </p:spTgt>
+                                        <p:cTn id="12" dur="1000"/>
+                                        <p:tgtEl>
+                                          <p:spTgt spid="5"/>
                                         </p:tgtEl>
                                       </p:cBhvr>
                                     </p:animEffect>
                                     <p:anim calcmode="lin" valueType="num">
                                       <p:cBhvr>
-                                        <p:cTn id="15" dur="1000" fill="hold"/>
-                                        <p:tgtEl>
-                                          <p:spTgt spid="6">
-                                            <p:txEl>
-                                              <p:pRg st="2" end="2"/>
-                                            </p:txEl>
-                                          </p:spTgt>
+                                        <p:cTn id="13" dur="1000" fill="hold"/>
+                                        <p:tgtEl>
+                                          <p:spTgt spid="5"/>
                                         </p:tgtEl>
                                         <p:attrNameLst>
                                           <p:attrName>ppt_x</p:attrName>
@@ -10619,358 +10931,9 @@
                                     </p:anim>
                                     <p:anim calcmode="lin" valueType="num">
                                       <p:cBhvr>
-                                        <p:cTn id="16" dur="1000" fill="hold"/>
-                                        <p:tgtEl>
-                                          <p:spTgt spid="6">
-                                            <p:txEl>
-                                              <p:pRg st="2" end="2"/>
-                                            </p:txEl>
-                                          </p:spTgt>
-                                        </p:tgtEl>
-                                        <p:attrNameLst>
-                                          <p:attrName>ppt_y</p:attrName>
-                                        </p:attrNameLst>
-                                      </p:cBhvr>
-                                      <p:tavLst>
-                                        <p:tav tm="0">
-                                          <p:val>
-                                            <p:strVal val="#ppt_y+.1"/>
-                                          </p:val>
-                                        </p:tav>
-                                        <p:tav tm="100000">
-                                          <p:val>
-                                            <p:strVal val="#ppt_y"/>
-                                          </p:val>
-                                        </p:tav>
-                                      </p:tavLst>
-                                    </p:anim>
-                                  </p:childTnLst>
-                                </p:cTn>
-                              </p:par>
-                            </p:childTnLst>
-                          </p:cTn>
-                        </p:par>
-                      </p:childTnLst>
-                    </p:cTn>
-                  </p:par>
-                  <p:par>
-                    <p:cTn id="17" fill="hold">
-                      <p:stCondLst>
-                        <p:cond delay="indefinite"/>
-                      </p:stCondLst>
-                      <p:childTnLst>
-                        <p:par>
-                          <p:cTn id="18" fill="hold">
-                            <p:stCondLst>
-                              <p:cond delay="0"/>
-                            </p:stCondLst>
-                            <p:childTnLst>
-                              <p:par>
-                                <p:cTn id="19" presetID="42" presetClass="entr" presetSubtype="0" fill="hold" nodeType="clickEffect">
-                                  <p:stCondLst>
-                                    <p:cond delay="0"/>
-                                  </p:stCondLst>
-                                  <p:childTnLst>
-                                    <p:set>
-                                      <p:cBhvr>
-                                        <p:cTn id="20" dur="1" fill="hold">
-                                          <p:stCondLst>
-                                            <p:cond delay="0"/>
-                                          </p:stCondLst>
-                                        </p:cTn>
-                                        <p:tgtEl>
-                                          <p:spTgt spid="6">
-                                            <p:txEl>
-                                              <p:pRg st="4" end="4"/>
-                                            </p:txEl>
-                                          </p:spTgt>
-                                        </p:tgtEl>
-                                        <p:attrNameLst>
-                                          <p:attrName>style.visibility</p:attrName>
-                                        </p:attrNameLst>
-                                      </p:cBhvr>
-                                      <p:to>
-                                        <p:strVal val="visible"/>
-                                      </p:to>
-                                    </p:set>
-                                    <p:animEffect transition="in" filter="fade">
-                                      <p:cBhvr>
-                                        <p:cTn id="21" dur="1000"/>
-                                        <p:tgtEl>
-                                          <p:spTgt spid="6">
-                                            <p:txEl>
-                                              <p:pRg st="4" end="4"/>
-                                            </p:txEl>
-                                          </p:spTgt>
-                                        </p:tgtEl>
-                                      </p:cBhvr>
-                                    </p:animEffect>
-                                    <p:anim calcmode="lin" valueType="num">
-                                      <p:cBhvr>
-                                        <p:cTn id="22" dur="1000" fill="hold"/>
-                                        <p:tgtEl>
-                                          <p:spTgt spid="6">
-                                            <p:txEl>
-                                              <p:pRg st="4" end="4"/>
-                                            </p:txEl>
-                                          </p:spTgt>
-                                        </p:tgtEl>
-                                        <p:attrNameLst>
-                                          <p:attrName>ppt_x</p:attrName>
-                                        </p:attrNameLst>
-                                      </p:cBhvr>
-                                      <p:tavLst>
-                                        <p:tav tm="0">
-                                          <p:val>
-                                            <p:strVal val="#ppt_x"/>
-                                          </p:val>
-                                        </p:tav>
-                                        <p:tav tm="100000">
-                                          <p:val>
-                                            <p:strVal val="#ppt_x"/>
-                                          </p:val>
-                                        </p:tav>
-                                      </p:tavLst>
-                                    </p:anim>
-                                    <p:anim calcmode="lin" valueType="num">
-                                      <p:cBhvr>
-                                        <p:cTn id="23" dur="1000" fill="hold"/>
-                                        <p:tgtEl>
-                                          <p:spTgt spid="6">
-                                            <p:txEl>
-                                              <p:pRg st="4" end="4"/>
-                                            </p:txEl>
-                                          </p:spTgt>
-                                        </p:tgtEl>
-                                        <p:attrNameLst>
-                                          <p:attrName>ppt_y</p:attrName>
-                                        </p:attrNameLst>
-                                      </p:cBhvr>
-                                      <p:tavLst>
-                                        <p:tav tm="0">
-                                          <p:val>
-                                            <p:strVal val="#ppt_y+.1"/>
-                                          </p:val>
-                                        </p:tav>
-                                        <p:tav tm="100000">
-                                          <p:val>
-                                            <p:strVal val="#ppt_y"/>
-                                          </p:val>
-                                        </p:tav>
-                                      </p:tavLst>
-                                    </p:anim>
-                                  </p:childTnLst>
-                                </p:cTn>
-                              </p:par>
-                            </p:childTnLst>
-                          </p:cTn>
-                        </p:par>
-                      </p:childTnLst>
-                    </p:cTn>
-                  </p:par>
-                  <p:par>
-                    <p:cTn id="24" fill="hold">
-                      <p:stCondLst>
-                        <p:cond delay="indefinite"/>
-                      </p:stCondLst>
-                      <p:childTnLst>
-                        <p:par>
-                          <p:cTn id="25" fill="hold">
-                            <p:stCondLst>
-                              <p:cond delay="0"/>
-                            </p:stCondLst>
-                            <p:childTnLst>
-                              <p:par>
-                                <p:cTn id="26" presetID="42" presetClass="entr" presetSubtype="0" fill="hold" nodeType="clickEffect">
-                                  <p:stCondLst>
-                                    <p:cond delay="0"/>
-                                  </p:stCondLst>
-                                  <p:childTnLst>
-                                    <p:set>
-                                      <p:cBhvr>
-                                        <p:cTn id="27" dur="1" fill="hold">
-                                          <p:stCondLst>
-                                            <p:cond delay="0"/>
-                                          </p:stCondLst>
-                                        </p:cTn>
-                                        <p:tgtEl>
-                                          <p:spTgt spid="6">
-                                            <p:txEl>
-                                              <p:pRg st="6" end="6"/>
-                                            </p:txEl>
-                                          </p:spTgt>
-                                        </p:tgtEl>
-                                        <p:attrNameLst>
-                                          <p:attrName>style.visibility</p:attrName>
-                                        </p:attrNameLst>
-                                      </p:cBhvr>
-                                      <p:to>
-                                        <p:strVal val="visible"/>
-                                      </p:to>
-                                    </p:set>
-                                    <p:animEffect transition="in" filter="fade">
-                                      <p:cBhvr>
-                                        <p:cTn id="28" dur="1000"/>
-                                        <p:tgtEl>
-                                          <p:spTgt spid="6">
-                                            <p:txEl>
-                                              <p:pRg st="6" end="6"/>
-                                            </p:txEl>
-                                          </p:spTgt>
-                                        </p:tgtEl>
-                                      </p:cBhvr>
-                                    </p:animEffect>
-                                    <p:anim calcmode="lin" valueType="num">
-                                      <p:cBhvr>
-                                        <p:cTn id="29" dur="1000" fill="hold"/>
-                                        <p:tgtEl>
-                                          <p:spTgt spid="6">
-                                            <p:txEl>
-                                              <p:pRg st="6" end="6"/>
-                                            </p:txEl>
-                                          </p:spTgt>
-                                        </p:tgtEl>
-                                        <p:attrNameLst>
-                                          <p:attrName>ppt_x</p:attrName>
-                                        </p:attrNameLst>
-                                      </p:cBhvr>
-                                      <p:tavLst>
-                                        <p:tav tm="0">
-                                          <p:val>
-                                            <p:strVal val="#ppt_x"/>
-                                          </p:val>
-                                        </p:tav>
-                                        <p:tav tm="100000">
-                                          <p:val>
-                                            <p:strVal val="#ppt_x"/>
-                                          </p:val>
-                                        </p:tav>
-                                      </p:tavLst>
-                                    </p:anim>
-                                    <p:anim calcmode="lin" valueType="num">
-                                      <p:cBhvr>
-                                        <p:cTn id="30" dur="1000" fill="hold"/>
-                                        <p:tgtEl>
-                                          <p:spTgt spid="6">
-                                            <p:txEl>
-                                              <p:pRg st="6" end="6"/>
-                                            </p:txEl>
-                                          </p:spTgt>
-                                        </p:tgtEl>
-                                        <p:attrNameLst>
-                                          <p:attrName>ppt_y</p:attrName>
-                                        </p:attrNameLst>
-                                      </p:cBhvr>
-                                      <p:tavLst>
-                                        <p:tav tm="0">
-                                          <p:val>
-                                            <p:strVal val="#ppt_y+.1"/>
-                                          </p:val>
-                                        </p:tav>
-                                        <p:tav tm="100000">
-                                          <p:val>
-                                            <p:strVal val="#ppt_y"/>
-                                          </p:val>
-                                        </p:tav>
-                                      </p:tavLst>
-                                    </p:anim>
-                                  </p:childTnLst>
-                                </p:cTn>
-                              </p:par>
-                            </p:childTnLst>
-                          </p:cTn>
-                        </p:par>
-                      </p:childTnLst>
-                    </p:cTn>
-                  </p:par>
-                  <p:par>
-                    <p:cTn id="31" fill="hold">
-                      <p:stCondLst>
-                        <p:cond delay="indefinite"/>
-                      </p:stCondLst>
-                      <p:childTnLst>
-                        <p:par>
-                          <p:cTn id="32" fill="hold">
-                            <p:stCondLst>
-                              <p:cond delay="0"/>
-                            </p:stCondLst>
-                            <p:childTnLst>
-                              <p:par>
-                                <p:cTn id="33" presetID="42" presetClass="entr" presetSubtype="0" fill="hold" nodeType="clickEffect">
-                                  <p:stCondLst>
-                                    <p:cond delay="0"/>
-                                  </p:stCondLst>
-                                  <p:childTnLst>
-                                    <p:set>
-                                      <p:cBhvr>
-                                        <p:cTn id="34" dur="1" fill="hold">
-                                          <p:stCondLst>
-                                            <p:cond delay="0"/>
-                                          </p:stCondLst>
-                                        </p:cTn>
-                                        <p:tgtEl>
-                                          <p:spTgt spid="6">
-                                            <p:txEl>
-                                              <p:pRg st="8" end="8"/>
-                                            </p:txEl>
-                                          </p:spTgt>
-                                        </p:tgtEl>
-                                        <p:attrNameLst>
-                                          <p:attrName>style.visibility</p:attrName>
-                                        </p:attrNameLst>
-                                      </p:cBhvr>
-                                      <p:to>
-                                        <p:strVal val="visible"/>
-                                      </p:to>
-                                    </p:set>
-                                    <p:animEffect transition="in" filter="fade">
-                                      <p:cBhvr>
-                                        <p:cTn id="35" dur="1000"/>
-                                        <p:tgtEl>
-                                          <p:spTgt spid="6">
-                                            <p:txEl>
-                                              <p:pRg st="8" end="8"/>
-                                            </p:txEl>
-                                          </p:spTgt>
-                                        </p:tgtEl>
-                                      </p:cBhvr>
-                                    </p:animEffect>
-                                    <p:anim calcmode="lin" valueType="num">
-                                      <p:cBhvr>
-                                        <p:cTn id="36" dur="1000" fill="hold"/>
-                                        <p:tgtEl>
-                                          <p:spTgt spid="6">
-                                            <p:txEl>
-                                              <p:pRg st="8" end="8"/>
-                                            </p:txEl>
-                                          </p:spTgt>
-                                        </p:tgtEl>
-                                        <p:attrNameLst>
-                                          <p:attrName>ppt_x</p:attrName>
-                                        </p:attrNameLst>
-                                      </p:cBhvr>
-                                      <p:tavLst>
-                                        <p:tav tm="0">
-                                          <p:val>
-                                            <p:strVal val="#ppt_x"/>
-                                          </p:val>
-                                        </p:tav>
-                                        <p:tav tm="100000">
-                                          <p:val>
-                                            <p:strVal val="#ppt_x"/>
-                                          </p:val>
-                                        </p:tav>
-                                      </p:tavLst>
-                                    </p:anim>
-                                    <p:anim calcmode="lin" valueType="num">
-                                      <p:cBhvr>
-                                        <p:cTn id="37" dur="1000" fill="hold"/>
-                                        <p:tgtEl>
-                                          <p:spTgt spid="6">
-                                            <p:txEl>
-                                              <p:pRg st="8" end="8"/>
-                                            </p:txEl>
-                                          </p:spTgt>
+                                        <p:cTn id="14" dur="1000" fill="hold"/>
+                                        <p:tgtEl>
+                                          <p:spTgt spid="5"/>
                                         </p:tgtEl>
                                         <p:attrNameLst>
                                           <p:attrName>ppt_y</p:attrName>
@@ -11063,6 +11026,827 @@
                 <a:ea typeface="Tahoma" pitchFamily="34" charset="0"/>
                 <a:cs typeface="Tahoma" pitchFamily="34" charset="0"/>
               </a:rPr>
+              <a:t>Кодирование сигналов</a:t>
+            </a:r>
+            <a:endParaRPr lang="ru-RU" dirty="0">
+              <a:latin typeface="Tahoma" pitchFamily="34" charset="0"/>
+              <a:ea typeface="Tahoma" pitchFamily="34" charset="0"/>
+              <a:cs typeface="Tahoma" pitchFamily="34" charset="0"/>
+            </a:endParaRPr>
+          </a:p>
+        </p:txBody>
+      </p:sp>
+      <p:sp>
+        <p:nvSpPr>
+          <p:cNvPr id="7" name="TextBox 6"/>
+          <p:cNvSpPr txBox="1"/>
+          <p:nvPr/>
+        </p:nvSpPr>
+        <p:spPr>
+          <a:xfrm>
+            <a:off x="866789" y="2285992"/>
+            <a:ext cx="1133644" cy="707886"/>
+          </a:xfrm>
+          <a:prstGeom prst="rect">
+            <a:avLst/>
+          </a:prstGeom>
+          <a:noFill/>
+        </p:spPr>
+        <p:txBody>
+          <a:bodyPr wrap="none" rtlCol="0">
+            <a:spAutoFit/>
+          </a:bodyPr>
+          <a:lstStyle/>
+          <a:p>
+            <a:r>
+              <a:rPr lang="en-US" sz="4000" dirty="0" smtClean="0">
+                <a:latin typeface="Tahoma" pitchFamily="34" charset="0"/>
+                <a:ea typeface="Tahoma" pitchFamily="34" charset="0"/>
+                <a:cs typeface="Tahoma" pitchFamily="34" charset="0"/>
+              </a:rPr>
+              <a:t>NRZ</a:t>
+            </a:r>
+            <a:endParaRPr lang="ru-RU" sz="4000" dirty="0">
+              <a:latin typeface="Tahoma" pitchFamily="34" charset="0"/>
+              <a:ea typeface="Tahoma" pitchFamily="34" charset="0"/>
+              <a:cs typeface="Tahoma" pitchFamily="34" charset="0"/>
+            </a:endParaRPr>
+          </a:p>
+        </p:txBody>
+      </p:sp>
+      <p:pic>
+        <p:nvPicPr>
+          <p:cNvPr id="1026" name="Picture 2" descr="C:\Users\Администратор\Desktop\fw\картинки\NRZ-code.png"/>
+          <p:cNvPicPr>
+            <a:picLocks noChangeAspect="1" noChangeArrowheads="1"/>
+          </p:cNvPicPr>
+          <p:nvPr/>
+        </p:nvPicPr>
+        <p:blipFill>
+          <a:blip r:embed="rId2"/>
+          <a:srcRect/>
+          <a:stretch>
+            <a:fillRect/>
+          </a:stretch>
+        </p:blipFill>
+        <p:spPr bwMode="auto">
+          <a:xfrm>
+            <a:off x="2224111" y="1857364"/>
+            <a:ext cx="5705475" cy="1552575"/>
+          </a:xfrm>
+          <a:prstGeom prst="rect">
+            <a:avLst/>
+          </a:prstGeom>
+          <a:noFill/>
+        </p:spPr>
+      </p:pic>
+      <p:pic>
+        <p:nvPicPr>
+          <p:cNvPr id="8" name="Рисунок 7" descr="222.png"/>
+          <p:cNvPicPr>
+            <a:picLocks noChangeAspect="1"/>
+          </p:cNvPicPr>
+          <p:nvPr/>
+        </p:nvPicPr>
+        <p:blipFill>
+          <a:blip r:embed="rId3"/>
+          <a:stretch>
+            <a:fillRect/>
+          </a:stretch>
+        </p:blipFill>
+        <p:spPr>
+          <a:xfrm>
+            <a:off x="3000364" y="3714752"/>
+            <a:ext cx="4277322" cy="2791215"/>
+          </a:xfrm>
+          <a:prstGeom prst="rect">
+            <a:avLst/>
+          </a:prstGeom>
+        </p:spPr>
+      </p:pic>
+      <p:sp>
+        <p:nvSpPr>
+          <p:cNvPr id="9" name="TextBox 8"/>
+          <p:cNvSpPr txBox="1"/>
+          <p:nvPr/>
+        </p:nvSpPr>
+        <p:spPr>
+          <a:xfrm>
+            <a:off x="2143108" y="3857628"/>
+            <a:ext cx="906658" cy="461665"/>
+          </a:xfrm>
+          <a:prstGeom prst="rect">
+            <a:avLst/>
+          </a:prstGeom>
+          <a:noFill/>
+        </p:spPr>
+        <p:txBody>
+          <a:bodyPr wrap="none" rtlCol="0">
+            <a:spAutoFit/>
+          </a:bodyPr>
+          <a:lstStyle/>
+          <a:p>
+            <a:r>
+              <a:rPr lang="en-US" sz="2400" dirty="0" smtClean="0">
+                <a:latin typeface="Tahoma" pitchFamily="34" charset="0"/>
+                <a:ea typeface="Tahoma" pitchFamily="34" charset="0"/>
+                <a:cs typeface="Tahoma" pitchFamily="34" charset="0"/>
+              </a:rPr>
+              <a:t>DATA</a:t>
+            </a:r>
+            <a:endParaRPr lang="ru-RU" sz="2400" dirty="0">
+              <a:latin typeface="Tahoma" pitchFamily="34" charset="0"/>
+              <a:ea typeface="Tahoma" pitchFamily="34" charset="0"/>
+              <a:cs typeface="Tahoma" pitchFamily="34" charset="0"/>
+            </a:endParaRPr>
+          </a:p>
+        </p:txBody>
+      </p:sp>
+      <p:sp>
+        <p:nvSpPr>
+          <p:cNvPr id="10" name="TextBox 9"/>
+          <p:cNvSpPr txBox="1"/>
+          <p:nvPr/>
+        </p:nvSpPr>
+        <p:spPr>
+          <a:xfrm>
+            <a:off x="1785918" y="4786322"/>
+            <a:ext cx="1298753" cy="461665"/>
+          </a:xfrm>
+          <a:prstGeom prst="rect">
+            <a:avLst/>
+          </a:prstGeom>
+          <a:noFill/>
+        </p:spPr>
+        <p:txBody>
+          <a:bodyPr wrap="none" rtlCol="0">
+            <a:spAutoFit/>
+          </a:bodyPr>
+          <a:lstStyle/>
+          <a:p>
+            <a:r>
+              <a:rPr lang="en-US" sz="2400" dirty="0" smtClean="0">
+                <a:latin typeface="Tahoma" pitchFamily="34" charset="0"/>
+                <a:ea typeface="Tahoma" pitchFamily="34" charset="0"/>
+                <a:cs typeface="Tahoma" pitchFamily="34" charset="0"/>
+              </a:rPr>
+              <a:t>STROBE</a:t>
+            </a:r>
+            <a:endParaRPr lang="ru-RU" sz="2400" dirty="0">
+              <a:latin typeface="Tahoma" pitchFamily="34" charset="0"/>
+              <a:ea typeface="Tahoma" pitchFamily="34" charset="0"/>
+              <a:cs typeface="Tahoma" pitchFamily="34" charset="0"/>
+            </a:endParaRPr>
+          </a:p>
+        </p:txBody>
+      </p:sp>
+      <p:sp>
+        <p:nvSpPr>
+          <p:cNvPr id="11" name="TextBox 10"/>
+          <p:cNvSpPr txBox="1"/>
+          <p:nvPr/>
+        </p:nvSpPr>
+        <p:spPr>
+          <a:xfrm>
+            <a:off x="2285984" y="5857892"/>
+            <a:ext cx="769891" cy="461665"/>
+          </a:xfrm>
+          <a:prstGeom prst="rect">
+            <a:avLst/>
+          </a:prstGeom>
+          <a:noFill/>
+        </p:spPr>
+        <p:txBody>
+          <a:bodyPr wrap="none" rtlCol="0">
+            <a:spAutoFit/>
+          </a:bodyPr>
+          <a:lstStyle/>
+          <a:p>
+            <a:r>
+              <a:rPr lang="en-US" sz="2400" dirty="0" smtClean="0">
+                <a:latin typeface="Tahoma" pitchFamily="34" charset="0"/>
+                <a:ea typeface="Tahoma" pitchFamily="34" charset="0"/>
+                <a:cs typeface="Tahoma" pitchFamily="34" charset="0"/>
+              </a:rPr>
+              <a:t>XOR</a:t>
+            </a:r>
+            <a:endParaRPr lang="ru-RU" sz="2400" dirty="0">
+              <a:latin typeface="Tahoma" pitchFamily="34" charset="0"/>
+              <a:ea typeface="Tahoma" pitchFamily="34" charset="0"/>
+              <a:cs typeface="Tahoma" pitchFamily="34" charset="0"/>
+            </a:endParaRPr>
+          </a:p>
+        </p:txBody>
+      </p:sp>
+    </p:spTree>
+  </p:cSld>
+  <p:clrMapOvr>
+    <a:masterClrMapping/>
+  </p:clrMapOvr>
+  <p:transition>
+    <p:wipe/>
+  </p:transition>
+  <p:timing>
+    <p:tnLst>
+      <p:par>
+        <p:cTn id="1" dur="indefinite" restart="never" nodeType="tmRoot">
+          <p:childTnLst>
+            <p:seq concurrent="1" nextAc="seek">
+              <p:cTn id="2" dur="indefinite" nodeType="mainSeq">
+                <p:childTnLst>
+                  <p:par>
+                    <p:cTn id="3" fill="hold">
+                      <p:stCondLst>
+                        <p:cond delay="indefinite"/>
+                      </p:stCondLst>
+                      <p:childTnLst>
+                        <p:par>
+                          <p:cTn id="4" fill="hold">
+                            <p:stCondLst>
+                              <p:cond delay="0"/>
+                            </p:stCondLst>
+                            <p:childTnLst>
+                              <p:par>
+                                <p:cTn id="5" presetID="42" presetClass="entr" presetSubtype="0" fill="hold" grpId="0" nodeType="clickEffect">
+                                  <p:stCondLst>
+                                    <p:cond delay="0"/>
+                                  </p:stCondLst>
+                                  <p:childTnLst>
+                                    <p:set>
+                                      <p:cBhvr>
+                                        <p:cTn id="6" dur="1" fill="hold">
+                                          <p:stCondLst>
+                                            <p:cond delay="0"/>
+                                          </p:stCondLst>
+                                        </p:cTn>
+                                        <p:tgtEl>
+                                          <p:spTgt spid="7"/>
+                                        </p:tgtEl>
+                                        <p:attrNameLst>
+                                          <p:attrName>style.visibility</p:attrName>
+                                        </p:attrNameLst>
+                                      </p:cBhvr>
+                                      <p:to>
+                                        <p:strVal val="visible"/>
+                                      </p:to>
+                                    </p:set>
+                                    <p:animEffect transition="in" filter="fade">
+                                      <p:cBhvr>
+                                        <p:cTn id="7" dur="1000"/>
+                                        <p:tgtEl>
+                                          <p:spTgt spid="7"/>
+                                        </p:tgtEl>
+                                      </p:cBhvr>
+                                    </p:animEffect>
+                                    <p:anim calcmode="lin" valueType="num">
+                                      <p:cBhvr>
+                                        <p:cTn id="8" dur="1000" fill="hold"/>
+                                        <p:tgtEl>
+                                          <p:spTgt spid="7"/>
+                                        </p:tgtEl>
+                                        <p:attrNameLst>
+                                          <p:attrName>ppt_x</p:attrName>
+                                        </p:attrNameLst>
+                                      </p:cBhvr>
+                                      <p:tavLst>
+                                        <p:tav tm="0">
+                                          <p:val>
+                                            <p:strVal val="#ppt_x"/>
+                                          </p:val>
+                                        </p:tav>
+                                        <p:tav tm="100000">
+                                          <p:val>
+                                            <p:strVal val="#ppt_x"/>
+                                          </p:val>
+                                        </p:tav>
+                                      </p:tavLst>
+                                    </p:anim>
+                                    <p:anim calcmode="lin" valueType="num">
+                                      <p:cBhvr>
+                                        <p:cTn id="9" dur="1000" fill="hold"/>
+                                        <p:tgtEl>
+                                          <p:spTgt spid="7"/>
+                                        </p:tgtEl>
+                                        <p:attrNameLst>
+                                          <p:attrName>ppt_y</p:attrName>
+                                        </p:attrNameLst>
+                                      </p:cBhvr>
+                                      <p:tavLst>
+                                        <p:tav tm="0">
+                                          <p:val>
+                                            <p:strVal val="#ppt_y+.1"/>
+                                          </p:val>
+                                        </p:tav>
+                                        <p:tav tm="100000">
+                                          <p:val>
+                                            <p:strVal val="#ppt_y"/>
+                                          </p:val>
+                                        </p:tav>
+                                      </p:tavLst>
+                                    </p:anim>
+                                  </p:childTnLst>
+                                </p:cTn>
+                              </p:par>
+                              <p:par>
+                                <p:cTn id="10" presetID="42" presetClass="entr" presetSubtype="0" fill="hold" nodeType="withEffect">
+                                  <p:stCondLst>
+                                    <p:cond delay="0"/>
+                                  </p:stCondLst>
+                                  <p:childTnLst>
+                                    <p:set>
+                                      <p:cBhvr>
+                                        <p:cTn id="11" dur="1" fill="hold">
+                                          <p:stCondLst>
+                                            <p:cond delay="0"/>
+                                          </p:stCondLst>
+                                        </p:cTn>
+                                        <p:tgtEl>
+                                          <p:spTgt spid="1026"/>
+                                        </p:tgtEl>
+                                        <p:attrNameLst>
+                                          <p:attrName>style.visibility</p:attrName>
+                                        </p:attrNameLst>
+                                      </p:cBhvr>
+                                      <p:to>
+                                        <p:strVal val="visible"/>
+                                      </p:to>
+                                    </p:set>
+                                    <p:animEffect transition="in" filter="fade">
+                                      <p:cBhvr>
+                                        <p:cTn id="12" dur="1000"/>
+                                        <p:tgtEl>
+                                          <p:spTgt spid="1026"/>
+                                        </p:tgtEl>
+                                      </p:cBhvr>
+                                    </p:animEffect>
+                                    <p:anim calcmode="lin" valueType="num">
+                                      <p:cBhvr>
+                                        <p:cTn id="13" dur="1000" fill="hold"/>
+                                        <p:tgtEl>
+                                          <p:spTgt spid="1026"/>
+                                        </p:tgtEl>
+                                        <p:attrNameLst>
+                                          <p:attrName>ppt_x</p:attrName>
+                                        </p:attrNameLst>
+                                      </p:cBhvr>
+                                      <p:tavLst>
+                                        <p:tav tm="0">
+                                          <p:val>
+                                            <p:strVal val="#ppt_x"/>
+                                          </p:val>
+                                        </p:tav>
+                                        <p:tav tm="100000">
+                                          <p:val>
+                                            <p:strVal val="#ppt_x"/>
+                                          </p:val>
+                                        </p:tav>
+                                      </p:tavLst>
+                                    </p:anim>
+                                    <p:anim calcmode="lin" valueType="num">
+                                      <p:cBhvr>
+                                        <p:cTn id="14" dur="1000" fill="hold"/>
+                                        <p:tgtEl>
+                                          <p:spTgt spid="1026"/>
+                                        </p:tgtEl>
+                                        <p:attrNameLst>
+                                          <p:attrName>ppt_y</p:attrName>
+                                        </p:attrNameLst>
+                                      </p:cBhvr>
+                                      <p:tavLst>
+                                        <p:tav tm="0">
+                                          <p:val>
+                                            <p:strVal val="#ppt_y+.1"/>
+                                          </p:val>
+                                        </p:tav>
+                                        <p:tav tm="100000">
+                                          <p:val>
+                                            <p:strVal val="#ppt_y"/>
+                                          </p:val>
+                                        </p:tav>
+                                      </p:tavLst>
+                                    </p:anim>
+                                  </p:childTnLst>
+                                </p:cTn>
+                              </p:par>
+                            </p:childTnLst>
+                          </p:cTn>
+                        </p:par>
+                      </p:childTnLst>
+                    </p:cTn>
+                  </p:par>
+                  <p:par>
+                    <p:cTn id="15" fill="hold">
+                      <p:stCondLst>
+                        <p:cond delay="indefinite"/>
+                      </p:stCondLst>
+                      <p:childTnLst>
+                        <p:par>
+                          <p:cTn id="16" fill="hold">
+                            <p:stCondLst>
+                              <p:cond delay="0"/>
+                            </p:stCondLst>
+                            <p:childTnLst>
+                              <p:par>
+                                <p:cTn id="17" presetID="42" presetClass="entr" presetSubtype="0" fill="hold" nodeType="clickEffect">
+                                  <p:stCondLst>
+                                    <p:cond delay="0"/>
+                                  </p:stCondLst>
+                                  <p:childTnLst>
+                                    <p:set>
+                                      <p:cBhvr>
+                                        <p:cTn id="18" dur="1" fill="hold">
+                                          <p:stCondLst>
+                                            <p:cond delay="0"/>
+                                          </p:stCondLst>
+                                        </p:cTn>
+                                        <p:tgtEl>
+                                          <p:spTgt spid="8"/>
+                                        </p:tgtEl>
+                                        <p:attrNameLst>
+                                          <p:attrName>style.visibility</p:attrName>
+                                        </p:attrNameLst>
+                                      </p:cBhvr>
+                                      <p:to>
+                                        <p:strVal val="visible"/>
+                                      </p:to>
+                                    </p:set>
+                                    <p:animEffect transition="in" filter="fade">
+                                      <p:cBhvr>
+                                        <p:cTn id="19" dur="1000"/>
+                                        <p:tgtEl>
+                                          <p:spTgt spid="8"/>
+                                        </p:tgtEl>
+                                      </p:cBhvr>
+                                    </p:animEffect>
+                                    <p:anim calcmode="lin" valueType="num">
+                                      <p:cBhvr>
+                                        <p:cTn id="20" dur="1000" fill="hold"/>
+                                        <p:tgtEl>
+                                          <p:spTgt spid="8"/>
+                                        </p:tgtEl>
+                                        <p:attrNameLst>
+                                          <p:attrName>ppt_x</p:attrName>
+                                        </p:attrNameLst>
+                                      </p:cBhvr>
+                                      <p:tavLst>
+                                        <p:tav tm="0">
+                                          <p:val>
+                                            <p:strVal val="#ppt_x"/>
+                                          </p:val>
+                                        </p:tav>
+                                        <p:tav tm="100000">
+                                          <p:val>
+                                            <p:strVal val="#ppt_x"/>
+                                          </p:val>
+                                        </p:tav>
+                                      </p:tavLst>
+                                    </p:anim>
+                                    <p:anim calcmode="lin" valueType="num">
+                                      <p:cBhvr>
+                                        <p:cTn id="21" dur="1000" fill="hold"/>
+                                        <p:tgtEl>
+                                          <p:spTgt spid="8"/>
+                                        </p:tgtEl>
+                                        <p:attrNameLst>
+                                          <p:attrName>ppt_y</p:attrName>
+                                        </p:attrNameLst>
+                                      </p:cBhvr>
+                                      <p:tavLst>
+                                        <p:tav tm="0">
+                                          <p:val>
+                                            <p:strVal val="#ppt_y+.1"/>
+                                          </p:val>
+                                        </p:tav>
+                                        <p:tav tm="100000">
+                                          <p:val>
+                                            <p:strVal val="#ppt_y"/>
+                                          </p:val>
+                                        </p:tav>
+                                      </p:tavLst>
+                                    </p:anim>
+                                  </p:childTnLst>
+                                </p:cTn>
+                              </p:par>
+                              <p:par>
+                                <p:cTn id="22" presetID="42" presetClass="entr" presetSubtype="0" fill="hold" grpId="0" nodeType="withEffect">
+                                  <p:stCondLst>
+                                    <p:cond delay="0"/>
+                                  </p:stCondLst>
+                                  <p:childTnLst>
+                                    <p:set>
+                                      <p:cBhvr>
+                                        <p:cTn id="23" dur="1" fill="hold">
+                                          <p:stCondLst>
+                                            <p:cond delay="0"/>
+                                          </p:stCondLst>
+                                        </p:cTn>
+                                        <p:tgtEl>
+                                          <p:spTgt spid="9"/>
+                                        </p:tgtEl>
+                                        <p:attrNameLst>
+                                          <p:attrName>style.visibility</p:attrName>
+                                        </p:attrNameLst>
+                                      </p:cBhvr>
+                                      <p:to>
+                                        <p:strVal val="visible"/>
+                                      </p:to>
+                                    </p:set>
+                                    <p:animEffect transition="in" filter="fade">
+                                      <p:cBhvr>
+                                        <p:cTn id="24" dur="1000"/>
+                                        <p:tgtEl>
+                                          <p:spTgt spid="9"/>
+                                        </p:tgtEl>
+                                      </p:cBhvr>
+                                    </p:animEffect>
+                                    <p:anim calcmode="lin" valueType="num">
+                                      <p:cBhvr>
+                                        <p:cTn id="25" dur="1000" fill="hold"/>
+                                        <p:tgtEl>
+                                          <p:spTgt spid="9"/>
+                                        </p:tgtEl>
+                                        <p:attrNameLst>
+                                          <p:attrName>ppt_x</p:attrName>
+                                        </p:attrNameLst>
+                                      </p:cBhvr>
+                                      <p:tavLst>
+                                        <p:tav tm="0">
+                                          <p:val>
+                                            <p:strVal val="#ppt_x"/>
+                                          </p:val>
+                                        </p:tav>
+                                        <p:tav tm="100000">
+                                          <p:val>
+                                            <p:strVal val="#ppt_x"/>
+                                          </p:val>
+                                        </p:tav>
+                                      </p:tavLst>
+                                    </p:anim>
+                                    <p:anim calcmode="lin" valueType="num">
+                                      <p:cBhvr>
+                                        <p:cTn id="26" dur="1000" fill="hold"/>
+                                        <p:tgtEl>
+                                          <p:spTgt spid="9"/>
+                                        </p:tgtEl>
+                                        <p:attrNameLst>
+                                          <p:attrName>ppt_y</p:attrName>
+                                        </p:attrNameLst>
+                                      </p:cBhvr>
+                                      <p:tavLst>
+                                        <p:tav tm="0">
+                                          <p:val>
+                                            <p:strVal val="#ppt_y+.1"/>
+                                          </p:val>
+                                        </p:tav>
+                                        <p:tav tm="100000">
+                                          <p:val>
+                                            <p:strVal val="#ppt_y"/>
+                                          </p:val>
+                                        </p:tav>
+                                      </p:tavLst>
+                                    </p:anim>
+                                  </p:childTnLst>
+                                </p:cTn>
+                              </p:par>
+                              <p:par>
+                                <p:cTn id="27" presetID="42" presetClass="entr" presetSubtype="0" fill="hold" grpId="0" nodeType="withEffect">
+                                  <p:stCondLst>
+                                    <p:cond delay="0"/>
+                                  </p:stCondLst>
+                                  <p:childTnLst>
+                                    <p:set>
+                                      <p:cBhvr>
+                                        <p:cTn id="28" dur="1" fill="hold">
+                                          <p:stCondLst>
+                                            <p:cond delay="0"/>
+                                          </p:stCondLst>
+                                        </p:cTn>
+                                        <p:tgtEl>
+                                          <p:spTgt spid="10"/>
+                                        </p:tgtEl>
+                                        <p:attrNameLst>
+                                          <p:attrName>style.visibility</p:attrName>
+                                        </p:attrNameLst>
+                                      </p:cBhvr>
+                                      <p:to>
+                                        <p:strVal val="visible"/>
+                                      </p:to>
+                                    </p:set>
+                                    <p:animEffect transition="in" filter="fade">
+                                      <p:cBhvr>
+                                        <p:cTn id="29" dur="1000"/>
+                                        <p:tgtEl>
+                                          <p:spTgt spid="10"/>
+                                        </p:tgtEl>
+                                      </p:cBhvr>
+                                    </p:animEffect>
+                                    <p:anim calcmode="lin" valueType="num">
+                                      <p:cBhvr>
+                                        <p:cTn id="30" dur="1000" fill="hold"/>
+                                        <p:tgtEl>
+                                          <p:spTgt spid="10"/>
+                                        </p:tgtEl>
+                                        <p:attrNameLst>
+                                          <p:attrName>ppt_x</p:attrName>
+                                        </p:attrNameLst>
+                                      </p:cBhvr>
+                                      <p:tavLst>
+                                        <p:tav tm="0">
+                                          <p:val>
+                                            <p:strVal val="#ppt_x"/>
+                                          </p:val>
+                                        </p:tav>
+                                        <p:tav tm="100000">
+                                          <p:val>
+                                            <p:strVal val="#ppt_x"/>
+                                          </p:val>
+                                        </p:tav>
+                                      </p:tavLst>
+                                    </p:anim>
+                                    <p:anim calcmode="lin" valueType="num">
+                                      <p:cBhvr>
+                                        <p:cTn id="31" dur="1000" fill="hold"/>
+                                        <p:tgtEl>
+                                          <p:spTgt spid="10"/>
+                                        </p:tgtEl>
+                                        <p:attrNameLst>
+                                          <p:attrName>ppt_y</p:attrName>
+                                        </p:attrNameLst>
+                                      </p:cBhvr>
+                                      <p:tavLst>
+                                        <p:tav tm="0">
+                                          <p:val>
+                                            <p:strVal val="#ppt_y+.1"/>
+                                          </p:val>
+                                        </p:tav>
+                                        <p:tav tm="100000">
+                                          <p:val>
+                                            <p:strVal val="#ppt_y"/>
+                                          </p:val>
+                                        </p:tav>
+                                      </p:tavLst>
+                                    </p:anim>
+                                  </p:childTnLst>
+                                </p:cTn>
+                              </p:par>
+                              <p:par>
+                                <p:cTn id="32" presetID="42" presetClass="entr" presetSubtype="0" fill="hold" grpId="0" nodeType="withEffect">
+                                  <p:stCondLst>
+                                    <p:cond delay="0"/>
+                                  </p:stCondLst>
+                                  <p:childTnLst>
+                                    <p:set>
+                                      <p:cBhvr>
+                                        <p:cTn id="33" dur="1" fill="hold">
+                                          <p:stCondLst>
+                                            <p:cond delay="0"/>
+                                          </p:stCondLst>
+                                        </p:cTn>
+                                        <p:tgtEl>
+                                          <p:spTgt spid="11"/>
+                                        </p:tgtEl>
+                                        <p:attrNameLst>
+                                          <p:attrName>style.visibility</p:attrName>
+                                        </p:attrNameLst>
+                                      </p:cBhvr>
+                                      <p:to>
+                                        <p:strVal val="visible"/>
+                                      </p:to>
+                                    </p:set>
+                                    <p:animEffect transition="in" filter="fade">
+                                      <p:cBhvr>
+                                        <p:cTn id="34" dur="1000"/>
+                                        <p:tgtEl>
+                                          <p:spTgt spid="11"/>
+                                        </p:tgtEl>
+                                      </p:cBhvr>
+                                    </p:animEffect>
+                                    <p:anim calcmode="lin" valueType="num">
+                                      <p:cBhvr>
+                                        <p:cTn id="35" dur="1000" fill="hold"/>
+                                        <p:tgtEl>
+                                          <p:spTgt spid="11"/>
+                                        </p:tgtEl>
+                                        <p:attrNameLst>
+                                          <p:attrName>ppt_x</p:attrName>
+                                        </p:attrNameLst>
+                                      </p:cBhvr>
+                                      <p:tavLst>
+                                        <p:tav tm="0">
+                                          <p:val>
+                                            <p:strVal val="#ppt_x"/>
+                                          </p:val>
+                                        </p:tav>
+                                        <p:tav tm="100000">
+                                          <p:val>
+                                            <p:strVal val="#ppt_x"/>
+                                          </p:val>
+                                        </p:tav>
+                                      </p:tavLst>
+                                    </p:anim>
+                                    <p:anim calcmode="lin" valueType="num">
+                                      <p:cBhvr>
+                                        <p:cTn id="36" dur="1000" fill="hold"/>
+                                        <p:tgtEl>
+                                          <p:spTgt spid="11"/>
+                                        </p:tgtEl>
+                                        <p:attrNameLst>
+                                          <p:attrName>ppt_y</p:attrName>
+                                        </p:attrNameLst>
+                                      </p:cBhvr>
+                                      <p:tavLst>
+                                        <p:tav tm="0">
+                                          <p:val>
+                                            <p:strVal val="#ppt_y+.1"/>
+                                          </p:val>
+                                        </p:tav>
+                                        <p:tav tm="100000">
+                                          <p:val>
+                                            <p:strVal val="#ppt_y"/>
+                                          </p:val>
+                                        </p:tav>
+                                      </p:tavLst>
+                                    </p:anim>
+                                  </p:childTnLst>
+                                </p:cTn>
+                              </p:par>
+                            </p:childTnLst>
+                          </p:cTn>
+                        </p:par>
+                      </p:childTnLst>
+                    </p:cTn>
+                  </p:par>
+                </p:childTnLst>
+              </p:cTn>
+              <p:prevCondLst>
+                <p:cond evt="onPrev" delay="0">
+                  <p:tgtEl>
+                    <p:sldTgt/>
+                  </p:tgtEl>
+                </p:cond>
+              </p:prevCondLst>
+              <p:nextCondLst>
+                <p:cond evt="onNext" delay="0">
+                  <p:tgtEl>
+                    <p:sldTgt/>
+                  </p:tgtEl>
+                </p:cond>
+              </p:nextCondLst>
+            </p:seq>
+          </p:childTnLst>
+        </p:cTn>
+      </p:par>
+    </p:tnLst>
+    <p:bldLst>
+      <p:bldP spid="7" grpId="0"/>
+      <p:bldP spid="9" grpId="0"/>
+      <p:bldP spid="10" grpId="0"/>
+      <p:bldP spid="11" grpId="0"/>
+    </p:bldLst>
+  </p:timing>
+</p:sld>
+</file>
+
+<file path=ppt/slides/slide18.xml><?xml version="1.0" encoding="utf-8"?>
+<p:sld xmlns:a="http://schemas.openxmlformats.org/drawingml/2006/main" xmlns:r="http://schemas.openxmlformats.org/officeDocument/2006/relationships" xmlns:p="http://schemas.openxmlformats.org/presentationml/2006/main">
+  <p:cSld>
+    <p:spTree>
+      <p:nvGrpSpPr>
+        <p:cNvPr id="1" name=""/>
+        <p:cNvGrpSpPr/>
+        <p:nvPr/>
+      </p:nvGrpSpPr>
+      <p:grpSpPr>
+        <a:xfrm>
+          <a:off x="0" y="0"/>
+          <a:ext cx="0" cy="0"/>
+          <a:chOff x="0" y="0"/>
+          <a:chExt cx="0" cy="0"/>
+        </a:xfrm>
+      </p:grpSpPr>
+      <p:sp>
+        <p:nvSpPr>
+          <p:cNvPr id="2" name="Заголовок 1"/>
+          <p:cNvSpPr>
+            <a:spLocks noGrp="1"/>
+          </p:cNvSpPr>
+          <p:nvPr>
+            <p:ph type="title"/>
+          </p:nvPr>
+        </p:nvSpPr>
+        <p:spPr/>
+        <p:txBody>
+          <a:bodyPr>
+            <a:normAutofit/>
+          </a:bodyPr>
+          <a:lstStyle/>
+          <a:p>
+            <a:r>
+              <a:rPr lang="ru-RU" dirty="0" smtClean="0">
+                <a:latin typeface="Tahoma" pitchFamily="34" charset="0"/>
+                <a:ea typeface="Tahoma" pitchFamily="34" charset="0"/>
+                <a:cs typeface="Tahoma" pitchFamily="34" charset="0"/>
+              </a:rPr>
               <a:t>Ограничения на топологию</a:t>
             </a:r>
             <a:endParaRPr lang="ru-RU" dirty="0">
@@ -11082,7 +11866,7 @@
         <p:spPr>
           <a:xfrm>
             <a:off x="357158" y="1785926"/>
-            <a:ext cx="8429684" cy="1815882"/>
+            <a:ext cx="8429684" cy="4832092"/>
           </a:xfrm>
           <a:prstGeom prst="rect">
             <a:avLst/>
@@ -11101,8 +11885,13 @@
                 <a:ea typeface="Tahoma" pitchFamily="34" charset="0"/>
                 <a:cs typeface="Tahoma" pitchFamily="34" charset="0"/>
               </a:rPr>
-              <a:t>Отсутствие петель</a:t>
+              <a:t>До 27 разъемов на одном устройстве</a:t>
             </a:r>
+            <a:endParaRPr lang="ru-RU" sz="2800" dirty="0" smtClean="0">
+              <a:latin typeface="Tahoma" pitchFamily="34" charset="0"/>
+              <a:ea typeface="Tahoma" pitchFamily="34" charset="0"/>
+              <a:cs typeface="Tahoma" pitchFamily="34" charset="0"/>
+            </a:endParaRPr>
           </a:p>
           <a:p>
             <a:endParaRPr lang="ru-RU" sz="2800" dirty="0" smtClean="0">
@@ -11118,21 +11907,59 @@
                 <a:ea typeface="Tahoma" pitchFamily="34" charset="0"/>
                 <a:cs typeface="Tahoma" pitchFamily="34" charset="0"/>
               </a:rPr>
-              <a:t>Максимальное количество устройств в топологии – 63 (</a:t>
+              <a:t>Максимальное расстояние между двумя узлами – 16 кабельных сегментов</a:t>
             </a:r>
-            <a:r>
-              <a:rPr lang="en-US" sz="2800" dirty="0" smtClean="0">
-                <a:latin typeface="Tahoma" pitchFamily="34" charset="0"/>
-                <a:ea typeface="Tahoma" pitchFamily="34" charset="0"/>
-                <a:cs typeface="Tahoma" pitchFamily="34" charset="0"/>
-              </a:rPr>
-              <a:t>Self ID packet : Physical ID – 6bit)</a:t>
-            </a:r>
+          </a:p>
+          <a:p>
             <a:endParaRPr lang="ru-RU" sz="2800" dirty="0" smtClean="0">
               <a:latin typeface="Tahoma" pitchFamily="34" charset="0"/>
               <a:ea typeface="Tahoma" pitchFamily="34" charset="0"/>
               <a:cs typeface="Tahoma" pitchFamily="34" charset="0"/>
             </a:endParaRPr>
+          </a:p>
+          <a:p>
+            <a:r>
+              <a:rPr lang="ru-RU" sz="2800" dirty="0" smtClean="0">
+                <a:latin typeface="Tahoma" pitchFamily="34" charset="0"/>
+                <a:ea typeface="Tahoma" pitchFamily="34" charset="0"/>
+                <a:cs typeface="Tahoma" pitchFamily="34" charset="0"/>
+              </a:rPr>
+              <a:t>Длина одного сегмента не превышает 4.5 метра</a:t>
+            </a:r>
+          </a:p>
+          <a:p>
+            <a:endParaRPr lang="ru-RU" sz="2800" dirty="0" smtClean="0">
+              <a:latin typeface="Tahoma" pitchFamily="34" charset="0"/>
+              <a:ea typeface="Tahoma" pitchFamily="34" charset="0"/>
+              <a:cs typeface="Tahoma" pitchFamily="34" charset="0"/>
+            </a:endParaRPr>
+          </a:p>
+          <a:p>
+            <a:r>
+              <a:rPr lang="ru-RU" sz="2800" dirty="0" smtClean="0">
+                <a:latin typeface="Tahoma" pitchFamily="34" charset="0"/>
+                <a:ea typeface="Tahoma" pitchFamily="34" charset="0"/>
+                <a:cs typeface="Tahoma" pitchFamily="34" charset="0"/>
+              </a:rPr>
+              <a:t>Суммарная длина кабеля не должна превышать 72 метра</a:t>
+            </a:r>
+          </a:p>
+          <a:p>
+            <a:endParaRPr lang="ru-RU" sz="2800" dirty="0" smtClean="0">
+              <a:latin typeface="Tahoma" pitchFamily="34" charset="0"/>
+              <a:ea typeface="Tahoma" pitchFamily="34" charset="0"/>
+              <a:cs typeface="Tahoma" pitchFamily="34" charset="0"/>
+            </a:endParaRPr>
+          </a:p>
+          <a:p>
+            <a:r>
+              <a:rPr lang="ru-RU" sz="2800" dirty="0" smtClean="0">
+                <a:latin typeface="Tahoma" pitchFamily="34" charset="0"/>
+                <a:ea typeface="Tahoma" pitchFamily="34" charset="0"/>
+                <a:cs typeface="Tahoma" pitchFamily="34" charset="0"/>
+              </a:rPr>
+              <a:t>Отсутствие петель</a:t>
+            </a:r>
           </a:p>
         </p:txBody>
       </p:sp>
@@ -11382,6 +12209,351 @@
                       </p:childTnLst>
                     </p:cTn>
                   </p:par>
+                  <p:par>
+                    <p:cTn id="17" fill="hold">
+                      <p:stCondLst>
+                        <p:cond delay="indefinite"/>
+                      </p:stCondLst>
+                      <p:childTnLst>
+                        <p:par>
+                          <p:cTn id="18" fill="hold">
+                            <p:stCondLst>
+                              <p:cond delay="0"/>
+                            </p:stCondLst>
+                            <p:childTnLst>
+                              <p:par>
+                                <p:cTn id="19" presetID="42" presetClass="entr" presetSubtype="0" fill="hold" nodeType="clickEffect">
+                                  <p:stCondLst>
+                                    <p:cond delay="0"/>
+                                  </p:stCondLst>
+                                  <p:childTnLst>
+                                    <p:set>
+                                      <p:cBhvr>
+                                        <p:cTn id="20" dur="1" fill="hold">
+                                          <p:stCondLst>
+                                            <p:cond delay="0"/>
+                                          </p:stCondLst>
+                                        </p:cTn>
+                                        <p:tgtEl>
+                                          <p:spTgt spid="6">
+                                            <p:txEl>
+                                              <p:pRg st="4" end="4"/>
+                                            </p:txEl>
+                                          </p:spTgt>
+                                        </p:tgtEl>
+                                        <p:attrNameLst>
+                                          <p:attrName>style.visibility</p:attrName>
+                                        </p:attrNameLst>
+                                      </p:cBhvr>
+                                      <p:to>
+                                        <p:strVal val="visible"/>
+                                      </p:to>
+                                    </p:set>
+                                    <p:animEffect transition="in" filter="fade">
+                                      <p:cBhvr>
+                                        <p:cTn id="21" dur="1000"/>
+                                        <p:tgtEl>
+                                          <p:spTgt spid="6">
+                                            <p:txEl>
+                                              <p:pRg st="4" end="4"/>
+                                            </p:txEl>
+                                          </p:spTgt>
+                                        </p:tgtEl>
+                                      </p:cBhvr>
+                                    </p:animEffect>
+                                    <p:anim calcmode="lin" valueType="num">
+                                      <p:cBhvr>
+                                        <p:cTn id="22" dur="1000" fill="hold"/>
+                                        <p:tgtEl>
+                                          <p:spTgt spid="6">
+                                            <p:txEl>
+                                              <p:pRg st="4" end="4"/>
+                                            </p:txEl>
+                                          </p:spTgt>
+                                        </p:tgtEl>
+                                        <p:attrNameLst>
+                                          <p:attrName>ppt_x</p:attrName>
+                                        </p:attrNameLst>
+                                      </p:cBhvr>
+                                      <p:tavLst>
+                                        <p:tav tm="0">
+                                          <p:val>
+                                            <p:strVal val="#ppt_x"/>
+                                          </p:val>
+                                        </p:tav>
+                                        <p:tav tm="100000">
+                                          <p:val>
+                                            <p:strVal val="#ppt_x"/>
+                                          </p:val>
+                                        </p:tav>
+                                      </p:tavLst>
+                                    </p:anim>
+                                    <p:anim calcmode="lin" valueType="num">
+                                      <p:cBhvr>
+                                        <p:cTn id="23" dur="1000" fill="hold"/>
+                                        <p:tgtEl>
+                                          <p:spTgt spid="6">
+                                            <p:txEl>
+                                              <p:pRg st="4" end="4"/>
+                                            </p:txEl>
+                                          </p:spTgt>
+                                        </p:tgtEl>
+                                        <p:attrNameLst>
+                                          <p:attrName>ppt_y</p:attrName>
+                                        </p:attrNameLst>
+                                      </p:cBhvr>
+                                      <p:tavLst>
+                                        <p:tav tm="0">
+                                          <p:val>
+                                            <p:strVal val="#ppt_y+.1"/>
+                                          </p:val>
+                                        </p:tav>
+                                        <p:tav tm="100000">
+                                          <p:val>
+                                            <p:strVal val="#ppt_y"/>
+                                          </p:val>
+                                        </p:tav>
+                                      </p:tavLst>
+                                    </p:anim>
+                                  </p:childTnLst>
+                                </p:cTn>
+                              </p:par>
+                            </p:childTnLst>
+                          </p:cTn>
+                        </p:par>
+                      </p:childTnLst>
+                    </p:cTn>
+                  </p:par>
+                  <p:par>
+                    <p:cTn id="24" fill="hold">
+                      <p:stCondLst>
+                        <p:cond delay="indefinite"/>
+                      </p:stCondLst>
+                      <p:childTnLst>
+                        <p:par>
+                          <p:cTn id="25" fill="hold">
+                            <p:stCondLst>
+                              <p:cond delay="0"/>
+                            </p:stCondLst>
+                            <p:childTnLst>
+                              <p:par>
+                                <p:cTn id="26" presetID="42" presetClass="entr" presetSubtype="0" fill="hold" nodeType="clickEffect">
+                                  <p:stCondLst>
+                                    <p:cond delay="0"/>
+                                  </p:stCondLst>
+                                  <p:childTnLst>
+                                    <p:set>
+                                      <p:cBhvr>
+                                        <p:cTn id="27" dur="1" fill="hold">
+                                          <p:stCondLst>
+                                            <p:cond delay="0"/>
+                                          </p:stCondLst>
+                                        </p:cTn>
+                                        <p:tgtEl>
+                                          <p:spTgt spid="6">
+                                            <p:txEl>
+                                              <p:pRg st="6" end="6"/>
+                                            </p:txEl>
+                                          </p:spTgt>
+                                        </p:tgtEl>
+                                        <p:attrNameLst>
+                                          <p:attrName>style.visibility</p:attrName>
+                                        </p:attrNameLst>
+                                      </p:cBhvr>
+                                      <p:to>
+                                        <p:strVal val="visible"/>
+                                      </p:to>
+                                    </p:set>
+                                    <p:animEffect transition="in" filter="fade">
+                                      <p:cBhvr>
+                                        <p:cTn id="28" dur="1000"/>
+                                        <p:tgtEl>
+                                          <p:spTgt spid="6">
+                                            <p:txEl>
+                                              <p:pRg st="6" end="6"/>
+                                            </p:txEl>
+                                          </p:spTgt>
+                                        </p:tgtEl>
+                                      </p:cBhvr>
+                                    </p:animEffect>
+                                    <p:anim calcmode="lin" valueType="num">
+                                      <p:cBhvr>
+                                        <p:cTn id="29" dur="1000" fill="hold"/>
+                                        <p:tgtEl>
+                                          <p:spTgt spid="6">
+                                            <p:txEl>
+                                              <p:pRg st="6" end="6"/>
+                                            </p:txEl>
+                                          </p:spTgt>
+                                        </p:tgtEl>
+                                        <p:attrNameLst>
+                                          <p:attrName>ppt_x</p:attrName>
+                                        </p:attrNameLst>
+                                      </p:cBhvr>
+                                      <p:tavLst>
+                                        <p:tav tm="0">
+                                          <p:val>
+                                            <p:strVal val="#ppt_x"/>
+                                          </p:val>
+                                        </p:tav>
+                                        <p:tav tm="100000">
+                                          <p:val>
+                                            <p:strVal val="#ppt_x"/>
+                                          </p:val>
+                                        </p:tav>
+                                      </p:tavLst>
+                                    </p:anim>
+                                    <p:anim calcmode="lin" valueType="num">
+                                      <p:cBhvr>
+                                        <p:cTn id="30" dur="1000" fill="hold"/>
+                                        <p:tgtEl>
+                                          <p:spTgt spid="6">
+                                            <p:txEl>
+                                              <p:pRg st="6" end="6"/>
+                                            </p:txEl>
+                                          </p:spTgt>
+                                        </p:tgtEl>
+                                        <p:attrNameLst>
+                                          <p:attrName>ppt_y</p:attrName>
+                                        </p:attrNameLst>
+                                      </p:cBhvr>
+                                      <p:tavLst>
+                                        <p:tav tm="0">
+                                          <p:val>
+                                            <p:strVal val="#ppt_y+.1"/>
+                                          </p:val>
+                                        </p:tav>
+                                        <p:tav tm="100000">
+                                          <p:val>
+                                            <p:strVal val="#ppt_y"/>
+                                          </p:val>
+                                        </p:tav>
+                                      </p:tavLst>
+                                    </p:anim>
+                                  </p:childTnLst>
+                                </p:cTn>
+                              </p:par>
+                            </p:childTnLst>
+                          </p:cTn>
+                        </p:par>
+                      </p:childTnLst>
+                    </p:cTn>
+                  </p:par>
+                  <p:par>
+                    <p:cTn id="31" fill="hold">
+                      <p:stCondLst>
+                        <p:cond delay="indefinite"/>
+                      </p:stCondLst>
+                      <p:childTnLst>
+                        <p:par>
+                          <p:cTn id="32" fill="hold">
+                            <p:stCondLst>
+                              <p:cond delay="0"/>
+                            </p:stCondLst>
+                            <p:childTnLst>
+                              <p:par>
+                                <p:cTn id="33" presetID="42" presetClass="entr" presetSubtype="0" fill="hold" nodeType="clickEffect">
+                                  <p:stCondLst>
+                                    <p:cond delay="0"/>
+                                  </p:stCondLst>
+                                  <p:childTnLst>
+                                    <p:set>
+                                      <p:cBhvr>
+                                        <p:cTn id="34" dur="1" fill="hold">
+                                          <p:stCondLst>
+                                            <p:cond delay="0"/>
+                                          </p:stCondLst>
+                                        </p:cTn>
+                                        <p:tgtEl>
+                                          <p:spTgt spid="6">
+                                            <p:txEl>
+                                              <p:pRg st="8" end="8"/>
+                                            </p:txEl>
+                                          </p:spTgt>
+                                        </p:tgtEl>
+                                        <p:attrNameLst>
+                                          <p:attrName>style.visibility</p:attrName>
+                                        </p:attrNameLst>
+                                      </p:cBhvr>
+                                      <p:to>
+                                        <p:strVal val="visible"/>
+                                      </p:to>
+                                    </p:set>
+                                    <p:animEffect transition="in" filter="fade">
+                                      <p:cBhvr>
+                                        <p:cTn id="35" dur="1000"/>
+                                        <p:tgtEl>
+                                          <p:spTgt spid="6">
+                                            <p:txEl>
+                                              <p:pRg st="8" end="8"/>
+                                            </p:txEl>
+                                          </p:spTgt>
+                                        </p:tgtEl>
+                                      </p:cBhvr>
+                                    </p:animEffect>
+                                    <p:anim calcmode="lin" valueType="num">
+                                      <p:cBhvr>
+                                        <p:cTn id="36" dur="1000" fill="hold"/>
+                                        <p:tgtEl>
+                                          <p:spTgt spid="6">
+                                            <p:txEl>
+                                              <p:pRg st="8" end="8"/>
+                                            </p:txEl>
+                                          </p:spTgt>
+                                        </p:tgtEl>
+                                        <p:attrNameLst>
+                                          <p:attrName>ppt_x</p:attrName>
+                                        </p:attrNameLst>
+                                      </p:cBhvr>
+                                      <p:tavLst>
+                                        <p:tav tm="0">
+                                          <p:val>
+                                            <p:strVal val="#ppt_x"/>
+                                          </p:val>
+                                        </p:tav>
+                                        <p:tav tm="100000">
+                                          <p:val>
+                                            <p:strVal val="#ppt_x"/>
+                                          </p:val>
+                                        </p:tav>
+                                      </p:tavLst>
+                                    </p:anim>
+                                    <p:anim calcmode="lin" valueType="num">
+                                      <p:cBhvr>
+                                        <p:cTn id="37" dur="1000" fill="hold"/>
+                                        <p:tgtEl>
+                                          <p:spTgt spid="6">
+                                            <p:txEl>
+                                              <p:pRg st="8" end="8"/>
+                                            </p:txEl>
+                                          </p:spTgt>
+                                        </p:tgtEl>
+                                        <p:attrNameLst>
+                                          <p:attrName>ppt_y</p:attrName>
+                                        </p:attrNameLst>
+                                      </p:cBhvr>
+                                      <p:tavLst>
+                                        <p:tav tm="0">
+                                          <p:val>
+                                            <p:strVal val="#ppt_y+.1"/>
+                                          </p:val>
+                                        </p:tav>
+                                        <p:tav tm="100000">
+                                          <p:val>
+                                            <p:strVal val="#ppt_y"/>
+                                          </p:val>
+                                        </p:tav>
+                                      </p:tavLst>
+                                    </p:anim>
+                                  </p:childTnLst>
+                                </p:cTn>
+                              </p:par>
+                            </p:childTnLst>
+                          </p:cTn>
+                        </p:par>
+                      </p:childTnLst>
+                    </p:cTn>
+                  </p:par>
                 </p:childTnLst>
               </p:cTn>
               <p:prevCondLst>
@@ -11407,7 +12579,7 @@
 </p:sld>
 </file>
 
-<file path=ppt/slides/slide18.xml><?xml version="1.0" encoding="utf-8"?>
+<file path=ppt/slides/slide19.xml><?xml version="1.0" encoding="utf-8"?>
 <p:sld xmlns:a="http://schemas.openxmlformats.org/drawingml/2006/main" xmlns:r="http://schemas.openxmlformats.org/officeDocument/2006/relationships" xmlns:p="http://schemas.openxmlformats.org/presentationml/2006/main">
   <p:cSld>
     <p:spTree>
@@ -11436,7 +12608,9 @@
         </p:nvSpPr>
         <p:spPr/>
         <p:txBody>
-          <a:bodyPr/>
+          <a:bodyPr>
+            <a:normAutofit/>
+          </a:bodyPr>
           <a:lstStyle/>
           <a:p>
             <a:r>
@@ -11445,7 +12619,7 @@
                 <a:ea typeface="Tahoma" pitchFamily="34" charset="0"/>
                 <a:cs typeface="Tahoma" pitchFamily="34" charset="0"/>
               </a:rPr>
-              <a:t>Источники</a:t>
+              <a:t>Ограничения на топологию</a:t>
             </a:r>
             <a:endParaRPr lang="ru-RU" dirty="0">
               <a:latin typeface="Tahoma" pitchFamily="34" charset="0"/>
@@ -11464,7 +12638,7 @@
         <p:spPr>
           <a:xfrm>
             <a:off x="357158" y="1785926"/>
-            <a:ext cx="8429684" cy="3108543"/>
+            <a:ext cx="8429684" cy="1815882"/>
           </a:xfrm>
           <a:prstGeom prst="rect">
             <a:avLst/>
@@ -11478,27 +12652,20 @@
           <a:lstStyle/>
           <a:p>
             <a:r>
-              <a:rPr lang="en-US" sz="2800" dirty="0" smtClean="0">
-                <a:hlinkClick r:id="rId2"/>
+              <a:rPr lang="ru-RU" sz="2800" dirty="0" smtClean="0">
+                <a:latin typeface="Tahoma" pitchFamily="34" charset="0"/>
+                <a:ea typeface="Tahoma" pitchFamily="34" charset="0"/>
+                <a:cs typeface="Tahoma" pitchFamily="34" charset="0"/>
               </a:rPr>
-              <a:t>http://ru.wikipedia.org/wiki/IEEE_1394</a:t>
+              <a:t>Отсутствие петель</a:t>
             </a:r>
-            <a:endParaRPr lang="ru-RU" sz="2800" dirty="0" smtClean="0"/>
-          </a:p>
-          <a:p>
-            <a:endParaRPr lang="ru-RU" sz="2800" dirty="0" smtClean="0"/>
-          </a:p>
-          <a:p>
-            <a:r>
-              <a:rPr lang="en-US" sz="2800" dirty="0" smtClean="0">
-                <a:hlinkClick r:id="rId3"/>
-              </a:rPr>
-              <a:t>http://www.ixbt.com/mainboard/firewire.html</a:t>
-            </a:r>
-            <a:endParaRPr lang="ru-RU" sz="2800" dirty="0" smtClean="0"/>
-          </a:p>
-          <a:p>
-            <a:endParaRPr lang="ru-RU" sz="2800" dirty="0" smtClean="0"/>
+          </a:p>
+          <a:p>
+            <a:endParaRPr lang="ru-RU" sz="2800" dirty="0" smtClean="0">
+              <a:latin typeface="Tahoma" pitchFamily="34" charset="0"/>
+              <a:ea typeface="Tahoma" pitchFamily="34" charset="0"/>
+              <a:cs typeface="Tahoma" pitchFamily="34" charset="0"/>
+            </a:endParaRPr>
           </a:p>
           <a:p>
             <a:r>
@@ -11507,30 +12674,15 @@
                 <a:ea typeface="Tahoma" pitchFamily="34" charset="0"/>
                 <a:cs typeface="Tahoma" pitchFamily="34" charset="0"/>
               </a:rPr>
-              <a:t>Михаил Гук – «Аппаратные интерфейсы ПК</a:t>
+              <a:t>Максимальное количество устройств в топологии – 63 (</a:t>
             </a:r>
             <a:r>
-              <a:rPr lang="ru-RU" sz="2800" dirty="0" smtClean="0">
+              <a:rPr lang="en-US" sz="2800" dirty="0" smtClean="0">
                 <a:latin typeface="Tahoma" pitchFamily="34" charset="0"/>
                 <a:ea typeface="Tahoma" pitchFamily="34" charset="0"/>
                 <a:cs typeface="Tahoma" pitchFamily="34" charset="0"/>
               </a:rPr>
-              <a:t>»</a:t>
-            </a:r>
-          </a:p>
-          <a:p>
-            <a:endParaRPr lang="ru-RU" sz="2800" dirty="0" smtClean="0">
-              <a:latin typeface="Tahoma" pitchFamily="34" charset="0"/>
-              <a:ea typeface="Tahoma" pitchFamily="34" charset="0"/>
-              <a:cs typeface="Tahoma" pitchFamily="34" charset="0"/>
-            </a:endParaRPr>
-          </a:p>
-          <a:p>
-            <a:r>
-              <a:rPr lang="en-US" sz="2800" dirty="0" smtClean="0">
-                <a:hlinkClick r:id="rId4"/>
-              </a:rPr>
-              <a:t>http://acust.narod.ru/files/books/USB1394.pdf</a:t>
+              <a:t>Self ID packet : Physical ID – 6bit)</a:t>
             </a:r>
             <a:endParaRPr lang="ru-RU" sz="2800" dirty="0" smtClean="0">
               <a:latin typeface="Tahoma" pitchFamily="34" charset="0"/>
@@ -11545,13 +12697,267 @@
   <p:clrMapOvr>
     <a:masterClrMapping/>
   </p:clrMapOvr>
-  <p:transition>
-    <p:wipe/>
-  </p:transition>
+  <p:transition/>
   <p:timing>
     <p:tnLst>
       <p:par>
-        <p:cTn id="1" dur="indefinite" restart="never" nodeType="tmRoot"/>
+        <p:cTn id="1" dur="indefinite" restart="never" nodeType="tmRoot">
+          <p:childTnLst>
+            <p:seq concurrent="1" nextAc="seek">
+              <p:cTn id="2" dur="indefinite" nodeType="mainSeq">
+                <p:childTnLst>
+                  <p:par>
+                    <p:cTn id="3" fill="hold">
+                      <p:stCondLst>
+                        <p:cond delay="indefinite"/>
+                        <p:cond evt="onBegin" delay="0">
+                          <p:tn val="2"/>
+                        </p:cond>
+                      </p:stCondLst>
+                      <p:childTnLst>
+                        <p:par>
+                          <p:cTn id="4" fill="hold">
+                            <p:stCondLst>
+                              <p:cond delay="0"/>
+                            </p:stCondLst>
+                            <p:childTnLst>
+                              <p:par>
+                                <p:cTn id="5" presetID="42" presetClass="entr" presetSubtype="0" fill="hold" nodeType="withEffect">
+                                  <p:stCondLst>
+                                    <p:cond delay="0"/>
+                                  </p:stCondLst>
+                                  <p:childTnLst>
+                                    <p:set>
+                                      <p:cBhvr>
+                                        <p:cTn id="6" dur="1" fill="hold">
+                                          <p:stCondLst>
+                                            <p:cond delay="0"/>
+                                          </p:stCondLst>
+                                        </p:cTn>
+                                        <p:tgtEl>
+                                          <p:spTgt spid="6">
+                                            <p:txEl>
+                                              <p:pRg st="0" end="0"/>
+                                            </p:txEl>
+                                          </p:spTgt>
+                                        </p:tgtEl>
+                                        <p:attrNameLst>
+                                          <p:attrName>style.visibility</p:attrName>
+                                        </p:attrNameLst>
+                                      </p:cBhvr>
+                                      <p:to>
+                                        <p:strVal val="visible"/>
+                                      </p:to>
+                                    </p:set>
+                                    <p:animEffect transition="in" filter="fade">
+                                      <p:cBhvr>
+                                        <p:cTn id="7" dur="1000"/>
+                                        <p:tgtEl>
+                                          <p:spTgt spid="6">
+                                            <p:txEl>
+                                              <p:pRg st="0" end="0"/>
+                                            </p:txEl>
+                                          </p:spTgt>
+                                        </p:tgtEl>
+                                      </p:cBhvr>
+                                    </p:animEffect>
+                                    <p:anim calcmode="lin" valueType="num">
+                                      <p:cBhvr>
+                                        <p:cTn id="8" dur="1000" fill="hold"/>
+                                        <p:tgtEl>
+                                          <p:spTgt spid="6">
+                                            <p:txEl>
+                                              <p:pRg st="0" end="0"/>
+                                            </p:txEl>
+                                          </p:spTgt>
+                                        </p:tgtEl>
+                                        <p:attrNameLst>
+                                          <p:attrName>ppt_x</p:attrName>
+                                        </p:attrNameLst>
+                                      </p:cBhvr>
+                                      <p:tavLst>
+                                        <p:tav tm="0">
+                                          <p:val>
+                                            <p:strVal val="#ppt_x"/>
+                                          </p:val>
+                                        </p:tav>
+                                        <p:tav tm="100000">
+                                          <p:val>
+                                            <p:strVal val="#ppt_x"/>
+                                          </p:val>
+                                        </p:tav>
+                                      </p:tavLst>
+                                    </p:anim>
+                                    <p:anim calcmode="lin" valueType="num">
+                                      <p:cBhvr>
+                                        <p:cTn id="9" dur="1000" fill="hold"/>
+                                        <p:tgtEl>
+                                          <p:spTgt spid="6">
+                                            <p:txEl>
+                                              <p:pRg st="0" end="0"/>
+                                            </p:txEl>
+                                          </p:spTgt>
+                                        </p:tgtEl>
+                                        <p:attrNameLst>
+                                          <p:attrName>ppt_y</p:attrName>
+                                        </p:attrNameLst>
+                                      </p:cBhvr>
+                                      <p:tavLst>
+                                        <p:tav tm="0">
+                                          <p:val>
+                                            <p:strVal val="#ppt_y+.1"/>
+                                          </p:val>
+                                        </p:tav>
+                                        <p:tav tm="100000">
+                                          <p:val>
+                                            <p:strVal val="#ppt_y"/>
+                                          </p:val>
+                                        </p:tav>
+                                      </p:tavLst>
+                                    </p:anim>
+                                  </p:childTnLst>
+                                </p:cTn>
+                              </p:par>
+                            </p:childTnLst>
+                          </p:cTn>
+                        </p:par>
+                      </p:childTnLst>
+                    </p:cTn>
+                  </p:par>
+                  <p:par>
+                    <p:cTn id="10" fill="hold">
+                      <p:stCondLst>
+                        <p:cond delay="indefinite"/>
+                      </p:stCondLst>
+                      <p:childTnLst>
+                        <p:par>
+                          <p:cTn id="11" fill="hold">
+                            <p:stCondLst>
+                              <p:cond delay="0"/>
+                            </p:stCondLst>
+                            <p:childTnLst>
+                              <p:par>
+                                <p:cTn id="12" presetID="42" presetClass="entr" presetSubtype="0" fill="hold" nodeType="clickEffect">
+                                  <p:stCondLst>
+                                    <p:cond delay="0"/>
+                                  </p:stCondLst>
+                                  <p:childTnLst>
+                                    <p:set>
+                                      <p:cBhvr>
+                                        <p:cTn id="13" dur="1" fill="hold">
+                                          <p:stCondLst>
+                                            <p:cond delay="0"/>
+                                          </p:stCondLst>
+                                        </p:cTn>
+                                        <p:tgtEl>
+                                          <p:spTgt spid="6">
+                                            <p:txEl>
+                                              <p:pRg st="2" end="2"/>
+                                            </p:txEl>
+                                          </p:spTgt>
+                                        </p:tgtEl>
+                                        <p:attrNameLst>
+                                          <p:attrName>style.visibility</p:attrName>
+                                        </p:attrNameLst>
+                                      </p:cBhvr>
+                                      <p:to>
+                                        <p:strVal val="visible"/>
+                                      </p:to>
+                                    </p:set>
+                                    <p:animEffect transition="in" filter="fade">
+                                      <p:cBhvr>
+                                        <p:cTn id="14" dur="1000"/>
+                                        <p:tgtEl>
+                                          <p:spTgt spid="6">
+                                            <p:txEl>
+                                              <p:pRg st="2" end="2"/>
+                                            </p:txEl>
+                                          </p:spTgt>
+                                        </p:tgtEl>
+                                      </p:cBhvr>
+                                    </p:animEffect>
+                                    <p:anim calcmode="lin" valueType="num">
+                                      <p:cBhvr>
+                                        <p:cTn id="15" dur="1000" fill="hold"/>
+                                        <p:tgtEl>
+                                          <p:spTgt spid="6">
+                                            <p:txEl>
+                                              <p:pRg st="2" end="2"/>
+                                            </p:txEl>
+                                          </p:spTgt>
+                                        </p:tgtEl>
+                                        <p:attrNameLst>
+                                          <p:attrName>ppt_x</p:attrName>
+                                        </p:attrNameLst>
+                                      </p:cBhvr>
+                                      <p:tavLst>
+                                        <p:tav tm="0">
+                                          <p:val>
+                                            <p:strVal val="#ppt_x"/>
+                                          </p:val>
+                                        </p:tav>
+                                        <p:tav tm="100000">
+                                          <p:val>
+                                            <p:strVal val="#ppt_x"/>
+                                          </p:val>
+                                        </p:tav>
+                                      </p:tavLst>
+                                    </p:anim>
+                                    <p:anim calcmode="lin" valueType="num">
+                                      <p:cBhvr>
+                                        <p:cTn id="16" dur="1000" fill="hold"/>
+                                        <p:tgtEl>
+                                          <p:spTgt spid="6">
+                                            <p:txEl>
+                                              <p:pRg st="2" end="2"/>
+                                            </p:txEl>
+                                          </p:spTgt>
+                                        </p:tgtEl>
+                                        <p:attrNameLst>
+                                          <p:attrName>ppt_y</p:attrName>
+                                        </p:attrNameLst>
+                                      </p:cBhvr>
+                                      <p:tavLst>
+                                        <p:tav tm="0">
+                                          <p:val>
+                                            <p:strVal val="#ppt_y+.1"/>
+                                          </p:val>
+                                        </p:tav>
+                                        <p:tav tm="100000">
+                                          <p:val>
+                                            <p:strVal val="#ppt_y"/>
+                                          </p:val>
+                                        </p:tav>
+                                      </p:tavLst>
+                                    </p:anim>
+                                  </p:childTnLst>
+                                </p:cTn>
+                              </p:par>
+                            </p:childTnLst>
+                          </p:cTn>
+                        </p:par>
+                      </p:childTnLst>
+                    </p:cTn>
+                  </p:par>
+                </p:childTnLst>
+              </p:cTn>
+              <p:prevCondLst>
+                <p:cond evt="onPrev" delay="0">
+                  <p:tgtEl>
+                    <p:sldTgt/>
+                  </p:tgtEl>
+                </p:cond>
+              </p:prevCondLst>
+              <p:nextCondLst>
+                <p:cond evt="onNext" delay="0">
+                  <p:tgtEl>
+                    <p:sldTgt/>
+                  </p:tgtEl>
+                </p:cond>
+              </p:nextCondLst>
+            </p:seq>
+          </p:childTnLst>
+        </p:cTn>
       </p:par>
     </p:tnLst>
   </p:timing>
@@ -13070,6 +14476,157 @@
             </p:seq>
           </p:childTnLst>
         </p:cTn>
+      </p:par>
+    </p:tnLst>
+  </p:timing>
+</p:sld>
+</file>
+
+<file path=ppt/slides/slide20.xml><?xml version="1.0" encoding="utf-8"?>
+<p:sld xmlns:a="http://schemas.openxmlformats.org/drawingml/2006/main" xmlns:r="http://schemas.openxmlformats.org/officeDocument/2006/relationships" xmlns:p="http://schemas.openxmlformats.org/presentationml/2006/main">
+  <p:cSld>
+    <p:spTree>
+      <p:nvGrpSpPr>
+        <p:cNvPr id="1" name=""/>
+        <p:cNvGrpSpPr/>
+        <p:nvPr/>
+      </p:nvGrpSpPr>
+      <p:grpSpPr>
+        <a:xfrm>
+          <a:off x="0" y="0"/>
+          <a:ext cx="0" cy="0"/>
+          <a:chOff x="0" y="0"/>
+          <a:chExt cx="0" cy="0"/>
+        </a:xfrm>
+      </p:grpSpPr>
+      <p:sp>
+        <p:nvSpPr>
+          <p:cNvPr id="2" name="Заголовок 1"/>
+          <p:cNvSpPr>
+            <a:spLocks noGrp="1"/>
+          </p:cNvSpPr>
+          <p:nvPr>
+            <p:ph type="title"/>
+          </p:nvPr>
+        </p:nvSpPr>
+        <p:spPr/>
+        <p:txBody>
+          <a:bodyPr/>
+          <a:lstStyle/>
+          <a:p>
+            <a:r>
+              <a:rPr lang="ru-RU" dirty="0" smtClean="0">
+                <a:latin typeface="Tahoma" pitchFamily="34" charset="0"/>
+                <a:ea typeface="Tahoma" pitchFamily="34" charset="0"/>
+                <a:cs typeface="Tahoma" pitchFamily="34" charset="0"/>
+              </a:rPr>
+              <a:t>Источники</a:t>
+            </a:r>
+            <a:endParaRPr lang="ru-RU" dirty="0">
+              <a:latin typeface="Tahoma" pitchFamily="34" charset="0"/>
+              <a:ea typeface="Tahoma" pitchFamily="34" charset="0"/>
+              <a:cs typeface="Tahoma" pitchFamily="34" charset="0"/>
+            </a:endParaRPr>
+          </a:p>
+        </p:txBody>
+      </p:sp>
+      <p:sp>
+        <p:nvSpPr>
+          <p:cNvPr id="6" name="TextBox 5"/>
+          <p:cNvSpPr txBox="1"/>
+          <p:nvPr/>
+        </p:nvSpPr>
+        <p:spPr>
+          <a:xfrm>
+            <a:off x="357158" y="1785926"/>
+            <a:ext cx="8429684" cy="3108543"/>
+          </a:xfrm>
+          <a:prstGeom prst="rect">
+            <a:avLst/>
+          </a:prstGeom>
+          <a:noFill/>
+        </p:spPr>
+        <p:txBody>
+          <a:bodyPr wrap="square" rtlCol="0">
+            <a:spAutoFit/>
+          </a:bodyPr>
+          <a:lstStyle/>
+          <a:p>
+            <a:r>
+              <a:rPr lang="en-US" sz="2800" dirty="0" smtClean="0">
+                <a:hlinkClick r:id="rId2"/>
+              </a:rPr>
+              <a:t>http://ru.wikipedia.org/wiki/IEEE_1394</a:t>
+            </a:r>
+            <a:endParaRPr lang="ru-RU" sz="2800" dirty="0" smtClean="0"/>
+          </a:p>
+          <a:p>
+            <a:endParaRPr lang="ru-RU" sz="2800" dirty="0" smtClean="0"/>
+          </a:p>
+          <a:p>
+            <a:r>
+              <a:rPr lang="en-US" sz="2800" dirty="0" smtClean="0">
+                <a:hlinkClick r:id="rId3"/>
+              </a:rPr>
+              <a:t>http://www.ixbt.com/mainboard/firewire.html</a:t>
+            </a:r>
+            <a:endParaRPr lang="ru-RU" sz="2800" dirty="0" smtClean="0"/>
+          </a:p>
+          <a:p>
+            <a:endParaRPr lang="ru-RU" sz="2800" dirty="0" smtClean="0"/>
+          </a:p>
+          <a:p>
+            <a:r>
+              <a:rPr lang="ru-RU" sz="2800" dirty="0" smtClean="0">
+                <a:latin typeface="Tahoma" pitchFamily="34" charset="0"/>
+                <a:ea typeface="Tahoma" pitchFamily="34" charset="0"/>
+                <a:cs typeface="Tahoma" pitchFamily="34" charset="0"/>
+              </a:rPr>
+              <a:t>Михаил Гук – «Аппаратные интерфейсы ПК</a:t>
+            </a:r>
+            <a:r>
+              <a:rPr lang="ru-RU" sz="2800" dirty="0" smtClean="0">
+                <a:latin typeface="Tahoma" pitchFamily="34" charset="0"/>
+                <a:ea typeface="Tahoma" pitchFamily="34" charset="0"/>
+                <a:cs typeface="Tahoma" pitchFamily="34" charset="0"/>
+              </a:rPr>
+              <a:t>»</a:t>
+            </a:r>
+          </a:p>
+          <a:p>
+            <a:endParaRPr lang="ru-RU" sz="2800" dirty="0" smtClean="0">
+              <a:latin typeface="Tahoma" pitchFamily="34" charset="0"/>
+              <a:ea typeface="Tahoma" pitchFamily="34" charset="0"/>
+              <a:cs typeface="Tahoma" pitchFamily="34" charset="0"/>
+            </a:endParaRPr>
+          </a:p>
+          <a:p>
+            <a:r>
+              <a:rPr lang="en-US" sz="2800" dirty="0" smtClean="0">
+                <a:hlinkClick r:id="rId4"/>
+              </a:rPr>
+              <a:t>http://acust.narod.ru/files/books/USB1394.pdf</a:t>
+            </a:r>
+            <a:endParaRPr lang="ru-RU" sz="2800" dirty="0" smtClean="0">
+              <a:latin typeface="Tahoma" pitchFamily="34" charset="0"/>
+              <a:ea typeface="Tahoma" pitchFamily="34" charset="0"/>
+              <a:cs typeface="Tahoma" pitchFamily="34" charset="0"/>
+            </a:endParaRPr>
+          </a:p>
+        </p:txBody>
+      </p:sp>
+    </p:spTree>
+  </p:cSld>
+  <p:clrMapOvr>
+    <a:masterClrMapping/>
+  </p:clrMapOvr>
+  <p:transition>
+    <p:wipe/>
+  </p:transition>
+  <p:timing>
+    <p:tnLst>
+      <p:par>
+        <p:cTn id="1" dur="indefinite" restart="never" nodeType="tmRoot"/>
       </p:par>
     </p:tnLst>
   </p:timing>

--- a/FireWire.pptx
+++ b/FireWire.pptx
@@ -24,7 +24,11 @@
     <p:sldId id="277" r:id="rId18"/>
     <p:sldId id="274" r:id="rId19"/>
     <p:sldId id="275" r:id="rId20"/>
-    <p:sldId id="259" r:id="rId21"/>
+    <p:sldId id="278" r:id="rId21"/>
+    <p:sldId id="279" r:id="rId22"/>
+    <p:sldId id="280" r:id="rId23"/>
+    <p:sldId id="281" r:id="rId24"/>
+    <p:sldId id="259" r:id="rId25"/>
   </p:sldIdLst>
   <p:sldSz cx="9144000" cy="6858000" type="screen4x3"/>
   <p:notesSz cx="6858000" cy="9144000"/>
@@ -375,7 +379,7 @@
             <a:fld id="{799D4765-68C2-4C2B-8CC2-5805D7E5B5FF}" type="datetimeFigureOut">
               <a:rPr lang="ru-RU" smtClean="0"/>
               <a:pPr/>
-              <a:t>07.10.2013</a:t>
+              <a:t>08.10.2013</a:t>
             </a:fld>
             <a:endParaRPr lang="ru-RU"/>
           </a:p>
@@ -568,7 +572,7 @@
             <a:fld id="{799D4765-68C2-4C2B-8CC2-5805D7E5B5FF}" type="datetimeFigureOut">
               <a:rPr lang="ru-RU" smtClean="0"/>
               <a:pPr/>
-              <a:t>07.10.2013</a:t>
+              <a:t>08.10.2013</a:t>
             </a:fld>
             <a:endParaRPr lang="ru-RU"/>
           </a:p>
@@ -751,7 +755,7 @@
             <a:fld id="{799D4765-68C2-4C2B-8CC2-5805D7E5B5FF}" type="datetimeFigureOut">
               <a:rPr lang="ru-RU" smtClean="0"/>
               <a:pPr/>
-              <a:t>07.10.2013</a:t>
+              <a:t>08.10.2013</a:t>
             </a:fld>
             <a:endParaRPr lang="ru-RU"/>
           </a:p>
@@ -1010,7 +1014,7 @@
             <a:fld id="{799D4765-68C2-4C2B-8CC2-5805D7E5B5FF}" type="datetimeFigureOut">
               <a:rPr lang="ru-RU" smtClean="0"/>
               <a:pPr/>
-              <a:t>07.10.2013</a:t>
+              <a:t>08.10.2013</a:t>
             </a:fld>
             <a:endParaRPr lang="ru-RU"/>
           </a:p>
@@ -1311,7 +1315,7 @@
             <a:fld id="{799D4765-68C2-4C2B-8CC2-5805D7E5B5FF}" type="datetimeFigureOut">
               <a:rPr lang="ru-RU" smtClean="0"/>
               <a:pPr/>
-              <a:t>07.10.2013</a:t>
+              <a:t>08.10.2013</a:t>
             </a:fld>
             <a:endParaRPr lang="ru-RU"/>
           </a:p>
@@ -1746,7 +1750,7 @@
             <a:fld id="{799D4765-68C2-4C2B-8CC2-5805D7E5B5FF}" type="datetimeFigureOut">
               <a:rPr lang="ru-RU" smtClean="0"/>
               <a:pPr/>
-              <a:t>07.10.2013</a:t>
+              <a:t>08.10.2013</a:t>
             </a:fld>
             <a:endParaRPr lang="ru-RU"/>
           </a:p>
@@ -1877,7 +1881,7 @@
             <a:fld id="{799D4765-68C2-4C2B-8CC2-5805D7E5B5FF}" type="datetimeFigureOut">
               <a:rPr lang="ru-RU" smtClean="0"/>
               <a:pPr/>
-              <a:t>07.10.2013</a:t>
+              <a:t>08.10.2013</a:t>
             </a:fld>
             <a:endParaRPr lang="ru-RU"/>
           </a:p>
@@ -1985,7 +1989,7 @@
             <a:fld id="{799D4765-68C2-4C2B-8CC2-5805D7E5B5FF}" type="datetimeFigureOut">
               <a:rPr lang="ru-RU" smtClean="0"/>
               <a:pPr/>
-              <a:t>07.10.2013</a:t>
+              <a:t>08.10.2013</a:t>
             </a:fld>
             <a:endParaRPr lang="ru-RU"/>
           </a:p>
@@ -2275,7 +2279,7 @@
             <a:fld id="{799D4765-68C2-4C2B-8CC2-5805D7E5B5FF}" type="datetimeFigureOut">
               <a:rPr lang="ru-RU" smtClean="0"/>
               <a:pPr/>
-              <a:t>07.10.2013</a:t>
+              <a:t>08.10.2013</a:t>
             </a:fld>
             <a:endParaRPr lang="ru-RU"/>
           </a:p>
@@ -2545,7 +2549,7 @@
             <a:fld id="{799D4765-68C2-4C2B-8CC2-5805D7E5B5FF}" type="datetimeFigureOut">
               <a:rPr lang="ru-RU" smtClean="0"/>
               <a:pPr/>
-              <a:t>07.10.2013</a:t>
+              <a:t>08.10.2013</a:t>
             </a:fld>
             <a:endParaRPr lang="ru-RU"/>
           </a:p>
@@ -2771,7 +2775,7 @@
             <a:fld id="{799D4765-68C2-4C2B-8CC2-5805D7E5B5FF}" type="datetimeFigureOut">
               <a:rPr lang="ru-RU" smtClean="0"/>
               <a:pPr/>
-              <a:t>07.10.2013</a:t>
+              <a:t>08.10.2013</a:t>
             </a:fld>
             <a:endParaRPr lang="ru-RU"/>
           </a:p>
@@ -3927,11 +3931,6 @@
               </a:rPr>
               <a:t>подготовить все устройства, подождать некоторое время</a:t>
             </a:r>
-            <a:endParaRPr lang="ru-RU" sz="2800" dirty="0" smtClean="0">
-              <a:latin typeface="Tahoma" pitchFamily="34" charset="0"/>
-              <a:ea typeface="Tahoma" pitchFamily="34" charset="0"/>
-              <a:cs typeface="Tahoma" pitchFamily="34" charset="0"/>
-            </a:endParaRPr>
           </a:p>
           <a:p>
             <a:endParaRPr lang="ru-RU" sz="2800" b="1" u="sng" dirty="0" smtClean="0">
@@ -11887,11 +11886,6 @@
               </a:rPr>
               <a:t>До 27 разъемов на одном устройстве</a:t>
             </a:r>
-            <a:endParaRPr lang="ru-RU" sz="2800" dirty="0" smtClean="0">
-              <a:latin typeface="Tahoma" pitchFamily="34" charset="0"/>
-              <a:ea typeface="Tahoma" pitchFamily="34" charset="0"/>
-              <a:cs typeface="Tahoma" pitchFamily="34" charset="0"/>
-            </a:endParaRPr>
           </a:p>
           <a:p>
             <a:endParaRPr lang="ru-RU" sz="2800" dirty="0" smtClean="0">
@@ -14511,6 +14505,1490 @@
         </p:nvSpPr>
         <p:spPr/>
         <p:txBody>
+          <a:bodyPr>
+            <a:normAutofit/>
+          </a:bodyPr>
+          <a:lstStyle/>
+          <a:p>
+            <a:r>
+              <a:rPr lang="ru-RU" dirty="0" smtClean="0">
+                <a:latin typeface="Tahoma" pitchFamily="34" charset="0"/>
+                <a:ea typeface="Tahoma" pitchFamily="34" charset="0"/>
+                <a:cs typeface="Tahoma" pitchFamily="34" charset="0"/>
+              </a:rPr>
+              <a:t>Передача данных</a:t>
+            </a:r>
+            <a:endParaRPr lang="ru-RU" dirty="0">
+              <a:latin typeface="Tahoma" pitchFamily="34" charset="0"/>
+              <a:ea typeface="Tahoma" pitchFamily="34" charset="0"/>
+              <a:cs typeface="Tahoma" pitchFamily="34" charset="0"/>
+            </a:endParaRPr>
+          </a:p>
+        </p:txBody>
+      </p:sp>
+      <p:pic>
+        <p:nvPicPr>
+          <p:cNvPr id="4" name="Рисунок 3" descr="333.png"/>
+          <p:cNvPicPr>
+            <a:picLocks noChangeAspect="1"/>
+          </p:cNvPicPr>
+          <p:nvPr/>
+        </p:nvPicPr>
+        <p:blipFill>
+          <a:blip r:embed="rId2"/>
+          <a:stretch>
+            <a:fillRect/>
+          </a:stretch>
+        </p:blipFill>
+        <p:spPr>
+          <a:xfrm>
+            <a:off x="357158" y="1857363"/>
+            <a:ext cx="8501122" cy="4414947"/>
+          </a:xfrm>
+          <a:prstGeom prst="rect">
+            <a:avLst/>
+          </a:prstGeom>
+        </p:spPr>
+      </p:pic>
+    </p:spTree>
+  </p:cSld>
+  <p:clrMapOvr>
+    <a:masterClrMapping/>
+  </p:clrMapOvr>
+  <p:transition>
+    <p:wipe/>
+  </p:transition>
+  <p:timing>
+    <p:tnLst>
+      <p:par>
+        <p:cTn id="1" dur="indefinite" restart="never" nodeType="tmRoot"/>
+      </p:par>
+    </p:tnLst>
+  </p:timing>
+</p:sld>
+</file>
+
+<file path=ppt/slides/slide21.xml><?xml version="1.0" encoding="utf-8"?>
+<p:sld xmlns:a="http://schemas.openxmlformats.org/drawingml/2006/main" xmlns:r="http://schemas.openxmlformats.org/officeDocument/2006/relationships" xmlns:p="http://schemas.openxmlformats.org/presentationml/2006/main">
+  <p:cSld>
+    <p:spTree>
+      <p:nvGrpSpPr>
+        <p:cNvPr id="1" name=""/>
+        <p:cNvGrpSpPr/>
+        <p:nvPr/>
+      </p:nvGrpSpPr>
+      <p:grpSpPr>
+        <a:xfrm>
+          <a:off x="0" y="0"/>
+          <a:ext cx="0" cy="0"/>
+          <a:chOff x="0" y="0"/>
+          <a:chExt cx="0" cy="0"/>
+        </a:xfrm>
+      </p:grpSpPr>
+      <p:sp>
+        <p:nvSpPr>
+          <p:cNvPr id="2" name="Заголовок 1"/>
+          <p:cNvSpPr>
+            <a:spLocks noGrp="1"/>
+          </p:cNvSpPr>
+          <p:nvPr>
+            <p:ph type="title"/>
+          </p:nvPr>
+        </p:nvSpPr>
+        <p:spPr>
+          <a:xfrm>
+            <a:off x="0" y="406416"/>
+            <a:ext cx="9144000" cy="879444"/>
+          </a:xfrm>
+        </p:spPr>
+        <p:txBody>
+          <a:bodyPr>
+            <a:normAutofit fontScale="90000"/>
+          </a:bodyPr>
+          <a:lstStyle/>
+          <a:p>
+            <a:r>
+              <a:rPr lang="ru-RU" dirty="0" smtClean="0">
+                <a:latin typeface="Tahoma" pitchFamily="34" charset="0"/>
+                <a:ea typeface="Tahoma" pitchFamily="34" charset="0"/>
+                <a:cs typeface="Tahoma" pitchFamily="34" charset="0"/>
+              </a:rPr>
+              <a:t>Виртуальное адресное пространство</a:t>
+            </a:r>
+            <a:endParaRPr lang="ru-RU" dirty="0">
+              <a:latin typeface="Tahoma" pitchFamily="34" charset="0"/>
+              <a:ea typeface="Tahoma" pitchFamily="34" charset="0"/>
+              <a:cs typeface="Tahoma" pitchFamily="34" charset="0"/>
+            </a:endParaRPr>
+          </a:p>
+        </p:txBody>
+      </p:sp>
+      <p:pic>
+        <p:nvPicPr>
+          <p:cNvPr id="5" name="Рисунок 4" descr="333.png"/>
+          <p:cNvPicPr>
+            <a:picLocks noChangeAspect="1"/>
+          </p:cNvPicPr>
+          <p:nvPr/>
+        </p:nvPicPr>
+        <p:blipFill>
+          <a:blip r:embed="rId2"/>
+          <a:stretch>
+            <a:fillRect/>
+          </a:stretch>
+        </p:blipFill>
+        <p:spPr>
+          <a:xfrm>
+            <a:off x="1500166" y="1643050"/>
+            <a:ext cx="5930036" cy="5029549"/>
+          </a:xfrm>
+          <a:prstGeom prst="rect">
+            <a:avLst/>
+          </a:prstGeom>
+        </p:spPr>
+      </p:pic>
+    </p:spTree>
+  </p:cSld>
+  <p:clrMapOvr>
+    <a:masterClrMapping/>
+  </p:clrMapOvr>
+  <p:transition>
+    <p:wipe/>
+  </p:transition>
+  <p:timing>
+    <p:tnLst>
+      <p:par>
+        <p:cTn id="1" dur="indefinite" restart="never" nodeType="tmRoot">
+          <p:childTnLst>
+            <p:seq concurrent="1" nextAc="seek">
+              <p:cTn id="2" dur="indefinite" nodeType="mainSeq">
+                <p:childTnLst>
+                  <p:par>
+                    <p:cTn id="3" fill="hold">
+                      <p:stCondLst>
+                        <p:cond delay="indefinite"/>
+                      </p:stCondLst>
+                      <p:childTnLst>
+                        <p:par>
+                          <p:cTn id="4" fill="hold">
+                            <p:stCondLst>
+                              <p:cond delay="0"/>
+                            </p:stCondLst>
+                            <p:childTnLst>
+                              <p:par>
+                                <p:cTn id="5" presetID="3" presetClass="entr" presetSubtype="10" fill="hold" nodeType="clickEffect">
+                                  <p:stCondLst>
+                                    <p:cond delay="0"/>
+                                  </p:stCondLst>
+                                  <p:childTnLst>
+                                    <p:set>
+                                      <p:cBhvr>
+                                        <p:cTn id="6" dur="1" fill="hold">
+                                          <p:stCondLst>
+                                            <p:cond delay="0"/>
+                                          </p:stCondLst>
+                                        </p:cTn>
+                                        <p:tgtEl>
+                                          <p:spTgt spid="5"/>
+                                        </p:tgtEl>
+                                        <p:attrNameLst>
+                                          <p:attrName>style.visibility</p:attrName>
+                                        </p:attrNameLst>
+                                      </p:cBhvr>
+                                      <p:to>
+                                        <p:strVal val="visible"/>
+                                      </p:to>
+                                    </p:set>
+                                    <p:animEffect transition="in" filter="blinds(horizontal)">
+                                      <p:cBhvr>
+                                        <p:cTn id="7" dur="500"/>
+                                        <p:tgtEl>
+                                          <p:spTgt spid="5"/>
+                                        </p:tgtEl>
+                                      </p:cBhvr>
+                                    </p:animEffect>
+                                  </p:childTnLst>
+                                </p:cTn>
+                              </p:par>
+                            </p:childTnLst>
+                          </p:cTn>
+                        </p:par>
+                      </p:childTnLst>
+                    </p:cTn>
+                  </p:par>
+                </p:childTnLst>
+              </p:cTn>
+              <p:prevCondLst>
+                <p:cond evt="onPrev" delay="0">
+                  <p:tgtEl>
+                    <p:sldTgt/>
+                  </p:tgtEl>
+                </p:cond>
+              </p:prevCondLst>
+              <p:nextCondLst>
+                <p:cond evt="onNext" delay="0">
+                  <p:tgtEl>
+                    <p:sldTgt/>
+                  </p:tgtEl>
+                </p:cond>
+              </p:nextCondLst>
+            </p:seq>
+          </p:childTnLst>
+        </p:cTn>
+      </p:par>
+    </p:tnLst>
+  </p:timing>
+</p:sld>
+</file>
+
+<file path=ppt/slides/slide22.xml><?xml version="1.0" encoding="utf-8"?>
+<p:sld xmlns:a="http://schemas.openxmlformats.org/drawingml/2006/main" xmlns:r="http://schemas.openxmlformats.org/officeDocument/2006/relationships" xmlns:p="http://schemas.openxmlformats.org/presentationml/2006/main">
+  <p:cSld>
+    <p:spTree>
+      <p:nvGrpSpPr>
+        <p:cNvPr id="1" name=""/>
+        <p:cNvGrpSpPr/>
+        <p:nvPr/>
+      </p:nvGrpSpPr>
+      <p:grpSpPr>
+        <a:xfrm>
+          <a:off x="0" y="0"/>
+          <a:ext cx="0" cy="0"/>
+          <a:chOff x="0" y="0"/>
+          <a:chExt cx="0" cy="0"/>
+        </a:xfrm>
+      </p:grpSpPr>
+      <p:sp>
+        <p:nvSpPr>
+          <p:cNvPr id="2" name="Заголовок 1"/>
+          <p:cNvSpPr>
+            <a:spLocks noGrp="1"/>
+          </p:cNvSpPr>
+          <p:nvPr>
+            <p:ph type="title"/>
+          </p:nvPr>
+        </p:nvSpPr>
+        <p:spPr/>
+        <p:txBody>
+          <a:bodyPr>
+            <a:normAutofit/>
+          </a:bodyPr>
+          <a:lstStyle/>
+          <a:p>
+            <a:r>
+              <a:rPr lang="ru-RU" dirty="0" smtClean="0">
+                <a:latin typeface="Tahoma" pitchFamily="34" charset="0"/>
+                <a:ea typeface="Tahoma" pitchFamily="34" charset="0"/>
+                <a:cs typeface="Tahoma" pitchFamily="34" charset="0"/>
+              </a:rPr>
+              <a:t>Подключае</a:t>
+            </a:r>
+            <a:r>
+              <a:rPr lang="ru-RU" dirty="0" smtClean="0">
+                <a:latin typeface="Tahoma" pitchFamily="34" charset="0"/>
+                <a:ea typeface="Tahoma" pitchFamily="34" charset="0"/>
+                <a:cs typeface="Tahoma" pitchFamily="34" charset="0"/>
+              </a:rPr>
+              <a:t>м камеру</a:t>
+            </a:r>
+            <a:endParaRPr lang="ru-RU" dirty="0">
+              <a:latin typeface="Tahoma" pitchFamily="34" charset="0"/>
+              <a:ea typeface="Tahoma" pitchFamily="34" charset="0"/>
+              <a:cs typeface="Tahoma" pitchFamily="34" charset="0"/>
+            </a:endParaRPr>
+          </a:p>
+        </p:txBody>
+      </p:sp>
+      <p:sp>
+        <p:nvSpPr>
+          <p:cNvPr id="6" name="TextBox 5"/>
+          <p:cNvSpPr txBox="1"/>
+          <p:nvPr/>
+        </p:nvSpPr>
+        <p:spPr>
+          <a:xfrm>
+            <a:off x="357158" y="1785926"/>
+            <a:ext cx="8429684" cy="4401205"/>
+          </a:xfrm>
+          <a:prstGeom prst="rect">
+            <a:avLst/>
+          </a:prstGeom>
+          <a:noFill/>
+        </p:spPr>
+        <p:txBody>
+          <a:bodyPr wrap="square" rtlCol="0">
+            <a:spAutoFit/>
+          </a:bodyPr>
+          <a:lstStyle/>
+          <a:p>
+            <a:r>
+              <a:rPr lang="ru-RU" sz="2800" dirty="0" smtClean="0">
+                <a:latin typeface="Tahoma" pitchFamily="34" charset="0"/>
+                <a:ea typeface="Tahoma" pitchFamily="34" charset="0"/>
+                <a:cs typeface="Tahoma" pitchFamily="34" charset="0"/>
+              </a:rPr>
+              <a:t>Записать в регистры камеры по адресу </a:t>
+            </a:r>
+            <a:r>
+              <a:rPr lang="en-US" sz="2800" dirty="0" smtClean="0">
+                <a:latin typeface="Tahoma" pitchFamily="34" charset="0"/>
+                <a:ea typeface="Tahoma" pitchFamily="34" charset="0"/>
+                <a:cs typeface="Tahoma" pitchFamily="34" charset="0"/>
+              </a:rPr>
+              <a:t>0xFFFF.F0F0.0000 </a:t>
+            </a:r>
+            <a:r>
+              <a:rPr lang="ru-RU" sz="2800" dirty="0" smtClean="0">
+                <a:latin typeface="Tahoma" pitchFamily="34" charset="0"/>
+                <a:ea typeface="Tahoma" pitchFamily="34" charset="0"/>
+                <a:cs typeface="Tahoma" pitchFamily="34" charset="0"/>
+              </a:rPr>
+              <a:t>значение </a:t>
+            </a:r>
+            <a:r>
+              <a:rPr lang="en-US" sz="2800" dirty="0" smtClean="0">
+                <a:latin typeface="Tahoma" pitchFamily="34" charset="0"/>
+                <a:ea typeface="Tahoma" pitchFamily="34" charset="0"/>
+                <a:cs typeface="Tahoma" pitchFamily="34" charset="0"/>
+              </a:rPr>
+              <a:t>0x8000.0000 (</a:t>
+            </a:r>
+            <a:r>
+              <a:rPr lang="ru-RU" sz="2800" dirty="0" smtClean="0">
+                <a:latin typeface="Tahoma" pitchFamily="34" charset="0"/>
+                <a:ea typeface="Tahoma" pitchFamily="34" charset="0"/>
+                <a:cs typeface="Tahoma" pitchFamily="34" charset="0"/>
+              </a:rPr>
+              <a:t>инициализация камеры)</a:t>
+            </a:r>
+          </a:p>
+          <a:p>
+            <a:endParaRPr lang="ru-RU" sz="2800" dirty="0" smtClean="0">
+              <a:latin typeface="Tahoma" pitchFamily="34" charset="0"/>
+              <a:ea typeface="Tahoma" pitchFamily="34" charset="0"/>
+              <a:cs typeface="Tahoma" pitchFamily="34" charset="0"/>
+            </a:endParaRPr>
+          </a:p>
+          <a:p>
+            <a:r>
+              <a:rPr lang="ru-RU" sz="2800" dirty="0" smtClean="0">
+                <a:latin typeface="Tahoma" pitchFamily="34" charset="0"/>
+                <a:ea typeface="Tahoma" pitchFamily="34" charset="0"/>
+                <a:cs typeface="Tahoma" pitchFamily="34" charset="0"/>
+              </a:rPr>
+              <a:t>Установить количество кадров в секунду (7.5)</a:t>
+            </a:r>
+            <a:r>
+              <a:rPr lang="en-US" sz="2800" dirty="0" smtClean="0">
+                <a:latin typeface="Tahoma" pitchFamily="34" charset="0"/>
+                <a:ea typeface="Tahoma" pitchFamily="34" charset="0"/>
+                <a:cs typeface="Tahoma" pitchFamily="34" charset="0"/>
+              </a:rPr>
+              <a:t>, </a:t>
+            </a:r>
+            <a:r>
+              <a:rPr lang="ru-RU" sz="2800" dirty="0" smtClean="0">
+                <a:latin typeface="Tahoma" pitchFamily="34" charset="0"/>
+                <a:ea typeface="Tahoma" pitchFamily="34" charset="0"/>
+                <a:cs typeface="Tahoma" pitchFamily="34" charset="0"/>
+              </a:rPr>
+              <a:t>записав по адресу </a:t>
+            </a:r>
+            <a:r>
+              <a:rPr lang="en-US" sz="2800" dirty="0" smtClean="0">
+                <a:latin typeface="Tahoma" pitchFamily="34" charset="0"/>
+                <a:ea typeface="Tahoma" pitchFamily="34" charset="0"/>
+                <a:cs typeface="Tahoma" pitchFamily="34" charset="0"/>
+              </a:rPr>
+              <a:t>0xFFFF.F0F0.0600</a:t>
+            </a:r>
+            <a:r>
+              <a:rPr lang="ru-RU" sz="2800" dirty="0" smtClean="0">
+                <a:latin typeface="Tahoma" pitchFamily="34" charset="0"/>
+                <a:ea typeface="Tahoma" pitchFamily="34" charset="0"/>
+                <a:cs typeface="Tahoma" pitchFamily="34" charset="0"/>
+              </a:rPr>
+              <a:t> значение </a:t>
+            </a:r>
+            <a:r>
+              <a:rPr lang="en-US" sz="2800" dirty="0" smtClean="0">
+                <a:latin typeface="Tahoma" pitchFamily="34" charset="0"/>
+                <a:ea typeface="Tahoma" pitchFamily="34" charset="0"/>
+                <a:cs typeface="Tahoma" pitchFamily="34" charset="0"/>
+              </a:rPr>
+              <a:t>0x4000.0000</a:t>
+            </a:r>
+          </a:p>
+          <a:p>
+            <a:endParaRPr lang="en-US" sz="2800" dirty="0" smtClean="0">
+              <a:latin typeface="Tahoma" pitchFamily="34" charset="0"/>
+              <a:ea typeface="Tahoma" pitchFamily="34" charset="0"/>
+              <a:cs typeface="Tahoma" pitchFamily="34" charset="0"/>
+            </a:endParaRPr>
+          </a:p>
+          <a:p>
+            <a:r>
+              <a:rPr lang="ru-RU" sz="2800" dirty="0" smtClean="0">
+                <a:latin typeface="Tahoma" pitchFamily="34" charset="0"/>
+                <a:ea typeface="Tahoma" pitchFamily="34" charset="0"/>
+                <a:cs typeface="Tahoma" pitchFamily="34" charset="0"/>
+              </a:rPr>
+              <a:t>Выбрать разрешение (1024</a:t>
+            </a:r>
+            <a:r>
+              <a:rPr lang="en-US" sz="2800" dirty="0" smtClean="0">
+                <a:latin typeface="Tahoma" pitchFamily="34" charset="0"/>
+                <a:ea typeface="Tahoma" pitchFamily="34" charset="0"/>
+                <a:cs typeface="Tahoma" pitchFamily="34" charset="0"/>
+              </a:rPr>
+              <a:t>x</a:t>
+            </a:r>
+            <a:r>
+              <a:rPr lang="ru-RU" sz="2800" dirty="0" smtClean="0">
+                <a:latin typeface="Tahoma" pitchFamily="34" charset="0"/>
+                <a:ea typeface="Tahoma" pitchFamily="34" charset="0"/>
+                <a:cs typeface="Tahoma" pitchFamily="34" charset="0"/>
+              </a:rPr>
+              <a:t>768), записав п</a:t>
+            </a:r>
+            <a:r>
+              <a:rPr lang="ru-RU" sz="2800" dirty="0" smtClean="0">
+                <a:latin typeface="Tahoma" pitchFamily="34" charset="0"/>
+                <a:ea typeface="Tahoma" pitchFamily="34" charset="0"/>
+                <a:cs typeface="Tahoma" pitchFamily="34" charset="0"/>
+              </a:rPr>
+              <a:t>о адресу </a:t>
+            </a:r>
+            <a:r>
+              <a:rPr lang="en-US" sz="2800" dirty="0" smtClean="0">
+                <a:latin typeface="Tahoma" pitchFamily="34" charset="0"/>
+                <a:ea typeface="Tahoma" pitchFamily="34" charset="0"/>
+                <a:cs typeface="Tahoma" pitchFamily="34" charset="0"/>
+              </a:rPr>
+              <a:t>0xFFFF.F0F0.0604 </a:t>
+            </a:r>
+            <a:r>
+              <a:rPr lang="ru-RU" sz="2800" dirty="0" smtClean="0">
+                <a:latin typeface="Tahoma" pitchFamily="34" charset="0"/>
+                <a:ea typeface="Tahoma" pitchFamily="34" charset="0"/>
+                <a:cs typeface="Tahoma" pitchFamily="34" charset="0"/>
+              </a:rPr>
+              <a:t>значение </a:t>
+            </a:r>
+            <a:r>
+              <a:rPr lang="en-US" sz="2800" dirty="0" smtClean="0">
+                <a:latin typeface="Tahoma" pitchFamily="34" charset="0"/>
+                <a:ea typeface="Tahoma" pitchFamily="34" charset="0"/>
+                <a:cs typeface="Tahoma" pitchFamily="34" charset="0"/>
+              </a:rPr>
+              <a:t>0xA000.0000</a:t>
+            </a:r>
+            <a:endParaRPr lang="ru-RU" sz="2800" dirty="0" smtClean="0">
+              <a:latin typeface="Tahoma" pitchFamily="34" charset="0"/>
+              <a:ea typeface="Tahoma" pitchFamily="34" charset="0"/>
+              <a:cs typeface="Tahoma" pitchFamily="34" charset="0"/>
+            </a:endParaRPr>
+          </a:p>
+        </p:txBody>
+      </p:sp>
+      <p:pic>
+        <p:nvPicPr>
+          <p:cNvPr id="5" name="Рисунок 4" descr="sony_hc1e_kamera13_big.jpg"/>
+          <p:cNvPicPr>
+            <a:picLocks noChangeAspect="1"/>
+          </p:cNvPicPr>
+          <p:nvPr/>
+        </p:nvPicPr>
+        <p:blipFill>
+          <a:blip r:embed="rId2"/>
+          <a:stretch>
+            <a:fillRect/>
+          </a:stretch>
+        </p:blipFill>
+        <p:spPr>
+          <a:xfrm>
+            <a:off x="1214414" y="1643050"/>
+            <a:ext cx="6667515" cy="5000636"/>
+          </a:xfrm>
+          <a:prstGeom prst="rect">
+            <a:avLst/>
+          </a:prstGeom>
+        </p:spPr>
+      </p:pic>
+    </p:spTree>
+  </p:cSld>
+  <p:clrMapOvr>
+    <a:masterClrMapping/>
+  </p:clrMapOvr>
+  <p:transition>
+    <p:wipe/>
+  </p:transition>
+  <p:timing>
+    <p:tnLst>
+      <p:par>
+        <p:cTn id="1" dur="indefinite" restart="never" nodeType="tmRoot">
+          <p:childTnLst>
+            <p:seq concurrent="1" nextAc="seek">
+              <p:cTn id="2" dur="indefinite" nodeType="mainSeq">
+                <p:childTnLst>
+                  <p:par>
+                    <p:cTn id="3" fill="hold">
+                      <p:stCondLst>
+                        <p:cond delay="indefinite"/>
+                      </p:stCondLst>
+                      <p:childTnLst>
+                        <p:par>
+                          <p:cTn id="4" fill="hold">
+                            <p:stCondLst>
+                              <p:cond delay="0"/>
+                            </p:stCondLst>
+                            <p:childTnLst>
+                              <p:par>
+                                <p:cTn id="5" presetID="3" presetClass="entr" presetSubtype="10" fill="hold" nodeType="clickEffect">
+                                  <p:stCondLst>
+                                    <p:cond delay="0"/>
+                                  </p:stCondLst>
+                                  <p:childTnLst>
+                                    <p:set>
+                                      <p:cBhvr>
+                                        <p:cTn id="6" dur="1" fill="hold">
+                                          <p:stCondLst>
+                                            <p:cond delay="0"/>
+                                          </p:stCondLst>
+                                        </p:cTn>
+                                        <p:tgtEl>
+                                          <p:spTgt spid="5"/>
+                                        </p:tgtEl>
+                                        <p:attrNameLst>
+                                          <p:attrName>style.visibility</p:attrName>
+                                        </p:attrNameLst>
+                                      </p:cBhvr>
+                                      <p:to>
+                                        <p:strVal val="visible"/>
+                                      </p:to>
+                                    </p:set>
+                                    <p:animEffect transition="in" filter="blinds(horizontal)">
+                                      <p:cBhvr>
+                                        <p:cTn id="7" dur="500"/>
+                                        <p:tgtEl>
+                                          <p:spTgt spid="5"/>
+                                        </p:tgtEl>
+                                      </p:cBhvr>
+                                    </p:animEffect>
+                                  </p:childTnLst>
+                                </p:cTn>
+                              </p:par>
+                            </p:childTnLst>
+                          </p:cTn>
+                        </p:par>
+                      </p:childTnLst>
+                    </p:cTn>
+                  </p:par>
+                  <p:par>
+                    <p:cTn id="8" fill="hold">
+                      <p:stCondLst>
+                        <p:cond delay="indefinite"/>
+                      </p:stCondLst>
+                      <p:childTnLst>
+                        <p:par>
+                          <p:cTn id="9" fill="hold">
+                            <p:stCondLst>
+                              <p:cond delay="0"/>
+                            </p:stCondLst>
+                            <p:childTnLst>
+                              <p:par>
+                                <p:cTn id="10" presetID="7" presetClass="exit" presetSubtype="4" fill="hold" nodeType="clickEffect">
+                                  <p:stCondLst>
+                                    <p:cond delay="0"/>
+                                  </p:stCondLst>
+                                  <p:childTnLst>
+                                    <p:anim calcmode="lin" valueType="num">
+                                      <p:cBhvr additive="base">
+                                        <p:cTn id="11" dur="500"/>
+                                        <p:tgtEl>
+                                          <p:spTgt spid="5"/>
+                                        </p:tgtEl>
+                                        <p:attrNameLst>
+                                          <p:attrName>ppt_x</p:attrName>
+                                        </p:attrNameLst>
+                                      </p:cBhvr>
+                                      <p:tavLst>
+                                        <p:tav tm="0">
+                                          <p:val>
+                                            <p:strVal val="ppt_x"/>
+                                          </p:val>
+                                        </p:tav>
+                                        <p:tav tm="100000">
+                                          <p:val>
+                                            <p:strVal val="ppt_x"/>
+                                          </p:val>
+                                        </p:tav>
+                                      </p:tavLst>
+                                    </p:anim>
+                                    <p:anim calcmode="lin" valueType="num">
+                                      <p:cBhvr additive="base">
+                                        <p:cTn id="12" dur="500"/>
+                                        <p:tgtEl>
+                                          <p:spTgt spid="5"/>
+                                        </p:tgtEl>
+                                        <p:attrNameLst>
+                                          <p:attrName>ppt_y</p:attrName>
+                                        </p:attrNameLst>
+                                      </p:cBhvr>
+                                      <p:tavLst>
+                                        <p:tav tm="0">
+                                          <p:val>
+                                            <p:strVal val="ppt_y"/>
+                                          </p:val>
+                                        </p:tav>
+                                        <p:tav tm="100000">
+                                          <p:val>
+                                            <p:strVal val="1+ppt_h/2"/>
+                                          </p:val>
+                                        </p:tav>
+                                      </p:tavLst>
+                                    </p:anim>
+                                    <p:set>
+                                      <p:cBhvr>
+                                        <p:cTn id="13" dur="1" fill="hold">
+                                          <p:stCondLst>
+                                            <p:cond delay="499"/>
+                                          </p:stCondLst>
+                                        </p:cTn>
+                                        <p:tgtEl>
+                                          <p:spTgt spid="5"/>
+                                        </p:tgtEl>
+                                        <p:attrNameLst>
+                                          <p:attrName>style.visibility</p:attrName>
+                                        </p:attrNameLst>
+                                      </p:cBhvr>
+                                      <p:to>
+                                        <p:strVal val="hidden"/>
+                                      </p:to>
+                                    </p:set>
+                                  </p:childTnLst>
+                                </p:cTn>
+                              </p:par>
+                              <p:par>
+                                <p:cTn id="14" presetID="42" presetClass="entr" presetSubtype="0" fill="hold" nodeType="withEffect">
+                                  <p:stCondLst>
+                                    <p:cond delay="0"/>
+                                  </p:stCondLst>
+                                  <p:childTnLst>
+                                    <p:set>
+                                      <p:cBhvr>
+                                        <p:cTn id="15" dur="1" fill="hold">
+                                          <p:stCondLst>
+                                            <p:cond delay="0"/>
+                                          </p:stCondLst>
+                                        </p:cTn>
+                                        <p:tgtEl>
+                                          <p:spTgt spid="6">
+                                            <p:txEl>
+                                              <p:pRg st="0" end="0"/>
+                                            </p:txEl>
+                                          </p:spTgt>
+                                        </p:tgtEl>
+                                        <p:attrNameLst>
+                                          <p:attrName>style.visibility</p:attrName>
+                                        </p:attrNameLst>
+                                      </p:cBhvr>
+                                      <p:to>
+                                        <p:strVal val="visible"/>
+                                      </p:to>
+                                    </p:set>
+                                    <p:animEffect transition="in" filter="fade">
+                                      <p:cBhvr>
+                                        <p:cTn id="16" dur="1000"/>
+                                        <p:tgtEl>
+                                          <p:spTgt spid="6">
+                                            <p:txEl>
+                                              <p:pRg st="0" end="0"/>
+                                            </p:txEl>
+                                          </p:spTgt>
+                                        </p:tgtEl>
+                                      </p:cBhvr>
+                                    </p:animEffect>
+                                    <p:anim calcmode="lin" valueType="num">
+                                      <p:cBhvr>
+                                        <p:cTn id="17" dur="1000" fill="hold"/>
+                                        <p:tgtEl>
+                                          <p:spTgt spid="6">
+                                            <p:txEl>
+                                              <p:pRg st="0" end="0"/>
+                                            </p:txEl>
+                                          </p:spTgt>
+                                        </p:tgtEl>
+                                        <p:attrNameLst>
+                                          <p:attrName>ppt_x</p:attrName>
+                                        </p:attrNameLst>
+                                      </p:cBhvr>
+                                      <p:tavLst>
+                                        <p:tav tm="0">
+                                          <p:val>
+                                            <p:strVal val="#ppt_x"/>
+                                          </p:val>
+                                        </p:tav>
+                                        <p:tav tm="100000">
+                                          <p:val>
+                                            <p:strVal val="#ppt_x"/>
+                                          </p:val>
+                                        </p:tav>
+                                      </p:tavLst>
+                                    </p:anim>
+                                    <p:anim calcmode="lin" valueType="num">
+                                      <p:cBhvr>
+                                        <p:cTn id="18" dur="1000" fill="hold"/>
+                                        <p:tgtEl>
+                                          <p:spTgt spid="6">
+                                            <p:txEl>
+                                              <p:pRg st="0" end="0"/>
+                                            </p:txEl>
+                                          </p:spTgt>
+                                        </p:tgtEl>
+                                        <p:attrNameLst>
+                                          <p:attrName>ppt_y</p:attrName>
+                                        </p:attrNameLst>
+                                      </p:cBhvr>
+                                      <p:tavLst>
+                                        <p:tav tm="0">
+                                          <p:val>
+                                            <p:strVal val="#ppt_y+.1"/>
+                                          </p:val>
+                                        </p:tav>
+                                        <p:tav tm="100000">
+                                          <p:val>
+                                            <p:strVal val="#ppt_y"/>
+                                          </p:val>
+                                        </p:tav>
+                                      </p:tavLst>
+                                    </p:anim>
+                                  </p:childTnLst>
+                                </p:cTn>
+                              </p:par>
+                            </p:childTnLst>
+                          </p:cTn>
+                        </p:par>
+                      </p:childTnLst>
+                    </p:cTn>
+                  </p:par>
+                  <p:par>
+                    <p:cTn id="19" fill="hold">
+                      <p:stCondLst>
+                        <p:cond delay="indefinite"/>
+                      </p:stCondLst>
+                      <p:childTnLst>
+                        <p:par>
+                          <p:cTn id="20" fill="hold">
+                            <p:stCondLst>
+                              <p:cond delay="0"/>
+                            </p:stCondLst>
+                            <p:childTnLst>
+                              <p:par>
+                                <p:cTn id="21" presetID="42" presetClass="entr" presetSubtype="0" fill="hold" nodeType="clickEffect">
+                                  <p:stCondLst>
+                                    <p:cond delay="0"/>
+                                  </p:stCondLst>
+                                  <p:childTnLst>
+                                    <p:set>
+                                      <p:cBhvr>
+                                        <p:cTn id="22" dur="1" fill="hold">
+                                          <p:stCondLst>
+                                            <p:cond delay="0"/>
+                                          </p:stCondLst>
+                                        </p:cTn>
+                                        <p:tgtEl>
+                                          <p:spTgt spid="6">
+                                            <p:txEl>
+                                              <p:pRg st="2" end="2"/>
+                                            </p:txEl>
+                                          </p:spTgt>
+                                        </p:tgtEl>
+                                        <p:attrNameLst>
+                                          <p:attrName>style.visibility</p:attrName>
+                                        </p:attrNameLst>
+                                      </p:cBhvr>
+                                      <p:to>
+                                        <p:strVal val="visible"/>
+                                      </p:to>
+                                    </p:set>
+                                    <p:animEffect transition="in" filter="fade">
+                                      <p:cBhvr>
+                                        <p:cTn id="23" dur="1000"/>
+                                        <p:tgtEl>
+                                          <p:spTgt spid="6">
+                                            <p:txEl>
+                                              <p:pRg st="2" end="2"/>
+                                            </p:txEl>
+                                          </p:spTgt>
+                                        </p:tgtEl>
+                                      </p:cBhvr>
+                                    </p:animEffect>
+                                    <p:anim calcmode="lin" valueType="num">
+                                      <p:cBhvr>
+                                        <p:cTn id="24" dur="1000" fill="hold"/>
+                                        <p:tgtEl>
+                                          <p:spTgt spid="6">
+                                            <p:txEl>
+                                              <p:pRg st="2" end="2"/>
+                                            </p:txEl>
+                                          </p:spTgt>
+                                        </p:tgtEl>
+                                        <p:attrNameLst>
+                                          <p:attrName>ppt_x</p:attrName>
+                                        </p:attrNameLst>
+                                      </p:cBhvr>
+                                      <p:tavLst>
+                                        <p:tav tm="0">
+                                          <p:val>
+                                            <p:strVal val="#ppt_x"/>
+                                          </p:val>
+                                        </p:tav>
+                                        <p:tav tm="100000">
+                                          <p:val>
+                                            <p:strVal val="#ppt_x"/>
+                                          </p:val>
+                                        </p:tav>
+                                      </p:tavLst>
+                                    </p:anim>
+                                    <p:anim calcmode="lin" valueType="num">
+                                      <p:cBhvr>
+                                        <p:cTn id="25" dur="1000" fill="hold"/>
+                                        <p:tgtEl>
+                                          <p:spTgt spid="6">
+                                            <p:txEl>
+                                              <p:pRg st="2" end="2"/>
+                                            </p:txEl>
+                                          </p:spTgt>
+                                        </p:tgtEl>
+                                        <p:attrNameLst>
+                                          <p:attrName>ppt_y</p:attrName>
+                                        </p:attrNameLst>
+                                      </p:cBhvr>
+                                      <p:tavLst>
+                                        <p:tav tm="0">
+                                          <p:val>
+                                            <p:strVal val="#ppt_y+.1"/>
+                                          </p:val>
+                                        </p:tav>
+                                        <p:tav tm="100000">
+                                          <p:val>
+                                            <p:strVal val="#ppt_y"/>
+                                          </p:val>
+                                        </p:tav>
+                                      </p:tavLst>
+                                    </p:anim>
+                                  </p:childTnLst>
+                                </p:cTn>
+                              </p:par>
+                            </p:childTnLst>
+                          </p:cTn>
+                        </p:par>
+                      </p:childTnLst>
+                    </p:cTn>
+                  </p:par>
+                  <p:par>
+                    <p:cTn id="26" fill="hold">
+                      <p:stCondLst>
+                        <p:cond delay="indefinite"/>
+                      </p:stCondLst>
+                      <p:childTnLst>
+                        <p:par>
+                          <p:cTn id="27" fill="hold">
+                            <p:stCondLst>
+                              <p:cond delay="0"/>
+                            </p:stCondLst>
+                            <p:childTnLst>
+                              <p:par>
+                                <p:cTn id="28" presetID="42" presetClass="entr" presetSubtype="0" fill="hold" nodeType="clickEffect">
+                                  <p:stCondLst>
+                                    <p:cond delay="0"/>
+                                  </p:stCondLst>
+                                  <p:childTnLst>
+                                    <p:set>
+                                      <p:cBhvr>
+                                        <p:cTn id="29" dur="1" fill="hold">
+                                          <p:stCondLst>
+                                            <p:cond delay="0"/>
+                                          </p:stCondLst>
+                                        </p:cTn>
+                                        <p:tgtEl>
+                                          <p:spTgt spid="6">
+                                            <p:txEl>
+                                              <p:pRg st="4" end="4"/>
+                                            </p:txEl>
+                                          </p:spTgt>
+                                        </p:tgtEl>
+                                        <p:attrNameLst>
+                                          <p:attrName>style.visibility</p:attrName>
+                                        </p:attrNameLst>
+                                      </p:cBhvr>
+                                      <p:to>
+                                        <p:strVal val="visible"/>
+                                      </p:to>
+                                    </p:set>
+                                    <p:animEffect transition="in" filter="fade">
+                                      <p:cBhvr>
+                                        <p:cTn id="30" dur="1000"/>
+                                        <p:tgtEl>
+                                          <p:spTgt spid="6">
+                                            <p:txEl>
+                                              <p:pRg st="4" end="4"/>
+                                            </p:txEl>
+                                          </p:spTgt>
+                                        </p:tgtEl>
+                                      </p:cBhvr>
+                                    </p:animEffect>
+                                    <p:anim calcmode="lin" valueType="num">
+                                      <p:cBhvr>
+                                        <p:cTn id="31" dur="1000" fill="hold"/>
+                                        <p:tgtEl>
+                                          <p:spTgt spid="6">
+                                            <p:txEl>
+                                              <p:pRg st="4" end="4"/>
+                                            </p:txEl>
+                                          </p:spTgt>
+                                        </p:tgtEl>
+                                        <p:attrNameLst>
+                                          <p:attrName>ppt_x</p:attrName>
+                                        </p:attrNameLst>
+                                      </p:cBhvr>
+                                      <p:tavLst>
+                                        <p:tav tm="0">
+                                          <p:val>
+                                            <p:strVal val="#ppt_x"/>
+                                          </p:val>
+                                        </p:tav>
+                                        <p:tav tm="100000">
+                                          <p:val>
+                                            <p:strVal val="#ppt_x"/>
+                                          </p:val>
+                                        </p:tav>
+                                      </p:tavLst>
+                                    </p:anim>
+                                    <p:anim calcmode="lin" valueType="num">
+                                      <p:cBhvr>
+                                        <p:cTn id="32" dur="1000" fill="hold"/>
+                                        <p:tgtEl>
+                                          <p:spTgt spid="6">
+                                            <p:txEl>
+                                              <p:pRg st="4" end="4"/>
+                                            </p:txEl>
+                                          </p:spTgt>
+                                        </p:tgtEl>
+                                        <p:attrNameLst>
+                                          <p:attrName>ppt_y</p:attrName>
+                                        </p:attrNameLst>
+                                      </p:cBhvr>
+                                      <p:tavLst>
+                                        <p:tav tm="0">
+                                          <p:val>
+                                            <p:strVal val="#ppt_y+.1"/>
+                                          </p:val>
+                                        </p:tav>
+                                        <p:tav tm="100000">
+                                          <p:val>
+                                            <p:strVal val="#ppt_y"/>
+                                          </p:val>
+                                        </p:tav>
+                                      </p:tavLst>
+                                    </p:anim>
+                                  </p:childTnLst>
+                                </p:cTn>
+                              </p:par>
+                            </p:childTnLst>
+                          </p:cTn>
+                        </p:par>
+                      </p:childTnLst>
+                    </p:cTn>
+                  </p:par>
+                </p:childTnLst>
+              </p:cTn>
+              <p:prevCondLst>
+                <p:cond evt="onPrev" delay="0">
+                  <p:tgtEl>
+                    <p:sldTgt/>
+                  </p:tgtEl>
+                </p:cond>
+              </p:prevCondLst>
+              <p:nextCondLst>
+                <p:cond evt="onNext" delay="0">
+                  <p:tgtEl>
+                    <p:sldTgt/>
+                  </p:tgtEl>
+                </p:cond>
+              </p:nextCondLst>
+            </p:seq>
+          </p:childTnLst>
+        </p:cTn>
+      </p:par>
+    </p:tnLst>
+  </p:timing>
+</p:sld>
+</file>
+
+<file path=ppt/slides/slide23.xml><?xml version="1.0" encoding="utf-8"?>
+<p:sld xmlns:a="http://schemas.openxmlformats.org/drawingml/2006/main" xmlns:r="http://schemas.openxmlformats.org/officeDocument/2006/relationships" xmlns:p="http://schemas.openxmlformats.org/presentationml/2006/main">
+  <p:cSld>
+    <p:spTree>
+      <p:nvGrpSpPr>
+        <p:cNvPr id="1" name=""/>
+        <p:cNvGrpSpPr/>
+        <p:nvPr/>
+      </p:nvGrpSpPr>
+      <p:grpSpPr>
+        <a:xfrm>
+          <a:off x="0" y="0"/>
+          <a:ext cx="0" cy="0"/>
+          <a:chOff x="0" y="0"/>
+          <a:chExt cx="0" cy="0"/>
+        </a:xfrm>
+      </p:grpSpPr>
+      <p:sp>
+        <p:nvSpPr>
+          <p:cNvPr id="2" name="Заголовок 1"/>
+          <p:cNvSpPr>
+            <a:spLocks noGrp="1"/>
+          </p:cNvSpPr>
+          <p:nvPr>
+            <p:ph type="title"/>
+          </p:nvPr>
+        </p:nvSpPr>
+        <p:spPr/>
+        <p:txBody>
+          <a:bodyPr>
+            <a:normAutofit/>
+          </a:bodyPr>
+          <a:lstStyle/>
+          <a:p>
+            <a:r>
+              <a:rPr lang="ru-RU" dirty="0" smtClean="0">
+                <a:latin typeface="Tahoma" pitchFamily="34" charset="0"/>
+                <a:ea typeface="Tahoma" pitchFamily="34" charset="0"/>
+                <a:cs typeface="Tahoma" pitchFamily="34" charset="0"/>
+              </a:rPr>
+              <a:t>Подключае</a:t>
+            </a:r>
+            <a:r>
+              <a:rPr lang="ru-RU" dirty="0" smtClean="0">
+                <a:latin typeface="Tahoma" pitchFamily="34" charset="0"/>
+                <a:ea typeface="Tahoma" pitchFamily="34" charset="0"/>
+                <a:cs typeface="Tahoma" pitchFamily="34" charset="0"/>
+              </a:rPr>
+              <a:t>м камеру</a:t>
+            </a:r>
+            <a:endParaRPr lang="ru-RU" dirty="0">
+              <a:latin typeface="Tahoma" pitchFamily="34" charset="0"/>
+              <a:ea typeface="Tahoma" pitchFamily="34" charset="0"/>
+              <a:cs typeface="Tahoma" pitchFamily="34" charset="0"/>
+            </a:endParaRPr>
+          </a:p>
+        </p:txBody>
+      </p:sp>
+      <p:sp>
+        <p:nvSpPr>
+          <p:cNvPr id="6" name="TextBox 5"/>
+          <p:cNvSpPr txBox="1"/>
+          <p:nvPr/>
+        </p:nvSpPr>
+        <p:spPr>
+          <a:xfrm>
+            <a:off x="357158" y="1785926"/>
+            <a:ext cx="8429684" cy="2246769"/>
+          </a:xfrm>
+          <a:prstGeom prst="rect">
+            <a:avLst/>
+          </a:prstGeom>
+          <a:noFill/>
+        </p:spPr>
+        <p:txBody>
+          <a:bodyPr wrap="square" rtlCol="0">
+            <a:spAutoFit/>
+          </a:bodyPr>
+          <a:lstStyle/>
+          <a:p>
+            <a:r>
+              <a:rPr lang="ru-RU" sz="2800" dirty="0" smtClean="0">
+                <a:latin typeface="Tahoma" pitchFamily="34" charset="0"/>
+                <a:ea typeface="Tahoma" pitchFamily="34" charset="0"/>
+                <a:cs typeface="Tahoma" pitchFamily="34" charset="0"/>
+              </a:rPr>
+              <a:t>Установить формат передачи, записав по адресу </a:t>
+            </a:r>
+            <a:r>
+              <a:rPr lang="en-US" sz="2800" dirty="0" smtClean="0">
+                <a:latin typeface="Tahoma" pitchFamily="34" charset="0"/>
+                <a:ea typeface="Tahoma" pitchFamily="34" charset="0"/>
+                <a:cs typeface="Tahoma" pitchFamily="34" charset="0"/>
+              </a:rPr>
+              <a:t>0xFFFF.F0F0.060C </a:t>
+            </a:r>
+            <a:r>
+              <a:rPr lang="ru-RU" sz="2800" dirty="0" smtClean="0">
+                <a:latin typeface="Tahoma" pitchFamily="34" charset="0"/>
+                <a:ea typeface="Tahoma" pitchFamily="34" charset="0"/>
+                <a:cs typeface="Tahoma" pitchFamily="34" charset="0"/>
+              </a:rPr>
+              <a:t>значение </a:t>
+            </a:r>
+            <a:r>
+              <a:rPr lang="en-US" sz="2800" dirty="0" smtClean="0">
+                <a:latin typeface="Tahoma" pitchFamily="34" charset="0"/>
+                <a:ea typeface="Tahoma" pitchFamily="34" charset="0"/>
+                <a:cs typeface="Tahoma" pitchFamily="34" charset="0"/>
+              </a:rPr>
+              <a:t>0x2000.0000</a:t>
+            </a:r>
+          </a:p>
+          <a:p>
+            <a:endParaRPr lang="en-US" sz="2800" dirty="0" smtClean="0">
+              <a:latin typeface="Tahoma" pitchFamily="34" charset="0"/>
+              <a:ea typeface="Tahoma" pitchFamily="34" charset="0"/>
+              <a:cs typeface="Tahoma" pitchFamily="34" charset="0"/>
+            </a:endParaRPr>
+          </a:p>
+          <a:p>
+            <a:r>
+              <a:rPr lang="ru-RU" sz="2800" dirty="0" smtClean="0">
+                <a:latin typeface="Tahoma" pitchFamily="34" charset="0"/>
+                <a:ea typeface="Tahoma" pitchFamily="34" charset="0"/>
+                <a:cs typeface="Tahoma" pitchFamily="34" charset="0"/>
+              </a:rPr>
+              <a:t>Включить передачу изображения, записав по адресу </a:t>
+            </a:r>
+            <a:r>
+              <a:rPr lang="en-US" sz="2800" dirty="0" smtClean="0">
+                <a:latin typeface="Tahoma" pitchFamily="34" charset="0"/>
+                <a:ea typeface="Tahoma" pitchFamily="34" charset="0"/>
+                <a:cs typeface="Tahoma" pitchFamily="34" charset="0"/>
+              </a:rPr>
+              <a:t>0xFFFF.F0F0.0614 </a:t>
+            </a:r>
+            <a:r>
+              <a:rPr lang="ru-RU" sz="2800" dirty="0" smtClean="0">
+                <a:latin typeface="Tahoma" pitchFamily="34" charset="0"/>
+                <a:ea typeface="Tahoma" pitchFamily="34" charset="0"/>
+                <a:cs typeface="Tahoma" pitchFamily="34" charset="0"/>
+              </a:rPr>
+              <a:t>значение </a:t>
+            </a:r>
+            <a:r>
+              <a:rPr lang="en-US" sz="2800" dirty="0" smtClean="0">
+                <a:latin typeface="Tahoma" pitchFamily="34" charset="0"/>
+                <a:ea typeface="Tahoma" pitchFamily="34" charset="0"/>
+                <a:cs typeface="Tahoma" pitchFamily="34" charset="0"/>
+              </a:rPr>
+              <a:t>0x8000.0000</a:t>
+            </a:r>
+            <a:endParaRPr lang="ru-RU" sz="2800" dirty="0" smtClean="0">
+              <a:latin typeface="Tahoma" pitchFamily="34" charset="0"/>
+              <a:ea typeface="Tahoma" pitchFamily="34" charset="0"/>
+              <a:cs typeface="Tahoma" pitchFamily="34" charset="0"/>
+            </a:endParaRPr>
+          </a:p>
+        </p:txBody>
+      </p:sp>
+    </p:spTree>
+  </p:cSld>
+  <p:clrMapOvr>
+    <a:masterClrMapping/>
+  </p:clrMapOvr>
+  <p:transition/>
+  <p:timing>
+    <p:tnLst>
+      <p:par>
+        <p:cTn id="1" dur="indefinite" restart="never" nodeType="tmRoot">
+          <p:childTnLst>
+            <p:seq concurrent="1" nextAc="seek">
+              <p:cTn id="2" dur="indefinite" nodeType="mainSeq">
+                <p:childTnLst>
+                  <p:par>
+                    <p:cTn id="3" fill="hold">
+                      <p:stCondLst>
+                        <p:cond delay="indefinite"/>
+                        <p:cond evt="onBegin" delay="0">
+                          <p:tn val="2"/>
+                        </p:cond>
+                      </p:stCondLst>
+                      <p:childTnLst>
+                        <p:par>
+                          <p:cTn id="4" fill="hold">
+                            <p:stCondLst>
+                              <p:cond delay="0"/>
+                            </p:stCondLst>
+                            <p:childTnLst>
+                              <p:par>
+                                <p:cTn id="5" presetID="42" presetClass="entr" presetSubtype="0" fill="hold" nodeType="withEffect">
+                                  <p:stCondLst>
+                                    <p:cond delay="0"/>
+                                  </p:stCondLst>
+                                  <p:childTnLst>
+                                    <p:set>
+                                      <p:cBhvr>
+                                        <p:cTn id="6" dur="1" fill="hold">
+                                          <p:stCondLst>
+                                            <p:cond delay="0"/>
+                                          </p:stCondLst>
+                                        </p:cTn>
+                                        <p:tgtEl>
+                                          <p:spTgt spid="6">
+                                            <p:txEl>
+                                              <p:pRg st="0" end="0"/>
+                                            </p:txEl>
+                                          </p:spTgt>
+                                        </p:tgtEl>
+                                        <p:attrNameLst>
+                                          <p:attrName>style.visibility</p:attrName>
+                                        </p:attrNameLst>
+                                      </p:cBhvr>
+                                      <p:to>
+                                        <p:strVal val="visible"/>
+                                      </p:to>
+                                    </p:set>
+                                    <p:animEffect transition="in" filter="fade">
+                                      <p:cBhvr>
+                                        <p:cTn id="7" dur="1000"/>
+                                        <p:tgtEl>
+                                          <p:spTgt spid="6">
+                                            <p:txEl>
+                                              <p:pRg st="0" end="0"/>
+                                            </p:txEl>
+                                          </p:spTgt>
+                                        </p:tgtEl>
+                                      </p:cBhvr>
+                                    </p:animEffect>
+                                    <p:anim calcmode="lin" valueType="num">
+                                      <p:cBhvr>
+                                        <p:cTn id="8" dur="1000" fill="hold"/>
+                                        <p:tgtEl>
+                                          <p:spTgt spid="6">
+                                            <p:txEl>
+                                              <p:pRg st="0" end="0"/>
+                                            </p:txEl>
+                                          </p:spTgt>
+                                        </p:tgtEl>
+                                        <p:attrNameLst>
+                                          <p:attrName>ppt_x</p:attrName>
+                                        </p:attrNameLst>
+                                      </p:cBhvr>
+                                      <p:tavLst>
+                                        <p:tav tm="0">
+                                          <p:val>
+                                            <p:strVal val="#ppt_x"/>
+                                          </p:val>
+                                        </p:tav>
+                                        <p:tav tm="100000">
+                                          <p:val>
+                                            <p:strVal val="#ppt_x"/>
+                                          </p:val>
+                                        </p:tav>
+                                      </p:tavLst>
+                                    </p:anim>
+                                    <p:anim calcmode="lin" valueType="num">
+                                      <p:cBhvr>
+                                        <p:cTn id="9" dur="1000" fill="hold"/>
+                                        <p:tgtEl>
+                                          <p:spTgt spid="6">
+                                            <p:txEl>
+                                              <p:pRg st="0" end="0"/>
+                                            </p:txEl>
+                                          </p:spTgt>
+                                        </p:tgtEl>
+                                        <p:attrNameLst>
+                                          <p:attrName>ppt_y</p:attrName>
+                                        </p:attrNameLst>
+                                      </p:cBhvr>
+                                      <p:tavLst>
+                                        <p:tav tm="0">
+                                          <p:val>
+                                            <p:strVal val="#ppt_y+.1"/>
+                                          </p:val>
+                                        </p:tav>
+                                        <p:tav tm="100000">
+                                          <p:val>
+                                            <p:strVal val="#ppt_y"/>
+                                          </p:val>
+                                        </p:tav>
+                                      </p:tavLst>
+                                    </p:anim>
+                                  </p:childTnLst>
+                                </p:cTn>
+                              </p:par>
+                            </p:childTnLst>
+                          </p:cTn>
+                        </p:par>
+                      </p:childTnLst>
+                    </p:cTn>
+                  </p:par>
+                  <p:par>
+                    <p:cTn id="10" fill="hold">
+                      <p:stCondLst>
+                        <p:cond delay="indefinite"/>
+                      </p:stCondLst>
+                      <p:childTnLst>
+                        <p:par>
+                          <p:cTn id="11" fill="hold">
+                            <p:stCondLst>
+                              <p:cond delay="0"/>
+                            </p:stCondLst>
+                            <p:childTnLst>
+                              <p:par>
+                                <p:cTn id="12" presetID="42" presetClass="entr" presetSubtype="0" fill="hold" nodeType="clickEffect">
+                                  <p:stCondLst>
+                                    <p:cond delay="0"/>
+                                  </p:stCondLst>
+                                  <p:childTnLst>
+                                    <p:set>
+                                      <p:cBhvr>
+                                        <p:cTn id="13" dur="1" fill="hold">
+                                          <p:stCondLst>
+                                            <p:cond delay="0"/>
+                                          </p:stCondLst>
+                                        </p:cTn>
+                                        <p:tgtEl>
+                                          <p:spTgt spid="6">
+                                            <p:txEl>
+                                              <p:pRg st="2" end="2"/>
+                                            </p:txEl>
+                                          </p:spTgt>
+                                        </p:tgtEl>
+                                        <p:attrNameLst>
+                                          <p:attrName>style.visibility</p:attrName>
+                                        </p:attrNameLst>
+                                      </p:cBhvr>
+                                      <p:to>
+                                        <p:strVal val="visible"/>
+                                      </p:to>
+                                    </p:set>
+                                    <p:animEffect transition="in" filter="fade">
+                                      <p:cBhvr>
+                                        <p:cTn id="14" dur="1000"/>
+                                        <p:tgtEl>
+                                          <p:spTgt spid="6">
+                                            <p:txEl>
+                                              <p:pRg st="2" end="2"/>
+                                            </p:txEl>
+                                          </p:spTgt>
+                                        </p:tgtEl>
+                                      </p:cBhvr>
+                                    </p:animEffect>
+                                    <p:anim calcmode="lin" valueType="num">
+                                      <p:cBhvr>
+                                        <p:cTn id="15" dur="1000" fill="hold"/>
+                                        <p:tgtEl>
+                                          <p:spTgt spid="6">
+                                            <p:txEl>
+                                              <p:pRg st="2" end="2"/>
+                                            </p:txEl>
+                                          </p:spTgt>
+                                        </p:tgtEl>
+                                        <p:attrNameLst>
+                                          <p:attrName>ppt_x</p:attrName>
+                                        </p:attrNameLst>
+                                      </p:cBhvr>
+                                      <p:tavLst>
+                                        <p:tav tm="0">
+                                          <p:val>
+                                            <p:strVal val="#ppt_x"/>
+                                          </p:val>
+                                        </p:tav>
+                                        <p:tav tm="100000">
+                                          <p:val>
+                                            <p:strVal val="#ppt_x"/>
+                                          </p:val>
+                                        </p:tav>
+                                      </p:tavLst>
+                                    </p:anim>
+                                    <p:anim calcmode="lin" valueType="num">
+                                      <p:cBhvr>
+                                        <p:cTn id="16" dur="1000" fill="hold"/>
+                                        <p:tgtEl>
+                                          <p:spTgt spid="6">
+                                            <p:txEl>
+                                              <p:pRg st="2" end="2"/>
+                                            </p:txEl>
+                                          </p:spTgt>
+                                        </p:tgtEl>
+                                        <p:attrNameLst>
+                                          <p:attrName>ppt_y</p:attrName>
+                                        </p:attrNameLst>
+                                      </p:cBhvr>
+                                      <p:tavLst>
+                                        <p:tav tm="0">
+                                          <p:val>
+                                            <p:strVal val="#ppt_y+.1"/>
+                                          </p:val>
+                                        </p:tav>
+                                        <p:tav tm="100000">
+                                          <p:val>
+                                            <p:strVal val="#ppt_y"/>
+                                          </p:val>
+                                        </p:tav>
+                                      </p:tavLst>
+                                    </p:anim>
+                                  </p:childTnLst>
+                                </p:cTn>
+                              </p:par>
+                            </p:childTnLst>
+                          </p:cTn>
+                        </p:par>
+                      </p:childTnLst>
+                    </p:cTn>
+                  </p:par>
+                </p:childTnLst>
+              </p:cTn>
+              <p:prevCondLst>
+                <p:cond evt="onPrev" delay="0">
+                  <p:tgtEl>
+                    <p:sldTgt/>
+                  </p:tgtEl>
+                </p:cond>
+              </p:prevCondLst>
+              <p:nextCondLst>
+                <p:cond evt="onNext" delay="0">
+                  <p:tgtEl>
+                    <p:sldTgt/>
+                  </p:tgtEl>
+                </p:cond>
+              </p:nextCondLst>
+            </p:seq>
+          </p:childTnLst>
+        </p:cTn>
+      </p:par>
+    </p:tnLst>
+  </p:timing>
+</p:sld>
+</file>
+
+<file path=ppt/slides/slide24.xml><?xml version="1.0" encoding="utf-8"?>
+<p:sld xmlns:a="http://schemas.openxmlformats.org/drawingml/2006/main" xmlns:r="http://schemas.openxmlformats.org/officeDocument/2006/relationships" xmlns:p="http://schemas.openxmlformats.org/presentationml/2006/main">
+  <p:cSld>
+    <p:spTree>
+      <p:nvGrpSpPr>
+        <p:cNvPr id="1" name=""/>
+        <p:cNvGrpSpPr/>
+        <p:nvPr/>
+      </p:nvGrpSpPr>
+      <p:grpSpPr>
+        <a:xfrm>
+          <a:off x="0" y="0"/>
+          <a:ext cx="0" cy="0"/>
+          <a:chOff x="0" y="0"/>
+          <a:chExt cx="0" cy="0"/>
+        </a:xfrm>
+      </p:grpSpPr>
+      <p:sp>
+        <p:nvSpPr>
+          <p:cNvPr id="2" name="Заголовок 1"/>
+          <p:cNvSpPr>
+            <a:spLocks noGrp="1"/>
+          </p:cNvSpPr>
+          <p:nvPr>
+            <p:ph type="title"/>
+          </p:nvPr>
+        </p:nvSpPr>
+        <p:spPr/>
+        <p:txBody>
           <a:bodyPr/>
           <a:lstStyle/>
           <a:p>
@@ -14582,15 +16060,7 @@
                 <a:ea typeface="Tahoma" pitchFamily="34" charset="0"/>
                 <a:cs typeface="Tahoma" pitchFamily="34" charset="0"/>
               </a:rPr>
-              <a:t>Михаил Гук – «Аппаратные интерфейсы ПК</a:t>
-            </a:r>
-            <a:r>
-              <a:rPr lang="ru-RU" sz="2800" dirty="0" smtClean="0">
-                <a:latin typeface="Tahoma" pitchFamily="34" charset="0"/>
-                <a:ea typeface="Tahoma" pitchFamily="34" charset="0"/>
-                <a:cs typeface="Tahoma" pitchFamily="34" charset="0"/>
-              </a:rPr>
-              <a:t>»</a:t>
+              <a:t>Михаил Гук – «Аппаратные интерфейсы ПК»</a:t>
             </a:r>
           </a:p>
           <a:p>
@@ -19157,11 +20627,6 @@
               </a:rPr>
               <a:t>9 pin</a:t>
             </a:r>
-            <a:endParaRPr lang="en-US" sz="2800" b="1" u="sng" dirty="0" smtClean="0">
-              <a:latin typeface="Tahoma" pitchFamily="34" charset="0"/>
-              <a:ea typeface="Tahoma" pitchFamily="34" charset="0"/>
-              <a:cs typeface="Tahoma" pitchFamily="34" charset="0"/>
-            </a:endParaRPr>
           </a:p>
           <a:p>
             <a:endParaRPr lang="en-US" sz="2800" b="1" u="sng" dirty="0">

--- a/FireWire.pptx
+++ b/FireWire.pptx
@@ -4,6 +4,9 @@
   <p:sldMasterIdLst>
     <p:sldMasterId id="2147483660" r:id="rId1"/>
   </p:sldMasterIdLst>
+  <p:notesMasterIdLst>
+    <p:notesMasterId r:id="rId26"/>
+  </p:notesMasterIdLst>
   <p:sldIdLst>
     <p:sldId id="256" r:id="rId2"/>
     <p:sldId id="257" r:id="rId3"/>
@@ -128,6 +131,434 @@
     </a:lvl9pPr>
   </p:defaultTextStyle>
 </p:presentation>
+</file>
+
+<file path=ppt/notesMasters/notesMaster1.xml><?xml version="1.0" encoding="utf-8"?>
+<p:notesMaster xmlns:a="http://schemas.openxmlformats.org/drawingml/2006/main" xmlns:r="http://schemas.openxmlformats.org/officeDocument/2006/relationships" xmlns:p="http://schemas.openxmlformats.org/presentationml/2006/main">
+  <p:cSld>
+    <p:bg>
+      <p:bgRef idx="1001">
+        <a:schemeClr val="bg1"/>
+      </p:bgRef>
+    </p:bg>
+    <p:spTree>
+      <p:nvGrpSpPr>
+        <p:cNvPr id="1" name=""/>
+        <p:cNvGrpSpPr/>
+        <p:nvPr/>
+      </p:nvGrpSpPr>
+      <p:grpSpPr>
+        <a:xfrm>
+          <a:off x="0" y="0"/>
+          <a:ext cx="0" cy="0"/>
+          <a:chOff x="0" y="0"/>
+          <a:chExt cx="0" cy="0"/>
+        </a:xfrm>
+      </p:grpSpPr>
+      <p:sp>
+        <p:nvSpPr>
+          <p:cNvPr id="2" name="Верхний колонтитул 1"/>
+          <p:cNvSpPr>
+            <a:spLocks noGrp="1"/>
+          </p:cNvSpPr>
+          <p:nvPr>
+            <p:ph type="hdr" sz="quarter"/>
+          </p:nvPr>
+        </p:nvSpPr>
+        <p:spPr>
+          <a:xfrm>
+            <a:off x="0" y="0"/>
+            <a:ext cx="2971800" cy="457200"/>
+          </a:xfrm>
+          <a:prstGeom prst="rect">
+            <a:avLst/>
+          </a:prstGeom>
+        </p:spPr>
+        <p:txBody>
+          <a:bodyPr vert="horz" lIns="91440" tIns="45720" rIns="91440" bIns="45720" rtlCol="0"/>
+          <a:lstStyle>
+            <a:lvl1pPr algn="l">
+              <a:defRPr sz="1200"/>
+            </a:lvl1pPr>
+          </a:lstStyle>
+          <a:p>
+            <a:endParaRPr lang="ru-RU"/>
+          </a:p>
+        </p:txBody>
+      </p:sp>
+      <p:sp>
+        <p:nvSpPr>
+          <p:cNvPr id="3" name="Дата 2"/>
+          <p:cNvSpPr>
+            <a:spLocks noGrp="1"/>
+          </p:cNvSpPr>
+          <p:nvPr>
+            <p:ph type="dt" idx="1"/>
+          </p:nvPr>
+        </p:nvSpPr>
+        <p:spPr>
+          <a:xfrm>
+            <a:off x="3884613" y="0"/>
+            <a:ext cx="2971800" cy="457200"/>
+          </a:xfrm>
+          <a:prstGeom prst="rect">
+            <a:avLst/>
+          </a:prstGeom>
+        </p:spPr>
+        <p:txBody>
+          <a:bodyPr vert="horz" lIns="91440" tIns="45720" rIns="91440" bIns="45720" rtlCol="0"/>
+          <a:lstStyle>
+            <a:lvl1pPr algn="r">
+              <a:defRPr sz="1200"/>
+            </a:lvl1pPr>
+          </a:lstStyle>
+          <a:p>
+            <a:fld id="{23C71C48-BE96-4E56-AE5B-D5CBFAC5077A}" type="datetimeFigureOut">
+              <a:rPr lang="ru-RU" smtClean="0"/>
+              <a:t>08.10.2013</a:t>
+            </a:fld>
+            <a:endParaRPr lang="ru-RU"/>
+          </a:p>
+        </p:txBody>
+      </p:sp>
+      <p:sp>
+        <p:nvSpPr>
+          <p:cNvPr id="4" name="Образ слайда 3"/>
+          <p:cNvSpPr>
+            <a:spLocks noGrp="1" noRot="1" noChangeAspect="1"/>
+          </p:cNvSpPr>
+          <p:nvPr>
+            <p:ph type="sldImg" idx="2"/>
+          </p:nvPr>
+        </p:nvSpPr>
+        <p:spPr>
+          <a:xfrm>
+            <a:off x="1143000" y="685800"/>
+            <a:ext cx="4572000" cy="3429000"/>
+          </a:xfrm>
+          <a:prstGeom prst="rect">
+            <a:avLst/>
+          </a:prstGeom>
+          <a:noFill/>
+          <a:ln w="12700">
+            <a:solidFill>
+              <a:prstClr val="black"/>
+            </a:solidFill>
+          </a:ln>
+        </p:spPr>
+        <p:txBody>
+          <a:bodyPr vert="horz" lIns="91440" tIns="45720" rIns="91440" bIns="45720" rtlCol="0" anchor="ctr"/>
+          <a:lstStyle/>
+          <a:p>
+            <a:endParaRPr lang="ru-RU"/>
+          </a:p>
+        </p:txBody>
+      </p:sp>
+      <p:sp>
+        <p:nvSpPr>
+          <p:cNvPr id="5" name="Заметки 4"/>
+          <p:cNvSpPr>
+            <a:spLocks noGrp="1"/>
+          </p:cNvSpPr>
+          <p:nvPr>
+            <p:ph type="body" sz="quarter" idx="3"/>
+          </p:nvPr>
+        </p:nvSpPr>
+        <p:spPr>
+          <a:xfrm>
+            <a:off x="685800" y="4343400"/>
+            <a:ext cx="5486400" cy="4114800"/>
+          </a:xfrm>
+          <a:prstGeom prst="rect">
+            <a:avLst/>
+          </a:prstGeom>
+        </p:spPr>
+        <p:txBody>
+          <a:bodyPr vert="horz" lIns="91440" tIns="45720" rIns="91440" bIns="45720" rtlCol="0">
+            <a:normAutofit/>
+          </a:bodyPr>
+          <a:lstStyle/>
+          <a:p>
+            <a:pPr lvl="0"/>
+            <a:r>
+              <a:rPr lang="ru-RU" smtClean="0"/>
+              <a:t>Образец текста</a:t>
+            </a:r>
+          </a:p>
+          <a:p>
+            <a:pPr lvl="1"/>
+            <a:r>
+              <a:rPr lang="ru-RU" smtClean="0"/>
+              <a:t>Второй уровень</a:t>
+            </a:r>
+          </a:p>
+          <a:p>
+            <a:pPr lvl="2"/>
+            <a:r>
+              <a:rPr lang="ru-RU" smtClean="0"/>
+              <a:t>Третий уровень</a:t>
+            </a:r>
+          </a:p>
+          <a:p>
+            <a:pPr lvl="3"/>
+            <a:r>
+              <a:rPr lang="ru-RU" smtClean="0"/>
+              <a:t>Четвертый уровень</a:t>
+            </a:r>
+          </a:p>
+          <a:p>
+            <a:pPr lvl="4"/>
+            <a:r>
+              <a:rPr lang="ru-RU" smtClean="0"/>
+              <a:t>Пятый уровень</a:t>
+            </a:r>
+            <a:endParaRPr lang="ru-RU"/>
+          </a:p>
+        </p:txBody>
+      </p:sp>
+      <p:sp>
+        <p:nvSpPr>
+          <p:cNvPr id="6" name="Нижний колонтитул 5"/>
+          <p:cNvSpPr>
+            <a:spLocks noGrp="1"/>
+          </p:cNvSpPr>
+          <p:nvPr>
+            <p:ph type="ftr" sz="quarter" idx="4"/>
+          </p:nvPr>
+        </p:nvSpPr>
+        <p:spPr>
+          <a:xfrm>
+            <a:off x="0" y="8685213"/>
+            <a:ext cx="2971800" cy="457200"/>
+          </a:xfrm>
+          <a:prstGeom prst="rect">
+            <a:avLst/>
+          </a:prstGeom>
+        </p:spPr>
+        <p:txBody>
+          <a:bodyPr vert="horz" lIns="91440" tIns="45720" rIns="91440" bIns="45720" rtlCol="0" anchor="b"/>
+          <a:lstStyle>
+            <a:lvl1pPr algn="l">
+              <a:defRPr sz="1200"/>
+            </a:lvl1pPr>
+          </a:lstStyle>
+          <a:p>
+            <a:endParaRPr lang="ru-RU"/>
+          </a:p>
+        </p:txBody>
+      </p:sp>
+      <p:sp>
+        <p:nvSpPr>
+          <p:cNvPr id="7" name="Номер слайда 6"/>
+          <p:cNvSpPr>
+            <a:spLocks noGrp="1"/>
+          </p:cNvSpPr>
+          <p:nvPr>
+            <p:ph type="sldNum" sz="quarter" idx="5"/>
+          </p:nvPr>
+        </p:nvSpPr>
+        <p:spPr>
+          <a:xfrm>
+            <a:off x="3884613" y="8685213"/>
+            <a:ext cx="2971800" cy="457200"/>
+          </a:xfrm>
+          <a:prstGeom prst="rect">
+            <a:avLst/>
+          </a:prstGeom>
+        </p:spPr>
+        <p:txBody>
+          <a:bodyPr vert="horz" lIns="91440" tIns="45720" rIns="91440" bIns="45720" rtlCol="0" anchor="b"/>
+          <a:lstStyle>
+            <a:lvl1pPr algn="r">
+              <a:defRPr sz="1200"/>
+            </a:lvl1pPr>
+          </a:lstStyle>
+          <a:p>
+            <a:fld id="{504537C2-1B94-4838-BD94-7DCD4FAB089E}" type="slidenum">
+              <a:rPr lang="ru-RU" smtClean="0"/>
+              <a:t>‹#›</a:t>
+            </a:fld>
+            <a:endParaRPr lang="ru-RU"/>
+          </a:p>
+        </p:txBody>
+      </p:sp>
+    </p:spTree>
+  </p:cSld>
+  <p:clrMap bg1="lt1" tx1="dk1" bg2="lt2" tx2="dk2" accent1="accent1" accent2="accent2" accent3="accent3" accent4="accent4" accent5="accent5" accent6="accent6" hlink="hlink" folHlink="folHlink"/>
+  <p:notesStyle>
+    <a:lvl1pPr marL="0" algn="l" defTabSz="914400" rtl="0" eaLnBrk="1" latinLnBrk="0" hangingPunct="1">
+      <a:defRPr sz="1200" kern="1200">
+        <a:solidFill>
+          <a:schemeClr val="tx1"/>
+        </a:solidFill>
+        <a:latin typeface="+mn-lt"/>
+        <a:ea typeface="+mn-ea"/>
+        <a:cs typeface="+mn-cs"/>
+      </a:defRPr>
+    </a:lvl1pPr>
+    <a:lvl2pPr marL="457200" algn="l" defTabSz="914400" rtl="0" eaLnBrk="1" latinLnBrk="0" hangingPunct="1">
+      <a:defRPr sz="1200" kern="1200">
+        <a:solidFill>
+          <a:schemeClr val="tx1"/>
+        </a:solidFill>
+        <a:latin typeface="+mn-lt"/>
+        <a:ea typeface="+mn-ea"/>
+        <a:cs typeface="+mn-cs"/>
+      </a:defRPr>
+    </a:lvl2pPr>
+    <a:lvl3pPr marL="914400" algn="l" defTabSz="914400" rtl="0" eaLnBrk="1" latinLnBrk="0" hangingPunct="1">
+      <a:defRPr sz="1200" kern="1200">
+        <a:solidFill>
+          <a:schemeClr val="tx1"/>
+        </a:solidFill>
+        <a:latin typeface="+mn-lt"/>
+        <a:ea typeface="+mn-ea"/>
+        <a:cs typeface="+mn-cs"/>
+      </a:defRPr>
+    </a:lvl3pPr>
+    <a:lvl4pPr marL="1371600" algn="l" defTabSz="914400" rtl="0" eaLnBrk="1" latinLnBrk="0" hangingPunct="1">
+      <a:defRPr sz="1200" kern="1200">
+        <a:solidFill>
+          <a:schemeClr val="tx1"/>
+        </a:solidFill>
+        <a:latin typeface="+mn-lt"/>
+        <a:ea typeface="+mn-ea"/>
+        <a:cs typeface="+mn-cs"/>
+      </a:defRPr>
+    </a:lvl4pPr>
+    <a:lvl5pPr marL="1828800" algn="l" defTabSz="914400" rtl="0" eaLnBrk="1" latinLnBrk="0" hangingPunct="1">
+      <a:defRPr sz="1200" kern="1200">
+        <a:solidFill>
+          <a:schemeClr val="tx1"/>
+        </a:solidFill>
+        <a:latin typeface="+mn-lt"/>
+        <a:ea typeface="+mn-ea"/>
+        <a:cs typeface="+mn-cs"/>
+      </a:defRPr>
+    </a:lvl5pPr>
+    <a:lvl6pPr marL="2286000" algn="l" defTabSz="914400" rtl="0" eaLnBrk="1" latinLnBrk="0" hangingPunct="1">
+      <a:defRPr sz="1200" kern="1200">
+        <a:solidFill>
+          <a:schemeClr val="tx1"/>
+        </a:solidFill>
+        <a:latin typeface="+mn-lt"/>
+        <a:ea typeface="+mn-ea"/>
+        <a:cs typeface="+mn-cs"/>
+      </a:defRPr>
+    </a:lvl6pPr>
+    <a:lvl7pPr marL="2743200" algn="l" defTabSz="914400" rtl="0" eaLnBrk="1" latinLnBrk="0" hangingPunct="1">
+      <a:defRPr sz="1200" kern="1200">
+        <a:solidFill>
+          <a:schemeClr val="tx1"/>
+        </a:solidFill>
+        <a:latin typeface="+mn-lt"/>
+        <a:ea typeface="+mn-ea"/>
+        <a:cs typeface="+mn-cs"/>
+      </a:defRPr>
+    </a:lvl7pPr>
+    <a:lvl8pPr marL="3200400" algn="l" defTabSz="914400" rtl="0" eaLnBrk="1" latinLnBrk="0" hangingPunct="1">
+      <a:defRPr sz="1200" kern="1200">
+        <a:solidFill>
+          <a:schemeClr val="tx1"/>
+        </a:solidFill>
+        <a:latin typeface="+mn-lt"/>
+        <a:ea typeface="+mn-ea"/>
+        <a:cs typeface="+mn-cs"/>
+      </a:defRPr>
+    </a:lvl8pPr>
+    <a:lvl9pPr marL="3657600" algn="l" defTabSz="914400" rtl="0" eaLnBrk="1" latinLnBrk="0" hangingPunct="1">
+      <a:defRPr sz="1200" kern="1200">
+        <a:solidFill>
+          <a:schemeClr val="tx1"/>
+        </a:solidFill>
+        <a:latin typeface="+mn-lt"/>
+        <a:ea typeface="+mn-ea"/>
+        <a:cs typeface="+mn-cs"/>
+      </a:defRPr>
+    </a:lvl9pPr>
+  </p:notesStyle>
+</p:notesMaster>
+</file>
+
+<file path=ppt/notesSlides/notesSlide1.xml><?xml version="1.0" encoding="utf-8"?>
+<p:notes xmlns:a="http://schemas.openxmlformats.org/drawingml/2006/main" xmlns:r="http://schemas.openxmlformats.org/officeDocument/2006/relationships" xmlns:p="http://schemas.openxmlformats.org/presentationml/2006/main">
+  <p:cSld>
+    <p:spTree>
+      <p:nvGrpSpPr>
+        <p:cNvPr id="1" name=""/>
+        <p:cNvGrpSpPr/>
+        <p:nvPr/>
+      </p:nvGrpSpPr>
+      <p:grpSpPr>
+        <a:xfrm>
+          <a:off x="0" y="0"/>
+          <a:ext cx="0" cy="0"/>
+          <a:chOff x="0" y="0"/>
+          <a:chExt cx="0" cy="0"/>
+        </a:xfrm>
+      </p:grpSpPr>
+      <p:sp>
+        <p:nvSpPr>
+          <p:cNvPr id="2" name="Образ слайда 1"/>
+          <p:cNvSpPr>
+            <a:spLocks noGrp="1" noRot="1" noChangeAspect="1"/>
+          </p:cNvSpPr>
+          <p:nvPr>
+            <p:ph type="sldImg"/>
+          </p:nvPr>
+        </p:nvSpPr>
+        <p:spPr/>
+      </p:sp>
+      <p:sp>
+        <p:nvSpPr>
+          <p:cNvPr id="3" name="Заметки 2"/>
+          <p:cNvSpPr>
+            <a:spLocks noGrp="1"/>
+          </p:cNvSpPr>
+          <p:nvPr>
+            <p:ph type="body" idx="1"/>
+          </p:nvPr>
+        </p:nvSpPr>
+        <p:spPr/>
+        <p:txBody>
+          <a:bodyPr>
+            <a:normAutofit/>
+          </a:bodyPr>
+          <a:lstStyle/>
+          <a:p>
+            <a:endParaRPr lang="ru-RU" dirty="0"/>
+          </a:p>
+        </p:txBody>
+      </p:sp>
+      <p:sp>
+        <p:nvSpPr>
+          <p:cNvPr id="4" name="Номер слайда 3"/>
+          <p:cNvSpPr>
+            <a:spLocks noGrp="1"/>
+          </p:cNvSpPr>
+          <p:nvPr>
+            <p:ph type="sldNum" sz="quarter" idx="10"/>
+          </p:nvPr>
+        </p:nvSpPr>
+        <p:spPr/>
+        <p:txBody>
+          <a:bodyPr/>
+          <a:lstStyle/>
+          <a:p>
+            <a:fld id="{504537C2-1B94-4838-BD94-7DCD4FAB089E}" type="slidenum">
+              <a:rPr lang="ru-RU" smtClean="0"/>
+              <a:t>4</a:t>
+            </a:fld>
+            <a:endParaRPr lang="ru-RU"/>
+          </a:p>
+        </p:txBody>
+      </p:sp>
+    </p:spTree>
+  </p:cSld>
+  <p:clrMapOvr>
+    <a:masterClrMapping/>
+  </p:clrMapOvr>
+</p:notes>
 </file>
 
 <file path=ppt/slideLayouts/slideLayout1.xml><?xml version="1.0" encoding="utf-8"?>
@@ -14790,6 +15221,14 @@
                 <a:cs typeface="Tahoma" pitchFamily="34" charset="0"/>
               </a:rPr>
               <a:t>м камеру</a:t>
+            </a:r>
+            <a:r>
+              <a:rPr lang="en-US" dirty="0" smtClean="0">
+                <a:latin typeface="Tahoma" pitchFamily="34" charset="0"/>
+                <a:ea typeface="Tahoma" pitchFamily="34" charset="0"/>
+                <a:cs typeface="Tahoma" pitchFamily="34" charset="0"/>
+              </a:rPr>
+              <a:t> SONY</a:t>
             </a:r>
             <a:endParaRPr lang="ru-RU" dirty="0">
               <a:latin typeface="Tahoma" pitchFamily="34" charset="0"/>
@@ -22899,4 +23338,287 @@
   <a:objectDefaults/>
   <a:extraClrSchemeLst/>
 </a:theme>
+</file>
+
+<file path=ppt/theme/theme2.xml><?xml version="1.0" encoding="utf-8"?>
+<a:theme xmlns:a="http://schemas.openxmlformats.org/drawingml/2006/main" name="Тема Office">
+  <a:themeElements>
+    <a:clrScheme name="Стандартная">
+      <a:dk1>
+        <a:sysClr val="windowText" lastClr="000000"/>
+      </a:dk1>
+      <a:lt1>
+        <a:sysClr val="window" lastClr="FFFFFF"/>
+      </a:lt1>
+      <a:dk2>
+        <a:srgbClr val="1F497D"/>
+      </a:dk2>
+      <a:lt2>
+        <a:srgbClr val="EEECE1"/>
+      </a:lt2>
+      <a:accent1>
+        <a:srgbClr val="4F81BD"/>
+      </a:accent1>
+      <a:accent2>
+        <a:srgbClr val="C0504D"/>
+      </a:accent2>
+      <a:accent3>
+        <a:srgbClr val="9BBB59"/>
+      </a:accent3>
+      <a:accent4>
+        <a:srgbClr val="8064A2"/>
+      </a:accent4>
+      <a:accent5>
+        <a:srgbClr val="4BACC6"/>
+      </a:accent5>
+      <a:accent6>
+        <a:srgbClr val="F79646"/>
+      </a:accent6>
+      <a:hlink>
+        <a:srgbClr val="0000FF"/>
+      </a:hlink>
+      <a:folHlink>
+        <a:srgbClr val="800080"/>
+      </a:folHlink>
+    </a:clrScheme>
+    <a:fontScheme name="Стандартная">
+      <a:majorFont>
+        <a:latin typeface="Calibri"/>
+        <a:ea typeface=""/>
+        <a:cs typeface=""/>
+        <a:font script="Jpan" typeface="ＭＳ Ｐゴシック"/>
+        <a:font script="Hang" typeface="맑은 고딕"/>
+        <a:font script="Hans" typeface="宋体"/>
+        <a:font script="Hant" typeface="新細明體"/>
+        <a:font script="Arab" typeface="Times New Roman"/>
+        <a:font script="Hebr" typeface="Times New Roman"/>
+        <a:font script="Thai" typeface="Angsana New"/>
+        <a:font script="Ethi" typeface="Nyala"/>
+        <a:font script="Beng" typeface="Vrinda"/>
+        <a:font script="Gujr" typeface="Shruti"/>
+        <a:font script="Khmr" typeface="MoolBoran"/>
+        <a:font script="Knda" typeface="Tunga"/>
+        <a:font script="Guru" typeface="Raavi"/>
+        <a:font script="Cans" typeface="Euphemia"/>
+        <a:font script="Cher" typeface="Plantagenet Cherokee"/>
+        <a:font script="Yiii" typeface="Microsoft Yi Baiti"/>
+        <a:font script="Tibt" typeface="Microsoft Himalaya"/>
+        <a:font script="Thaa" typeface="MV Boli"/>
+        <a:font script="Deva" typeface="Mangal"/>
+        <a:font script="Telu" typeface="Gautami"/>
+        <a:font script="Taml" typeface="Latha"/>
+        <a:font script="Syrc" typeface="Estrangelo Edessa"/>
+        <a:font script="Orya" typeface="Kalinga"/>
+        <a:font script="Mlym" typeface="Kartika"/>
+        <a:font script="Laoo" typeface="DokChampa"/>
+        <a:font script="Sinh" typeface="Iskoola Pota"/>
+        <a:font script="Mong" typeface="Mongolian Baiti"/>
+        <a:font script="Viet" typeface="Times New Roman"/>
+        <a:font script="Uigh" typeface="Microsoft Uighur"/>
+      </a:majorFont>
+      <a:minorFont>
+        <a:latin typeface="Calibri"/>
+        <a:ea typeface=""/>
+        <a:cs typeface=""/>
+        <a:font script="Jpan" typeface="ＭＳ Ｐゴシック"/>
+        <a:font script="Hang" typeface="맑은 고딕"/>
+        <a:font script="Hans" typeface="宋体"/>
+        <a:font script="Hant" typeface="新細明體"/>
+        <a:font script="Arab" typeface="Arial"/>
+        <a:font script="Hebr" typeface="Arial"/>
+        <a:font script="Thai" typeface="Cordia New"/>
+        <a:font script="Ethi" typeface="Nyala"/>
+        <a:font script="Beng" typeface="Vrinda"/>
+        <a:font script="Gujr" typeface="Shruti"/>
+        <a:font script="Khmr" typeface="DaunPenh"/>
+        <a:font script="Knda" typeface="Tunga"/>
+        <a:font script="Guru" typeface="Raavi"/>
+        <a:font script="Cans" typeface="Euphemia"/>
+        <a:font script="Cher" typeface="Plantagenet Cherokee"/>
+        <a:font script="Yiii" typeface="Microsoft Yi Baiti"/>
+        <a:font script="Tibt" typeface="Microsoft Himalaya"/>
+        <a:font script="Thaa" typeface="MV Boli"/>
+        <a:font script="Deva" typeface="Mangal"/>
+        <a:font script="Telu" typeface="Gautami"/>
+        <a:font script="Taml" typeface="Latha"/>
+        <a:font script="Syrc" typeface="Estrangelo Edessa"/>
+        <a:font script="Orya" typeface="Kalinga"/>
+        <a:font script="Mlym" typeface="Kartika"/>
+        <a:font script="Laoo" typeface="DokChampa"/>
+        <a:font script="Sinh" typeface="Iskoola Pota"/>
+        <a:font script="Mong" typeface="Mongolian Baiti"/>
+        <a:font script="Viet" typeface="Arial"/>
+        <a:font script="Uigh" typeface="Microsoft Uighur"/>
+      </a:minorFont>
+    </a:fontScheme>
+    <a:fmtScheme name="Стандартная">
+      <a:fillStyleLst>
+        <a:solidFill>
+          <a:schemeClr val="phClr"/>
+        </a:solidFill>
+        <a:gradFill rotWithShape="1">
+          <a:gsLst>
+            <a:gs pos="0">
+              <a:schemeClr val="phClr">
+                <a:tint val="50000"/>
+                <a:satMod val="300000"/>
+              </a:schemeClr>
+            </a:gs>
+            <a:gs pos="35000">
+              <a:schemeClr val="phClr">
+                <a:tint val="37000"/>
+                <a:satMod val="300000"/>
+              </a:schemeClr>
+            </a:gs>
+            <a:gs pos="100000">
+              <a:schemeClr val="phClr">
+                <a:tint val="15000"/>
+                <a:satMod val="350000"/>
+              </a:schemeClr>
+            </a:gs>
+          </a:gsLst>
+          <a:lin ang="16200000" scaled="1"/>
+        </a:gradFill>
+        <a:gradFill rotWithShape="1">
+          <a:gsLst>
+            <a:gs pos="0">
+              <a:schemeClr val="phClr">
+                <a:shade val="51000"/>
+                <a:satMod val="130000"/>
+              </a:schemeClr>
+            </a:gs>
+            <a:gs pos="80000">
+              <a:schemeClr val="phClr">
+                <a:shade val="93000"/>
+                <a:satMod val="130000"/>
+              </a:schemeClr>
+            </a:gs>
+            <a:gs pos="100000">
+              <a:schemeClr val="phClr">
+                <a:shade val="94000"/>
+                <a:satMod val="135000"/>
+              </a:schemeClr>
+            </a:gs>
+          </a:gsLst>
+          <a:lin ang="16200000" scaled="0"/>
+        </a:gradFill>
+      </a:fillStyleLst>
+      <a:lnStyleLst>
+        <a:ln w="9525" cap="flat" cmpd="sng" algn="ctr">
+          <a:solidFill>
+            <a:schemeClr val="phClr">
+              <a:shade val="95000"/>
+              <a:satMod val="105000"/>
+            </a:schemeClr>
+          </a:solidFill>
+          <a:prstDash val="solid"/>
+        </a:ln>
+        <a:ln w="25400" cap="flat" cmpd="sng" algn="ctr">
+          <a:solidFill>
+            <a:schemeClr val="phClr"/>
+          </a:solidFill>
+          <a:prstDash val="solid"/>
+        </a:ln>
+        <a:ln w="38100" cap="flat" cmpd="sng" algn="ctr">
+          <a:solidFill>
+            <a:schemeClr val="phClr"/>
+          </a:solidFill>
+          <a:prstDash val="solid"/>
+        </a:ln>
+      </a:lnStyleLst>
+      <a:effectStyleLst>
+        <a:effectStyle>
+          <a:effectLst>
+            <a:outerShdw blurRad="40000" dist="20000" dir="5400000" rotWithShape="0">
+              <a:srgbClr val="000000">
+                <a:alpha val="38000"/>
+              </a:srgbClr>
+            </a:outerShdw>
+          </a:effectLst>
+        </a:effectStyle>
+        <a:effectStyle>
+          <a:effectLst>
+            <a:outerShdw blurRad="40000" dist="23000" dir="5400000" rotWithShape="0">
+              <a:srgbClr val="000000">
+                <a:alpha val="35000"/>
+              </a:srgbClr>
+            </a:outerShdw>
+          </a:effectLst>
+        </a:effectStyle>
+        <a:effectStyle>
+          <a:effectLst>
+            <a:outerShdw blurRad="40000" dist="23000" dir="5400000" rotWithShape="0">
+              <a:srgbClr val="000000">
+                <a:alpha val="35000"/>
+              </a:srgbClr>
+            </a:outerShdw>
+          </a:effectLst>
+          <a:scene3d>
+            <a:camera prst="orthographicFront">
+              <a:rot lat="0" lon="0" rev="0"/>
+            </a:camera>
+            <a:lightRig rig="threePt" dir="t">
+              <a:rot lat="0" lon="0" rev="1200000"/>
+            </a:lightRig>
+          </a:scene3d>
+          <a:sp3d>
+            <a:bevelT w="63500" h="25400"/>
+          </a:sp3d>
+        </a:effectStyle>
+      </a:effectStyleLst>
+      <a:bgFillStyleLst>
+        <a:solidFill>
+          <a:schemeClr val="phClr"/>
+        </a:solidFill>
+        <a:gradFill rotWithShape="1">
+          <a:gsLst>
+            <a:gs pos="0">
+              <a:schemeClr val="phClr">
+                <a:tint val="40000"/>
+                <a:satMod val="350000"/>
+              </a:schemeClr>
+            </a:gs>
+            <a:gs pos="40000">
+              <a:schemeClr val="phClr">
+                <a:tint val="45000"/>
+                <a:shade val="99000"/>
+                <a:satMod val="350000"/>
+              </a:schemeClr>
+            </a:gs>
+            <a:gs pos="100000">
+              <a:schemeClr val="phClr">
+                <a:shade val="20000"/>
+                <a:satMod val="255000"/>
+              </a:schemeClr>
+            </a:gs>
+          </a:gsLst>
+          <a:path path="circle">
+            <a:fillToRect l="50000" t="-80000" r="50000" b="180000"/>
+          </a:path>
+        </a:gradFill>
+        <a:gradFill rotWithShape="1">
+          <a:gsLst>
+            <a:gs pos="0">
+              <a:schemeClr val="phClr">
+                <a:tint val="80000"/>
+                <a:satMod val="300000"/>
+              </a:schemeClr>
+            </a:gs>
+            <a:gs pos="100000">
+              <a:schemeClr val="phClr">
+                <a:shade val="30000"/>
+                <a:satMod val="200000"/>
+              </a:schemeClr>
+            </a:gs>
+          </a:gsLst>
+          <a:path path="circle">
+            <a:fillToRect l="50000" t="50000" r="50000" b="50000"/>
+          </a:path>
+        </a:gradFill>
+      </a:bgFillStyleLst>
+    </a:fmtScheme>
+  </a:themeElements>
+  <a:objectDefaults/>
+  <a:extraClrSchemeLst/>
+</a:theme>
 </file>